--- a/Presentation/Stock Market Predictor.pptx
+++ b/Presentation/Stock Market Predictor.pptx
@@ -5,72 +5,73 @@
     <p:sldMasterId id="2147483658" r:id="rId1"/>
   </p:sldMasterIdLst>
   <p:notesMasterIdLst>
-    <p:notesMasterId r:id="rId23"/>
+    <p:notesMasterId r:id="rId24"/>
   </p:notesMasterIdLst>
   <p:sldIdLst>
     <p:sldId id="256" r:id="rId2"/>
-    <p:sldId id="258" r:id="rId3"/>
-    <p:sldId id="295" r:id="rId4"/>
-    <p:sldId id="257" r:id="rId5"/>
-    <p:sldId id="259" r:id="rId6"/>
-    <p:sldId id="305" r:id="rId7"/>
-    <p:sldId id="260" r:id="rId8"/>
-    <p:sldId id="306" r:id="rId9"/>
-    <p:sldId id="296" r:id="rId10"/>
-    <p:sldId id="304" r:id="rId11"/>
-    <p:sldId id="297" r:id="rId12"/>
-    <p:sldId id="303" r:id="rId13"/>
-    <p:sldId id="299" r:id="rId14"/>
-    <p:sldId id="300" r:id="rId15"/>
-    <p:sldId id="301" r:id="rId16"/>
-    <p:sldId id="307" r:id="rId17"/>
-    <p:sldId id="302" r:id="rId18"/>
-    <p:sldId id="261" r:id="rId19"/>
-    <p:sldId id="308" r:id="rId20"/>
-    <p:sldId id="309" r:id="rId21"/>
-    <p:sldId id="310" r:id="rId22"/>
+    <p:sldId id="312" r:id="rId3"/>
+    <p:sldId id="258" r:id="rId4"/>
+    <p:sldId id="295" r:id="rId5"/>
+    <p:sldId id="257" r:id="rId6"/>
+    <p:sldId id="259" r:id="rId7"/>
+    <p:sldId id="305" r:id="rId8"/>
+    <p:sldId id="260" r:id="rId9"/>
+    <p:sldId id="306" r:id="rId10"/>
+    <p:sldId id="296" r:id="rId11"/>
+    <p:sldId id="304" r:id="rId12"/>
+    <p:sldId id="297" r:id="rId13"/>
+    <p:sldId id="303" r:id="rId14"/>
+    <p:sldId id="299" r:id="rId15"/>
+    <p:sldId id="300" r:id="rId16"/>
+    <p:sldId id="301" r:id="rId17"/>
+    <p:sldId id="307" r:id="rId18"/>
+    <p:sldId id="302" r:id="rId19"/>
+    <p:sldId id="261" r:id="rId20"/>
+    <p:sldId id="308" r:id="rId21"/>
+    <p:sldId id="309" r:id="rId22"/>
+    <p:sldId id="310" r:id="rId23"/>
   </p:sldIdLst>
   <p:sldSz cx="9144000" cy="5143500" type="screen16x9"/>
   <p:notesSz cx="6858000" cy="9144000"/>
   <p:embeddedFontLst>
     <p:embeddedFont>
       <p:font typeface="Abril Fatface" panose="02000503000000020003" pitchFamily="2" charset="0"/>
-      <p:regular r:id="rId24"/>
+      <p:regular r:id="rId25"/>
     </p:embeddedFont>
     <p:embeddedFont>
       <p:font typeface="Calibri" panose="020F0502020204030204" pitchFamily="34" charset="0"/>
-      <p:regular r:id="rId25"/>
-      <p:bold r:id="rId26"/>
-      <p:italic r:id="rId27"/>
-      <p:boldItalic r:id="rId28"/>
+      <p:regular r:id="rId26"/>
+      <p:bold r:id="rId27"/>
+      <p:italic r:id="rId28"/>
+      <p:boldItalic r:id="rId29"/>
     </p:embeddedFont>
     <p:embeddedFont>
       <p:font typeface="Consolas" panose="020B0609020204030204" pitchFamily="49" charset="0"/>
-      <p:regular r:id="rId29"/>
-      <p:bold r:id="rId30"/>
-      <p:italic r:id="rId31"/>
-      <p:boldItalic r:id="rId32"/>
+      <p:regular r:id="rId30"/>
+      <p:bold r:id="rId31"/>
+      <p:italic r:id="rId32"/>
+      <p:boldItalic r:id="rId33"/>
     </p:embeddedFont>
     <p:embeddedFont>
       <p:font typeface="Helvetica" panose="020B0604020202020204" pitchFamily="34" charset="0"/>
-      <p:regular r:id="rId33"/>
-      <p:bold r:id="rId34"/>
-      <p:italic r:id="rId35"/>
-      <p:boldItalic r:id="rId36"/>
+      <p:regular r:id="rId34"/>
+      <p:bold r:id="rId35"/>
+      <p:italic r:id="rId36"/>
+      <p:boldItalic r:id="rId37"/>
     </p:embeddedFont>
     <p:embeddedFont>
       <p:font typeface="Montserrat" panose="00000500000000000000" pitchFamily="2" charset="0"/>
-      <p:regular r:id="rId37"/>
-      <p:bold r:id="rId38"/>
-      <p:italic r:id="rId39"/>
-      <p:boldItalic r:id="rId40"/>
+      <p:regular r:id="rId38"/>
+      <p:bold r:id="rId39"/>
+      <p:italic r:id="rId40"/>
+      <p:boldItalic r:id="rId41"/>
     </p:embeddedFont>
     <p:embeddedFont>
       <p:font typeface="PT Serif" panose="020A0603040505020204" pitchFamily="18" charset="0"/>
-      <p:regular r:id="rId41"/>
-      <p:bold r:id="rId42"/>
-      <p:italic r:id="rId43"/>
-      <p:boldItalic r:id="rId44"/>
+      <p:regular r:id="rId42"/>
+      <p:bold r:id="rId43"/>
+      <p:italic r:id="rId44"/>
+      <p:boldItalic r:id="rId45"/>
     </p:embeddedFont>
   </p:embeddedFontLst>
   <p:defaultTextStyle>
@@ -954,7 +955,7 @@
     </p:spTree>
     <p:extLst>
       <p:ext uri="{BB962C8B-B14F-4D97-AF65-F5344CB8AC3E}">
-        <p14:creationId xmlns:p14="http://schemas.microsoft.com/office/powerpoint/2010/main" val="4163307865"/>
+        <p14:creationId xmlns:p14="http://schemas.microsoft.com/office/powerpoint/2010/main" val="1248318913"/>
       </p:ext>
     </p:extLst>
   </p:cSld>
@@ -1063,7 +1064,7 @@
     </p:spTree>
     <p:extLst>
       <p:ext uri="{BB962C8B-B14F-4D97-AF65-F5344CB8AC3E}">
-        <p14:creationId xmlns:p14="http://schemas.microsoft.com/office/powerpoint/2010/main" val="3804526400"/>
+        <p14:creationId xmlns:p14="http://schemas.microsoft.com/office/powerpoint/2010/main" val="4163307865"/>
       </p:ext>
     </p:extLst>
   </p:cSld>
@@ -1172,7 +1173,7 @@
     </p:spTree>
     <p:extLst>
       <p:ext uri="{BB962C8B-B14F-4D97-AF65-F5344CB8AC3E}">
-        <p14:creationId xmlns:p14="http://schemas.microsoft.com/office/powerpoint/2010/main" val="202004856"/>
+        <p14:creationId xmlns:p14="http://schemas.microsoft.com/office/powerpoint/2010/main" val="3804526400"/>
       </p:ext>
     </p:extLst>
   </p:cSld>
@@ -1281,7 +1282,7 @@
     </p:spTree>
     <p:extLst>
       <p:ext uri="{BB962C8B-B14F-4D97-AF65-F5344CB8AC3E}">
-        <p14:creationId xmlns:p14="http://schemas.microsoft.com/office/powerpoint/2010/main" val="2312592979"/>
+        <p14:creationId xmlns:p14="http://schemas.microsoft.com/office/powerpoint/2010/main" val="202004856"/>
       </p:ext>
     </p:extLst>
   </p:cSld>
@@ -1390,7 +1391,7 @@
     </p:spTree>
     <p:extLst>
       <p:ext uri="{BB962C8B-B14F-4D97-AF65-F5344CB8AC3E}">
-        <p14:creationId xmlns:p14="http://schemas.microsoft.com/office/powerpoint/2010/main" val="860490415"/>
+        <p14:creationId xmlns:p14="http://schemas.microsoft.com/office/powerpoint/2010/main" val="2312592979"/>
       </p:ext>
     </p:extLst>
   </p:cSld>
@@ -1499,7 +1500,7 @@
     </p:spTree>
     <p:extLst>
       <p:ext uri="{BB962C8B-B14F-4D97-AF65-F5344CB8AC3E}">
-        <p14:creationId xmlns:p14="http://schemas.microsoft.com/office/powerpoint/2010/main" val="3211689086"/>
+        <p14:creationId xmlns:p14="http://schemas.microsoft.com/office/powerpoint/2010/main" val="860490415"/>
       </p:ext>
     </p:extLst>
   </p:cSld>
@@ -1608,7 +1609,7 @@
     </p:spTree>
     <p:extLst>
       <p:ext uri="{BB962C8B-B14F-4D97-AF65-F5344CB8AC3E}">
-        <p14:creationId xmlns:p14="http://schemas.microsoft.com/office/powerpoint/2010/main" val="626154470"/>
+        <p14:creationId xmlns:p14="http://schemas.microsoft.com/office/powerpoint/2010/main" val="3211689086"/>
       </p:ext>
     </p:extLst>
   </p:cSld>
@@ -1717,6 +1718,115 @@
     </p:spTree>
     <p:extLst>
       <p:ext uri="{BB962C8B-B14F-4D97-AF65-F5344CB8AC3E}">
+        <p14:creationId xmlns:p14="http://schemas.microsoft.com/office/powerpoint/2010/main" val="626154470"/>
+      </p:ext>
+    </p:extLst>
+  </p:cSld>
+  <p:clrMapOvr>
+    <a:masterClrMapping/>
+  </p:clrMapOvr>
+</p:notes>
+</file>
+
+<file path=ppt/notesSlides/notesSlide18.xml><?xml version="1.0" encoding="utf-8"?>
+<p:notes xmlns:a="http://schemas.openxmlformats.org/drawingml/2006/main" xmlns:r="http://schemas.openxmlformats.org/officeDocument/2006/relationships" xmlns:p="http://schemas.openxmlformats.org/presentationml/2006/main" showMasterSp="0" showMasterPhAnim="0">
+  <p:cSld>
+    <p:spTree>
+      <p:nvGrpSpPr>
+        <p:cNvPr id="1" name="Shape 275"/>
+        <p:cNvGrpSpPr/>
+        <p:nvPr/>
+      </p:nvGrpSpPr>
+      <p:grpSpPr>
+        <a:xfrm>
+          <a:off x="0" y="0"/>
+          <a:ext cx="0" cy="0"/>
+          <a:chOff x="0" y="0"/>
+          <a:chExt cx="0" cy="0"/>
+        </a:xfrm>
+      </p:grpSpPr>
+      <p:sp>
+        <p:nvSpPr>
+          <p:cNvPr id="276" name="Google Shape;276;g35f391192_029:notes"/>
+          <p:cNvSpPr>
+            <a:spLocks noGrp="1" noRot="1" noChangeAspect="1"/>
+          </p:cNvSpPr>
+          <p:nvPr>
+            <p:ph type="sldImg" idx="2"/>
+          </p:nvPr>
+        </p:nvSpPr>
+        <p:spPr>
+          <a:xfrm>
+            <a:off x="381000" y="685800"/>
+            <a:ext cx="6096000" cy="3429000"/>
+          </a:xfrm>
+          <a:custGeom>
+            <a:avLst/>
+            <a:gdLst/>
+            <a:ahLst/>
+            <a:cxnLst/>
+            <a:rect l="l" t="t" r="r" b="b"/>
+            <a:pathLst>
+              <a:path w="120000" h="120000" extrusionOk="0">
+                <a:moveTo>
+                  <a:pt x="0" y="0"/>
+                </a:moveTo>
+                <a:lnTo>
+                  <a:pt x="120000" y="0"/>
+                </a:lnTo>
+                <a:lnTo>
+                  <a:pt x="120000" y="120000"/>
+                </a:lnTo>
+                <a:lnTo>
+                  <a:pt x="0" y="120000"/>
+                </a:lnTo>
+                <a:close/>
+              </a:path>
+            </a:pathLst>
+          </a:custGeom>
+        </p:spPr>
+      </p:sp>
+      <p:sp>
+        <p:nvSpPr>
+          <p:cNvPr id="277" name="Google Shape;277;g35f391192_029:notes"/>
+          <p:cNvSpPr txBox="1">
+            <a:spLocks noGrp="1"/>
+          </p:cNvSpPr>
+          <p:nvPr>
+            <p:ph type="body" idx="1"/>
+          </p:nvPr>
+        </p:nvSpPr>
+        <p:spPr>
+          <a:xfrm>
+            <a:off x="685800" y="4343400"/>
+            <a:ext cx="5486400" cy="4114800"/>
+          </a:xfrm>
+          <a:prstGeom prst="rect">
+            <a:avLst/>
+          </a:prstGeom>
+        </p:spPr>
+        <p:txBody>
+          <a:bodyPr spcFirstLastPara="1" wrap="square" lIns="91425" tIns="91425" rIns="91425" bIns="91425" anchor="t" anchorCtr="0">
+            <a:noAutofit/>
+          </a:bodyPr>
+          <a:lstStyle/>
+          <a:p>
+            <a:pPr marL="0" lvl="0" indent="0" algn="l" rtl="0">
+              <a:spcBef>
+                <a:spcPts val="0"/>
+              </a:spcBef>
+              <a:spcAft>
+                <a:spcPts val="0"/>
+              </a:spcAft>
+              <a:buNone/>
+            </a:pPr>
+            <a:endParaRPr dirty="0"/>
+          </a:p>
+        </p:txBody>
+      </p:sp>
+    </p:spTree>
+    <p:extLst>
+      <p:ext uri="{BB962C8B-B14F-4D97-AF65-F5344CB8AC3E}">
         <p14:creationId xmlns:p14="http://schemas.microsoft.com/office/powerpoint/2010/main" val="1540343364"/>
       </p:ext>
     </p:extLst>
@@ -1727,7 +1837,7 @@
 </p:notes>
 </file>
 
-<file path=ppt/notesSlides/notesSlide18.xml><?xml version="1.0" encoding="utf-8"?>
+<file path=ppt/notesSlides/notesSlide19.xml><?xml version="1.0" encoding="utf-8"?>
 <p:notes xmlns:a="http://schemas.openxmlformats.org/drawingml/2006/main" xmlns:r="http://schemas.openxmlformats.org/officeDocument/2006/relationships" xmlns:p="http://schemas.openxmlformats.org/presentationml/2006/main" showMasterSp="0" showMasterPhAnim="0">
   <p:cSld>
     <p:spTree>
@@ -1831,12 +1941,12 @@
 </p:notes>
 </file>
 
-<file path=ppt/notesSlides/notesSlide19.xml><?xml version="1.0" encoding="utf-8"?>
+<file path=ppt/notesSlides/notesSlide2.xml><?xml version="1.0" encoding="utf-8"?>
 <p:notes xmlns:a="http://schemas.openxmlformats.org/drawingml/2006/main" xmlns:r="http://schemas.openxmlformats.org/officeDocument/2006/relationships" xmlns:p="http://schemas.openxmlformats.org/presentationml/2006/main" showMasterSp="0" showMasterPhAnim="0">
   <p:cSld>
     <p:spTree>
       <p:nvGrpSpPr>
-        <p:cNvPr id="1" name="Shape 275"/>
+        <p:cNvPr id="1" name="Shape 253"/>
         <p:cNvGrpSpPr/>
         <p:nvPr/>
       </p:nvGrpSpPr>
@@ -1850,7 +1960,7 @@
       </p:grpSpPr>
       <p:sp>
         <p:nvSpPr>
-          <p:cNvPr id="276" name="Google Shape;276;g35f391192_029:notes"/>
+          <p:cNvPr id="254" name="Google Shape;254;g35f391192_00:notes"/>
           <p:cNvSpPr>
             <a:spLocks noGrp="1" noRot="1" noChangeAspect="1"/>
           </p:cNvSpPr>
@@ -1891,7 +2001,7 @@
       </p:sp>
       <p:sp>
         <p:nvSpPr>
-          <p:cNvPr id="277" name="Google Shape;277;g35f391192_029:notes"/>
+          <p:cNvPr id="255" name="Google Shape;255;g35f391192_00:notes"/>
           <p:cNvSpPr txBox="1">
             <a:spLocks noGrp="1"/>
           </p:cNvSpPr>
@@ -1923,120 +2033,16 @@
               </a:spcAft>
               <a:buNone/>
             </a:pPr>
-            <a:endParaRPr dirty="0"/>
+            <a:endParaRPr/>
           </a:p>
         </p:txBody>
       </p:sp>
     </p:spTree>
     <p:extLst>
       <p:ext uri="{BB962C8B-B14F-4D97-AF65-F5344CB8AC3E}">
-        <p14:creationId xmlns:p14="http://schemas.microsoft.com/office/powerpoint/2010/main" val="1460487641"/>
+        <p14:creationId xmlns:p14="http://schemas.microsoft.com/office/powerpoint/2010/main" val="50807590"/>
       </p:ext>
     </p:extLst>
-  </p:cSld>
-  <p:clrMapOvr>
-    <a:masterClrMapping/>
-  </p:clrMapOvr>
-</p:notes>
-</file>
-
-<file path=ppt/notesSlides/notesSlide2.xml><?xml version="1.0" encoding="utf-8"?>
-<p:notes xmlns:a="http://schemas.openxmlformats.org/drawingml/2006/main" xmlns:r="http://schemas.openxmlformats.org/officeDocument/2006/relationships" xmlns:p="http://schemas.openxmlformats.org/presentationml/2006/main" showMasterSp="0" showMasterPhAnim="0">
-  <p:cSld>
-    <p:spTree>
-      <p:nvGrpSpPr>
-        <p:cNvPr id="1" name="Shape 267"/>
-        <p:cNvGrpSpPr/>
-        <p:nvPr/>
-      </p:nvGrpSpPr>
-      <p:grpSpPr>
-        <a:xfrm>
-          <a:off x="0" y="0"/>
-          <a:ext cx="0" cy="0"/>
-          <a:chOff x="0" y="0"/>
-          <a:chExt cx="0" cy="0"/>
-        </a:xfrm>
-      </p:grpSpPr>
-      <p:sp>
-        <p:nvSpPr>
-          <p:cNvPr id="268" name="Google Shape;268;g35f391192_04:notes"/>
-          <p:cNvSpPr>
-            <a:spLocks noGrp="1" noRot="1" noChangeAspect="1"/>
-          </p:cNvSpPr>
-          <p:nvPr>
-            <p:ph type="sldImg" idx="2"/>
-          </p:nvPr>
-        </p:nvSpPr>
-        <p:spPr>
-          <a:xfrm>
-            <a:off x="381000" y="685800"/>
-            <a:ext cx="6096000" cy="3429000"/>
-          </a:xfrm>
-          <a:custGeom>
-            <a:avLst/>
-            <a:gdLst/>
-            <a:ahLst/>
-            <a:cxnLst/>
-            <a:rect l="l" t="t" r="r" b="b"/>
-            <a:pathLst>
-              <a:path w="120000" h="120000" extrusionOk="0">
-                <a:moveTo>
-                  <a:pt x="0" y="0"/>
-                </a:moveTo>
-                <a:lnTo>
-                  <a:pt x="120000" y="0"/>
-                </a:lnTo>
-                <a:lnTo>
-                  <a:pt x="120000" y="120000"/>
-                </a:lnTo>
-                <a:lnTo>
-                  <a:pt x="0" y="120000"/>
-                </a:lnTo>
-                <a:close/>
-              </a:path>
-            </a:pathLst>
-          </a:custGeom>
-        </p:spPr>
-      </p:sp>
-      <p:sp>
-        <p:nvSpPr>
-          <p:cNvPr id="269" name="Google Shape;269;g35f391192_04:notes"/>
-          <p:cNvSpPr txBox="1">
-            <a:spLocks noGrp="1"/>
-          </p:cNvSpPr>
-          <p:nvPr>
-            <p:ph type="body" idx="1"/>
-          </p:nvPr>
-        </p:nvSpPr>
-        <p:spPr>
-          <a:xfrm>
-            <a:off x="685800" y="4343400"/>
-            <a:ext cx="5486400" cy="4114800"/>
-          </a:xfrm>
-          <a:prstGeom prst="rect">
-            <a:avLst/>
-          </a:prstGeom>
-        </p:spPr>
-        <p:txBody>
-          <a:bodyPr spcFirstLastPara="1" wrap="square" lIns="91425" tIns="91425" rIns="91425" bIns="91425" anchor="t" anchorCtr="0">
-            <a:noAutofit/>
-          </a:bodyPr>
-          <a:lstStyle/>
-          <a:p>
-            <a:pPr marL="0" lvl="0" indent="0" algn="l" rtl="0">
-              <a:spcBef>
-                <a:spcPts val="0"/>
-              </a:spcBef>
-              <a:spcAft>
-                <a:spcPts val="0"/>
-              </a:spcAft>
-              <a:buNone/>
-            </a:pPr>
-            <a:endParaRPr/>
-          </a:p>
-        </p:txBody>
-      </p:sp>
-    </p:spTree>
   </p:cSld>
   <p:clrMapOvr>
     <a:masterClrMapping/>
@@ -2143,6 +2149,115 @@
     </p:spTree>
     <p:extLst>
       <p:ext uri="{BB962C8B-B14F-4D97-AF65-F5344CB8AC3E}">
+        <p14:creationId xmlns:p14="http://schemas.microsoft.com/office/powerpoint/2010/main" val="1460487641"/>
+      </p:ext>
+    </p:extLst>
+  </p:cSld>
+  <p:clrMapOvr>
+    <a:masterClrMapping/>
+  </p:clrMapOvr>
+</p:notes>
+</file>
+
+<file path=ppt/notesSlides/notesSlide21.xml><?xml version="1.0" encoding="utf-8"?>
+<p:notes xmlns:a="http://schemas.openxmlformats.org/drawingml/2006/main" xmlns:r="http://schemas.openxmlformats.org/officeDocument/2006/relationships" xmlns:p="http://schemas.openxmlformats.org/presentationml/2006/main" showMasterSp="0" showMasterPhAnim="0">
+  <p:cSld>
+    <p:spTree>
+      <p:nvGrpSpPr>
+        <p:cNvPr id="1" name="Shape 275"/>
+        <p:cNvGrpSpPr/>
+        <p:nvPr/>
+      </p:nvGrpSpPr>
+      <p:grpSpPr>
+        <a:xfrm>
+          <a:off x="0" y="0"/>
+          <a:ext cx="0" cy="0"/>
+          <a:chOff x="0" y="0"/>
+          <a:chExt cx="0" cy="0"/>
+        </a:xfrm>
+      </p:grpSpPr>
+      <p:sp>
+        <p:nvSpPr>
+          <p:cNvPr id="276" name="Google Shape;276;g35f391192_029:notes"/>
+          <p:cNvSpPr>
+            <a:spLocks noGrp="1" noRot="1" noChangeAspect="1"/>
+          </p:cNvSpPr>
+          <p:nvPr>
+            <p:ph type="sldImg" idx="2"/>
+          </p:nvPr>
+        </p:nvSpPr>
+        <p:spPr>
+          <a:xfrm>
+            <a:off x="381000" y="685800"/>
+            <a:ext cx="6096000" cy="3429000"/>
+          </a:xfrm>
+          <a:custGeom>
+            <a:avLst/>
+            <a:gdLst/>
+            <a:ahLst/>
+            <a:cxnLst/>
+            <a:rect l="l" t="t" r="r" b="b"/>
+            <a:pathLst>
+              <a:path w="120000" h="120000" extrusionOk="0">
+                <a:moveTo>
+                  <a:pt x="0" y="0"/>
+                </a:moveTo>
+                <a:lnTo>
+                  <a:pt x="120000" y="0"/>
+                </a:lnTo>
+                <a:lnTo>
+                  <a:pt x="120000" y="120000"/>
+                </a:lnTo>
+                <a:lnTo>
+                  <a:pt x="0" y="120000"/>
+                </a:lnTo>
+                <a:close/>
+              </a:path>
+            </a:pathLst>
+          </a:custGeom>
+        </p:spPr>
+      </p:sp>
+      <p:sp>
+        <p:nvSpPr>
+          <p:cNvPr id="277" name="Google Shape;277;g35f391192_029:notes"/>
+          <p:cNvSpPr txBox="1">
+            <a:spLocks noGrp="1"/>
+          </p:cNvSpPr>
+          <p:nvPr>
+            <p:ph type="body" idx="1"/>
+          </p:nvPr>
+        </p:nvSpPr>
+        <p:spPr>
+          <a:xfrm>
+            <a:off x="685800" y="4343400"/>
+            <a:ext cx="5486400" cy="4114800"/>
+          </a:xfrm>
+          <a:prstGeom prst="rect">
+            <a:avLst/>
+          </a:prstGeom>
+        </p:spPr>
+        <p:txBody>
+          <a:bodyPr spcFirstLastPara="1" wrap="square" lIns="91425" tIns="91425" rIns="91425" bIns="91425" anchor="t" anchorCtr="0">
+            <a:noAutofit/>
+          </a:bodyPr>
+          <a:lstStyle/>
+          <a:p>
+            <a:pPr marL="0" lvl="0" indent="0" algn="l" rtl="0">
+              <a:spcBef>
+                <a:spcPts val="0"/>
+              </a:spcBef>
+              <a:spcAft>
+                <a:spcPts val="0"/>
+              </a:spcAft>
+              <a:buNone/>
+            </a:pPr>
+            <a:endParaRPr dirty="0"/>
+          </a:p>
+        </p:txBody>
+      </p:sp>
+    </p:spTree>
+    <p:extLst>
+      <p:ext uri="{BB962C8B-B14F-4D97-AF65-F5344CB8AC3E}">
         <p14:creationId xmlns:p14="http://schemas.microsoft.com/office/powerpoint/2010/main" val="956502040"/>
       </p:ext>
     </p:extLst>
@@ -2153,7 +2268,7 @@
 </p:notes>
 </file>
 
-<file path=ppt/notesSlides/notesSlide21.xml><?xml version="1.0" encoding="utf-8"?>
+<file path=ppt/notesSlides/notesSlide22.xml><?xml version="1.0" encoding="utf-8"?>
 <p:notes xmlns:a="http://schemas.openxmlformats.org/drawingml/2006/main" xmlns:r="http://schemas.openxmlformats.org/officeDocument/2006/relationships" xmlns:p="http://schemas.openxmlformats.org/presentationml/2006/main" showMasterSp="0" showMasterPhAnim="0">
   <p:cSld>
     <p:spTree>
@@ -2359,6 +2474,110 @@
         </p:txBody>
       </p:sp>
     </p:spTree>
+  </p:cSld>
+  <p:clrMapOvr>
+    <a:masterClrMapping/>
+  </p:clrMapOvr>
+</p:notes>
+</file>
+
+<file path=ppt/notesSlides/notesSlide4.xml><?xml version="1.0" encoding="utf-8"?>
+<p:notes xmlns:a="http://schemas.openxmlformats.org/drawingml/2006/main" xmlns:r="http://schemas.openxmlformats.org/officeDocument/2006/relationships" xmlns:p="http://schemas.openxmlformats.org/presentationml/2006/main" showMasterSp="0" showMasterPhAnim="0">
+  <p:cSld>
+    <p:spTree>
+      <p:nvGrpSpPr>
+        <p:cNvPr id="1" name="Shape 267"/>
+        <p:cNvGrpSpPr/>
+        <p:nvPr/>
+      </p:nvGrpSpPr>
+      <p:grpSpPr>
+        <a:xfrm>
+          <a:off x="0" y="0"/>
+          <a:ext cx="0" cy="0"/>
+          <a:chOff x="0" y="0"/>
+          <a:chExt cx="0" cy="0"/>
+        </a:xfrm>
+      </p:grpSpPr>
+      <p:sp>
+        <p:nvSpPr>
+          <p:cNvPr id="268" name="Google Shape;268;g35f391192_04:notes"/>
+          <p:cNvSpPr>
+            <a:spLocks noGrp="1" noRot="1" noChangeAspect="1"/>
+          </p:cNvSpPr>
+          <p:nvPr>
+            <p:ph type="sldImg" idx="2"/>
+          </p:nvPr>
+        </p:nvSpPr>
+        <p:spPr>
+          <a:xfrm>
+            <a:off x="381000" y="685800"/>
+            <a:ext cx="6096000" cy="3429000"/>
+          </a:xfrm>
+          <a:custGeom>
+            <a:avLst/>
+            <a:gdLst/>
+            <a:ahLst/>
+            <a:cxnLst/>
+            <a:rect l="l" t="t" r="r" b="b"/>
+            <a:pathLst>
+              <a:path w="120000" h="120000" extrusionOk="0">
+                <a:moveTo>
+                  <a:pt x="0" y="0"/>
+                </a:moveTo>
+                <a:lnTo>
+                  <a:pt x="120000" y="0"/>
+                </a:lnTo>
+                <a:lnTo>
+                  <a:pt x="120000" y="120000"/>
+                </a:lnTo>
+                <a:lnTo>
+                  <a:pt x="0" y="120000"/>
+                </a:lnTo>
+                <a:close/>
+              </a:path>
+            </a:pathLst>
+          </a:custGeom>
+        </p:spPr>
+      </p:sp>
+      <p:sp>
+        <p:nvSpPr>
+          <p:cNvPr id="269" name="Google Shape;269;g35f391192_04:notes"/>
+          <p:cNvSpPr txBox="1">
+            <a:spLocks noGrp="1"/>
+          </p:cNvSpPr>
+          <p:nvPr>
+            <p:ph type="body" idx="1"/>
+          </p:nvPr>
+        </p:nvSpPr>
+        <p:spPr>
+          <a:xfrm>
+            <a:off x="685800" y="4343400"/>
+            <a:ext cx="5486400" cy="4114800"/>
+          </a:xfrm>
+          <a:prstGeom prst="rect">
+            <a:avLst/>
+          </a:prstGeom>
+        </p:spPr>
+        <p:txBody>
+          <a:bodyPr spcFirstLastPara="1" wrap="square" lIns="91425" tIns="91425" rIns="91425" bIns="91425" anchor="t" anchorCtr="0">
+            <a:noAutofit/>
+          </a:bodyPr>
+          <a:lstStyle/>
+          <a:p>
+            <a:pPr marL="0" lvl="0" indent="0" algn="l" rtl="0">
+              <a:spcBef>
+                <a:spcPts val="0"/>
+              </a:spcBef>
+              <a:spcAft>
+                <a:spcPts val="0"/>
+              </a:spcAft>
+              <a:buNone/>
+            </a:pPr>
+            <a:endParaRPr/>
+          </a:p>
+        </p:txBody>
+      </p:sp>
+    </p:spTree>
     <p:extLst>
       <p:ext uri="{BB962C8B-B14F-4D97-AF65-F5344CB8AC3E}">
         <p14:creationId xmlns:p14="http://schemas.microsoft.com/office/powerpoint/2010/main" val="274945209"/>
@@ -2371,7 +2590,7 @@
 </p:notes>
 </file>
 
-<file path=ppt/notesSlides/notesSlide4.xml><?xml version="1.0" encoding="utf-8"?>
+<file path=ppt/notesSlides/notesSlide5.xml><?xml version="1.0" encoding="utf-8"?>
 <p:notes xmlns:a="http://schemas.openxmlformats.org/drawingml/2006/main" xmlns:r="http://schemas.openxmlformats.org/officeDocument/2006/relationships" xmlns:p="http://schemas.openxmlformats.org/presentationml/2006/main" showMasterSp="0" showMasterPhAnim="0">
   <p:cSld>
     <p:spTree>
@@ -2432,110 +2651,6 @@
       <p:sp>
         <p:nvSpPr>
           <p:cNvPr id="260" name="Google Shape;260;g3606f1c2d_30:notes"/>
-          <p:cNvSpPr txBox="1">
-            <a:spLocks noGrp="1"/>
-          </p:cNvSpPr>
-          <p:nvPr>
-            <p:ph type="body" idx="1"/>
-          </p:nvPr>
-        </p:nvSpPr>
-        <p:spPr>
-          <a:xfrm>
-            <a:off x="685800" y="4343400"/>
-            <a:ext cx="5486400" cy="4114800"/>
-          </a:xfrm>
-          <a:prstGeom prst="rect">
-            <a:avLst/>
-          </a:prstGeom>
-        </p:spPr>
-        <p:txBody>
-          <a:bodyPr spcFirstLastPara="1" wrap="square" lIns="91425" tIns="91425" rIns="91425" bIns="91425" anchor="t" anchorCtr="0">
-            <a:noAutofit/>
-          </a:bodyPr>
-          <a:lstStyle/>
-          <a:p>
-            <a:pPr marL="0" lvl="0" indent="0" algn="l" rtl="0">
-              <a:spcBef>
-                <a:spcPts val="0"/>
-              </a:spcBef>
-              <a:spcAft>
-                <a:spcPts val="0"/>
-              </a:spcAft>
-              <a:buNone/>
-            </a:pPr>
-            <a:endParaRPr/>
-          </a:p>
-        </p:txBody>
-      </p:sp>
-    </p:spTree>
-  </p:cSld>
-  <p:clrMapOvr>
-    <a:masterClrMapping/>
-  </p:clrMapOvr>
-</p:notes>
-</file>
-
-<file path=ppt/notesSlides/notesSlide5.xml><?xml version="1.0" encoding="utf-8"?>
-<p:notes xmlns:a="http://schemas.openxmlformats.org/drawingml/2006/main" xmlns:r="http://schemas.openxmlformats.org/officeDocument/2006/relationships" xmlns:p="http://schemas.openxmlformats.org/presentationml/2006/main" showMasterSp="0" showMasterPhAnim="0">
-  <p:cSld>
-    <p:spTree>
-      <p:nvGrpSpPr>
-        <p:cNvPr id="1" name="Shape 275"/>
-        <p:cNvGrpSpPr/>
-        <p:nvPr/>
-      </p:nvGrpSpPr>
-      <p:grpSpPr>
-        <a:xfrm>
-          <a:off x="0" y="0"/>
-          <a:ext cx="0" cy="0"/>
-          <a:chOff x="0" y="0"/>
-          <a:chExt cx="0" cy="0"/>
-        </a:xfrm>
-      </p:grpSpPr>
-      <p:sp>
-        <p:nvSpPr>
-          <p:cNvPr id="276" name="Google Shape;276;g35f391192_029:notes"/>
-          <p:cNvSpPr>
-            <a:spLocks noGrp="1" noRot="1" noChangeAspect="1"/>
-          </p:cNvSpPr>
-          <p:nvPr>
-            <p:ph type="sldImg" idx="2"/>
-          </p:nvPr>
-        </p:nvSpPr>
-        <p:spPr>
-          <a:xfrm>
-            <a:off x="381000" y="685800"/>
-            <a:ext cx="6096000" cy="3429000"/>
-          </a:xfrm>
-          <a:custGeom>
-            <a:avLst/>
-            <a:gdLst/>
-            <a:ahLst/>
-            <a:cxnLst/>
-            <a:rect l="l" t="t" r="r" b="b"/>
-            <a:pathLst>
-              <a:path w="120000" h="120000" extrusionOk="0">
-                <a:moveTo>
-                  <a:pt x="0" y="0"/>
-                </a:moveTo>
-                <a:lnTo>
-                  <a:pt x="120000" y="0"/>
-                </a:lnTo>
-                <a:lnTo>
-                  <a:pt x="120000" y="120000"/>
-                </a:lnTo>
-                <a:lnTo>
-                  <a:pt x="0" y="120000"/>
-                </a:lnTo>
-                <a:close/>
-              </a:path>
-            </a:pathLst>
-          </a:custGeom>
-        </p:spPr>
-      </p:sp>
-      <p:sp>
-        <p:nvSpPr>
-          <p:cNvPr id="277" name="Google Shape;277;g35f391192_029:notes"/>
           <p:cNvSpPr txBox="1">
             <a:spLocks noGrp="1"/>
           </p:cNvSpPr>
@@ -2676,6 +2791,110 @@
         </p:txBody>
       </p:sp>
     </p:spTree>
+  </p:cSld>
+  <p:clrMapOvr>
+    <a:masterClrMapping/>
+  </p:clrMapOvr>
+</p:notes>
+</file>
+
+<file path=ppt/notesSlides/notesSlide7.xml><?xml version="1.0" encoding="utf-8"?>
+<p:notes xmlns:a="http://schemas.openxmlformats.org/drawingml/2006/main" xmlns:r="http://schemas.openxmlformats.org/officeDocument/2006/relationships" xmlns:p="http://schemas.openxmlformats.org/presentationml/2006/main" showMasterSp="0" showMasterPhAnim="0">
+  <p:cSld>
+    <p:spTree>
+      <p:nvGrpSpPr>
+        <p:cNvPr id="1" name="Shape 275"/>
+        <p:cNvGrpSpPr/>
+        <p:nvPr/>
+      </p:nvGrpSpPr>
+      <p:grpSpPr>
+        <a:xfrm>
+          <a:off x="0" y="0"/>
+          <a:ext cx="0" cy="0"/>
+          <a:chOff x="0" y="0"/>
+          <a:chExt cx="0" cy="0"/>
+        </a:xfrm>
+      </p:grpSpPr>
+      <p:sp>
+        <p:nvSpPr>
+          <p:cNvPr id="276" name="Google Shape;276;g35f391192_029:notes"/>
+          <p:cNvSpPr>
+            <a:spLocks noGrp="1" noRot="1" noChangeAspect="1"/>
+          </p:cNvSpPr>
+          <p:nvPr>
+            <p:ph type="sldImg" idx="2"/>
+          </p:nvPr>
+        </p:nvSpPr>
+        <p:spPr>
+          <a:xfrm>
+            <a:off x="381000" y="685800"/>
+            <a:ext cx="6096000" cy="3429000"/>
+          </a:xfrm>
+          <a:custGeom>
+            <a:avLst/>
+            <a:gdLst/>
+            <a:ahLst/>
+            <a:cxnLst/>
+            <a:rect l="l" t="t" r="r" b="b"/>
+            <a:pathLst>
+              <a:path w="120000" h="120000" extrusionOk="0">
+                <a:moveTo>
+                  <a:pt x="0" y="0"/>
+                </a:moveTo>
+                <a:lnTo>
+                  <a:pt x="120000" y="0"/>
+                </a:lnTo>
+                <a:lnTo>
+                  <a:pt x="120000" y="120000"/>
+                </a:lnTo>
+                <a:lnTo>
+                  <a:pt x="0" y="120000"/>
+                </a:lnTo>
+                <a:close/>
+              </a:path>
+            </a:pathLst>
+          </a:custGeom>
+        </p:spPr>
+      </p:sp>
+      <p:sp>
+        <p:nvSpPr>
+          <p:cNvPr id="277" name="Google Shape;277;g35f391192_029:notes"/>
+          <p:cNvSpPr txBox="1">
+            <a:spLocks noGrp="1"/>
+          </p:cNvSpPr>
+          <p:nvPr>
+            <p:ph type="body" idx="1"/>
+          </p:nvPr>
+        </p:nvSpPr>
+        <p:spPr>
+          <a:xfrm>
+            <a:off x="685800" y="4343400"/>
+            <a:ext cx="5486400" cy="4114800"/>
+          </a:xfrm>
+          <a:prstGeom prst="rect">
+            <a:avLst/>
+          </a:prstGeom>
+        </p:spPr>
+        <p:txBody>
+          <a:bodyPr spcFirstLastPara="1" wrap="square" lIns="91425" tIns="91425" rIns="91425" bIns="91425" anchor="t" anchorCtr="0">
+            <a:noAutofit/>
+          </a:bodyPr>
+          <a:lstStyle/>
+          <a:p>
+            <a:pPr marL="0" lvl="0" indent="0" algn="l" rtl="0">
+              <a:spcBef>
+                <a:spcPts val="0"/>
+              </a:spcBef>
+              <a:spcAft>
+                <a:spcPts val="0"/>
+              </a:spcAft>
+              <a:buNone/>
+            </a:pPr>
+            <a:endParaRPr/>
+          </a:p>
+        </p:txBody>
+      </p:sp>
+    </p:spTree>
     <p:extLst>
       <p:ext uri="{BB962C8B-B14F-4D97-AF65-F5344CB8AC3E}">
         <p14:creationId xmlns:p14="http://schemas.microsoft.com/office/powerpoint/2010/main" val="1341542550"/>
@@ -2688,7 +2907,7 @@
 </p:notes>
 </file>
 
-<file path=ppt/notesSlides/notesSlide7.xml><?xml version="1.0" encoding="utf-8"?>
+<file path=ppt/notesSlides/notesSlide8.xml><?xml version="1.0" encoding="utf-8"?>
 <p:notes xmlns:a="http://schemas.openxmlformats.org/drawingml/2006/main" xmlns:r="http://schemas.openxmlformats.org/officeDocument/2006/relationships" xmlns:p="http://schemas.openxmlformats.org/presentationml/2006/main" showMasterSp="0" showMasterPhAnim="0">
   <p:cSld>
     <p:spTree>
@@ -2785,115 +3004,6 @@
         </p:txBody>
       </p:sp>
     </p:spTree>
-  </p:cSld>
-  <p:clrMapOvr>
-    <a:masterClrMapping/>
-  </p:clrMapOvr>
-</p:notes>
-</file>
-
-<file path=ppt/notesSlides/notesSlide8.xml><?xml version="1.0" encoding="utf-8"?>
-<p:notes xmlns:a="http://schemas.openxmlformats.org/drawingml/2006/main" xmlns:r="http://schemas.openxmlformats.org/officeDocument/2006/relationships" xmlns:p="http://schemas.openxmlformats.org/presentationml/2006/main" showMasterSp="0" showMasterPhAnim="0">
-  <p:cSld>
-    <p:spTree>
-      <p:nvGrpSpPr>
-        <p:cNvPr id="1" name="Shape 275"/>
-        <p:cNvGrpSpPr/>
-        <p:nvPr/>
-      </p:nvGrpSpPr>
-      <p:grpSpPr>
-        <a:xfrm>
-          <a:off x="0" y="0"/>
-          <a:ext cx="0" cy="0"/>
-          <a:chOff x="0" y="0"/>
-          <a:chExt cx="0" cy="0"/>
-        </a:xfrm>
-      </p:grpSpPr>
-      <p:sp>
-        <p:nvSpPr>
-          <p:cNvPr id="276" name="Google Shape;276;g35f391192_029:notes"/>
-          <p:cNvSpPr>
-            <a:spLocks noGrp="1" noRot="1" noChangeAspect="1"/>
-          </p:cNvSpPr>
-          <p:nvPr>
-            <p:ph type="sldImg" idx="2"/>
-          </p:nvPr>
-        </p:nvSpPr>
-        <p:spPr>
-          <a:xfrm>
-            <a:off x="381000" y="685800"/>
-            <a:ext cx="6096000" cy="3429000"/>
-          </a:xfrm>
-          <a:custGeom>
-            <a:avLst/>
-            <a:gdLst/>
-            <a:ahLst/>
-            <a:cxnLst/>
-            <a:rect l="l" t="t" r="r" b="b"/>
-            <a:pathLst>
-              <a:path w="120000" h="120000" extrusionOk="0">
-                <a:moveTo>
-                  <a:pt x="0" y="0"/>
-                </a:moveTo>
-                <a:lnTo>
-                  <a:pt x="120000" y="0"/>
-                </a:lnTo>
-                <a:lnTo>
-                  <a:pt x="120000" y="120000"/>
-                </a:lnTo>
-                <a:lnTo>
-                  <a:pt x="0" y="120000"/>
-                </a:lnTo>
-                <a:close/>
-              </a:path>
-            </a:pathLst>
-          </a:custGeom>
-        </p:spPr>
-      </p:sp>
-      <p:sp>
-        <p:nvSpPr>
-          <p:cNvPr id="277" name="Google Shape;277;g35f391192_029:notes"/>
-          <p:cNvSpPr txBox="1">
-            <a:spLocks noGrp="1"/>
-          </p:cNvSpPr>
-          <p:nvPr>
-            <p:ph type="body" idx="1"/>
-          </p:nvPr>
-        </p:nvSpPr>
-        <p:spPr>
-          <a:xfrm>
-            <a:off x="685800" y="4343400"/>
-            <a:ext cx="5486400" cy="4114800"/>
-          </a:xfrm>
-          <a:prstGeom prst="rect">
-            <a:avLst/>
-          </a:prstGeom>
-        </p:spPr>
-        <p:txBody>
-          <a:bodyPr spcFirstLastPara="1" wrap="square" lIns="91425" tIns="91425" rIns="91425" bIns="91425" anchor="t" anchorCtr="0">
-            <a:noAutofit/>
-          </a:bodyPr>
-          <a:lstStyle/>
-          <a:p>
-            <a:pPr marL="0" lvl="0" indent="0" algn="l" rtl="0">
-              <a:spcBef>
-                <a:spcPts val="0"/>
-              </a:spcBef>
-              <a:spcAft>
-                <a:spcPts val="0"/>
-              </a:spcAft>
-              <a:buNone/>
-            </a:pPr>
-            <a:endParaRPr dirty="0"/>
-          </a:p>
-        </p:txBody>
-      </p:sp>
-    </p:spTree>
-    <p:extLst>
-      <p:ext uri="{BB962C8B-B14F-4D97-AF65-F5344CB8AC3E}">
-        <p14:creationId xmlns:p14="http://schemas.microsoft.com/office/powerpoint/2010/main" val="3348688288"/>
-      </p:ext>
-    </p:extLst>
   </p:cSld>
   <p:clrMapOvr>
     <a:masterClrMapping/>
@@ -3000,7 +3110,7 @@
     </p:spTree>
     <p:extLst>
       <p:ext uri="{BB962C8B-B14F-4D97-AF65-F5344CB8AC3E}">
-        <p14:creationId xmlns:p14="http://schemas.microsoft.com/office/powerpoint/2010/main" val="1248318913"/>
+        <p14:creationId xmlns:p14="http://schemas.microsoft.com/office/powerpoint/2010/main" val="3348688288"/>
       </p:ext>
     </p:extLst>
   </p:cSld>
@@ -12909,172 +13019,6 @@
       </p:grpSpPr>
       <p:sp>
         <p:nvSpPr>
-          <p:cNvPr id="280" name="Google Shape;280;p15"/>
-          <p:cNvSpPr txBox="1">
-            <a:spLocks noGrp="1"/>
-          </p:cNvSpPr>
-          <p:nvPr>
-            <p:ph type="subTitle" idx="1"/>
-          </p:nvPr>
-        </p:nvSpPr>
-        <p:spPr>
-          <a:xfrm>
-            <a:off x="290946" y="2101809"/>
-            <a:ext cx="8091053" cy="3242472"/>
-          </a:xfrm>
-          <a:prstGeom prst="rect">
-            <a:avLst/>
-          </a:prstGeom>
-        </p:spPr>
-        <p:txBody>
-          <a:bodyPr spcFirstLastPara="1" wrap="square" lIns="91425" tIns="91425" rIns="91425" bIns="91425" anchor="t" anchorCtr="0">
-            <a:noAutofit/>
-          </a:bodyPr>
-          <a:lstStyle/>
-          <a:p>
-            <a:pPr marL="76200" indent="0"/>
-            <a:r>
-              <a:rPr lang="en-US" b="1" dirty="0">
-                <a:solidFill>
-                  <a:schemeClr val="tx1"/>
-                </a:solidFill>
-                <a:latin typeface="Calibri" panose="020F0502020204030204" pitchFamily="34" charset="0"/>
-                <a:ea typeface="Calibri" panose="020F0502020204030204" pitchFamily="34" charset="0"/>
-                <a:cs typeface="Calibri" panose="020F0502020204030204" pitchFamily="34" charset="0"/>
-              </a:rPr>
-              <a:t>Model 1: </a:t>
-            </a:r>
-            <a:r>
-              <a:rPr lang="en-US" b="1" dirty="0">
-                <a:solidFill>
-                  <a:schemeClr val="tx1"/>
-                </a:solidFill>
-                <a:effectLst/>
-                <a:latin typeface="Calibri" panose="020F0502020204030204" pitchFamily="34" charset="0"/>
-                <a:ea typeface="Calibri" panose="020F0502020204030204" pitchFamily="34" charset="0"/>
-                <a:cs typeface="Calibri" panose="020F0502020204030204" pitchFamily="34" charset="0"/>
-              </a:rPr>
-              <a:t>Looping through a Neural Network to Find the Best Candidates</a:t>
-            </a:r>
-          </a:p>
-          <a:p>
-            <a:pPr marL="76200" indent="0"/>
-            <a:endParaRPr lang="en-US" b="1" dirty="0">
-              <a:solidFill>
-                <a:schemeClr val="tx1"/>
-              </a:solidFill>
-              <a:effectLst/>
-              <a:latin typeface="Calibri" panose="020F0502020204030204" pitchFamily="34" charset="0"/>
-              <a:ea typeface="Calibri" panose="020F0502020204030204" pitchFamily="34" charset="0"/>
-              <a:cs typeface="Calibri" panose="020F0502020204030204" pitchFamily="34" charset="0"/>
-            </a:endParaRPr>
-          </a:p>
-          <a:p>
-            <a:pPr marL="76200" indent="0"/>
-            <a:r>
-              <a:rPr lang="en-US" sz="1600" dirty="0">
-                <a:solidFill>
-                  <a:schemeClr val="tx1"/>
-                </a:solidFill>
-                <a:latin typeface="Calibri" panose="020F0502020204030204" pitchFamily="34" charset="0"/>
-                <a:ea typeface="Calibri" panose="020F0502020204030204" pitchFamily="34" charset="0"/>
-                <a:cs typeface="Calibri" panose="020F0502020204030204" pitchFamily="34" charset="0"/>
-              </a:rPr>
-              <a:t>Findings:</a:t>
-            </a:r>
-          </a:p>
-          <a:p>
-            <a:pPr marL="361950" indent="-285750">
-              <a:buFont typeface="Arial" panose="020B0604020202020204" pitchFamily="34" charset="0"/>
-              <a:buChar char="•"/>
-            </a:pPr>
-            <a:r>
-              <a:rPr lang="en-US" sz="1600" dirty="0">
-                <a:solidFill>
-                  <a:schemeClr val="tx1"/>
-                </a:solidFill>
-                <a:latin typeface="Calibri" panose="020F0502020204030204" pitchFamily="34" charset="0"/>
-                <a:ea typeface="Calibri" panose="020F0502020204030204" pitchFamily="34" charset="0"/>
-                <a:cs typeface="Calibri" panose="020F0502020204030204" pitchFamily="34" charset="0"/>
-              </a:rPr>
-              <a:t>For model 1 inputs, the closing price features of two symbols (VIX and VIX3M) produced consistently higher accuracies.</a:t>
-            </a:r>
-          </a:p>
-          <a:p>
-            <a:pPr marL="361950" indent="-285750">
-              <a:buFont typeface="Arial" panose="020B0604020202020204" pitchFamily="34" charset="0"/>
-              <a:buChar char="•"/>
-            </a:pPr>
-            <a:r>
-              <a:rPr lang="en-US" sz="1600" dirty="0">
-                <a:solidFill>
-                  <a:schemeClr val="tx1"/>
-                </a:solidFill>
-                <a:latin typeface="Calibri" panose="020F0502020204030204" pitchFamily="34" charset="0"/>
-                <a:ea typeface="Calibri" panose="020F0502020204030204" pitchFamily="34" charset="0"/>
-                <a:cs typeface="Calibri" panose="020F0502020204030204" pitchFamily="34" charset="0"/>
-              </a:rPr>
-              <a:t>For outputs, the S&amp;P 500 return for one year in the future produced higher overall scores.</a:t>
-            </a:r>
-          </a:p>
-          <a:p>
-            <a:pPr marL="76200" indent="0"/>
-            <a:endParaRPr lang="en-US" sz="1600" dirty="0">
-              <a:solidFill>
-                <a:schemeClr val="tx1"/>
-              </a:solidFill>
-              <a:latin typeface="Calibri" panose="020F0502020204030204" pitchFamily="34" charset="0"/>
-              <a:ea typeface="Calibri" panose="020F0502020204030204" pitchFamily="34" charset="0"/>
-              <a:cs typeface="Calibri" panose="020F0502020204030204" pitchFamily="34" charset="0"/>
-            </a:endParaRPr>
-          </a:p>
-          <a:p>
-            <a:pPr marL="76200" indent="0"/>
-            <a:r>
-              <a:rPr lang="en-US" sz="1600" dirty="0">
-                <a:solidFill>
-                  <a:schemeClr val="tx1"/>
-                </a:solidFill>
-                <a:latin typeface="Calibri" panose="020F0502020204030204" pitchFamily="34" charset="0"/>
-                <a:ea typeface="Calibri" panose="020F0502020204030204" pitchFamily="34" charset="0"/>
-                <a:cs typeface="Calibri" panose="020F0502020204030204" pitchFamily="34" charset="0"/>
-              </a:rPr>
-              <a:t>Result:</a:t>
-            </a:r>
-          </a:p>
-          <a:p>
-            <a:pPr marL="361950" indent="-285750">
-              <a:buFont typeface="Arial" panose="020B0604020202020204" pitchFamily="34" charset="0"/>
-              <a:buChar char="•"/>
-            </a:pPr>
-            <a:r>
-              <a:rPr lang="en-US" sz="1600" dirty="0">
-                <a:solidFill>
-                  <a:schemeClr val="tx1"/>
-                </a:solidFill>
-                <a:latin typeface="Calibri" panose="020F0502020204030204" pitchFamily="34" charset="0"/>
-                <a:ea typeface="Calibri" panose="020F0502020204030204" pitchFamily="34" charset="0"/>
-                <a:cs typeface="Calibri" panose="020F0502020204030204" pitchFamily="34" charset="0"/>
-              </a:rPr>
-              <a:t>VIX and VIX3M were passed to Model 2 as inputs, with the S&amp;P 500 as the output.</a:t>
-            </a:r>
-          </a:p>
-          <a:p>
-            <a:pPr marL="76200" indent="0"/>
-            <a:endParaRPr lang="en-US" dirty="0">
-              <a:solidFill>
-                <a:schemeClr val="tx1"/>
-              </a:solidFill>
-              <a:effectLst/>
-              <a:latin typeface="Calibri" panose="020F0502020204030204" pitchFamily="34" charset="0"/>
-              <a:ea typeface="Calibri" panose="020F0502020204030204" pitchFamily="34" charset="0"/>
-              <a:cs typeface="Calibri" panose="020F0502020204030204" pitchFamily="34" charset="0"/>
-            </a:endParaRPr>
-          </a:p>
-        </p:txBody>
-      </p:sp>
-      <p:sp>
-        <p:nvSpPr>
           <p:cNvPr id="281" name="Google Shape;281;p15"/>
           <p:cNvSpPr txBox="1">
             <a:spLocks noGrp="1"/>
@@ -14094,6 +14038,1362 @@
           </a:p>
         </p:txBody>
       </p:sp>
+      <p:sp>
+        <p:nvSpPr>
+          <p:cNvPr id="19" name="Google Shape;280;p15">
+            <a:extLst>
+              <a:ext uri="{FF2B5EF4-FFF2-40B4-BE49-F238E27FC236}">
+                <a16:creationId xmlns:a16="http://schemas.microsoft.com/office/drawing/2014/main" id="{E79D1E77-3BDE-4FF5-4542-5DD6D0A1C8E2}"/>
+              </a:ext>
+            </a:extLst>
+          </p:cNvPr>
+          <p:cNvSpPr txBox="1">
+            <a:spLocks noGrp="1"/>
+          </p:cNvSpPr>
+          <p:nvPr>
+            <p:ph type="subTitle" idx="1"/>
+          </p:nvPr>
+        </p:nvSpPr>
+        <p:spPr>
+          <a:xfrm>
+            <a:off x="207753" y="1961836"/>
+            <a:ext cx="2565662" cy="3181664"/>
+          </a:xfrm>
+          <a:prstGeom prst="rect">
+            <a:avLst/>
+          </a:prstGeom>
+        </p:spPr>
+        <p:txBody>
+          <a:bodyPr spcFirstLastPara="1" wrap="square" lIns="91425" tIns="91425" rIns="91425" bIns="91425" anchor="t" anchorCtr="0">
+            <a:noAutofit/>
+          </a:bodyPr>
+          <a:lstStyle/>
+          <a:p>
+            <a:pPr marL="76200" indent="0"/>
+            <a:r>
+              <a:rPr lang="en-US" b="1" dirty="0">
+                <a:solidFill>
+                  <a:schemeClr val="tx1"/>
+                </a:solidFill>
+                <a:effectLst/>
+                <a:latin typeface="Calibri" panose="020F0502020204030204" pitchFamily="34" charset="0"/>
+                <a:ea typeface="Calibri" panose="020F0502020204030204" pitchFamily="34" charset="0"/>
+                <a:cs typeface="Calibri" panose="020F0502020204030204" pitchFamily="34" charset="0"/>
+              </a:rPr>
+              <a:t>Model 1 Loop Logic</a:t>
+            </a:r>
+          </a:p>
+          <a:p>
+            <a:pPr marL="76200" indent="0"/>
+            <a:endParaRPr lang="en-US" sz="1600" dirty="0">
+              <a:solidFill>
+                <a:schemeClr val="tx1"/>
+              </a:solidFill>
+              <a:latin typeface="Calibri" panose="020F0502020204030204" pitchFamily="34" charset="0"/>
+              <a:ea typeface="Calibri" panose="020F0502020204030204" pitchFamily="34" charset="0"/>
+              <a:cs typeface="Calibri" panose="020F0502020204030204" pitchFamily="34" charset="0"/>
+            </a:endParaRPr>
+          </a:p>
+          <a:p>
+            <a:pPr marL="76200" indent="0"/>
+            <a:r>
+              <a:rPr lang="en-US" sz="1600" dirty="0">
+                <a:solidFill>
+                  <a:schemeClr val="tx1"/>
+                </a:solidFill>
+                <a:effectLst/>
+                <a:latin typeface="Calibri" panose="020F0502020204030204" pitchFamily="34" charset="0"/>
+                <a:ea typeface="Calibri" panose="020F0502020204030204" pitchFamily="34" charset="0"/>
+                <a:cs typeface="Calibri" panose="020F0502020204030204" pitchFamily="34" charset="0"/>
+              </a:rPr>
+              <a:t>The filter process for looped through 21 input symbols to find unique pairs, resulting in 210 </a:t>
+            </a:r>
+            <a:r>
+              <a:rPr lang="en-US" sz="1600" dirty="0" err="1">
+                <a:solidFill>
+                  <a:schemeClr val="tx1"/>
+                </a:solidFill>
+                <a:effectLst/>
+                <a:latin typeface="Calibri" panose="020F0502020204030204" pitchFamily="34" charset="0"/>
+                <a:ea typeface="Calibri" panose="020F0502020204030204" pitchFamily="34" charset="0"/>
+                <a:cs typeface="Calibri" panose="020F0502020204030204" pitchFamily="34" charset="0"/>
+              </a:rPr>
+              <a:t>conbinations</a:t>
+            </a:r>
+            <a:r>
+              <a:rPr lang="en-US" sz="1600" dirty="0">
+                <a:solidFill>
+                  <a:schemeClr val="tx1"/>
+                </a:solidFill>
+                <a:effectLst/>
+                <a:latin typeface="Calibri" panose="020F0502020204030204" pitchFamily="34" charset="0"/>
+                <a:ea typeface="Calibri" panose="020F0502020204030204" pitchFamily="34" charset="0"/>
+                <a:cs typeface="Calibri" panose="020F0502020204030204" pitchFamily="34" charset="0"/>
+              </a:rPr>
+              <a:t>. The outer loop joined with two output symbols, for a total of 420 combinations.</a:t>
+            </a:r>
+          </a:p>
+          <a:p>
+            <a:pPr marL="76200" indent="0"/>
+            <a:endParaRPr lang="en-US" sz="1600" dirty="0">
+              <a:solidFill>
+                <a:schemeClr val="tx1"/>
+              </a:solidFill>
+              <a:effectLst/>
+              <a:latin typeface="Calibri" panose="020F0502020204030204" pitchFamily="34" charset="0"/>
+              <a:ea typeface="Calibri" panose="020F0502020204030204" pitchFamily="34" charset="0"/>
+              <a:cs typeface="Calibri" panose="020F0502020204030204" pitchFamily="34" charset="0"/>
+            </a:endParaRPr>
+          </a:p>
+        </p:txBody>
+      </p:sp>
+      <p:pic>
+        <p:nvPicPr>
+          <p:cNvPr id="21" name="Picture 20" descr="A screenshot of a computer program&#10;&#10;Description automatically generated with low confidence">
+            <a:extLst>
+              <a:ext uri="{FF2B5EF4-FFF2-40B4-BE49-F238E27FC236}">
+                <a16:creationId xmlns:a16="http://schemas.microsoft.com/office/drawing/2014/main" id="{E3E133EC-76FD-AD77-53DD-11EC2CB882CF}"/>
+              </a:ext>
+            </a:extLst>
+          </p:cNvPr>
+          <p:cNvPicPr>
+            <a:picLocks noChangeAspect="1"/>
+          </p:cNvPicPr>
+          <p:nvPr/>
+        </p:nvPicPr>
+        <p:blipFill>
+          <a:blip r:embed="rId3"/>
+          <a:stretch>
+            <a:fillRect/>
+          </a:stretch>
+        </p:blipFill>
+        <p:spPr>
+          <a:xfrm>
+            <a:off x="2856608" y="133350"/>
+            <a:ext cx="6184900" cy="4876800"/>
+          </a:xfrm>
+          <a:prstGeom prst="rect">
+            <a:avLst/>
+          </a:prstGeom>
+        </p:spPr>
+      </p:pic>
+    </p:spTree>
+    <p:extLst>
+      <p:ext uri="{BB962C8B-B14F-4D97-AF65-F5344CB8AC3E}">
+        <p14:creationId xmlns:p14="http://schemas.microsoft.com/office/powerpoint/2010/main" val="29045286"/>
+      </p:ext>
+    </p:extLst>
+  </p:cSld>
+  <p:clrMapOvr>
+    <a:masterClrMapping/>
+  </p:clrMapOvr>
+</p:sld>
+</file>
+
+<file path=ppt/slides/slide11.xml><?xml version="1.0" encoding="utf-8"?>
+<p:sld xmlns:a="http://schemas.openxmlformats.org/drawingml/2006/main" xmlns:r="http://schemas.openxmlformats.org/officeDocument/2006/relationships" xmlns:p="http://schemas.openxmlformats.org/presentationml/2006/main">
+  <p:cSld>
+    <p:spTree>
+      <p:nvGrpSpPr>
+        <p:cNvPr id="1" name="Shape 278"/>
+        <p:cNvGrpSpPr/>
+        <p:nvPr/>
+      </p:nvGrpSpPr>
+      <p:grpSpPr>
+        <a:xfrm>
+          <a:off x="0" y="0"/>
+          <a:ext cx="0" cy="0"/>
+          <a:chOff x="0" y="0"/>
+          <a:chExt cx="0" cy="0"/>
+        </a:xfrm>
+      </p:grpSpPr>
+      <p:sp>
+        <p:nvSpPr>
+          <p:cNvPr id="280" name="Google Shape;280;p15"/>
+          <p:cNvSpPr txBox="1">
+            <a:spLocks noGrp="1"/>
+          </p:cNvSpPr>
+          <p:nvPr>
+            <p:ph type="subTitle" idx="1"/>
+          </p:nvPr>
+        </p:nvSpPr>
+        <p:spPr>
+          <a:xfrm>
+            <a:off x="290946" y="2101809"/>
+            <a:ext cx="8091053" cy="3242472"/>
+          </a:xfrm>
+          <a:prstGeom prst="rect">
+            <a:avLst/>
+          </a:prstGeom>
+        </p:spPr>
+        <p:txBody>
+          <a:bodyPr spcFirstLastPara="1" wrap="square" lIns="91425" tIns="91425" rIns="91425" bIns="91425" anchor="t" anchorCtr="0">
+            <a:noAutofit/>
+          </a:bodyPr>
+          <a:lstStyle/>
+          <a:p>
+            <a:pPr marL="76200" indent="0"/>
+            <a:r>
+              <a:rPr lang="en-US" b="1" dirty="0">
+                <a:solidFill>
+                  <a:schemeClr val="tx1"/>
+                </a:solidFill>
+                <a:latin typeface="Calibri" panose="020F0502020204030204" pitchFamily="34" charset="0"/>
+                <a:ea typeface="Calibri" panose="020F0502020204030204" pitchFamily="34" charset="0"/>
+                <a:cs typeface="Calibri" panose="020F0502020204030204" pitchFamily="34" charset="0"/>
+              </a:rPr>
+              <a:t>Model 1: </a:t>
+            </a:r>
+            <a:r>
+              <a:rPr lang="en-US" b="1" dirty="0">
+                <a:solidFill>
+                  <a:schemeClr val="tx1"/>
+                </a:solidFill>
+                <a:effectLst/>
+                <a:latin typeface="Calibri" panose="020F0502020204030204" pitchFamily="34" charset="0"/>
+                <a:ea typeface="Calibri" panose="020F0502020204030204" pitchFamily="34" charset="0"/>
+                <a:cs typeface="Calibri" panose="020F0502020204030204" pitchFamily="34" charset="0"/>
+              </a:rPr>
+              <a:t>Looping through a Neural Network to Find the Best Candidates</a:t>
+            </a:r>
+          </a:p>
+          <a:p>
+            <a:pPr marL="76200" indent="0"/>
+            <a:endParaRPr lang="en-US" b="1" dirty="0">
+              <a:solidFill>
+                <a:schemeClr val="tx1"/>
+              </a:solidFill>
+              <a:effectLst/>
+              <a:latin typeface="Calibri" panose="020F0502020204030204" pitchFamily="34" charset="0"/>
+              <a:ea typeface="Calibri" panose="020F0502020204030204" pitchFamily="34" charset="0"/>
+              <a:cs typeface="Calibri" panose="020F0502020204030204" pitchFamily="34" charset="0"/>
+            </a:endParaRPr>
+          </a:p>
+          <a:p>
+            <a:pPr marL="76200" indent="0"/>
+            <a:r>
+              <a:rPr lang="en-US" sz="1600" dirty="0">
+                <a:solidFill>
+                  <a:schemeClr val="tx1"/>
+                </a:solidFill>
+                <a:latin typeface="Calibri" panose="020F0502020204030204" pitchFamily="34" charset="0"/>
+                <a:ea typeface="Calibri" panose="020F0502020204030204" pitchFamily="34" charset="0"/>
+                <a:cs typeface="Calibri" panose="020F0502020204030204" pitchFamily="34" charset="0"/>
+              </a:rPr>
+              <a:t>Findings:</a:t>
+            </a:r>
+          </a:p>
+          <a:p>
+            <a:pPr marL="361950" indent="-285750">
+              <a:buFont typeface="Arial" panose="020B0604020202020204" pitchFamily="34" charset="0"/>
+              <a:buChar char="•"/>
+            </a:pPr>
+            <a:r>
+              <a:rPr lang="en-US" sz="1600" dirty="0">
+                <a:solidFill>
+                  <a:schemeClr val="tx1"/>
+                </a:solidFill>
+                <a:latin typeface="Calibri" panose="020F0502020204030204" pitchFamily="34" charset="0"/>
+                <a:ea typeface="Calibri" panose="020F0502020204030204" pitchFamily="34" charset="0"/>
+                <a:cs typeface="Calibri" panose="020F0502020204030204" pitchFamily="34" charset="0"/>
+              </a:rPr>
+              <a:t>For model 1 inputs, the closing price features of two symbols (VIX and VIX3M) produced consistently higher accuracies.</a:t>
+            </a:r>
+          </a:p>
+          <a:p>
+            <a:pPr marL="361950" indent="-285750">
+              <a:buFont typeface="Arial" panose="020B0604020202020204" pitchFamily="34" charset="0"/>
+              <a:buChar char="•"/>
+            </a:pPr>
+            <a:r>
+              <a:rPr lang="en-US" sz="1600" dirty="0">
+                <a:solidFill>
+                  <a:schemeClr val="tx1"/>
+                </a:solidFill>
+                <a:latin typeface="Calibri" panose="020F0502020204030204" pitchFamily="34" charset="0"/>
+                <a:ea typeface="Calibri" panose="020F0502020204030204" pitchFamily="34" charset="0"/>
+                <a:cs typeface="Calibri" panose="020F0502020204030204" pitchFamily="34" charset="0"/>
+              </a:rPr>
+              <a:t>For outputs, the S&amp;P 500 return for one year in the future produced higher overall scores.</a:t>
+            </a:r>
+          </a:p>
+          <a:p>
+            <a:pPr marL="76200" indent="0"/>
+            <a:endParaRPr lang="en-US" sz="1600" dirty="0">
+              <a:solidFill>
+                <a:schemeClr val="tx1"/>
+              </a:solidFill>
+              <a:latin typeface="Calibri" panose="020F0502020204030204" pitchFamily="34" charset="0"/>
+              <a:ea typeface="Calibri" panose="020F0502020204030204" pitchFamily="34" charset="0"/>
+              <a:cs typeface="Calibri" panose="020F0502020204030204" pitchFamily="34" charset="0"/>
+            </a:endParaRPr>
+          </a:p>
+          <a:p>
+            <a:pPr marL="76200" indent="0"/>
+            <a:r>
+              <a:rPr lang="en-US" sz="1600" dirty="0">
+                <a:solidFill>
+                  <a:schemeClr val="tx1"/>
+                </a:solidFill>
+                <a:latin typeface="Calibri" panose="020F0502020204030204" pitchFamily="34" charset="0"/>
+                <a:ea typeface="Calibri" panose="020F0502020204030204" pitchFamily="34" charset="0"/>
+                <a:cs typeface="Calibri" panose="020F0502020204030204" pitchFamily="34" charset="0"/>
+              </a:rPr>
+              <a:t>Result:</a:t>
+            </a:r>
+          </a:p>
+          <a:p>
+            <a:pPr marL="361950" indent="-285750">
+              <a:buFont typeface="Arial" panose="020B0604020202020204" pitchFamily="34" charset="0"/>
+              <a:buChar char="•"/>
+            </a:pPr>
+            <a:r>
+              <a:rPr lang="en-US" sz="1600" dirty="0">
+                <a:solidFill>
+                  <a:schemeClr val="tx1"/>
+                </a:solidFill>
+                <a:latin typeface="Calibri" panose="020F0502020204030204" pitchFamily="34" charset="0"/>
+                <a:ea typeface="Calibri" panose="020F0502020204030204" pitchFamily="34" charset="0"/>
+                <a:cs typeface="Calibri" panose="020F0502020204030204" pitchFamily="34" charset="0"/>
+              </a:rPr>
+              <a:t>VIX and VIX3M were passed to Model 2 as inputs, with the S&amp;P 500 as the output.</a:t>
+            </a:r>
+          </a:p>
+          <a:p>
+            <a:pPr marL="76200" indent="0"/>
+            <a:endParaRPr lang="en-US" dirty="0">
+              <a:solidFill>
+                <a:schemeClr val="tx1"/>
+              </a:solidFill>
+              <a:effectLst/>
+              <a:latin typeface="Calibri" panose="020F0502020204030204" pitchFamily="34" charset="0"/>
+              <a:ea typeface="Calibri" panose="020F0502020204030204" pitchFamily="34" charset="0"/>
+              <a:cs typeface="Calibri" panose="020F0502020204030204" pitchFamily="34" charset="0"/>
+            </a:endParaRPr>
+          </a:p>
+        </p:txBody>
+      </p:sp>
+      <p:sp>
+        <p:nvSpPr>
+          <p:cNvPr id="281" name="Google Shape;281;p15"/>
+          <p:cNvSpPr txBox="1">
+            <a:spLocks noGrp="1"/>
+          </p:cNvSpPr>
+          <p:nvPr>
+            <p:ph type="sldNum" idx="4294967295"/>
+          </p:nvPr>
+        </p:nvSpPr>
+        <p:spPr>
+          <a:xfrm>
+            <a:off x="76200" y="39925"/>
+            <a:ext cx="548700" cy="360000"/>
+          </a:xfrm>
+          <a:prstGeom prst="rect">
+            <a:avLst/>
+          </a:prstGeom>
+        </p:spPr>
+        <p:txBody>
+          <a:bodyPr spcFirstLastPara="1" wrap="square" lIns="91425" tIns="91425" rIns="91425" bIns="91425" anchor="t" anchorCtr="0">
+            <a:noAutofit/>
+          </a:bodyPr>
+          <a:lstStyle/>
+          <a:p>
+            <a:pPr marL="0" lvl="0" indent="0" algn="l" rtl="0">
+              <a:spcBef>
+                <a:spcPts val="0"/>
+              </a:spcBef>
+              <a:spcAft>
+                <a:spcPts val="0"/>
+              </a:spcAft>
+              <a:buNone/>
+            </a:pPr>
+            <a:fld id="{00000000-1234-1234-1234-123412341234}" type="slidenum">
+              <a:rPr lang="en" smtClean="0"/>
+              <a:t>11</a:t>
+            </a:fld>
+            <a:endParaRPr lang="en" dirty="0"/>
+          </a:p>
+        </p:txBody>
+      </p:sp>
+      <p:sp>
+        <p:nvSpPr>
+          <p:cNvPr id="6" name="Google Shape;540;p39">
+            <a:extLst>
+              <a:ext uri="{FF2B5EF4-FFF2-40B4-BE49-F238E27FC236}">
+                <a16:creationId xmlns:a16="http://schemas.microsoft.com/office/drawing/2014/main" id="{05763D49-C8F8-CA48-980B-C3CCF5A77FDC}"/>
+              </a:ext>
+            </a:extLst>
+          </p:cNvPr>
+          <p:cNvSpPr txBox="1">
+            <a:spLocks/>
+          </p:cNvSpPr>
+          <p:nvPr/>
+        </p:nvSpPr>
+        <p:spPr>
+          <a:xfrm>
+            <a:off x="2856608" y="-200941"/>
+            <a:ext cx="5917200" cy="697500"/>
+          </a:xfrm>
+          <a:prstGeom prst="rect">
+            <a:avLst/>
+          </a:prstGeom>
+          <a:noFill/>
+          <a:ln>
+            <a:noFill/>
+          </a:ln>
+        </p:spPr>
+        <p:txBody>
+          <a:bodyPr spcFirstLastPara="1" wrap="square" lIns="91425" tIns="91425" rIns="91425" bIns="91425" anchor="b" anchorCtr="0">
+            <a:noAutofit/>
+          </a:bodyPr>
+          <a:lstStyle>
+            <a:defPPr marR="0" lvl="0" algn="l" rtl="0">
+              <a:lnSpc>
+                <a:spcPct val="100000"/>
+              </a:lnSpc>
+              <a:spcBef>
+                <a:spcPts val="0"/>
+              </a:spcBef>
+              <a:spcAft>
+                <a:spcPts val="0"/>
+              </a:spcAft>
+            </a:defPPr>
+            <a:lvl1pPr marR="0" lvl="0" algn="l" rtl="0">
+              <a:lnSpc>
+                <a:spcPct val="100000"/>
+              </a:lnSpc>
+              <a:spcBef>
+                <a:spcPts val="0"/>
+              </a:spcBef>
+              <a:spcAft>
+                <a:spcPts val="0"/>
+              </a:spcAft>
+              <a:buClr>
+                <a:schemeClr val="dk2"/>
+              </a:buClr>
+              <a:buSzPts val="2400"/>
+              <a:buFont typeface="Montserrat"/>
+              <a:buNone/>
+              <a:defRPr sz="2400" b="1" i="0" u="none" strike="noStrike" cap="none">
+                <a:solidFill>
+                  <a:schemeClr val="dk2"/>
+                </a:solidFill>
+                <a:latin typeface="Montserrat"/>
+                <a:ea typeface="Montserrat"/>
+                <a:cs typeface="Montserrat"/>
+                <a:sym typeface="Montserrat"/>
+              </a:defRPr>
+            </a:lvl1pPr>
+            <a:lvl2pPr marR="0" lvl="1" algn="l" rtl="0">
+              <a:lnSpc>
+                <a:spcPct val="100000"/>
+              </a:lnSpc>
+              <a:spcBef>
+                <a:spcPts val="0"/>
+              </a:spcBef>
+              <a:spcAft>
+                <a:spcPts val="0"/>
+              </a:spcAft>
+              <a:buClr>
+                <a:schemeClr val="dk2"/>
+              </a:buClr>
+              <a:buSzPts val="2400"/>
+              <a:buFont typeface="Montserrat"/>
+              <a:buNone/>
+              <a:defRPr sz="2400" b="1" i="0" u="none" strike="noStrike" cap="none">
+                <a:solidFill>
+                  <a:schemeClr val="dk2"/>
+                </a:solidFill>
+                <a:latin typeface="Montserrat"/>
+                <a:ea typeface="Montserrat"/>
+                <a:cs typeface="Montserrat"/>
+                <a:sym typeface="Montserrat"/>
+              </a:defRPr>
+            </a:lvl2pPr>
+            <a:lvl3pPr marR="0" lvl="2" algn="l" rtl="0">
+              <a:lnSpc>
+                <a:spcPct val="100000"/>
+              </a:lnSpc>
+              <a:spcBef>
+                <a:spcPts val="0"/>
+              </a:spcBef>
+              <a:spcAft>
+                <a:spcPts val="0"/>
+              </a:spcAft>
+              <a:buClr>
+                <a:schemeClr val="dk2"/>
+              </a:buClr>
+              <a:buSzPts val="2400"/>
+              <a:buFont typeface="Montserrat"/>
+              <a:buNone/>
+              <a:defRPr sz="2400" b="1" i="0" u="none" strike="noStrike" cap="none">
+                <a:solidFill>
+                  <a:schemeClr val="dk2"/>
+                </a:solidFill>
+                <a:latin typeface="Montserrat"/>
+                <a:ea typeface="Montserrat"/>
+                <a:cs typeface="Montserrat"/>
+                <a:sym typeface="Montserrat"/>
+              </a:defRPr>
+            </a:lvl3pPr>
+            <a:lvl4pPr marR="0" lvl="3" algn="l" rtl="0">
+              <a:lnSpc>
+                <a:spcPct val="100000"/>
+              </a:lnSpc>
+              <a:spcBef>
+                <a:spcPts val="0"/>
+              </a:spcBef>
+              <a:spcAft>
+                <a:spcPts val="0"/>
+              </a:spcAft>
+              <a:buClr>
+                <a:schemeClr val="dk2"/>
+              </a:buClr>
+              <a:buSzPts val="2400"/>
+              <a:buFont typeface="Montserrat"/>
+              <a:buNone/>
+              <a:defRPr sz="2400" b="1" i="0" u="none" strike="noStrike" cap="none">
+                <a:solidFill>
+                  <a:schemeClr val="dk2"/>
+                </a:solidFill>
+                <a:latin typeface="Montserrat"/>
+                <a:ea typeface="Montserrat"/>
+                <a:cs typeface="Montserrat"/>
+                <a:sym typeface="Montserrat"/>
+              </a:defRPr>
+            </a:lvl4pPr>
+            <a:lvl5pPr marR="0" lvl="4" algn="l" rtl="0">
+              <a:lnSpc>
+                <a:spcPct val="100000"/>
+              </a:lnSpc>
+              <a:spcBef>
+                <a:spcPts val="0"/>
+              </a:spcBef>
+              <a:spcAft>
+                <a:spcPts val="0"/>
+              </a:spcAft>
+              <a:buClr>
+                <a:schemeClr val="dk2"/>
+              </a:buClr>
+              <a:buSzPts val="2400"/>
+              <a:buFont typeface="Montserrat"/>
+              <a:buNone/>
+              <a:defRPr sz="2400" b="1" i="0" u="none" strike="noStrike" cap="none">
+                <a:solidFill>
+                  <a:schemeClr val="dk2"/>
+                </a:solidFill>
+                <a:latin typeface="Montserrat"/>
+                <a:ea typeface="Montserrat"/>
+                <a:cs typeface="Montserrat"/>
+                <a:sym typeface="Montserrat"/>
+              </a:defRPr>
+            </a:lvl5pPr>
+            <a:lvl6pPr marR="0" lvl="5" algn="l" rtl="0">
+              <a:lnSpc>
+                <a:spcPct val="100000"/>
+              </a:lnSpc>
+              <a:spcBef>
+                <a:spcPts val="0"/>
+              </a:spcBef>
+              <a:spcAft>
+                <a:spcPts val="0"/>
+              </a:spcAft>
+              <a:buClr>
+                <a:schemeClr val="dk2"/>
+              </a:buClr>
+              <a:buSzPts val="2400"/>
+              <a:buFont typeface="Montserrat"/>
+              <a:buNone/>
+              <a:defRPr sz="2400" b="1" i="0" u="none" strike="noStrike" cap="none">
+                <a:solidFill>
+                  <a:schemeClr val="dk2"/>
+                </a:solidFill>
+                <a:latin typeface="Montserrat"/>
+                <a:ea typeface="Montserrat"/>
+                <a:cs typeface="Montserrat"/>
+                <a:sym typeface="Montserrat"/>
+              </a:defRPr>
+            </a:lvl6pPr>
+            <a:lvl7pPr marR="0" lvl="6" algn="l" rtl="0">
+              <a:lnSpc>
+                <a:spcPct val="100000"/>
+              </a:lnSpc>
+              <a:spcBef>
+                <a:spcPts val="0"/>
+              </a:spcBef>
+              <a:spcAft>
+                <a:spcPts val="0"/>
+              </a:spcAft>
+              <a:buClr>
+                <a:schemeClr val="dk2"/>
+              </a:buClr>
+              <a:buSzPts val="2400"/>
+              <a:buFont typeface="Montserrat"/>
+              <a:buNone/>
+              <a:defRPr sz="2400" b="1" i="0" u="none" strike="noStrike" cap="none">
+                <a:solidFill>
+                  <a:schemeClr val="dk2"/>
+                </a:solidFill>
+                <a:latin typeface="Montserrat"/>
+                <a:ea typeface="Montserrat"/>
+                <a:cs typeface="Montserrat"/>
+                <a:sym typeface="Montserrat"/>
+              </a:defRPr>
+            </a:lvl7pPr>
+            <a:lvl8pPr marR="0" lvl="7" algn="l" rtl="0">
+              <a:lnSpc>
+                <a:spcPct val="100000"/>
+              </a:lnSpc>
+              <a:spcBef>
+                <a:spcPts val="0"/>
+              </a:spcBef>
+              <a:spcAft>
+                <a:spcPts val="0"/>
+              </a:spcAft>
+              <a:buClr>
+                <a:schemeClr val="dk2"/>
+              </a:buClr>
+              <a:buSzPts val="2400"/>
+              <a:buFont typeface="Montserrat"/>
+              <a:buNone/>
+              <a:defRPr sz="2400" b="1" i="0" u="none" strike="noStrike" cap="none">
+                <a:solidFill>
+                  <a:schemeClr val="dk2"/>
+                </a:solidFill>
+                <a:latin typeface="Montserrat"/>
+                <a:ea typeface="Montserrat"/>
+                <a:cs typeface="Montserrat"/>
+                <a:sym typeface="Montserrat"/>
+              </a:defRPr>
+            </a:lvl8pPr>
+            <a:lvl9pPr marR="0" lvl="8" algn="l" rtl="0">
+              <a:lnSpc>
+                <a:spcPct val="100000"/>
+              </a:lnSpc>
+              <a:spcBef>
+                <a:spcPts val="0"/>
+              </a:spcBef>
+              <a:spcAft>
+                <a:spcPts val="0"/>
+              </a:spcAft>
+              <a:buClr>
+                <a:schemeClr val="dk2"/>
+              </a:buClr>
+              <a:buSzPts val="2400"/>
+              <a:buFont typeface="Montserrat"/>
+              <a:buNone/>
+              <a:defRPr sz="2400" b="1" i="0" u="none" strike="noStrike" cap="none">
+                <a:solidFill>
+                  <a:schemeClr val="dk2"/>
+                </a:solidFill>
+                <a:latin typeface="Montserrat"/>
+                <a:ea typeface="Montserrat"/>
+                <a:cs typeface="Montserrat"/>
+                <a:sym typeface="Montserrat"/>
+              </a:defRPr>
+            </a:lvl9pPr>
+          </a:lstStyle>
+          <a:p>
+            <a:r>
+              <a:rPr lang="en-US"/>
+              <a:t>Model Roadmap</a:t>
+            </a:r>
+            <a:endParaRPr lang="en-US" dirty="0"/>
+          </a:p>
+        </p:txBody>
+      </p:sp>
+      <p:sp>
+        <p:nvSpPr>
+          <p:cNvPr id="7" name="Google Shape;542;p39">
+            <a:extLst>
+              <a:ext uri="{FF2B5EF4-FFF2-40B4-BE49-F238E27FC236}">
+                <a16:creationId xmlns:a16="http://schemas.microsoft.com/office/drawing/2014/main" id="{F98A7B33-3578-2140-AAC6-B7CF18F09627}"/>
+              </a:ext>
+            </a:extLst>
+          </p:cNvPr>
+          <p:cNvSpPr/>
+          <p:nvPr/>
+        </p:nvSpPr>
+        <p:spPr>
+          <a:xfrm>
+            <a:off x="0" y="694628"/>
+            <a:ext cx="9144000" cy="1011043"/>
+          </a:xfrm>
+          <a:custGeom>
+            <a:avLst/>
+            <a:gdLst/>
+            <a:ahLst/>
+            <a:cxnLst/>
+            <a:rect l="l" t="t" r="r" b="b"/>
+            <a:pathLst>
+              <a:path w="12192000" h="1348058" extrusionOk="0">
+                <a:moveTo>
+                  <a:pt x="12192000" y="0"/>
+                </a:moveTo>
+                <a:lnTo>
+                  <a:pt x="10837333" y="0"/>
+                </a:lnTo>
+                <a:cubicBezTo>
+                  <a:pt x="10463295" y="0"/>
+                  <a:pt x="10160000" y="301773"/>
+                  <a:pt x="10160000" y="674029"/>
+                </a:cubicBezTo>
+                <a:lnTo>
+                  <a:pt x="10160000" y="674029"/>
+                </a:lnTo>
+                <a:cubicBezTo>
+                  <a:pt x="10160000" y="1046281"/>
+                  <a:pt x="9856705" y="1348059"/>
+                  <a:pt x="9482667" y="1348059"/>
+                </a:cubicBezTo>
+                <a:lnTo>
+                  <a:pt x="9482667" y="1348059"/>
+                </a:lnTo>
+                <a:cubicBezTo>
+                  <a:pt x="9108581" y="1348059"/>
+                  <a:pt x="8805333" y="1046281"/>
+                  <a:pt x="8805333" y="674029"/>
+                </a:cubicBezTo>
+                <a:lnTo>
+                  <a:pt x="8805333" y="674029"/>
+                </a:lnTo>
+                <a:cubicBezTo>
+                  <a:pt x="8805333" y="301773"/>
+                  <a:pt x="8502086" y="0"/>
+                  <a:pt x="8128000" y="0"/>
+                </a:cubicBezTo>
+                <a:lnTo>
+                  <a:pt x="8128000" y="0"/>
+                </a:lnTo>
+                <a:cubicBezTo>
+                  <a:pt x="7753915" y="0"/>
+                  <a:pt x="7450667" y="301773"/>
+                  <a:pt x="7450667" y="674029"/>
+                </a:cubicBezTo>
+                <a:lnTo>
+                  <a:pt x="7450667" y="674029"/>
+                </a:lnTo>
+                <a:cubicBezTo>
+                  <a:pt x="7450667" y="1046281"/>
+                  <a:pt x="7147419" y="1348059"/>
+                  <a:pt x="6773334" y="1348059"/>
+                </a:cubicBezTo>
+                <a:lnTo>
+                  <a:pt x="6773334" y="1348059"/>
+                </a:lnTo>
+                <a:cubicBezTo>
+                  <a:pt x="6399248" y="1348059"/>
+                  <a:pt x="6096000" y="1046281"/>
+                  <a:pt x="6096000" y="674029"/>
+                </a:cubicBezTo>
+                <a:lnTo>
+                  <a:pt x="6096000" y="674029"/>
+                </a:lnTo>
+                <a:cubicBezTo>
+                  <a:pt x="6096000" y="301773"/>
+                  <a:pt x="5792753" y="0"/>
+                  <a:pt x="5418667" y="0"/>
+                </a:cubicBezTo>
+                <a:lnTo>
+                  <a:pt x="5418667" y="0"/>
+                </a:lnTo>
+                <a:cubicBezTo>
+                  <a:pt x="5044581" y="0"/>
+                  <a:pt x="4741334" y="301773"/>
+                  <a:pt x="4741334" y="674029"/>
+                </a:cubicBezTo>
+                <a:lnTo>
+                  <a:pt x="4741334" y="674029"/>
+                </a:lnTo>
+                <a:cubicBezTo>
+                  <a:pt x="4741334" y="1046281"/>
+                  <a:pt x="4438076" y="1348059"/>
+                  <a:pt x="4064000" y="1348059"/>
+                </a:cubicBezTo>
+                <a:lnTo>
+                  <a:pt x="4064000" y="1348059"/>
+                </a:lnTo>
+                <a:cubicBezTo>
+                  <a:pt x="3689924" y="1348059"/>
+                  <a:pt x="3386667" y="1046281"/>
+                  <a:pt x="3386667" y="674029"/>
+                </a:cubicBezTo>
+                <a:lnTo>
+                  <a:pt x="3386667" y="674029"/>
+                </a:lnTo>
+                <a:cubicBezTo>
+                  <a:pt x="3386667" y="301773"/>
+                  <a:pt x="3083410" y="0"/>
+                  <a:pt x="2709333" y="0"/>
+                </a:cubicBezTo>
+                <a:lnTo>
+                  <a:pt x="2709333" y="0"/>
+                </a:lnTo>
+                <a:cubicBezTo>
+                  <a:pt x="2335257" y="0"/>
+                  <a:pt x="2032000" y="301773"/>
+                  <a:pt x="2032000" y="674029"/>
+                </a:cubicBezTo>
+                <a:lnTo>
+                  <a:pt x="2032000" y="674029"/>
+                </a:lnTo>
+                <a:cubicBezTo>
+                  <a:pt x="2032000" y="1046281"/>
+                  <a:pt x="1728743" y="1348059"/>
+                  <a:pt x="1354667" y="1348059"/>
+                </a:cubicBezTo>
+                <a:lnTo>
+                  <a:pt x="0" y="1348059"/>
+                </a:lnTo>
+              </a:path>
+            </a:pathLst>
+          </a:custGeom>
+          <a:noFill/>
+          <a:ln w="228600" cap="flat" cmpd="sng">
+            <a:solidFill>
+              <a:srgbClr val="B7B7B7"/>
+            </a:solidFill>
+            <a:prstDash val="solid"/>
+            <a:miter lim="8000"/>
+            <a:headEnd type="none" w="sm" len="sm"/>
+            <a:tailEnd type="none" w="sm" len="sm"/>
+          </a:ln>
+        </p:spPr>
+        <p:txBody>
+          <a:bodyPr spcFirstLastPara="1" wrap="square" lIns="91425" tIns="45700" rIns="91425" bIns="45700" anchor="ctr" anchorCtr="0">
+            <a:noAutofit/>
+          </a:bodyPr>
+          <a:lstStyle/>
+          <a:p>
+            <a:pPr marL="0" marR="0" lvl="0" indent="0" algn="l" rtl="0">
+              <a:spcBef>
+                <a:spcPts val="0"/>
+              </a:spcBef>
+              <a:spcAft>
+                <a:spcPts val="0"/>
+              </a:spcAft>
+              <a:buNone/>
+            </a:pPr>
+            <a:endParaRPr sz="1800">
+              <a:solidFill>
+                <a:srgbClr val="000000"/>
+              </a:solidFill>
+              <a:latin typeface="Calibri"/>
+              <a:ea typeface="Calibri"/>
+              <a:cs typeface="Calibri"/>
+              <a:sym typeface="Calibri"/>
+            </a:endParaRPr>
+          </a:p>
+        </p:txBody>
+      </p:sp>
+      <p:sp>
+        <p:nvSpPr>
+          <p:cNvPr id="8" name="Google Shape;543;p39">
+            <a:extLst>
+              <a:ext uri="{FF2B5EF4-FFF2-40B4-BE49-F238E27FC236}">
+                <a16:creationId xmlns:a16="http://schemas.microsoft.com/office/drawing/2014/main" id="{D72F73C0-6BD1-821B-BF36-C415C55E485E}"/>
+              </a:ext>
+            </a:extLst>
+          </p:cNvPr>
+          <p:cNvSpPr/>
+          <p:nvPr/>
+        </p:nvSpPr>
+        <p:spPr>
+          <a:xfrm>
+            <a:off x="0" y="694628"/>
+            <a:ext cx="9144000" cy="1011043"/>
+          </a:xfrm>
+          <a:custGeom>
+            <a:avLst/>
+            <a:gdLst/>
+            <a:ahLst/>
+            <a:cxnLst/>
+            <a:rect l="l" t="t" r="r" b="b"/>
+            <a:pathLst>
+              <a:path w="12192000" h="1348058" extrusionOk="0">
+                <a:moveTo>
+                  <a:pt x="12192000" y="0"/>
+                </a:moveTo>
+                <a:lnTo>
+                  <a:pt x="10837333" y="0"/>
+                </a:lnTo>
+                <a:cubicBezTo>
+                  <a:pt x="10463295" y="0"/>
+                  <a:pt x="10160000" y="301773"/>
+                  <a:pt x="10160000" y="674029"/>
+                </a:cubicBezTo>
+                <a:lnTo>
+                  <a:pt x="10160000" y="674029"/>
+                </a:lnTo>
+                <a:cubicBezTo>
+                  <a:pt x="10160000" y="1046281"/>
+                  <a:pt x="9856705" y="1348059"/>
+                  <a:pt x="9482667" y="1348059"/>
+                </a:cubicBezTo>
+                <a:lnTo>
+                  <a:pt x="9482667" y="1348059"/>
+                </a:lnTo>
+                <a:cubicBezTo>
+                  <a:pt x="9108581" y="1348059"/>
+                  <a:pt x="8805333" y="1046281"/>
+                  <a:pt x="8805333" y="674029"/>
+                </a:cubicBezTo>
+                <a:lnTo>
+                  <a:pt x="8805333" y="674029"/>
+                </a:lnTo>
+                <a:cubicBezTo>
+                  <a:pt x="8805333" y="301773"/>
+                  <a:pt x="8502086" y="0"/>
+                  <a:pt x="8128000" y="0"/>
+                </a:cubicBezTo>
+                <a:lnTo>
+                  <a:pt x="8128000" y="0"/>
+                </a:lnTo>
+                <a:cubicBezTo>
+                  <a:pt x="7753915" y="0"/>
+                  <a:pt x="7450667" y="301773"/>
+                  <a:pt x="7450667" y="674029"/>
+                </a:cubicBezTo>
+                <a:lnTo>
+                  <a:pt x="7450667" y="674029"/>
+                </a:lnTo>
+                <a:cubicBezTo>
+                  <a:pt x="7450667" y="1046281"/>
+                  <a:pt x="7147419" y="1348059"/>
+                  <a:pt x="6773334" y="1348059"/>
+                </a:cubicBezTo>
+                <a:lnTo>
+                  <a:pt x="6773334" y="1348059"/>
+                </a:lnTo>
+                <a:cubicBezTo>
+                  <a:pt x="6399248" y="1348059"/>
+                  <a:pt x="6096000" y="1046281"/>
+                  <a:pt x="6096000" y="674029"/>
+                </a:cubicBezTo>
+                <a:lnTo>
+                  <a:pt x="6096000" y="674029"/>
+                </a:lnTo>
+                <a:cubicBezTo>
+                  <a:pt x="6096000" y="301773"/>
+                  <a:pt x="5792753" y="0"/>
+                  <a:pt x="5418667" y="0"/>
+                </a:cubicBezTo>
+                <a:lnTo>
+                  <a:pt x="5418667" y="0"/>
+                </a:lnTo>
+                <a:cubicBezTo>
+                  <a:pt x="5044581" y="0"/>
+                  <a:pt x="4741334" y="301773"/>
+                  <a:pt x="4741334" y="674029"/>
+                </a:cubicBezTo>
+                <a:lnTo>
+                  <a:pt x="4741334" y="674029"/>
+                </a:lnTo>
+                <a:cubicBezTo>
+                  <a:pt x="4741334" y="1046281"/>
+                  <a:pt x="4438076" y="1348059"/>
+                  <a:pt x="4064000" y="1348059"/>
+                </a:cubicBezTo>
+                <a:lnTo>
+                  <a:pt x="4064000" y="1348059"/>
+                </a:lnTo>
+                <a:cubicBezTo>
+                  <a:pt x="3689924" y="1348059"/>
+                  <a:pt x="3386667" y="1046281"/>
+                  <a:pt x="3386667" y="674029"/>
+                </a:cubicBezTo>
+                <a:lnTo>
+                  <a:pt x="3386667" y="674029"/>
+                </a:lnTo>
+                <a:cubicBezTo>
+                  <a:pt x="3386667" y="301773"/>
+                  <a:pt x="3083410" y="0"/>
+                  <a:pt x="2709333" y="0"/>
+                </a:cubicBezTo>
+                <a:lnTo>
+                  <a:pt x="2709333" y="0"/>
+                </a:lnTo>
+                <a:cubicBezTo>
+                  <a:pt x="2335257" y="0"/>
+                  <a:pt x="2032000" y="301773"/>
+                  <a:pt x="2032000" y="674029"/>
+                </a:cubicBezTo>
+                <a:lnTo>
+                  <a:pt x="2032000" y="674029"/>
+                </a:lnTo>
+                <a:cubicBezTo>
+                  <a:pt x="2032000" y="1046281"/>
+                  <a:pt x="1728743" y="1348059"/>
+                  <a:pt x="1354667" y="1348059"/>
+                </a:cubicBezTo>
+                <a:lnTo>
+                  <a:pt x="0" y="1348059"/>
+                </a:lnTo>
+              </a:path>
+            </a:pathLst>
+          </a:custGeom>
+          <a:noFill/>
+          <a:ln w="19050" cap="flat" cmpd="sng">
+            <a:solidFill>
+              <a:srgbClr val="FFFFFF"/>
+            </a:solidFill>
+            <a:prstDash val="dash"/>
+            <a:miter lim="8000"/>
+            <a:headEnd type="none" w="sm" len="sm"/>
+            <a:tailEnd type="none" w="sm" len="sm"/>
+          </a:ln>
+        </p:spPr>
+        <p:txBody>
+          <a:bodyPr spcFirstLastPara="1" wrap="square" lIns="91425" tIns="45700" rIns="91425" bIns="45700" anchor="ctr" anchorCtr="0">
+            <a:noAutofit/>
+          </a:bodyPr>
+          <a:lstStyle/>
+          <a:p>
+            <a:pPr marL="0" marR="0" lvl="0" indent="0" algn="l" rtl="0">
+              <a:spcBef>
+                <a:spcPts val="0"/>
+              </a:spcBef>
+              <a:spcAft>
+                <a:spcPts val="0"/>
+              </a:spcAft>
+              <a:buNone/>
+            </a:pPr>
+            <a:endParaRPr sz="1800">
+              <a:solidFill>
+                <a:schemeClr val="lt1"/>
+              </a:solidFill>
+              <a:latin typeface="Calibri"/>
+              <a:ea typeface="Calibri"/>
+              <a:cs typeface="Calibri"/>
+              <a:sym typeface="Calibri"/>
+            </a:endParaRPr>
+          </a:p>
+        </p:txBody>
+      </p:sp>
+      <p:grpSp>
+        <p:nvGrpSpPr>
+          <p:cNvPr id="9" name="Google Shape;547;p39">
+            <a:extLst>
+              <a:ext uri="{FF2B5EF4-FFF2-40B4-BE49-F238E27FC236}">
+                <a16:creationId xmlns:a16="http://schemas.microsoft.com/office/drawing/2014/main" id="{AA3A30E6-5A92-DB4D-8126-AE75FB24548B}"/>
+              </a:ext>
+            </a:extLst>
+          </p:cNvPr>
+          <p:cNvGrpSpPr/>
+          <p:nvPr/>
+        </p:nvGrpSpPr>
+        <p:grpSpPr>
+          <a:xfrm>
+            <a:off x="1665967" y="-36493"/>
+            <a:ext cx="762107" cy="789067"/>
+            <a:chOff x="3814414" y="1703401"/>
+            <a:chExt cx="473400" cy="473400"/>
+          </a:xfrm>
+        </p:grpSpPr>
+        <p:sp>
+          <p:nvSpPr>
+            <p:cNvPr id="10" name="Google Shape;548;p39">
+              <a:extLst>
+                <a:ext uri="{FF2B5EF4-FFF2-40B4-BE49-F238E27FC236}">
+                  <a16:creationId xmlns:a16="http://schemas.microsoft.com/office/drawing/2014/main" id="{CB945F5B-D80B-1100-3A99-B0ECF6384F82}"/>
+                </a:ext>
+              </a:extLst>
+            </p:cNvPr>
+            <p:cNvSpPr/>
+            <p:nvPr/>
+          </p:nvSpPr>
+          <p:spPr>
+            <a:xfrm rot="8100000">
+              <a:off x="3883742" y="1772729"/>
+              <a:ext cx="334744" cy="334744"/>
+            </a:xfrm>
+            <a:prstGeom prst="teardrop">
+              <a:avLst>
+                <a:gd name="adj" fmla="val 100000"/>
+              </a:avLst>
+            </a:prstGeom>
+            <a:solidFill>
+              <a:schemeClr val="accent3"/>
+            </a:solidFill>
+            <a:ln>
+              <a:noFill/>
+            </a:ln>
+          </p:spPr>
+          <p:txBody>
+            <a:bodyPr spcFirstLastPara="1" wrap="square" lIns="91425" tIns="91425" rIns="91425" bIns="91425" anchor="ctr" anchorCtr="0">
+              <a:noAutofit/>
+            </a:bodyPr>
+            <a:lstStyle/>
+            <a:p>
+              <a:pPr marL="0" lvl="0" indent="0" algn="l" rtl="0">
+                <a:spcBef>
+                  <a:spcPts val="0"/>
+                </a:spcBef>
+                <a:spcAft>
+                  <a:spcPts val="0"/>
+                </a:spcAft>
+                <a:buNone/>
+              </a:pPr>
+              <a:endParaRPr/>
+            </a:p>
+          </p:txBody>
+        </p:sp>
+        <p:sp>
+          <p:nvSpPr>
+            <p:cNvPr id="11" name="Google Shape;549;p39">
+              <a:extLst>
+                <a:ext uri="{FF2B5EF4-FFF2-40B4-BE49-F238E27FC236}">
+                  <a16:creationId xmlns:a16="http://schemas.microsoft.com/office/drawing/2014/main" id="{3C836099-17A3-8CA2-35BC-2F7DAEEF96B5}"/>
+                </a:ext>
+              </a:extLst>
+            </p:cNvPr>
+            <p:cNvSpPr/>
+            <p:nvPr/>
+          </p:nvSpPr>
+          <p:spPr>
+            <a:xfrm>
+              <a:off x="3984064" y="1866499"/>
+              <a:ext cx="134100" cy="134100"/>
+            </a:xfrm>
+            <a:prstGeom prst="ellipse">
+              <a:avLst/>
+            </a:prstGeom>
+            <a:solidFill>
+              <a:schemeClr val="lt1"/>
+            </a:solidFill>
+            <a:ln>
+              <a:noFill/>
+            </a:ln>
+          </p:spPr>
+          <p:txBody>
+            <a:bodyPr spcFirstLastPara="1" wrap="square" lIns="0" tIns="0" rIns="0" bIns="0" anchor="ctr" anchorCtr="0">
+              <a:noAutofit/>
+            </a:bodyPr>
+            <a:lstStyle/>
+            <a:p>
+              <a:pPr marL="0" lvl="0" indent="0" algn="ctr" rtl="0">
+                <a:spcBef>
+                  <a:spcPts val="0"/>
+                </a:spcBef>
+                <a:spcAft>
+                  <a:spcPts val="0"/>
+                </a:spcAft>
+                <a:buNone/>
+              </a:pPr>
+              <a:endParaRPr sz="600" dirty="0">
+                <a:solidFill>
+                  <a:schemeClr val="dk2"/>
+                </a:solidFill>
+                <a:latin typeface="PT Serif"/>
+                <a:ea typeface="PT Serif"/>
+                <a:cs typeface="PT Serif"/>
+                <a:sym typeface="PT Serif"/>
+              </a:endParaRPr>
+            </a:p>
+          </p:txBody>
+        </p:sp>
+      </p:grpSp>
+      <p:sp>
+        <p:nvSpPr>
+          <p:cNvPr id="12" name="Google Shape;562;p39">
+            <a:extLst>
+              <a:ext uri="{FF2B5EF4-FFF2-40B4-BE49-F238E27FC236}">
+                <a16:creationId xmlns:a16="http://schemas.microsoft.com/office/drawing/2014/main" id="{4C8BB385-2422-ADA3-4A58-444B69946B76}"/>
+              </a:ext>
+            </a:extLst>
+          </p:cNvPr>
+          <p:cNvSpPr txBox="1"/>
+          <p:nvPr/>
+        </p:nvSpPr>
+        <p:spPr>
+          <a:xfrm>
+            <a:off x="3407914" y="1090766"/>
+            <a:ext cx="1286400" cy="533400"/>
+          </a:xfrm>
+          <a:prstGeom prst="rect">
+            <a:avLst/>
+          </a:prstGeom>
+          <a:noFill/>
+          <a:ln>
+            <a:noFill/>
+          </a:ln>
+        </p:spPr>
+        <p:txBody>
+          <a:bodyPr spcFirstLastPara="1" wrap="square" lIns="0" tIns="0" rIns="0" bIns="0" anchor="b" anchorCtr="0">
+            <a:noAutofit/>
+          </a:bodyPr>
+          <a:lstStyle/>
+          <a:p>
+            <a:pPr marL="0" marR="0" lvl="0" indent="0" algn="ctr" rtl="0">
+              <a:lnSpc>
+                <a:spcPct val="100000"/>
+              </a:lnSpc>
+              <a:spcBef>
+                <a:spcPts val="0"/>
+              </a:spcBef>
+              <a:spcAft>
+                <a:spcPts val="0"/>
+              </a:spcAft>
+              <a:buNone/>
+            </a:pPr>
+            <a:r>
+              <a:rPr lang="en" sz="4800" dirty="0">
+                <a:solidFill>
+                  <a:schemeClr val="tx1"/>
+                </a:solidFill>
+                <a:latin typeface="Calibri" panose="020F0502020204030204" pitchFamily="34" charset="0"/>
+                <a:ea typeface="Calibri" panose="020F0502020204030204" pitchFamily="34" charset="0"/>
+                <a:cs typeface="Calibri" panose="020F0502020204030204" pitchFamily="34" charset="0"/>
+                <a:sym typeface="PT Serif"/>
+              </a:rPr>
+              <a:t>2</a:t>
+            </a:r>
+            <a:endParaRPr sz="4800" dirty="0">
+              <a:solidFill>
+                <a:schemeClr val="tx1"/>
+              </a:solidFill>
+              <a:latin typeface="Calibri" panose="020F0502020204030204" pitchFamily="34" charset="0"/>
+              <a:ea typeface="Calibri" panose="020F0502020204030204" pitchFamily="34" charset="0"/>
+              <a:cs typeface="Calibri" panose="020F0502020204030204" pitchFamily="34" charset="0"/>
+              <a:sym typeface="PT Serif"/>
+            </a:endParaRPr>
+          </a:p>
+        </p:txBody>
+      </p:sp>
+      <p:sp>
+        <p:nvSpPr>
+          <p:cNvPr id="13" name="Google Shape;563;p39">
+            <a:extLst>
+              <a:ext uri="{FF2B5EF4-FFF2-40B4-BE49-F238E27FC236}">
+                <a16:creationId xmlns:a16="http://schemas.microsoft.com/office/drawing/2014/main" id="{97070B46-C2DF-5377-7EE5-DBA6A5DF6E0F}"/>
+              </a:ext>
+            </a:extLst>
+          </p:cNvPr>
+          <p:cNvSpPr txBox="1"/>
+          <p:nvPr/>
+        </p:nvSpPr>
+        <p:spPr>
+          <a:xfrm>
+            <a:off x="1403821" y="1090766"/>
+            <a:ext cx="1286400" cy="533400"/>
+          </a:xfrm>
+          <a:prstGeom prst="rect">
+            <a:avLst/>
+          </a:prstGeom>
+          <a:noFill/>
+          <a:ln>
+            <a:noFill/>
+          </a:ln>
+        </p:spPr>
+        <p:txBody>
+          <a:bodyPr spcFirstLastPara="1" wrap="square" lIns="0" tIns="0" rIns="0" bIns="0" anchor="b" anchorCtr="0">
+            <a:noAutofit/>
+          </a:bodyPr>
+          <a:lstStyle/>
+          <a:p>
+            <a:pPr marL="0" marR="0" lvl="0" indent="0" algn="ctr" rtl="0">
+              <a:lnSpc>
+                <a:spcPct val="100000"/>
+              </a:lnSpc>
+              <a:spcBef>
+                <a:spcPts val="0"/>
+              </a:spcBef>
+              <a:spcAft>
+                <a:spcPts val="0"/>
+              </a:spcAft>
+              <a:buNone/>
+            </a:pPr>
+            <a:r>
+              <a:rPr lang="en" sz="4800" b="1" dirty="0">
+                <a:solidFill>
+                  <a:schemeClr val="tx1"/>
+                </a:solidFill>
+                <a:latin typeface="Calibri" panose="020F0502020204030204" pitchFamily="34" charset="0"/>
+                <a:ea typeface="Calibri" panose="020F0502020204030204" pitchFamily="34" charset="0"/>
+                <a:cs typeface="Calibri" panose="020F0502020204030204" pitchFamily="34" charset="0"/>
+                <a:sym typeface="PT Serif"/>
+              </a:rPr>
+              <a:t>1</a:t>
+            </a:r>
+            <a:endParaRPr sz="4800" b="1" dirty="0">
+              <a:solidFill>
+                <a:schemeClr val="tx1"/>
+              </a:solidFill>
+              <a:latin typeface="Calibri" panose="020F0502020204030204" pitchFamily="34" charset="0"/>
+              <a:ea typeface="Calibri" panose="020F0502020204030204" pitchFamily="34" charset="0"/>
+              <a:cs typeface="Calibri" panose="020F0502020204030204" pitchFamily="34" charset="0"/>
+              <a:sym typeface="PT Serif"/>
+            </a:endParaRPr>
+          </a:p>
+        </p:txBody>
+      </p:sp>
+      <p:sp>
+        <p:nvSpPr>
+          <p:cNvPr id="14" name="Google Shape;562;p39">
+            <a:extLst>
+              <a:ext uri="{FF2B5EF4-FFF2-40B4-BE49-F238E27FC236}">
+                <a16:creationId xmlns:a16="http://schemas.microsoft.com/office/drawing/2014/main" id="{F78F4D9E-011D-EC5C-95B7-4915A969FBD7}"/>
+              </a:ext>
+            </a:extLst>
+          </p:cNvPr>
+          <p:cNvSpPr txBox="1"/>
+          <p:nvPr/>
+        </p:nvSpPr>
+        <p:spPr>
+          <a:xfrm>
+            <a:off x="5412007" y="1090766"/>
+            <a:ext cx="1286400" cy="533400"/>
+          </a:xfrm>
+          <a:prstGeom prst="rect">
+            <a:avLst/>
+          </a:prstGeom>
+          <a:noFill/>
+          <a:ln>
+            <a:noFill/>
+          </a:ln>
+        </p:spPr>
+        <p:txBody>
+          <a:bodyPr spcFirstLastPara="1" wrap="square" lIns="0" tIns="0" rIns="0" bIns="0" anchor="b" anchorCtr="0">
+            <a:noAutofit/>
+          </a:bodyPr>
+          <a:lstStyle/>
+          <a:p>
+            <a:pPr marL="0" marR="0" lvl="0" indent="0" algn="ctr" rtl="0">
+              <a:lnSpc>
+                <a:spcPct val="100000"/>
+              </a:lnSpc>
+              <a:spcBef>
+                <a:spcPts val="0"/>
+              </a:spcBef>
+              <a:spcAft>
+                <a:spcPts val="0"/>
+              </a:spcAft>
+              <a:buNone/>
+            </a:pPr>
+            <a:r>
+              <a:rPr lang="en" sz="4800" dirty="0">
+                <a:solidFill>
+                  <a:schemeClr val="tx1"/>
+                </a:solidFill>
+                <a:latin typeface="Calibri" panose="020F0502020204030204" pitchFamily="34" charset="0"/>
+                <a:ea typeface="Calibri" panose="020F0502020204030204" pitchFamily="34" charset="0"/>
+                <a:cs typeface="Calibri" panose="020F0502020204030204" pitchFamily="34" charset="0"/>
+                <a:sym typeface="PT Serif"/>
+              </a:rPr>
+              <a:t>3</a:t>
+            </a:r>
+            <a:endParaRPr sz="4800" dirty="0">
+              <a:solidFill>
+                <a:schemeClr val="tx1"/>
+              </a:solidFill>
+              <a:latin typeface="Calibri" panose="020F0502020204030204" pitchFamily="34" charset="0"/>
+              <a:ea typeface="Calibri" panose="020F0502020204030204" pitchFamily="34" charset="0"/>
+              <a:cs typeface="Calibri" panose="020F0502020204030204" pitchFamily="34" charset="0"/>
+              <a:sym typeface="PT Serif"/>
+            </a:endParaRPr>
+          </a:p>
+        </p:txBody>
+      </p:sp>
     </p:spTree>
     <p:extLst>
       <p:ext uri="{BB962C8B-B14F-4D97-AF65-F5344CB8AC3E}">
@@ -14107,7 +15407,7 @@
 </p:sld>
 </file>
 
-<file path=ppt/slides/slide11.xml><?xml version="1.0" encoding="utf-8"?>
+<file path=ppt/slides/slide12.xml><?xml version="1.0" encoding="utf-8"?>
 <p:sld xmlns:a="http://schemas.openxmlformats.org/drawingml/2006/main" xmlns:r="http://schemas.openxmlformats.org/officeDocument/2006/relationships" xmlns:p="http://schemas.openxmlformats.org/presentationml/2006/main">
   <p:cSld>
     <p:spTree>
@@ -14347,7 +15647,7 @@
             </a:pPr>
             <a:fld id="{00000000-1234-1234-1234-123412341234}" type="slidenum">
               <a:rPr lang="en" smtClean="0"/>
-              <a:t>11</a:t>
+              <a:t>12</a:t>
             </a:fld>
             <a:endParaRPr lang="en" dirty="0"/>
           </a:p>
@@ -15344,7 +16644,7 @@
 </p:sld>
 </file>
 
-<file path=ppt/slides/slide12.xml><?xml version="1.0" encoding="utf-8"?>
+<file path=ppt/slides/slide13.xml><?xml version="1.0" encoding="utf-8"?>
 <p:sld xmlns:a="http://schemas.openxmlformats.org/drawingml/2006/main" xmlns:r="http://schemas.openxmlformats.org/officeDocument/2006/relationships" xmlns:p="http://schemas.openxmlformats.org/presentationml/2006/main">
   <p:cSld>
     <p:spTree>
@@ -15397,7 +16697,7 @@
             </a:pPr>
             <a:fld id="{00000000-1234-1234-1234-123412341234}" type="slidenum">
               <a:rPr lang="en" smtClean="0"/>
-              <a:t>12</a:t>
+              <a:t>13</a:t>
             </a:fld>
             <a:endParaRPr lang="en" dirty="0"/>
           </a:p>
@@ -16460,7 +17760,7 @@
                 <a:ea typeface="Calibri" panose="020F0502020204030204" pitchFamily="34" charset="0"/>
                 <a:cs typeface="Calibri" panose="020F0502020204030204" pitchFamily="34" charset="0"/>
               </a:rPr>
-              <a:t> auto-optimizer tested 420 combinations for each run. Features and variables were adjusted, and then run again.</a:t>
+              <a:t> auto-optimizer tested various numbers of hidden layers, nodes and epochs.</a:t>
             </a:r>
             <a:endParaRPr lang="en-US" sz="1600" dirty="0">
               <a:solidFill>
@@ -16529,7 +17829,7 @@
 </p:sld>
 </file>
 
-<file path=ppt/slides/slide13.xml><?xml version="1.0" encoding="utf-8"?>
+<file path=ppt/slides/slide14.xml><?xml version="1.0" encoding="utf-8"?>
 <p:sld xmlns:a="http://schemas.openxmlformats.org/drawingml/2006/main" xmlns:r="http://schemas.openxmlformats.org/officeDocument/2006/relationships" xmlns:p="http://schemas.openxmlformats.org/presentationml/2006/main">
   <p:cSld>
     <p:spTree>
@@ -16582,7 +17882,7 @@
             </a:pPr>
             <a:fld id="{00000000-1234-1234-1234-123412341234}" type="slidenum">
               <a:rPr lang="en" smtClean="0"/>
-              <a:t>13</a:t>
+              <a:t>14</a:t>
             </a:fld>
             <a:endParaRPr lang="en" dirty="0"/>
           </a:p>
@@ -18049,7 +19349,7 @@
 </p:sld>
 </file>
 
-<file path=ppt/slides/slide14.xml><?xml version="1.0" encoding="utf-8"?>
+<file path=ppt/slides/slide15.xml><?xml version="1.0" encoding="utf-8"?>
 <p:sld xmlns:a="http://schemas.openxmlformats.org/drawingml/2006/main" xmlns:r="http://schemas.openxmlformats.org/officeDocument/2006/relationships" xmlns:p="http://schemas.openxmlformats.org/presentationml/2006/main">
   <p:cSld>
     <p:spTree>
@@ -18102,7 +19402,7 @@
             </a:pPr>
             <a:fld id="{00000000-1234-1234-1234-123412341234}" type="slidenum">
               <a:rPr lang="en" smtClean="0"/>
-              <a:t>14</a:t>
+              <a:t>15</a:t>
             </a:fld>
             <a:endParaRPr lang="en" dirty="0"/>
           </a:p>
@@ -19560,7 +20860,7 @@
 </p:sld>
 </file>
 
-<file path=ppt/slides/slide15.xml><?xml version="1.0" encoding="utf-8"?>
+<file path=ppt/slides/slide16.xml><?xml version="1.0" encoding="utf-8"?>
 <p:sld xmlns:a="http://schemas.openxmlformats.org/drawingml/2006/main" xmlns:r="http://schemas.openxmlformats.org/officeDocument/2006/relationships" xmlns:p="http://schemas.openxmlformats.org/presentationml/2006/main">
   <p:cSld>
     <p:spTree>
@@ -19613,7 +20913,7 @@
             </a:pPr>
             <a:fld id="{00000000-1234-1234-1234-123412341234}" type="slidenum">
               <a:rPr lang="en" smtClean="0"/>
-              <a:t>15</a:t>
+              <a:t>16</a:t>
             </a:fld>
             <a:endParaRPr lang="en" dirty="0"/>
           </a:p>
@@ -20961,7 +22261,7 @@
 </p:sld>
 </file>
 
-<file path=ppt/slides/slide16.xml><?xml version="1.0" encoding="utf-8"?>
+<file path=ppt/slides/slide17.xml><?xml version="1.0" encoding="utf-8"?>
 <p:sld xmlns:a="http://schemas.openxmlformats.org/drawingml/2006/main" xmlns:r="http://schemas.openxmlformats.org/officeDocument/2006/relationships" xmlns:p="http://schemas.openxmlformats.org/presentationml/2006/main">
   <p:cSld>
     <p:spTree>
@@ -21014,7 +22314,7 @@
             </a:pPr>
             <a:fld id="{00000000-1234-1234-1234-123412341234}" type="slidenum">
               <a:rPr lang="en" smtClean="0"/>
-              <a:t>16</a:t>
+              <a:t>17</a:t>
             </a:fld>
             <a:endParaRPr lang="en" dirty="0"/>
           </a:p>
@@ -22774,7 +24074,7 @@
 </p:sld>
 </file>
 
-<file path=ppt/slides/slide17.xml><?xml version="1.0" encoding="utf-8"?>
+<file path=ppt/slides/slide18.xml><?xml version="1.0" encoding="utf-8"?>
 <p:sld xmlns:a="http://schemas.openxmlformats.org/drawingml/2006/main" xmlns:r="http://schemas.openxmlformats.org/officeDocument/2006/relationships" xmlns:p="http://schemas.openxmlformats.org/presentationml/2006/main">
   <p:cSld>
     <p:spTree>
@@ -22827,7 +24127,7 @@
             </a:pPr>
             <a:fld id="{00000000-1234-1234-1234-123412341234}" type="slidenum">
               <a:rPr lang="en" smtClean="0"/>
-              <a:t>17</a:t>
+              <a:t>18</a:t>
             </a:fld>
             <a:endParaRPr lang="en" dirty="0"/>
           </a:p>
@@ -24575,7 +25875,7 @@
 </p:sld>
 </file>
 
-<file path=ppt/slides/slide18.xml><?xml version="1.0" encoding="utf-8"?>
+<file path=ppt/slides/slide19.xml><?xml version="1.0" encoding="utf-8"?>
 <p:sld xmlns:a="http://schemas.openxmlformats.org/drawingml/2006/main" xmlns:r="http://schemas.openxmlformats.org/officeDocument/2006/relationships" xmlns:p="http://schemas.openxmlformats.org/presentationml/2006/main">
   <p:cSld>
     <p:spTree>
@@ -24880,7 +26180,7 @@
             </a:pPr>
             <a:fld id="{00000000-1234-1234-1234-123412341234}" type="slidenum">
               <a:rPr lang="en"/>
-              <a:t>18</a:t>
+              <a:t>19</a:t>
             </a:fld>
             <a:endParaRPr/>
           </a:p>
@@ -25811,7 +27111,124 @@
 </p:sld>
 </file>
 
-<file path=ppt/slides/slide19.xml><?xml version="1.0" encoding="utf-8"?>
+<file path=ppt/slides/slide2.xml><?xml version="1.0" encoding="utf-8"?>
+<p:sld xmlns:a="http://schemas.openxmlformats.org/drawingml/2006/main" xmlns:r="http://schemas.openxmlformats.org/officeDocument/2006/relationships" xmlns:p="http://schemas.openxmlformats.org/presentationml/2006/main">
+  <p:cSld>
+    <p:spTree>
+      <p:nvGrpSpPr>
+        <p:cNvPr id="1" name="Shape 256"/>
+        <p:cNvGrpSpPr/>
+        <p:nvPr/>
+      </p:nvGrpSpPr>
+      <p:grpSpPr>
+        <a:xfrm>
+          <a:off x="0" y="0"/>
+          <a:ext cx="0" cy="0"/>
+          <a:chOff x="0" y="0"/>
+          <a:chExt cx="0" cy="0"/>
+        </a:xfrm>
+      </p:grpSpPr>
+      <p:sp>
+        <p:nvSpPr>
+          <p:cNvPr id="6" name="Google Shape;1521;p50">
+            <a:extLst>
+              <a:ext uri="{FF2B5EF4-FFF2-40B4-BE49-F238E27FC236}">
+                <a16:creationId xmlns:a16="http://schemas.microsoft.com/office/drawing/2014/main" id="{4BCFD990-B56E-762A-D2C0-FF266F957EE0}"/>
+              </a:ext>
+            </a:extLst>
+          </p:cNvPr>
+          <p:cNvSpPr txBox="1"/>
+          <p:nvPr/>
+        </p:nvSpPr>
+        <p:spPr>
+          <a:xfrm>
+            <a:off x="1210006" y="1579419"/>
+            <a:ext cx="6991886" cy="3699163"/>
+          </a:xfrm>
+          <a:prstGeom prst="rect">
+            <a:avLst/>
+          </a:prstGeom>
+          <a:noFill/>
+          <a:ln>
+            <a:noFill/>
+          </a:ln>
+        </p:spPr>
+        <p:txBody>
+          <a:bodyPr spcFirstLastPara="1" wrap="square" lIns="0" tIns="0" rIns="0" bIns="0" anchor="t" anchorCtr="0">
+            <a:noAutofit/>
+          </a:bodyPr>
+          <a:lstStyle/>
+          <a:p>
+            <a:pPr marL="0" lvl="0" indent="0" rtl="0">
+              <a:spcBef>
+                <a:spcPts val="0"/>
+              </a:spcBef>
+              <a:spcAft>
+                <a:spcPts val="0"/>
+              </a:spcAft>
+              <a:buNone/>
+            </a:pPr>
+            <a:r>
+              <a:rPr lang="en-US" sz="1800" b="1" dirty="0">
+                <a:solidFill>
+                  <a:schemeClr val="tx1"/>
+                </a:solidFill>
+                <a:latin typeface="Montserrat"/>
+                <a:ea typeface="Montserrat"/>
+                <a:cs typeface="Montserrat"/>
+                <a:sym typeface="Montserrat"/>
+              </a:rPr>
+              <a:t>Important disclaimer:</a:t>
+            </a:r>
+          </a:p>
+          <a:p>
+            <a:pPr marL="0" lvl="0" indent="0" rtl="0">
+              <a:spcBef>
+                <a:spcPts val="0"/>
+              </a:spcBef>
+              <a:spcAft>
+                <a:spcPts val="0"/>
+              </a:spcAft>
+              <a:buNone/>
+            </a:pPr>
+            <a:r>
+              <a:rPr lang="en-US" sz="1800" dirty="0">
+                <a:solidFill>
+                  <a:schemeClr val="tx1"/>
+                </a:solidFill>
+                <a:latin typeface="Montserrat"/>
+                <a:ea typeface="Montserrat"/>
+                <a:cs typeface="Montserrat"/>
+                <a:sym typeface="Montserrat"/>
+              </a:rPr>
+              <a:t>Past performance may not be indicative of future results. The information on this site is provided for discussion purposes and should not be considered as investment advice. There is no assurance that the future performance of any investment, strategy, or product made reference to directly or indirectly here will be profitable, equal any historical performance levels, or be suitable for your portfolio.</a:t>
+            </a:r>
+            <a:endParaRPr sz="1800" dirty="0">
+              <a:solidFill>
+                <a:schemeClr val="tx1"/>
+              </a:solidFill>
+              <a:latin typeface="Montserrat"/>
+              <a:ea typeface="Montserrat"/>
+              <a:cs typeface="Montserrat"/>
+              <a:sym typeface="Montserrat"/>
+            </a:endParaRPr>
+          </a:p>
+        </p:txBody>
+      </p:sp>
+    </p:spTree>
+    <p:extLst>
+      <p:ext uri="{BB962C8B-B14F-4D97-AF65-F5344CB8AC3E}">
+        <p14:creationId xmlns:p14="http://schemas.microsoft.com/office/powerpoint/2010/main" val="2893138150"/>
+      </p:ext>
+    </p:extLst>
+  </p:cSld>
+  <p:clrMapOvr>
+    <a:masterClrMapping/>
+  </p:clrMapOvr>
+</p:sld>
+</file>
+
+<file path=ppt/slides/slide20.xml><?xml version="1.0" encoding="utf-8"?>
 <p:sld xmlns:a="http://schemas.openxmlformats.org/drawingml/2006/main" xmlns:r="http://schemas.openxmlformats.org/officeDocument/2006/relationships" xmlns:p="http://schemas.openxmlformats.org/presentationml/2006/main">
   <p:cSld>
     <p:spTree>
@@ -25864,7 +27281,7 @@
             </a:pPr>
             <a:fld id="{00000000-1234-1234-1234-123412341234}" type="slidenum">
               <a:rPr lang="en" smtClean="0"/>
-              <a:t>19</a:t>
+              <a:t>20</a:t>
             </a:fld>
             <a:endParaRPr lang="en" dirty="0"/>
           </a:p>
@@ -28608,249 +30025,7 @@
 </p:sld>
 </file>
 
-<file path=ppt/slides/slide2.xml><?xml version="1.0" encoding="utf-8"?>
-<p:sld xmlns:a="http://schemas.openxmlformats.org/drawingml/2006/main" xmlns:r="http://schemas.openxmlformats.org/officeDocument/2006/relationships" xmlns:p="http://schemas.openxmlformats.org/presentationml/2006/main">
-  <p:cSld>
-    <p:spTree>
-      <p:nvGrpSpPr>
-        <p:cNvPr id="1" name="Shape 270"/>
-        <p:cNvGrpSpPr/>
-        <p:nvPr/>
-      </p:nvGrpSpPr>
-      <p:grpSpPr>
-        <a:xfrm>
-          <a:off x="0" y="0"/>
-          <a:ext cx="0" cy="0"/>
-          <a:chOff x="0" y="0"/>
-          <a:chExt cx="0" cy="0"/>
-        </a:xfrm>
-      </p:grpSpPr>
-      <p:sp>
-        <p:nvSpPr>
-          <p:cNvPr id="271" name="Google Shape;271;p14"/>
-          <p:cNvSpPr txBox="1">
-            <a:spLocks noGrp="1"/>
-          </p:cNvSpPr>
-          <p:nvPr>
-            <p:ph type="ctrTitle" idx="4294967295"/>
-          </p:nvPr>
-        </p:nvSpPr>
-        <p:spPr>
-          <a:xfrm>
-            <a:off x="350550" y="814423"/>
-            <a:ext cx="6593700" cy="1159800"/>
-          </a:xfrm>
-          <a:prstGeom prst="rect">
-            <a:avLst/>
-          </a:prstGeom>
-        </p:spPr>
-        <p:txBody>
-          <a:bodyPr spcFirstLastPara="1" wrap="square" lIns="91425" tIns="91425" rIns="91425" bIns="91425" anchor="b" anchorCtr="0">
-            <a:noAutofit/>
-          </a:bodyPr>
-          <a:lstStyle/>
-          <a:p>
-            <a:pPr marL="0" lvl="0" indent="0" algn="l" rtl="0">
-              <a:spcBef>
-                <a:spcPts val="0"/>
-              </a:spcBef>
-              <a:spcAft>
-                <a:spcPts val="0"/>
-              </a:spcAft>
-              <a:buNone/>
-            </a:pPr>
-            <a:r>
-              <a:rPr lang="en" sz="9600" dirty="0"/>
-              <a:t>The “Vix”</a:t>
-            </a:r>
-            <a:endParaRPr sz="9600" dirty="0"/>
-          </a:p>
-        </p:txBody>
-      </p:sp>
-      <p:sp>
-        <p:nvSpPr>
-          <p:cNvPr id="273" name="Google Shape;273;p14"/>
-          <p:cNvSpPr txBox="1">
-            <a:spLocks noGrp="1"/>
-          </p:cNvSpPr>
-          <p:nvPr>
-            <p:ph type="body" idx="4294967295"/>
-          </p:nvPr>
-        </p:nvSpPr>
-        <p:spPr>
-          <a:xfrm>
-            <a:off x="350550" y="2276011"/>
-            <a:ext cx="6860740" cy="2827564"/>
-          </a:xfrm>
-          <a:prstGeom prst="rect">
-            <a:avLst/>
-          </a:prstGeom>
-        </p:spPr>
-        <p:txBody>
-          <a:bodyPr spcFirstLastPara="1" wrap="square" lIns="91425" tIns="91425" rIns="91425" bIns="91425" anchor="t" anchorCtr="0">
-            <a:noAutofit/>
-          </a:bodyPr>
-          <a:lstStyle/>
-          <a:p>
-            <a:r>
-              <a:rPr lang="en-US" sz="1800" b="0" dirty="0">
-                <a:solidFill>
-                  <a:schemeClr val="tx1"/>
-                </a:solidFill>
-                <a:effectLst/>
-                <a:latin typeface="Calibri" panose="020F0502020204030204" pitchFamily="34" charset="0"/>
-                <a:ea typeface="Calibri" panose="020F0502020204030204" pitchFamily="34" charset="0"/>
-                <a:cs typeface="Calibri" panose="020F0502020204030204" pitchFamily="34" charset="0"/>
-              </a:rPr>
-              <a:t>The </a:t>
-            </a:r>
-            <a:r>
-              <a:rPr lang="en-US" sz="1800" b="0" dirty="0" err="1">
-                <a:solidFill>
-                  <a:schemeClr val="tx1"/>
-                </a:solidFill>
-                <a:effectLst/>
-                <a:latin typeface="Calibri" panose="020F0502020204030204" pitchFamily="34" charset="0"/>
-                <a:ea typeface="Calibri" panose="020F0502020204030204" pitchFamily="34" charset="0"/>
-                <a:cs typeface="Calibri" panose="020F0502020204030204" pitchFamily="34" charset="0"/>
-              </a:rPr>
-              <a:t>Vix</a:t>
-            </a:r>
-            <a:r>
-              <a:rPr lang="en-US" sz="1800" b="0" dirty="0">
-                <a:solidFill>
-                  <a:schemeClr val="tx1"/>
-                </a:solidFill>
-                <a:effectLst/>
-                <a:latin typeface="Calibri" panose="020F0502020204030204" pitchFamily="34" charset="0"/>
-                <a:ea typeface="Calibri" panose="020F0502020204030204" pitchFamily="34" charset="0"/>
-                <a:cs typeface="Calibri" panose="020F0502020204030204" pitchFamily="34" charset="0"/>
-              </a:rPr>
-              <a:t> is the Chicago Board Options Exchange's Volatility Index, a measure of the stock market's expected volatility.</a:t>
-            </a:r>
-          </a:p>
-          <a:p>
-            <a:r>
-              <a:rPr lang="en-US" sz="1800" b="0" dirty="0">
-                <a:solidFill>
-                  <a:schemeClr val="tx1"/>
-                </a:solidFill>
-                <a:effectLst/>
-                <a:latin typeface="Calibri" panose="020F0502020204030204" pitchFamily="34" charset="0"/>
-                <a:ea typeface="Calibri" panose="020F0502020204030204" pitchFamily="34" charset="0"/>
-                <a:cs typeface="Calibri" panose="020F0502020204030204" pitchFamily="34" charset="0"/>
-              </a:rPr>
-              <a:t>It is often referred to as the fear index or fear gauge.</a:t>
-            </a:r>
-          </a:p>
-          <a:p>
-            <a:r>
-              <a:rPr lang="en-US" sz="1800" b="0" dirty="0">
-                <a:solidFill>
-                  <a:schemeClr val="tx1"/>
-                </a:solidFill>
-                <a:effectLst/>
-                <a:latin typeface="Calibri" panose="020F0502020204030204" pitchFamily="34" charset="0"/>
-                <a:ea typeface="Calibri" panose="020F0502020204030204" pitchFamily="34" charset="0"/>
-                <a:cs typeface="Calibri" panose="020F0502020204030204" pitchFamily="34" charset="0"/>
-              </a:rPr>
-              <a:t>The higher the VIX, the greater the level of fear and in the market.</a:t>
-            </a:r>
-          </a:p>
-          <a:p>
-            <a:r>
-              <a:rPr lang="en-US" sz="1800" dirty="0">
-                <a:solidFill>
-                  <a:schemeClr val="tx1"/>
-                </a:solidFill>
-                <a:latin typeface="Calibri" panose="020F0502020204030204" pitchFamily="34" charset="0"/>
-                <a:ea typeface="Calibri" panose="020F0502020204030204" pitchFamily="34" charset="0"/>
-                <a:cs typeface="Calibri" panose="020F0502020204030204" pitchFamily="34" charset="0"/>
-              </a:rPr>
-              <a:t>L</a:t>
-            </a:r>
-            <a:r>
-              <a:rPr lang="en-US" sz="1800" b="0" dirty="0">
-                <a:solidFill>
-                  <a:schemeClr val="tx1"/>
-                </a:solidFill>
-                <a:effectLst/>
-                <a:latin typeface="Calibri" panose="020F0502020204030204" pitchFamily="34" charset="0"/>
-                <a:ea typeface="Calibri" panose="020F0502020204030204" pitchFamily="34" charset="0"/>
-                <a:cs typeface="Calibri" panose="020F0502020204030204" pitchFamily="34" charset="0"/>
-              </a:rPr>
-              <a:t>evels above 30 indicate high levels of uncertainty.</a:t>
-            </a:r>
-            <a:br>
-              <a:rPr lang="en-US" sz="1400" b="0" dirty="0">
-                <a:solidFill>
-                  <a:srgbClr val="CCCCCC"/>
-                </a:solidFill>
-                <a:effectLst/>
-                <a:latin typeface="Consolas" panose="020B0609020204030204" pitchFamily="49" charset="0"/>
-              </a:rPr>
-            </a:br>
-            <a:endParaRPr lang="en-US" sz="1400" b="0" dirty="0">
-              <a:solidFill>
-                <a:srgbClr val="CCCCCC"/>
-              </a:solidFill>
-              <a:effectLst/>
-              <a:latin typeface="Consolas" panose="020B0609020204030204" pitchFamily="49" charset="0"/>
-            </a:endParaRPr>
-          </a:p>
-        </p:txBody>
-      </p:sp>
-      <p:sp>
-        <p:nvSpPr>
-          <p:cNvPr id="274" name="Google Shape;274;p14"/>
-          <p:cNvSpPr txBox="1">
-            <a:spLocks noGrp="1"/>
-          </p:cNvSpPr>
-          <p:nvPr>
-            <p:ph type="sldNum" idx="12"/>
-          </p:nvPr>
-        </p:nvSpPr>
-        <p:spPr>
-          <a:xfrm>
-            <a:off x="76200" y="39925"/>
-            <a:ext cx="548700" cy="360000"/>
-          </a:xfrm>
-          <a:prstGeom prst="rect">
-            <a:avLst/>
-          </a:prstGeom>
-        </p:spPr>
-        <p:txBody>
-          <a:bodyPr spcFirstLastPara="1" wrap="square" lIns="91425" tIns="91425" rIns="91425" bIns="91425" anchor="t" anchorCtr="0">
-            <a:noAutofit/>
-          </a:bodyPr>
-          <a:lstStyle/>
-          <a:p>
-            <a:pPr marL="0" lvl="0" indent="0" algn="l" rtl="0">
-              <a:spcBef>
-                <a:spcPts val="0"/>
-              </a:spcBef>
-              <a:spcAft>
-                <a:spcPts val="0"/>
-              </a:spcAft>
-              <a:buNone/>
-            </a:pPr>
-            <a:fld id="{00000000-1234-1234-1234-123412341234}" type="slidenum">
-              <a:rPr lang="en"/>
-              <a:t>2</a:t>
-            </a:fld>
-            <a:endParaRPr/>
-          </a:p>
-        </p:txBody>
-      </p:sp>
-    </p:spTree>
-  </p:cSld>
-  <p:clrMapOvr>
-    <a:masterClrMapping/>
-  </p:clrMapOvr>
-</p:sld>
-</file>
-
-<file path=ppt/slides/slide20.xml><?xml version="1.0" encoding="utf-8"?>
+<file path=ppt/slides/slide21.xml><?xml version="1.0" encoding="utf-8"?>
 <p:sld xmlns:a="http://schemas.openxmlformats.org/drawingml/2006/main" xmlns:r="http://schemas.openxmlformats.org/officeDocument/2006/relationships" xmlns:p="http://schemas.openxmlformats.org/presentationml/2006/main">
   <p:cSld>
     <p:spTree>
@@ -30723,7 +31898,7 @@
 </p:sld>
 </file>
 
-<file path=ppt/slides/slide21.xml><?xml version="1.0" encoding="utf-8"?>
+<file path=ppt/slides/slide22.xml><?xml version="1.0" encoding="utf-8"?>
 <p:sld xmlns:a="http://schemas.openxmlformats.org/drawingml/2006/main" xmlns:r="http://schemas.openxmlformats.org/officeDocument/2006/relationships" xmlns:p="http://schemas.openxmlformats.org/presentationml/2006/main">
   <p:cSld>
     <p:spTree>
@@ -30846,6 +32021,248 @@
         </p:nvSpPr>
         <p:spPr>
           <a:xfrm>
+            <a:off x="350550" y="814423"/>
+            <a:ext cx="6593700" cy="1159800"/>
+          </a:xfrm>
+          <a:prstGeom prst="rect">
+            <a:avLst/>
+          </a:prstGeom>
+        </p:spPr>
+        <p:txBody>
+          <a:bodyPr spcFirstLastPara="1" wrap="square" lIns="91425" tIns="91425" rIns="91425" bIns="91425" anchor="b" anchorCtr="0">
+            <a:noAutofit/>
+          </a:bodyPr>
+          <a:lstStyle/>
+          <a:p>
+            <a:pPr marL="0" lvl="0" indent="0" algn="l" rtl="0">
+              <a:spcBef>
+                <a:spcPts val="0"/>
+              </a:spcBef>
+              <a:spcAft>
+                <a:spcPts val="0"/>
+              </a:spcAft>
+              <a:buNone/>
+            </a:pPr>
+            <a:r>
+              <a:rPr lang="en" sz="9600" dirty="0"/>
+              <a:t>The “Vix”</a:t>
+            </a:r>
+            <a:endParaRPr sz="9600" dirty="0"/>
+          </a:p>
+        </p:txBody>
+      </p:sp>
+      <p:sp>
+        <p:nvSpPr>
+          <p:cNvPr id="273" name="Google Shape;273;p14"/>
+          <p:cNvSpPr txBox="1">
+            <a:spLocks noGrp="1"/>
+          </p:cNvSpPr>
+          <p:nvPr>
+            <p:ph type="body" idx="4294967295"/>
+          </p:nvPr>
+        </p:nvSpPr>
+        <p:spPr>
+          <a:xfrm>
+            <a:off x="350550" y="2276011"/>
+            <a:ext cx="6860740" cy="2827564"/>
+          </a:xfrm>
+          <a:prstGeom prst="rect">
+            <a:avLst/>
+          </a:prstGeom>
+        </p:spPr>
+        <p:txBody>
+          <a:bodyPr spcFirstLastPara="1" wrap="square" lIns="91425" tIns="91425" rIns="91425" bIns="91425" anchor="t" anchorCtr="0">
+            <a:noAutofit/>
+          </a:bodyPr>
+          <a:lstStyle/>
+          <a:p>
+            <a:r>
+              <a:rPr lang="en-US" sz="1800" b="0" dirty="0">
+                <a:solidFill>
+                  <a:schemeClr val="tx1"/>
+                </a:solidFill>
+                <a:effectLst/>
+                <a:latin typeface="Calibri" panose="020F0502020204030204" pitchFamily="34" charset="0"/>
+                <a:ea typeface="Calibri" panose="020F0502020204030204" pitchFamily="34" charset="0"/>
+                <a:cs typeface="Calibri" panose="020F0502020204030204" pitchFamily="34" charset="0"/>
+              </a:rPr>
+              <a:t>The </a:t>
+            </a:r>
+            <a:r>
+              <a:rPr lang="en-US" sz="1800" b="0" dirty="0" err="1">
+                <a:solidFill>
+                  <a:schemeClr val="tx1"/>
+                </a:solidFill>
+                <a:effectLst/>
+                <a:latin typeface="Calibri" panose="020F0502020204030204" pitchFamily="34" charset="0"/>
+                <a:ea typeface="Calibri" panose="020F0502020204030204" pitchFamily="34" charset="0"/>
+                <a:cs typeface="Calibri" panose="020F0502020204030204" pitchFamily="34" charset="0"/>
+              </a:rPr>
+              <a:t>Vix</a:t>
+            </a:r>
+            <a:r>
+              <a:rPr lang="en-US" sz="1800" b="0" dirty="0">
+                <a:solidFill>
+                  <a:schemeClr val="tx1"/>
+                </a:solidFill>
+                <a:effectLst/>
+                <a:latin typeface="Calibri" panose="020F0502020204030204" pitchFamily="34" charset="0"/>
+                <a:ea typeface="Calibri" panose="020F0502020204030204" pitchFamily="34" charset="0"/>
+                <a:cs typeface="Calibri" panose="020F0502020204030204" pitchFamily="34" charset="0"/>
+              </a:rPr>
+              <a:t> is the Chicago Board Options Exchange's Volatility Index, a measure of the stock market's expected volatility.</a:t>
+            </a:r>
+          </a:p>
+          <a:p>
+            <a:r>
+              <a:rPr lang="en-US" sz="1800" b="0" dirty="0">
+                <a:solidFill>
+                  <a:schemeClr val="tx1"/>
+                </a:solidFill>
+                <a:effectLst/>
+                <a:latin typeface="Calibri" panose="020F0502020204030204" pitchFamily="34" charset="0"/>
+                <a:ea typeface="Calibri" panose="020F0502020204030204" pitchFamily="34" charset="0"/>
+                <a:cs typeface="Calibri" panose="020F0502020204030204" pitchFamily="34" charset="0"/>
+              </a:rPr>
+              <a:t>It is often referred to as the fear index or fear gauge.</a:t>
+            </a:r>
+          </a:p>
+          <a:p>
+            <a:r>
+              <a:rPr lang="en-US" sz="1800" b="0" dirty="0">
+                <a:solidFill>
+                  <a:schemeClr val="tx1"/>
+                </a:solidFill>
+                <a:effectLst/>
+                <a:latin typeface="Calibri" panose="020F0502020204030204" pitchFamily="34" charset="0"/>
+                <a:ea typeface="Calibri" panose="020F0502020204030204" pitchFamily="34" charset="0"/>
+                <a:cs typeface="Calibri" panose="020F0502020204030204" pitchFamily="34" charset="0"/>
+              </a:rPr>
+              <a:t>The higher the VIX, the greater the level of fear and in the market.</a:t>
+            </a:r>
+          </a:p>
+          <a:p>
+            <a:r>
+              <a:rPr lang="en-US" sz="1800" dirty="0">
+                <a:solidFill>
+                  <a:schemeClr val="tx1"/>
+                </a:solidFill>
+                <a:latin typeface="Calibri" panose="020F0502020204030204" pitchFamily="34" charset="0"/>
+                <a:ea typeface="Calibri" panose="020F0502020204030204" pitchFamily="34" charset="0"/>
+                <a:cs typeface="Calibri" panose="020F0502020204030204" pitchFamily="34" charset="0"/>
+              </a:rPr>
+              <a:t>L</a:t>
+            </a:r>
+            <a:r>
+              <a:rPr lang="en-US" sz="1800" b="0" dirty="0">
+                <a:solidFill>
+                  <a:schemeClr val="tx1"/>
+                </a:solidFill>
+                <a:effectLst/>
+                <a:latin typeface="Calibri" panose="020F0502020204030204" pitchFamily="34" charset="0"/>
+                <a:ea typeface="Calibri" panose="020F0502020204030204" pitchFamily="34" charset="0"/>
+                <a:cs typeface="Calibri" panose="020F0502020204030204" pitchFamily="34" charset="0"/>
+              </a:rPr>
+              <a:t>evels above 30 indicate high levels of uncertainty.</a:t>
+            </a:r>
+            <a:br>
+              <a:rPr lang="en-US" sz="1400" b="0" dirty="0">
+                <a:solidFill>
+                  <a:srgbClr val="CCCCCC"/>
+                </a:solidFill>
+                <a:effectLst/>
+                <a:latin typeface="Consolas" panose="020B0609020204030204" pitchFamily="49" charset="0"/>
+              </a:rPr>
+            </a:br>
+            <a:endParaRPr lang="en-US" sz="1400" b="0" dirty="0">
+              <a:solidFill>
+                <a:srgbClr val="CCCCCC"/>
+              </a:solidFill>
+              <a:effectLst/>
+              <a:latin typeface="Consolas" panose="020B0609020204030204" pitchFamily="49" charset="0"/>
+            </a:endParaRPr>
+          </a:p>
+        </p:txBody>
+      </p:sp>
+      <p:sp>
+        <p:nvSpPr>
+          <p:cNvPr id="274" name="Google Shape;274;p14"/>
+          <p:cNvSpPr txBox="1">
+            <a:spLocks noGrp="1"/>
+          </p:cNvSpPr>
+          <p:nvPr>
+            <p:ph type="sldNum" idx="12"/>
+          </p:nvPr>
+        </p:nvSpPr>
+        <p:spPr>
+          <a:xfrm>
+            <a:off x="76200" y="39925"/>
+            <a:ext cx="548700" cy="360000"/>
+          </a:xfrm>
+          <a:prstGeom prst="rect">
+            <a:avLst/>
+          </a:prstGeom>
+        </p:spPr>
+        <p:txBody>
+          <a:bodyPr spcFirstLastPara="1" wrap="square" lIns="91425" tIns="91425" rIns="91425" bIns="91425" anchor="t" anchorCtr="0">
+            <a:noAutofit/>
+          </a:bodyPr>
+          <a:lstStyle/>
+          <a:p>
+            <a:pPr marL="0" lvl="0" indent="0" algn="l" rtl="0">
+              <a:spcBef>
+                <a:spcPts val="0"/>
+              </a:spcBef>
+              <a:spcAft>
+                <a:spcPts val="0"/>
+              </a:spcAft>
+              <a:buNone/>
+            </a:pPr>
+            <a:fld id="{00000000-1234-1234-1234-123412341234}" type="slidenum">
+              <a:rPr lang="en"/>
+              <a:t>3</a:t>
+            </a:fld>
+            <a:endParaRPr/>
+          </a:p>
+        </p:txBody>
+      </p:sp>
+    </p:spTree>
+  </p:cSld>
+  <p:clrMapOvr>
+    <a:masterClrMapping/>
+  </p:clrMapOvr>
+</p:sld>
+</file>
+
+<file path=ppt/slides/slide4.xml><?xml version="1.0" encoding="utf-8"?>
+<p:sld xmlns:a="http://schemas.openxmlformats.org/drawingml/2006/main" xmlns:r="http://schemas.openxmlformats.org/officeDocument/2006/relationships" xmlns:p="http://schemas.openxmlformats.org/presentationml/2006/main">
+  <p:cSld>
+    <p:spTree>
+      <p:nvGrpSpPr>
+        <p:cNvPr id="1" name="Shape 270"/>
+        <p:cNvGrpSpPr/>
+        <p:nvPr/>
+      </p:nvGrpSpPr>
+      <p:grpSpPr>
+        <a:xfrm>
+          <a:off x="0" y="0"/>
+          <a:ext cx="0" cy="0"/>
+          <a:chOff x="0" y="0"/>
+          <a:chExt cx="0" cy="0"/>
+        </a:xfrm>
+      </p:grpSpPr>
+      <p:sp>
+        <p:nvSpPr>
+          <p:cNvPr id="271" name="Google Shape;271;p14"/>
+          <p:cNvSpPr txBox="1">
+            <a:spLocks noGrp="1"/>
+          </p:cNvSpPr>
+          <p:nvPr>
+            <p:ph type="ctrTitle" idx="4294967295"/>
+          </p:nvPr>
+        </p:nvSpPr>
+        <p:spPr>
+          <a:xfrm>
             <a:off x="250248" y="219741"/>
             <a:ext cx="6593700" cy="4501115"/>
           </a:xfrm>
@@ -31030,7 +32447,7 @@
             </a:pPr>
             <a:fld id="{00000000-1234-1234-1234-123412341234}" type="slidenum">
               <a:rPr lang="en"/>
-              <a:t>3</a:t>
+              <a:t>4</a:t>
             </a:fld>
             <a:endParaRPr/>
           </a:p>
@@ -31049,7 +32466,7 @@
 </p:sld>
 </file>
 
-<file path=ppt/slides/slide4.xml><?xml version="1.0" encoding="utf-8"?>
+<file path=ppt/slides/slide5.xml><?xml version="1.0" encoding="utf-8"?>
 <p:sld xmlns:a="http://schemas.openxmlformats.org/drawingml/2006/main" xmlns:r="http://schemas.openxmlformats.org/officeDocument/2006/relationships" xmlns:p="http://schemas.openxmlformats.org/presentationml/2006/main">
   <p:cSld>
     <p:spTree>
@@ -31308,7 +32725,7 @@
             </a:pPr>
             <a:fld id="{00000000-1234-1234-1234-123412341234}" type="slidenum">
               <a:rPr lang="en"/>
-              <a:t>4</a:t>
+              <a:t>5</a:t>
             </a:fld>
             <a:endParaRPr/>
           </a:p>
@@ -31322,7 +32739,7 @@
 </p:sld>
 </file>
 
-<file path=ppt/slides/slide5.xml><?xml version="1.0" encoding="utf-8"?>
+<file path=ppt/slides/slide6.xml><?xml version="1.0" encoding="utf-8"?>
 <p:sld xmlns:a="http://schemas.openxmlformats.org/drawingml/2006/main" xmlns:r="http://schemas.openxmlformats.org/officeDocument/2006/relationships" xmlns:p="http://schemas.openxmlformats.org/presentationml/2006/main">
   <p:cSld>
     <p:spTree>
@@ -31431,7 +32848,7 @@
             </a:pPr>
             <a:fld id="{00000000-1234-1234-1234-123412341234}" type="slidenum">
               <a:rPr lang="en" smtClean="0"/>
-              <a:t>5</a:t>
+              <a:t>6</a:t>
             </a:fld>
             <a:endParaRPr lang="en" dirty="0"/>
           </a:p>
@@ -33393,7 +34810,7 @@
 </p:sld>
 </file>
 
-<file path=ppt/slides/slide6.xml><?xml version="1.0" encoding="utf-8"?>
+<file path=ppt/slides/slide7.xml><?xml version="1.0" encoding="utf-8"?>
 <p:sld xmlns:a="http://schemas.openxmlformats.org/drawingml/2006/main" xmlns:r="http://schemas.openxmlformats.org/officeDocument/2006/relationships" xmlns:p="http://schemas.openxmlformats.org/presentationml/2006/main">
   <p:cSld>
     <p:spTree>
@@ -33590,7 +35007,7 @@
             </a:pPr>
             <a:fld id="{00000000-1234-1234-1234-123412341234}" type="slidenum">
               <a:rPr lang="en" smtClean="0"/>
-              <a:t>6</a:t>
+              <a:t>7</a:t>
             </a:fld>
             <a:endParaRPr lang="en" dirty="0"/>
           </a:p>
@@ -34588,7 +36005,7 @@
 </p:sld>
 </file>
 
-<file path=ppt/slides/slide7.xml><?xml version="1.0" encoding="utf-8"?>
+<file path=ppt/slides/slide8.xml><?xml version="1.0" encoding="utf-8"?>
 <p:sld xmlns:a="http://schemas.openxmlformats.org/drawingml/2006/main" xmlns:r="http://schemas.openxmlformats.org/officeDocument/2006/relationships" xmlns:p="http://schemas.openxmlformats.org/presentationml/2006/main">
   <p:cSld>
     <p:spTree>
@@ -36599,7 +38016,7 @@
 </p:sld>
 </file>
 
-<file path=ppt/slides/slide8.xml><?xml version="1.0" encoding="utf-8"?>
+<file path=ppt/slides/slide9.xml><?xml version="1.0" encoding="utf-8"?>
 <p:sld xmlns:a="http://schemas.openxmlformats.org/drawingml/2006/main" xmlns:r="http://schemas.openxmlformats.org/officeDocument/2006/relationships" xmlns:p="http://schemas.openxmlformats.org/presentationml/2006/main">
   <p:cSld>
     <p:spTree>
@@ -36810,7 +38227,7 @@
             </a:pPr>
             <a:fld id="{00000000-1234-1234-1234-123412341234}" type="slidenum">
               <a:rPr lang="en" smtClean="0"/>
-              <a:t>8</a:t>
+              <a:t>9</a:t>
             </a:fld>
             <a:endParaRPr lang="en" dirty="0"/>
           </a:p>
@@ -37799,1196 +39216,6 @@
     <p:extLst>
       <p:ext uri="{BB962C8B-B14F-4D97-AF65-F5344CB8AC3E}">
         <p14:creationId xmlns:p14="http://schemas.microsoft.com/office/powerpoint/2010/main" val="47640691"/>
-      </p:ext>
-    </p:extLst>
-  </p:cSld>
-  <p:clrMapOvr>
-    <a:masterClrMapping/>
-  </p:clrMapOvr>
-</p:sld>
-</file>
-
-<file path=ppt/slides/slide9.xml><?xml version="1.0" encoding="utf-8"?>
-<p:sld xmlns:a="http://schemas.openxmlformats.org/drawingml/2006/main" xmlns:r="http://schemas.openxmlformats.org/officeDocument/2006/relationships" xmlns:p="http://schemas.openxmlformats.org/presentationml/2006/main">
-  <p:cSld>
-    <p:spTree>
-      <p:nvGrpSpPr>
-        <p:cNvPr id="1" name="Shape 278"/>
-        <p:cNvGrpSpPr/>
-        <p:nvPr/>
-      </p:nvGrpSpPr>
-      <p:grpSpPr>
-        <a:xfrm>
-          <a:off x="0" y="0"/>
-          <a:ext cx="0" cy="0"/>
-          <a:chOff x="0" y="0"/>
-          <a:chExt cx="0" cy="0"/>
-        </a:xfrm>
-      </p:grpSpPr>
-      <p:sp>
-        <p:nvSpPr>
-          <p:cNvPr id="281" name="Google Shape;281;p15"/>
-          <p:cNvSpPr txBox="1">
-            <a:spLocks noGrp="1"/>
-          </p:cNvSpPr>
-          <p:nvPr>
-            <p:ph type="sldNum" idx="4294967295"/>
-          </p:nvPr>
-        </p:nvSpPr>
-        <p:spPr>
-          <a:xfrm>
-            <a:off x="76200" y="39925"/>
-            <a:ext cx="548700" cy="360000"/>
-          </a:xfrm>
-          <a:prstGeom prst="rect">
-            <a:avLst/>
-          </a:prstGeom>
-        </p:spPr>
-        <p:txBody>
-          <a:bodyPr spcFirstLastPara="1" wrap="square" lIns="91425" tIns="91425" rIns="91425" bIns="91425" anchor="t" anchorCtr="0">
-            <a:noAutofit/>
-          </a:bodyPr>
-          <a:lstStyle/>
-          <a:p>
-            <a:pPr marL="0" lvl="0" indent="0" algn="l" rtl="0">
-              <a:spcBef>
-                <a:spcPts val="0"/>
-              </a:spcBef>
-              <a:spcAft>
-                <a:spcPts val="0"/>
-              </a:spcAft>
-              <a:buNone/>
-            </a:pPr>
-            <a:fld id="{00000000-1234-1234-1234-123412341234}" type="slidenum">
-              <a:rPr lang="en" smtClean="0"/>
-              <a:t>9</a:t>
-            </a:fld>
-            <a:endParaRPr lang="en" dirty="0"/>
-          </a:p>
-        </p:txBody>
-      </p:sp>
-      <p:sp>
-        <p:nvSpPr>
-          <p:cNvPr id="6" name="Google Shape;540;p39">
-            <a:extLst>
-              <a:ext uri="{FF2B5EF4-FFF2-40B4-BE49-F238E27FC236}">
-                <a16:creationId xmlns:a16="http://schemas.microsoft.com/office/drawing/2014/main" id="{05763D49-C8F8-CA48-980B-C3CCF5A77FDC}"/>
-              </a:ext>
-            </a:extLst>
-          </p:cNvPr>
-          <p:cNvSpPr txBox="1">
-            <a:spLocks/>
-          </p:cNvSpPr>
-          <p:nvPr/>
-        </p:nvSpPr>
-        <p:spPr>
-          <a:xfrm>
-            <a:off x="2856608" y="-200941"/>
-            <a:ext cx="5917200" cy="697500"/>
-          </a:xfrm>
-          <a:prstGeom prst="rect">
-            <a:avLst/>
-          </a:prstGeom>
-          <a:noFill/>
-          <a:ln>
-            <a:noFill/>
-          </a:ln>
-        </p:spPr>
-        <p:txBody>
-          <a:bodyPr spcFirstLastPara="1" wrap="square" lIns="91425" tIns="91425" rIns="91425" bIns="91425" anchor="b" anchorCtr="0">
-            <a:noAutofit/>
-          </a:bodyPr>
-          <a:lstStyle>
-            <a:defPPr marR="0" lvl="0" algn="l" rtl="0">
-              <a:lnSpc>
-                <a:spcPct val="100000"/>
-              </a:lnSpc>
-              <a:spcBef>
-                <a:spcPts val="0"/>
-              </a:spcBef>
-              <a:spcAft>
-                <a:spcPts val="0"/>
-              </a:spcAft>
-            </a:defPPr>
-            <a:lvl1pPr marR="0" lvl="0" algn="l" rtl="0">
-              <a:lnSpc>
-                <a:spcPct val="100000"/>
-              </a:lnSpc>
-              <a:spcBef>
-                <a:spcPts val="0"/>
-              </a:spcBef>
-              <a:spcAft>
-                <a:spcPts val="0"/>
-              </a:spcAft>
-              <a:buClr>
-                <a:schemeClr val="dk2"/>
-              </a:buClr>
-              <a:buSzPts val="2400"/>
-              <a:buFont typeface="Montserrat"/>
-              <a:buNone/>
-              <a:defRPr sz="2400" b="1" i="0" u="none" strike="noStrike" cap="none">
-                <a:solidFill>
-                  <a:schemeClr val="dk2"/>
-                </a:solidFill>
-                <a:latin typeface="Montserrat"/>
-                <a:ea typeface="Montserrat"/>
-                <a:cs typeface="Montserrat"/>
-                <a:sym typeface="Montserrat"/>
-              </a:defRPr>
-            </a:lvl1pPr>
-            <a:lvl2pPr marR="0" lvl="1" algn="l" rtl="0">
-              <a:lnSpc>
-                <a:spcPct val="100000"/>
-              </a:lnSpc>
-              <a:spcBef>
-                <a:spcPts val="0"/>
-              </a:spcBef>
-              <a:spcAft>
-                <a:spcPts val="0"/>
-              </a:spcAft>
-              <a:buClr>
-                <a:schemeClr val="dk2"/>
-              </a:buClr>
-              <a:buSzPts val="2400"/>
-              <a:buFont typeface="Montserrat"/>
-              <a:buNone/>
-              <a:defRPr sz="2400" b="1" i="0" u="none" strike="noStrike" cap="none">
-                <a:solidFill>
-                  <a:schemeClr val="dk2"/>
-                </a:solidFill>
-                <a:latin typeface="Montserrat"/>
-                <a:ea typeface="Montserrat"/>
-                <a:cs typeface="Montserrat"/>
-                <a:sym typeface="Montserrat"/>
-              </a:defRPr>
-            </a:lvl2pPr>
-            <a:lvl3pPr marR="0" lvl="2" algn="l" rtl="0">
-              <a:lnSpc>
-                <a:spcPct val="100000"/>
-              </a:lnSpc>
-              <a:spcBef>
-                <a:spcPts val="0"/>
-              </a:spcBef>
-              <a:spcAft>
-                <a:spcPts val="0"/>
-              </a:spcAft>
-              <a:buClr>
-                <a:schemeClr val="dk2"/>
-              </a:buClr>
-              <a:buSzPts val="2400"/>
-              <a:buFont typeface="Montserrat"/>
-              <a:buNone/>
-              <a:defRPr sz="2400" b="1" i="0" u="none" strike="noStrike" cap="none">
-                <a:solidFill>
-                  <a:schemeClr val="dk2"/>
-                </a:solidFill>
-                <a:latin typeface="Montserrat"/>
-                <a:ea typeface="Montserrat"/>
-                <a:cs typeface="Montserrat"/>
-                <a:sym typeface="Montserrat"/>
-              </a:defRPr>
-            </a:lvl3pPr>
-            <a:lvl4pPr marR="0" lvl="3" algn="l" rtl="0">
-              <a:lnSpc>
-                <a:spcPct val="100000"/>
-              </a:lnSpc>
-              <a:spcBef>
-                <a:spcPts val="0"/>
-              </a:spcBef>
-              <a:spcAft>
-                <a:spcPts val="0"/>
-              </a:spcAft>
-              <a:buClr>
-                <a:schemeClr val="dk2"/>
-              </a:buClr>
-              <a:buSzPts val="2400"/>
-              <a:buFont typeface="Montserrat"/>
-              <a:buNone/>
-              <a:defRPr sz="2400" b="1" i="0" u="none" strike="noStrike" cap="none">
-                <a:solidFill>
-                  <a:schemeClr val="dk2"/>
-                </a:solidFill>
-                <a:latin typeface="Montserrat"/>
-                <a:ea typeface="Montserrat"/>
-                <a:cs typeface="Montserrat"/>
-                <a:sym typeface="Montserrat"/>
-              </a:defRPr>
-            </a:lvl4pPr>
-            <a:lvl5pPr marR="0" lvl="4" algn="l" rtl="0">
-              <a:lnSpc>
-                <a:spcPct val="100000"/>
-              </a:lnSpc>
-              <a:spcBef>
-                <a:spcPts val="0"/>
-              </a:spcBef>
-              <a:spcAft>
-                <a:spcPts val="0"/>
-              </a:spcAft>
-              <a:buClr>
-                <a:schemeClr val="dk2"/>
-              </a:buClr>
-              <a:buSzPts val="2400"/>
-              <a:buFont typeface="Montserrat"/>
-              <a:buNone/>
-              <a:defRPr sz="2400" b="1" i="0" u="none" strike="noStrike" cap="none">
-                <a:solidFill>
-                  <a:schemeClr val="dk2"/>
-                </a:solidFill>
-                <a:latin typeface="Montserrat"/>
-                <a:ea typeface="Montserrat"/>
-                <a:cs typeface="Montserrat"/>
-                <a:sym typeface="Montserrat"/>
-              </a:defRPr>
-            </a:lvl5pPr>
-            <a:lvl6pPr marR="0" lvl="5" algn="l" rtl="0">
-              <a:lnSpc>
-                <a:spcPct val="100000"/>
-              </a:lnSpc>
-              <a:spcBef>
-                <a:spcPts val="0"/>
-              </a:spcBef>
-              <a:spcAft>
-                <a:spcPts val="0"/>
-              </a:spcAft>
-              <a:buClr>
-                <a:schemeClr val="dk2"/>
-              </a:buClr>
-              <a:buSzPts val="2400"/>
-              <a:buFont typeface="Montserrat"/>
-              <a:buNone/>
-              <a:defRPr sz="2400" b="1" i="0" u="none" strike="noStrike" cap="none">
-                <a:solidFill>
-                  <a:schemeClr val="dk2"/>
-                </a:solidFill>
-                <a:latin typeface="Montserrat"/>
-                <a:ea typeface="Montserrat"/>
-                <a:cs typeface="Montserrat"/>
-                <a:sym typeface="Montserrat"/>
-              </a:defRPr>
-            </a:lvl6pPr>
-            <a:lvl7pPr marR="0" lvl="6" algn="l" rtl="0">
-              <a:lnSpc>
-                <a:spcPct val="100000"/>
-              </a:lnSpc>
-              <a:spcBef>
-                <a:spcPts val="0"/>
-              </a:spcBef>
-              <a:spcAft>
-                <a:spcPts val="0"/>
-              </a:spcAft>
-              <a:buClr>
-                <a:schemeClr val="dk2"/>
-              </a:buClr>
-              <a:buSzPts val="2400"/>
-              <a:buFont typeface="Montserrat"/>
-              <a:buNone/>
-              <a:defRPr sz="2400" b="1" i="0" u="none" strike="noStrike" cap="none">
-                <a:solidFill>
-                  <a:schemeClr val="dk2"/>
-                </a:solidFill>
-                <a:latin typeface="Montserrat"/>
-                <a:ea typeface="Montserrat"/>
-                <a:cs typeface="Montserrat"/>
-                <a:sym typeface="Montserrat"/>
-              </a:defRPr>
-            </a:lvl7pPr>
-            <a:lvl8pPr marR="0" lvl="7" algn="l" rtl="0">
-              <a:lnSpc>
-                <a:spcPct val="100000"/>
-              </a:lnSpc>
-              <a:spcBef>
-                <a:spcPts val="0"/>
-              </a:spcBef>
-              <a:spcAft>
-                <a:spcPts val="0"/>
-              </a:spcAft>
-              <a:buClr>
-                <a:schemeClr val="dk2"/>
-              </a:buClr>
-              <a:buSzPts val="2400"/>
-              <a:buFont typeface="Montserrat"/>
-              <a:buNone/>
-              <a:defRPr sz="2400" b="1" i="0" u="none" strike="noStrike" cap="none">
-                <a:solidFill>
-                  <a:schemeClr val="dk2"/>
-                </a:solidFill>
-                <a:latin typeface="Montserrat"/>
-                <a:ea typeface="Montserrat"/>
-                <a:cs typeface="Montserrat"/>
-                <a:sym typeface="Montserrat"/>
-              </a:defRPr>
-            </a:lvl8pPr>
-            <a:lvl9pPr marR="0" lvl="8" algn="l" rtl="0">
-              <a:lnSpc>
-                <a:spcPct val="100000"/>
-              </a:lnSpc>
-              <a:spcBef>
-                <a:spcPts val="0"/>
-              </a:spcBef>
-              <a:spcAft>
-                <a:spcPts val="0"/>
-              </a:spcAft>
-              <a:buClr>
-                <a:schemeClr val="dk2"/>
-              </a:buClr>
-              <a:buSzPts val="2400"/>
-              <a:buFont typeface="Montserrat"/>
-              <a:buNone/>
-              <a:defRPr sz="2400" b="1" i="0" u="none" strike="noStrike" cap="none">
-                <a:solidFill>
-                  <a:schemeClr val="dk2"/>
-                </a:solidFill>
-                <a:latin typeface="Montserrat"/>
-                <a:ea typeface="Montserrat"/>
-                <a:cs typeface="Montserrat"/>
-                <a:sym typeface="Montserrat"/>
-              </a:defRPr>
-            </a:lvl9pPr>
-          </a:lstStyle>
-          <a:p>
-            <a:r>
-              <a:rPr lang="en-US"/>
-              <a:t>Model Roadmap</a:t>
-            </a:r>
-            <a:endParaRPr lang="en-US" dirty="0"/>
-          </a:p>
-        </p:txBody>
-      </p:sp>
-      <p:sp>
-        <p:nvSpPr>
-          <p:cNvPr id="7" name="Google Shape;542;p39">
-            <a:extLst>
-              <a:ext uri="{FF2B5EF4-FFF2-40B4-BE49-F238E27FC236}">
-                <a16:creationId xmlns:a16="http://schemas.microsoft.com/office/drawing/2014/main" id="{F98A7B33-3578-2140-AAC6-B7CF18F09627}"/>
-              </a:ext>
-            </a:extLst>
-          </p:cNvPr>
-          <p:cNvSpPr/>
-          <p:nvPr/>
-        </p:nvSpPr>
-        <p:spPr>
-          <a:xfrm>
-            <a:off x="0" y="694628"/>
-            <a:ext cx="9144000" cy="1011043"/>
-          </a:xfrm>
-          <a:custGeom>
-            <a:avLst/>
-            <a:gdLst/>
-            <a:ahLst/>
-            <a:cxnLst/>
-            <a:rect l="l" t="t" r="r" b="b"/>
-            <a:pathLst>
-              <a:path w="12192000" h="1348058" extrusionOk="0">
-                <a:moveTo>
-                  <a:pt x="12192000" y="0"/>
-                </a:moveTo>
-                <a:lnTo>
-                  <a:pt x="10837333" y="0"/>
-                </a:lnTo>
-                <a:cubicBezTo>
-                  <a:pt x="10463295" y="0"/>
-                  <a:pt x="10160000" y="301773"/>
-                  <a:pt x="10160000" y="674029"/>
-                </a:cubicBezTo>
-                <a:lnTo>
-                  <a:pt x="10160000" y="674029"/>
-                </a:lnTo>
-                <a:cubicBezTo>
-                  <a:pt x="10160000" y="1046281"/>
-                  <a:pt x="9856705" y="1348059"/>
-                  <a:pt x="9482667" y="1348059"/>
-                </a:cubicBezTo>
-                <a:lnTo>
-                  <a:pt x="9482667" y="1348059"/>
-                </a:lnTo>
-                <a:cubicBezTo>
-                  <a:pt x="9108581" y="1348059"/>
-                  <a:pt x="8805333" y="1046281"/>
-                  <a:pt x="8805333" y="674029"/>
-                </a:cubicBezTo>
-                <a:lnTo>
-                  <a:pt x="8805333" y="674029"/>
-                </a:lnTo>
-                <a:cubicBezTo>
-                  <a:pt x="8805333" y="301773"/>
-                  <a:pt x="8502086" y="0"/>
-                  <a:pt x="8128000" y="0"/>
-                </a:cubicBezTo>
-                <a:lnTo>
-                  <a:pt x="8128000" y="0"/>
-                </a:lnTo>
-                <a:cubicBezTo>
-                  <a:pt x="7753915" y="0"/>
-                  <a:pt x="7450667" y="301773"/>
-                  <a:pt x="7450667" y="674029"/>
-                </a:cubicBezTo>
-                <a:lnTo>
-                  <a:pt x="7450667" y="674029"/>
-                </a:lnTo>
-                <a:cubicBezTo>
-                  <a:pt x="7450667" y="1046281"/>
-                  <a:pt x="7147419" y="1348059"/>
-                  <a:pt x="6773334" y="1348059"/>
-                </a:cubicBezTo>
-                <a:lnTo>
-                  <a:pt x="6773334" y="1348059"/>
-                </a:lnTo>
-                <a:cubicBezTo>
-                  <a:pt x="6399248" y="1348059"/>
-                  <a:pt x="6096000" y="1046281"/>
-                  <a:pt x="6096000" y="674029"/>
-                </a:cubicBezTo>
-                <a:lnTo>
-                  <a:pt x="6096000" y="674029"/>
-                </a:lnTo>
-                <a:cubicBezTo>
-                  <a:pt x="6096000" y="301773"/>
-                  <a:pt x="5792753" y="0"/>
-                  <a:pt x="5418667" y="0"/>
-                </a:cubicBezTo>
-                <a:lnTo>
-                  <a:pt x="5418667" y="0"/>
-                </a:lnTo>
-                <a:cubicBezTo>
-                  <a:pt x="5044581" y="0"/>
-                  <a:pt x="4741334" y="301773"/>
-                  <a:pt x="4741334" y="674029"/>
-                </a:cubicBezTo>
-                <a:lnTo>
-                  <a:pt x="4741334" y="674029"/>
-                </a:lnTo>
-                <a:cubicBezTo>
-                  <a:pt x="4741334" y="1046281"/>
-                  <a:pt x="4438076" y="1348059"/>
-                  <a:pt x="4064000" y="1348059"/>
-                </a:cubicBezTo>
-                <a:lnTo>
-                  <a:pt x="4064000" y="1348059"/>
-                </a:lnTo>
-                <a:cubicBezTo>
-                  <a:pt x="3689924" y="1348059"/>
-                  <a:pt x="3386667" y="1046281"/>
-                  <a:pt x="3386667" y="674029"/>
-                </a:cubicBezTo>
-                <a:lnTo>
-                  <a:pt x="3386667" y="674029"/>
-                </a:lnTo>
-                <a:cubicBezTo>
-                  <a:pt x="3386667" y="301773"/>
-                  <a:pt x="3083410" y="0"/>
-                  <a:pt x="2709333" y="0"/>
-                </a:cubicBezTo>
-                <a:lnTo>
-                  <a:pt x="2709333" y="0"/>
-                </a:lnTo>
-                <a:cubicBezTo>
-                  <a:pt x="2335257" y="0"/>
-                  <a:pt x="2032000" y="301773"/>
-                  <a:pt x="2032000" y="674029"/>
-                </a:cubicBezTo>
-                <a:lnTo>
-                  <a:pt x="2032000" y="674029"/>
-                </a:lnTo>
-                <a:cubicBezTo>
-                  <a:pt x="2032000" y="1046281"/>
-                  <a:pt x="1728743" y="1348059"/>
-                  <a:pt x="1354667" y="1348059"/>
-                </a:cubicBezTo>
-                <a:lnTo>
-                  <a:pt x="0" y="1348059"/>
-                </a:lnTo>
-              </a:path>
-            </a:pathLst>
-          </a:custGeom>
-          <a:noFill/>
-          <a:ln w="228600" cap="flat" cmpd="sng">
-            <a:solidFill>
-              <a:srgbClr val="B7B7B7"/>
-            </a:solidFill>
-            <a:prstDash val="solid"/>
-            <a:miter lim="8000"/>
-            <a:headEnd type="none" w="sm" len="sm"/>
-            <a:tailEnd type="none" w="sm" len="sm"/>
-          </a:ln>
-        </p:spPr>
-        <p:txBody>
-          <a:bodyPr spcFirstLastPara="1" wrap="square" lIns="91425" tIns="45700" rIns="91425" bIns="45700" anchor="ctr" anchorCtr="0">
-            <a:noAutofit/>
-          </a:bodyPr>
-          <a:lstStyle/>
-          <a:p>
-            <a:pPr marL="0" marR="0" lvl="0" indent="0" algn="l" rtl="0">
-              <a:spcBef>
-                <a:spcPts val="0"/>
-              </a:spcBef>
-              <a:spcAft>
-                <a:spcPts val="0"/>
-              </a:spcAft>
-              <a:buNone/>
-            </a:pPr>
-            <a:endParaRPr sz="1800">
-              <a:solidFill>
-                <a:srgbClr val="000000"/>
-              </a:solidFill>
-              <a:latin typeface="Calibri"/>
-              <a:ea typeface="Calibri"/>
-              <a:cs typeface="Calibri"/>
-              <a:sym typeface="Calibri"/>
-            </a:endParaRPr>
-          </a:p>
-        </p:txBody>
-      </p:sp>
-      <p:sp>
-        <p:nvSpPr>
-          <p:cNvPr id="8" name="Google Shape;543;p39">
-            <a:extLst>
-              <a:ext uri="{FF2B5EF4-FFF2-40B4-BE49-F238E27FC236}">
-                <a16:creationId xmlns:a16="http://schemas.microsoft.com/office/drawing/2014/main" id="{D72F73C0-6BD1-821B-BF36-C415C55E485E}"/>
-              </a:ext>
-            </a:extLst>
-          </p:cNvPr>
-          <p:cNvSpPr/>
-          <p:nvPr/>
-        </p:nvSpPr>
-        <p:spPr>
-          <a:xfrm>
-            <a:off x="0" y="694628"/>
-            <a:ext cx="9144000" cy="1011043"/>
-          </a:xfrm>
-          <a:custGeom>
-            <a:avLst/>
-            <a:gdLst/>
-            <a:ahLst/>
-            <a:cxnLst/>
-            <a:rect l="l" t="t" r="r" b="b"/>
-            <a:pathLst>
-              <a:path w="12192000" h="1348058" extrusionOk="0">
-                <a:moveTo>
-                  <a:pt x="12192000" y="0"/>
-                </a:moveTo>
-                <a:lnTo>
-                  <a:pt x="10837333" y="0"/>
-                </a:lnTo>
-                <a:cubicBezTo>
-                  <a:pt x="10463295" y="0"/>
-                  <a:pt x="10160000" y="301773"/>
-                  <a:pt x="10160000" y="674029"/>
-                </a:cubicBezTo>
-                <a:lnTo>
-                  <a:pt x="10160000" y="674029"/>
-                </a:lnTo>
-                <a:cubicBezTo>
-                  <a:pt x="10160000" y="1046281"/>
-                  <a:pt x="9856705" y="1348059"/>
-                  <a:pt x="9482667" y="1348059"/>
-                </a:cubicBezTo>
-                <a:lnTo>
-                  <a:pt x="9482667" y="1348059"/>
-                </a:lnTo>
-                <a:cubicBezTo>
-                  <a:pt x="9108581" y="1348059"/>
-                  <a:pt x="8805333" y="1046281"/>
-                  <a:pt x="8805333" y="674029"/>
-                </a:cubicBezTo>
-                <a:lnTo>
-                  <a:pt x="8805333" y="674029"/>
-                </a:lnTo>
-                <a:cubicBezTo>
-                  <a:pt x="8805333" y="301773"/>
-                  <a:pt x="8502086" y="0"/>
-                  <a:pt x="8128000" y="0"/>
-                </a:cubicBezTo>
-                <a:lnTo>
-                  <a:pt x="8128000" y="0"/>
-                </a:lnTo>
-                <a:cubicBezTo>
-                  <a:pt x="7753915" y="0"/>
-                  <a:pt x="7450667" y="301773"/>
-                  <a:pt x="7450667" y="674029"/>
-                </a:cubicBezTo>
-                <a:lnTo>
-                  <a:pt x="7450667" y="674029"/>
-                </a:lnTo>
-                <a:cubicBezTo>
-                  <a:pt x="7450667" y="1046281"/>
-                  <a:pt x="7147419" y="1348059"/>
-                  <a:pt x="6773334" y="1348059"/>
-                </a:cubicBezTo>
-                <a:lnTo>
-                  <a:pt x="6773334" y="1348059"/>
-                </a:lnTo>
-                <a:cubicBezTo>
-                  <a:pt x="6399248" y="1348059"/>
-                  <a:pt x="6096000" y="1046281"/>
-                  <a:pt x="6096000" y="674029"/>
-                </a:cubicBezTo>
-                <a:lnTo>
-                  <a:pt x="6096000" y="674029"/>
-                </a:lnTo>
-                <a:cubicBezTo>
-                  <a:pt x="6096000" y="301773"/>
-                  <a:pt x="5792753" y="0"/>
-                  <a:pt x="5418667" y="0"/>
-                </a:cubicBezTo>
-                <a:lnTo>
-                  <a:pt x="5418667" y="0"/>
-                </a:lnTo>
-                <a:cubicBezTo>
-                  <a:pt x="5044581" y="0"/>
-                  <a:pt x="4741334" y="301773"/>
-                  <a:pt x="4741334" y="674029"/>
-                </a:cubicBezTo>
-                <a:lnTo>
-                  <a:pt x="4741334" y="674029"/>
-                </a:lnTo>
-                <a:cubicBezTo>
-                  <a:pt x="4741334" y="1046281"/>
-                  <a:pt x="4438076" y="1348059"/>
-                  <a:pt x="4064000" y="1348059"/>
-                </a:cubicBezTo>
-                <a:lnTo>
-                  <a:pt x="4064000" y="1348059"/>
-                </a:lnTo>
-                <a:cubicBezTo>
-                  <a:pt x="3689924" y="1348059"/>
-                  <a:pt x="3386667" y="1046281"/>
-                  <a:pt x="3386667" y="674029"/>
-                </a:cubicBezTo>
-                <a:lnTo>
-                  <a:pt x="3386667" y="674029"/>
-                </a:lnTo>
-                <a:cubicBezTo>
-                  <a:pt x="3386667" y="301773"/>
-                  <a:pt x="3083410" y="0"/>
-                  <a:pt x="2709333" y="0"/>
-                </a:cubicBezTo>
-                <a:lnTo>
-                  <a:pt x="2709333" y="0"/>
-                </a:lnTo>
-                <a:cubicBezTo>
-                  <a:pt x="2335257" y="0"/>
-                  <a:pt x="2032000" y="301773"/>
-                  <a:pt x="2032000" y="674029"/>
-                </a:cubicBezTo>
-                <a:lnTo>
-                  <a:pt x="2032000" y="674029"/>
-                </a:lnTo>
-                <a:cubicBezTo>
-                  <a:pt x="2032000" y="1046281"/>
-                  <a:pt x="1728743" y="1348059"/>
-                  <a:pt x="1354667" y="1348059"/>
-                </a:cubicBezTo>
-                <a:lnTo>
-                  <a:pt x="0" y="1348059"/>
-                </a:lnTo>
-              </a:path>
-            </a:pathLst>
-          </a:custGeom>
-          <a:noFill/>
-          <a:ln w="19050" cap="flat" cmpd="sng">
-            <a:solidFill>
-              <a:srgbClr val="FFFFFF"/>
-            </a:solidFill>
-            <a:prstDash val="dash"/>
-            <a:miter lim="8000"/>
-            <a:headEnd type="none" w="sm" len="sm"/>
-            <a:tailEnd type="none" w="sm" len="sm"/>
-          </a:ln>
-        </p:spPr>
-        <p:txBody>
-          <a:bodyPr spcFirstLastPara="1" wrap="square" lIns="91425" tIns="45700" rIns="91425" bIns="45700" anchor="ctr" anchorCtr="0">
-            <a:noAutofit/>
-          </a:bodyPr>
-          <a:lstStyle/>
-          <a:p>
-            <a:pPr marL="0" marR="0" lvl="0" indent="0" algn="l" rtl="0">
-              <a:spcBef>
-                <a:spcPts val="0"/>
-              </a:spcBef>
-              <a:spcAft>
-                <a:spcPts val="0"/>
-              </a:spcAft>
-              <a:buNone/>
-            </a:pPr>
-            <a:endParaRPr sz="1800">
-              <a:solidFill>
-                <a:schemeClr val="lt1"/>
-              </a:solidFill>
-              <a:latin typeface="Calibri"/>
-              <a:ea typeface="Calibri"/>
-              <a:cs typeface="Calibri"/>
-              <a:sym typeface="Calibri"/>
-            </a:endParaRPr>
-          </a:p>
-        </p:txBody>
-      </p:sp>
-      <p:grpSp>
-        <p:nvGrpSpPr>
-          <p:cNvPr id="9" name="Google Shape;547;p39">
-            <a:extLst>
-              <a:ext uri="{FF2B5EF4-FFF2-40B4-BE49-F238E27FC236}">
-                <a16:creationId xmlns:a16="http://schemas.microsoft.com/office/drawing/2014/main" id="{AA3A30E6-5A92-DB4D-8126-AE75FB24548B}"/>
-              </a:ext>
-            </a:extLst>
-          </p:cNvPr>
-          <p:cNvGrpSpPr/>
-          <p:nvPr/>
-        </p:nvGrpSpPr>
-        <p:grpSpPr>
-          <a:xfrm>
-            <a:off x="1665967" y="-36493"/>
-            <a:ext cx="762107" cy="789067"/>
-            <a:chOff x="3814414" y="1703401"/>
-            <a:chExt cx="473400" cy="473400"/>
-          </a:xfrm>
-        </p:grpSpPr>
-        <p:sp>
-          <p:nvSpPr>
-            <p:cNvPr id="10" name="Google Shape;548;p39">
-              <a:extLst>
-                <a:ext uri="{FF2B5EF4-FFF2-40B4-BE49-F238E27FC236}">
-                  <a16:creationId xmlns:a16="http://schemas.microsoft.com/office/drawing/2014/main" id="{CB945F5B-D80B-1100-3A99-B0ECF6384F82}"/>
-                </a:ext>
-              </a:extLst>
-            </p:cNvPr>
-            <p:cNvSpPr/>
-            <p:nvPr/>
-          </p:nvSpPr>
-          <p:spPr>
-            <a:xfrm rot="8100000">
-              <a:off x="3883742" y="1772729"/>
-              <a:ext cx="334744" cy="334744"/>
-            </a:xfrm>
-            <a:prstGeom prst="teardrop">
-              <a:avLst>
-                <a:gd name="adj" fmla="val 100000"/>
-              </a:avLst>
-            </a:prstGeom>
-            <a:solidFill>
-              <a:schemeClr val="accent3"/>
-            </a:solidFill>
-            <a:ln>
-              <a:noFill/>
-            </a:ln>
-          </p:spPr>
-          <p:txBody>
-            <a:bodyPr spcFirstLastPara="1" wrap="square" lIns="91425" tIns="91425" rIns="91425" bIns="91425" anchor="ctr" anchorCtr="0">
-              <a:noAutofit/>
-            </a:bodyPr>
-            <a:lstStyle/>
-            <a:p>
-              <a:pPr marL="0" lvl="0" indent="0" algn="l" rtl="0">
-                <a:spcBef>
-                  <a:spcPts val="0"/>
-                </a:spcBef>
-                <a:spcAft>
-                  <a:spcPts val="0"/>
-                </a:spcAft>
-                <a:buNone/>
-              </a:pPr>
-              <a:endParaRPr/>
-            </a:p>
-          </p:txBody>
-        </p:sp>
-        <p:sp>
-          <p:nvSpPr>
-            <p:cNvPr id="11" name="Google Shape;549;p39">
-              <a:extLst>
-                <a:ext uri="{FF2B5EF4-FFF2-40B4-BE49-F238E27FC236}">
-                  <a16:creationId xmlns:a16="http://schemas.microsoft.com/office/drawing/2014/main" id="{3C836099-17A3-8CA2-35BC-2F7DAEEF96B5}"/>
-                </a:ext>
-              </a:extLst>
-            </p:cNvPr>
-            <p:cNvSpPr/>
-            <p:nvPr/>
-          </p:nvSpPr>
-          <p:spPr>
-            <a:xfrm>
-              <a:off x="3984064" y="1866499"/>
-              <a:ext cx="134100" cy="134100"/>
-            </a:xfrm>
-            <a:prstGeom prst="ellipse">
-              <a:avLst/>
-            </a:prstGeom>
-            <a:solidFill>
-              <a:schemeClr val="lt1"/>
-            </a:solidFill>
-            <a:ln>
-              <a:noFill/>
-            </a:ln>
-          </p:spPr>
-          <p:txBody>
-            <a:bodyPr spcFirstLastPara="1" wrap="square" lIns="0" tIns="0" rIns="0" bIns="0" anchor="ctr" anchorCtr="0">
-              <a:noAutofit/>
-            </a:bodyPr>
-            <a:lstStyle/>
-            <a:p>
-              <a:pPr marL="0" lvl="0" indent="0" algn="ctr" rtl="0">
-                <a:spcBef>
-                  <a:spcPts val="0"/>
-                </a:spcBef>
-                <a:spcAft>
-                  <a:spcPts val="0"/>
-                </a:spcAft>
-                <a:buNone/>
-              </a:pPr>
-              <a:endParaRPr sz="600" dirty="0">
-                <a:solidFill>
-                  <a:schemeClr val="dk2"/>
-                </a:solidFill>
-                <a:latin typeface="PT Serif"/>
-                <a:ea typeface="PT Serif"/>
-                <a:cs typeface="PT Serif"/>
-                <a:sym typeface="PT Serif"/>
-              </a:endParaRPr>
-            </a:p>
-          </p:txBody>
-        </p:sp>
-      </p:grpSp>
-      <p:sp>
-        <p:nvSpPr>
-          <p:cNvPr id="12" name="Google Shape;562;p39">
-            <a:extLst>
-              <a:ext uri="{FF2B5EF4-FFF2-40B4-BE49-F238E27FC236}">
-                <a16:creationId xmlns:a16="http://schemas.microsoft.com/office/drawing/2014/main" id="{4C8BB385-2422-ADA3-4A58-444B69946B76}"/>
-              </a:ext>
-            </a:extLst>
-          </p:cNvPr>
-          <p:cNvSpPr txBox="1"/>
-          <p:nvPr/>
-        </p:nvSpPr>
-        <p:spPr>
-          <a:xfrm>
-            <a:off x="3407914" y="1090766"/>
-            <a:ext cx="1286400" cy="533400"/>
-          </a:xfrm>
-          <a:prstGeom prst="rect">
-            <a:avLst/>
-          </a:prstGeom>
-          <a:noFill/>
-          <a:ln>
-            <a:noFill/>
-          </a:ln>
-        </p:spPr>
-        <p:txBody>
-          <a:bodyPr spcFirstLastPara="1" wrap="square" lIns="0" tIns="0" rIns="0" bIns="0" anchor="b" anchorCtr="0">
-            <a:noAutofit/>
-          </a:bodyPr>
-          <a:lstStyle/>
-          <a:p>
-            <a:pPr marL="0" marR="0" lvl="0" indent="0" algn="ctr" rtl="0">
-              <a:lnSpc>
-                <a:spcPct val="100000"/>
-              </a:lnSpc>
-              <a:spcBef>
-                <a:spcPts val="0"/>
-              </a:spcBef>
-              <a:spcAft>
-                <a:spcPts val="0"/>
-              </a:spcAft>
-              <a:buNone/>
-            </a:pPr>
-            <a:r>
-              <a:rPr lang="en" sz="4800" dirty="0">
-                <a:solidFill>
-                  <a:schemeClr val="tx1"/>
-                </a:solidFill>
-                <a:latin typeface="Calibri" panose="020F0502020204030204" pitchFamily="34" charset="0"/>
-                <a:ea typeface="Calibri" panose="020F0502020204030204" pitchFamily="34" charset="0"/>
-                <a:cs typeface="Calibri" panose="020F0502020204030204" pitchFamily="34" charset="0"/>
-                <a:sym typeface="PT Serif"/>
-              </a:rPr>
-              <a:t>2</a:t>
-            </a:r>
-            <a:endParaRPr sz="4800" dirty="0">
-              <a:solidFill>
-                <a:schemeClr val="tx1"/>
-              </a:solidFill>
-              <a:latin typeface="Calibri" panose="020F0502020204030204" pitchFamily="34" charset="0"/>
-              <a:ea typeface="Calibri" panose="020F0502020204030204" pitchFamily="34" charset="0"/>
-              <a:cs typeface="Calibri" panose="020F0502020204030204" pitchFamily="34" charset="0"/>
-              <a:sym typeface="PT Serif"/>
-            </a:endParaRPr>
-          </a:p>
-        </p:txBody>
-      </p:sp>
-      <p:sp>
-        <p:nvSpPr>
-          <p:cNvPr id="13" name="Google Shape;563;p39">
-            <a:extLst>
-              <a:ext uri="{FF2B5EF4-FFF2-40B4-BE49-F238E27FC236}">
-                <a16:creationId xmlns:a16="http://schemas.microsoft.com/office/drawing/2014/main" id="{97070B46-C2DF-5377-7EE5-DBA6A5DF6E0F}"/>
-              </a:ext>
-            </a:extLst>
-          </p:cNvPr>
-          <p:cNvSpPr txBox="1"/>
-          <p:nvPr/>
-        </p:nvSpPr>
-        <p:spPr>
-          <a:xfrm>
-            <a:off x="1403821" y="1090766"/>
-            <a:ext cx="1286400" cy="533400"/>
-          </a:xfrm>
-          <a:prstGeom prst="rect">
-            <a:avLst/>
-          </a:prstGeom>
-          <a:noFill/>
-          <a:ln>
-            <a:noFill/>
-          </a:ln>
-        </p:spPr>
-        <p:txBody>
-          <a:bodyPr spcFirstLastPara="1" wrap="square" lIns="0" tIns="0" rIns="0" bIns="0" anchor="b" anchorCtr="0">
-            <a:noAutofit/>
-          </a:bodyPr>
-          <a:lstStyle/>
-          <a:p>
-            <a:pPr marL="0" marR="0" lvl="0" indent="0" algn="ctr" rtl="0">
-              <a:lnSpc>
-                <a:spcPct val="100000"/>
-              </a:lnSpc>
-              <a:spcBef>
-                <a:spcPts val="0"/>
-              </a:spcBef>
-              <a:spcAft>
-                <a:spcPts val="0"/>
-              </a:spcAft>
-              <a:buNone/>
-            </a:pPr>
-            <a:r>
-              <a:rPr lang="en" sz="4800" b="1" dirty="0">
-                <a:solidFill>
-                  <a:schemeClr val="tx1"/>
-                </a:solidFill>
-                <a:latin typeface="Calibri" panose="020F0502020204030204" pitchFamily="34" charset="0"/>
-                <a:ea typeface="Calibri" panose="020F0502020204030204" pitchFamily="34" charset="0"/>
-                <a:cs typeface="Calibri" panose="020F0502020204030204" pitchFamily="34" charset="0"/>
-                <a:sym typeface="PT Serif"/>
-              </a:rPr>
-              <a:t>1</a:t>
-            </a:r>
-            <a:endParaRPr sz="4800" b="1" dirty="0">
-              <a:solidFill>
-                <a:schemeClr val="tx1"/>
-              </a:solidFill>
-              <a:latin typeface="Calibri" panose="020F0502020204030204" pitchFamily="34" charset="0"/>
-              <a:ea typeface="Calibri" panose="020F0502020204030204" pitchFamily="34" charset="0"/>
-              <a:cs typeface="Calibri" panose="020F0502020204030204" pitchFamily="34" charset="0"/>
-              <a:sym typeface="PT Serif"/>
-            </a:endParaRPr>
-          </a:p>
-        </p:txBody>
-      </p:sp>
-      <p:sp>
-        <p:nvSpPr>
-          <p:cNvPr id="14" name="Google Shape;562;p39">
-            <a:extLst>
-              <a:ext uri="{FF2B5EF4-FFF2-40B4-BE49-F238E27FC236}">
-                <a16:creationId xmlns:a16="http://schemas.microsoft.com/office/drawing/2014/main" id="{F78F4D9E-011D-EC5C-95B7-4915A969FBD7}"/>
-              </a:ext>
-            </a:extLst>
-          </p:cNvPr>
-          <p:cNvSpPr txBox="1"/>
-          <p:nvPr/>
-        </p:nvSpPr>
-        <p:spPr>
-          <a:xfrm>
-            <a:off x="5412007" y="1090766"/>
-            <a:ext cx="1286400" cy="533400"/>
-          </a:xfrm>
-          <a:prstGeom prst="rect">
-            <a:avLst/>
-          </a:prstGeom>
-          <a:noFill/>
-          <a:ln>
-            <a:noFill/>
-          </a:ln>
-        </p:spPr>
-        <p:txBody>
-          <a:bodyPr spcFirstLastPara="1" wrap="square" lIns="0" tIns="0" rIns="0" bIns="0" anchor="b" anchorCtr="0">
-            <a:noAutofit/>
-          </a:bodyPr>
-          <a:lstStyle/>
-          <a:p>
-            <a:pPr marL="0" marR="0" lvl="0" indent="0" algn="ctr" rtl="0">
-              <a:lnSpc>
-                <a:spcPct val="100000"/>
-              </a:lnSpc>
-              <a:spcBef>
-                <a:spcPts val="0"/>
-              </a:spcBef>
-              <a:spcAft>
-                <a:spcPts val="0"/>
-              </a:spcAft>
-              <a:buNone/>
-            </a:pPr>
-            <a:r>
-              <a:rPr lang="en" sz="4800" dirty="0">
-                <a:solidFill>
-                  <a:schemeClr val="tx1"/>
-                </a:solidFill>
-                <a:latin typeface="Calibri" panose="020F0502020204030204" pitchFamily="34" charset="0"/>
-                <a:ea typeface="Calibri" panose="020F0502020204030204" pitchFamily="34" charset="0"/>
-                <a:cs typeface="Calibri" panose="020F0502020204030204" pitchFamily="34" charset="0"/>
-                <a:sym typeface="PT Serif"/>
-              </a:rPr>
-              <a:t>3</a:t>
-            </a:r>
-            <a:endParaRPr sz="4800" dirty="0">
-              <a:solidFill>
-                <a:schemeClr val="tx1"/>
-              </a:solidFill>
-              <a:latin typeface="Calibri" panose="020F0502020204030204" pitchFamily="34" charset="0"/>
-              <a:ea typeface="Calibri" panose="020F0502020204030204" pitchFamily="34" charset="0"/>
-              <a:cs typeface="Calibri" panose="020F0502020204030204" pitchFamily="34" charset="0"/>
-              <a:sym typeface="PT Serif"/>
-            </a:endParaRPr>
-          </a:p>
-        </p:txBody>
-      </p:sp>
-      <p:sp>
-        <p:nvSpPr>
-          <p:cNvPr id="19" name="Google Shape;280;p15">
-            <a:extLst>
-              <a:ext uri="{FF2B5EF4-FFF2-40B4-BE49-F238E27FC236}">
-                <a16:creationId xmlns:a16="http://schemas.microsoft.com/office/drawing/2014/main" id="{E79D1E77-3BDE-4FF5-4542-5DD6D0A1C8E2}"/>
-              </a:ext>
-            </a:extLst>
-          </p:cNvPr>
-          <p:cNvSpPr txBox="1">
-            <a:spLocks noGrp="1"/>
-          </p:cNvSpPr>
-          <p:nvPr>
-            <p:ph type="subTitle" idx="1"/>
-          </p:nvPr>
-        </p:nvSpPr>
-        <p:spPr>
-          <a:xfrm>
-            <a:off x="207753" y="1961836"/>
-            <a:ext cx="2565662" cy="3181664"/>
-          </a:xfrm>
-          <a:prstGeom prst="rect">
-            <a:avLst/>
-          </a:prstGeom>
-        </p:spPr>
-        <p:txBody>
-          <a:bodyPr spcFirstLastPara="1" wrap="square" lIns="91425" tIns="91425" rIns="91425" bIns="91425" anchor="t" anchorCtr="0">
-            <a:noAutofit/>
-          </a:bodyPr>
-          <a:lstStyle/>
-          <a:p>
-            <a:pPr marL="76200" indent="0"/>
-            <a:r>
-              <a:rPr lang="en-US" b="1" dirty="0">
-                <a:solidFill>
-                  <a:schemeClr val="tx1"/>
-                </a:solidFill>
-                <a:effectLst/>
-                <a:latin typeface="Calibri" panose="020F0502020204030204" pitchFamily="34" charset="0"/>
-                <a:ea typeface="Calibri" panose="020F0502020204030204" pitchFamily="34" charset="0"/>
-                <a:cs typeface="Calibri" panose="020F0502020204030204" pitchFamily="34" charset="0"/>
-              </a:rPr>
-              <a:t>Model 1 Loop Logic</a:t>
-            </a:r>
-          </a:p>
-          <a:p>
-            <a:pPr marL="76200" indent="0"/>
-            <a:endParaRPr lang="en-US" sz="1600" dirty="0">
-              <a:solidFill>
-                <a:schemeClr val="tx1"/>
-              </a:solidFill>
-              <a:latin typeface="Calibri" panose="020F0502020204030204" pitchFamily="34" charset="0"/>
-              <a:ea typeface="Calibri" panose="020F0502020204030204" pitchFamily="34" charset="0"/>
-              <a:cs typeface="Calibri" panose="020F0502020204030204" pitchFamily="34" charset="0"/>
-            </a:endParaRPr>
-          </a:p>
-          <a:p>
-            <a:pPr marL="76200" indent="0"/>
-            <a:r>
-              <a:rPr lang="en-US" sz="1600" dirty="0">
-                <a:solidFill>
-                  <a:schemeClr val="tx1"/>
-                </a:solidFill>
-                <a:effectLst/>
-                <a:latin typeface="Calibri" panose="020F0502020204030204" pitchFamily="34" charset="0"/>
-                <a:ea typeface="Calibri" panose="020F0502020204030204" pitchFamily="34" charset="0"/>
-                <a:cs typeface="Calibri" panose="020F0502020204030204" pitchFamily="34" charset="0"/>
-              </a:rPr>
-              <a:t>The filter process for looped through 21 input symbols to find unique pairs, resulting in 210 </a:t>
-            </a:r>
-            <a:r>
-              <a:rPr lang="en-US" sz="1600" dirty="0" err="1">
-                <a:solidFill>
-                  <a:schemeClr val="tx1"/>
-                </a:solidFill>
-                <a:effectLst/>
-                <a:latin typeface="Calibri" panose="020F0502020204030204" pitchFamily="34" charset="0"/>
-                <a:ea typeface="Calibri" panose="020F0502020204030204" pitchFamily="34" charset="0"/>
-                <a:cs typeface="Calibri" panose="020F0502020204030204" pitchFamily="34" charset="0"/>
-              </a:rPr>
-              <a:t>conbinations</a:t>
-            </a:r>
-            <a:r>
-              <a:rPr lang="en-US" sz="1600" dirty="0">
-                <a:solidFill>
-                  <a:schemeClr val="tx1"/>
-                </a:solidFill>
-                <a:effectLst/>
-                <a:latin typeface="Calibri" panose="020F0502020204030204" pitchFamily="34" charset="0"/>
-                <a:ea typeface="Calibri" panose="020F0502020204030204" pitchFamily="34" charset="0"/>
-                <a:cs typeface="Calibri" panose="020F0502020204030204" pitchFamily="34" charset="0"/>
-              </a:rPr>
-              <a:t>. The outer loop joined with two output symbols, for a total of 420 combinations.</a:t>
-            </a:r>
-          </a:p>
-          <a:p>
-            <a:pPr marL="76200" indent="0"/>
-            <a:endParaRPr lang="en-US" sz="1600" dirty="0">
-              <a:solidFill>
-                <a:schemeClr val="tx1"/>
-              </a:solidFill>
-              <a:effectLst/>
-              <a:latin typeface="Calibri" panose="020F0502020204030204" pitchFamily="34" charset="0"/>
-              <a:ea typeface="Calibri" panose="020F0502020204030204" pitchFamily="34" charset="0"/>
-              <a:cs typeface="Calibri" panose="020F0502020204030204" pitchFamily="34" charset="0"/>
-            </a:endParaRPr>
-          </a:p>
-        </p:txBody>
-      </p:sp>
-      <p:pic>
-        <p:nvPicPr>
-          <p:cNvPr id="21" name="Picture 20" descr="A screenshot of a computer program&#10;&#10;Description automatically generated with low confidence">
-            <a:extLst>
-              <a:ext uri="{FF2B5EF4-FFF2-40B4-BE49-F238E27FC236}">
-                <a16:creationId xmlns:a16="http://schemas.microsoft.com/office/drawing/2014/main" id="{E3E133EC-76FD-AD77-53DD-11EC2CB882CF}"/>
-              </a:ext>
-            </a:extLst>
-          </p:cNvPr>
-          <p:cNvPicPr>
-            <a:picLocks noChangeAspect="1"/>
-          </p:cNvPicPr>
-          <p:nvPr/>
-        </p:nvPicPr>
-        <p:blipFill>
-          <a:blip r:embed="rId3"/>
-          <a:stretch>
-            <a:fillRect/>
-          </a:stretch>
-        </p:blipFill>
-        <p:spPr>
-          <a:xfrm>
-            <a:off x="2856608" y="133350"/>
-            <a:ext cx="6184900" cy="4876800"/>
-          </a:xfrm>
-          <a:prstGeom prst="rect">
-            <a:avLst/>
-          </a:prstGeom>
-        </p:spPr>
-      </p:pic>
-    </p:spTree>
-    <p:extLst>
-      <p:ext uri="{BB962C8B-B14F-4D97-AF65-F5344CB8AC3E}">
-        <p14:creationId xmlns:p14="http://schemas.microsoft.com/office/powerpoint/2010/main" val="29045286"/>
       </p:ext>
     </p:extLst>
   </p:cSld>

--- a/Presentation/Stock Market Predictor.pptx
+++ b/Presentation/Stock Market Predictor.pptx
@@ -29,7 +29,7 @@
     <p:sldId id="261" r:id="rId20"/>
     <p:sldId id="308" r:id="rId21"/>
     <p:sldId id="309" r:id="rId22"/>
-    <p:sldId id="310" r:id="rId23"/>
+    <p:sldId id="314" r:id="rId23"/>
   </p:sldIdLst>
   <p:sldSz cx="9144000" cy="5143500" type="screen16x9"/>
   <p:notesSz cx="6858000" cy="9144000"/>
@@ -2367,7 +2367,7 @@
     </p:spTree>
     <p:extLst>
       <p:ext uri="{BB962C8B-B14F-4D97-AF65-F5344CB8AC3E}">
-        <p14:creationId xmlns:p14="http://schemas.microsoft.com/office/powerpoint/2010/main" val="3579936458"/>
+        <p14:creationId xmlns:p14="http://schemas.microsoft.com/office/powerpoint/2010/main" val="2881327793"/>
       </p:ext>
     </p:extLst>
   </p:cSld>
@@ -13714,129 +13714,6 @@
           </a:p>
         </p:txBody>
       </p:sp>
-      <p:grpSp>
-        <p:nvGrpSpPr>
-          <p:cNvPr id="9" name="Google Shape;547;p39">
-            <a:extLst>
-              <a:ext uri="{FF2B5EF4-FFF2-40B4-BE49-F238E27FC236}">
-                <a16:creationId xmlns:a16="http://schemas.microsoft.com/office/drawing/2014/main" id="{AA3A30E6-5A92-DB4D-8126-AE75FB24548B}"/>
-              </a:ext>
-            </a:extLst>
-          </p:cNvPr>
-          <p:cNvGrpSpPr/>
-          <p:nvPr/>
-        </p:nvGrpSpPr>
-        <p:grpSpPr>
-          <a:xfrm>
-            <a:off x="1665967" y="-36493"/>
-            <a:ext cx="762107" cy="789067"/>
-            <a:chOff x="3814414" y="1703401"/>
-            <a:chExt cx="473400" cy="473400"/>
-          </a:xfrm>
-        </p:grpSpPr>
-        <p:sp>
-          <p:nvSpPr>
-            <p:cNvPr id="10" name="Google Shape;548;p39">
-              <a:extLst>
-                <a:ext uri="{FF2B5EF4-FFF2-40B4-BE49-F238E27FC236}">
-                  <a16:creationId xmlns:a16="http://schemas.microsoft.com/office/drawing/2014/main" id="{CB945F5B-D80B-1100-3A99-B0ECF6384F82}"/>
-                </a:ext>
-              </a:extLst>
-            </p:cNvPr>
-            <p:cNvSpPr/>
-            <p:nvPr/>
-          </p:nvSpPr>
-          <p:spPr>
-            <a:xfrm rot="8100000">
-              <a:off x="3883742" y="1772729"/>
-              <a:ext cx="334744" cy="334744"/>
-            </a:xfrm>
-            <a:prstGeom prst="teardrop">
-              <a:avLst>
-                <a:gd name="adj" fmla="val 100000"/>
-              </a:avLst>
-            </a:prstGeom>
-            <a:solidFill>
-              <a:schemeClr val="accent3"/>
-            </a:solidFill>
-            <a:ln>
-              <a:noFill/>
-            </a:ln>
-          </p:spPr>
-          <p:txBody>
-            <a:bodyPr spcFirstLastPara="1" wrap="square" lIns="91425" tIns="91425" rIns="91425" bIns="91425" anchor="ctr" anchorCtr="0">
-              <a:noAutofit/>
-            </a:bodyPr>
-            <a:lstStyle/>
-            <a:p>
-              <a:pPr marL="0" lvl="0" indent="0" algn="l" rtl="0">
-                <a:spcBef>
-                  <a:spcPts val="0"/>
-                </a:spcBef>
-                <a:spcAft>
-                  <a:spcPts val="0"/>
-                </a:spcAft>
-                <a:buNone/>
-              </a:pPr>
-              <a:endParaRPr/>
-            </a:p>
-          </p:txBody>
-        </p:sp>
-        <p:sp>
-          <p:nvSpPr>
-            <p:cNvPr id="11" name="Google Shape;549;p39">
-              <a:extLst>
-                <a:ext uri="{FF2B5EF4-FFF2-40B4-BE49-F238E27FC236}">
-                  <a16:creationId xmlns:a16="http://schemas.microsoft.com/office/drawing/2014/main" id="{3C836099-17A3-8CA2-35BC-2F7DAEEF96B5}"/>
-                </a:ext>
-              </a:extLst>
-            </p:cNvPr>
-            <p:cNvSpPr/>
-            <p:nvPr/>
-          </p:nvSpPr>
-          <p:spPr>
-            <a:xfrm>
-              <a:off x="3984064" y="1866499"/>
-              <a:ext cx="134100" cy="134100"/>
-            </a:xfrm>
-            <a:prstGeom prst="ellipse">
-              <a:avLst/>
-            </a:prstGeom>
-            <a:solidFill>
-              <a:schemeClr val="lt1"/>
-            </a:solidFill>
-            <a:ln>
-              <a:noFill/>
-            </a:ln>
-          </p:spPr>
-          <p:txBody>
-            <a:bodyPr spcFirstLastPara="1" wrap="square" lIns="0" tIns="0" rIns="0" bIns="0" anchor="ctr" anchorCtr="0">
-              <a:noAutofit/>
-            </a:bodyPr>
-            <a:lstStyle/>
-            <a:p>
-              <a:pPr marL="0" lvl="0" indent="0" algn="ctr" rtl="0">
-                <a:spcBef>
-                  <a:spcPts val="0"/>
-                </a:spcBef>
-                <a:spcAft>
-                  <a:spcPts val="0"/>
-                </a:spcAft>
-                <a:buNone/>
-              </a:pPr>
-              <a:endParaRPr sz="600" dirty="0">
-                <a:solidFill>
-                  <a:schemeClr val="dk2"/>
-                </a:solidFill>
-                <a:latin typeface="PT Serif"/>
-                <a:ea typeface="PT Serif"/>
-                <a:cs typeface="PT Serif"/>
-                <a:sym typeface="PT Serif"/>
-              </a:endParaRPr>
-            </a:p>
-          </p:txBody>
-        </p:sp>
-      </p:grpSp>
       <p:sp>
         <p:nvSpPr>
           <p:cNvPr id="12" name="Google Shape;562;p39">
@@ -14171,6 +14048,36 @@
           <a:xfrm>
             <a:off x="2856608" y="133350"/>
             <a:ext cx="6184900" cy="4876800"/>
+          </a:xfrm>
+          <a:prstGeom prst="rect">
+            <a:avLst/>
+          </a:prstGeom>
+        </p:spPr>
+      </p:pic>
+      <p:pic>
+        <p:nvPicPr>
+          <p:cNvPr id="2" name="Picture 1" descr="A red sports car on a black background&#10;&#10;Description automatically generated with medium confidence">
+            <a:extLst>
+              <a:ext uri="{FF2B5EF4-FFF2-40B4-BE49-F238E27FC236}">
+                <a16:creationId xmlns:a16="http://schemas.microsoft.com/office/drawing/2014/main" id="{9350A73A-A495-FA1E-6ADB-BEF60FBB9DC8}"/>
+              </a:ext>
+            </a:extLst>
+          </p:cNvPr>
+          <p:cNvPicPr>
+            <a:picLocks noChangeAspect="1"/>
+          </p:cNvPicPr>
+          <p:nvPr/>
+        </p:nvPicPr>
+        <p:blipFill>
+          <a:blip r:embed="rId4"/>
+          <a:stretch>
+            <a:fillRect/>
+          </a:stretch>
+        </p:blipFill>
+        <p:spPr>
+          <a:xfrm>
+            <a:off x="1486718" y="90072"/>
+            <a:ext cx="1011043" cy="1011043"/>
           </a:xfrm>
           <a:prstGeom prst="rect">
             <a:avLst/>
@@ -15070,129 +14977,6 @@
           </a:p>
         </p:txBody>
       </p:sp>
-      <p:grpSp>
-        <p:nvGrpSpPr>
-          <p:cNvPr id="9" name="Google Shape;547;p39">
-            <a:extLst>
-              <a:ext uri="{FF2B5EF4-FFF2-40B4-BE49-F238E27FC236}">
-                <a16:creationId xmlns:a16="http://schemas.microsoft.com/office/drawing/2014/main" id="{AA3A30E6-5A92-DB4D-8126-AE75FB24548B}"/>
-              </a:ext>
-            </a:extLst>
-          </p:cNvPr>
-          <p:cNvGrpSpPr/>
-          <p:nvPr/>
-        </p:nvGrpSpPr>
-        <p:grpSpPr>
-          <a:xfrm>
-            <a:off x="1665967" y="-36493"/>
-            <a:ext cx="762107" cy="789067"/>
-            <a:chOff x="3814414" y="1703401"/>
-            <a:chExt cx="473400" cy="473400"/>
-          </a:xfrm>
-        </p:grpSpPr>
-        <p:sp>
-          <p:nvSpPr>
-            <p:cNvPr id="10" name="Google Shape;548;p39">
-              <a:extLst>
-                <a:ext uri="{FF2B5EF4-FFF2-40B4-BE49-F238E27FC236}">
-                  <a16:creationId xmlns:a16="http://schemas.microsoft.com/office/drawing/2014/main" id="{CB945F5B-D80B-1100-3A99-B0ECF6384F82}"/>
-                </a:ext>
-              </a:extLst>
-            </p:cNvPr>
-            <p:cNvSpPr/>
-            <p:nvPr/>
-          </p:nvSpPr>
-          <p:spPr>
-            <a:xfrm rot="8100000">
-              <a:off x="3883742" y="1772729"/>
-              <a:ext cx="334744" cy="334744"/>
-            </a:xfrm>
-            <a:prstGeom prst="teardrop">
-              <a:avLst>
-                <a:gd name="adj" fmla="val 100000"/>
-              </a:avLst>
-            </a:prstGeom>
-            <a:solidFill>
-              <a:schemeClr val="accent3"/>
-            </a:solidFill>
-            <a:ln>
-              <a:noFill/>
-            </a:ln>
-          </p:spPr>
-          <p:txBody>
-            <a:bodyPr spcFirstLastPara="1" wrap="square" lIns="91425" tIns="91425" rIns="91425" bIns="91425" anchor="ctr" anchorCtr="0">
-              <a:noAutofit/>
-            </a:bodyPr>
-            <a:lstStyle/>
-            <a:p>
-              <a:pPr marL="0" lvl="0" indent="0" algn="l" rtl="0">
-                <a:spcBef>
-                  <a:spcPts val="0"/>
-                </a:spcBef>
-                <a:spcAft>
-                  <a:spcPts val="0"/>
-                </a:spcAft>
-                <a:buNone/>
-              </a:pPr>
-              <a:endParaRPr/>
-            </a:p>
-          </p:txBody>
-        </p:sp>
-        <p:sp>
-          <p:nvSpPr>
-            <p:cNvPr id="11" name="Google Shape;549;p39">
-              <a:extLst>
-                <a:ext uri="{FF2B5EF4-FFF2-40B4-BE49-F238E27FC236}">
-                  <a16:creationId xmlns:a16="http://schemas.microsoft.com/office/drawing/2014/main" id="{3C836099-17A3-8CA2-35BC-2F7DAEEF96B5}"/>
-                </a:ext>
-              </a:extLst>
-            </p:cNvPr>
-            <p:cNvSpPr/>
-            <p:nvPr/>
-          </p:nvSpPr>
-          <p:spPr>
-            <a:xfrm>
-              <a:off x="3984064" y="1866499"/>
-              <a:ext cx="134100" cy="134100"/>
-            </a:xfrm>
-            <a:prstGeom prst="ellipse">
-              <a:avLst/>
-            </a:prstGeom>
-            <a:solidFill>
-              <a:schemeClr val="lt1"/>
-            </a:solidFill>
-            <a:ln>
-              <a:noFill/>
-            </a:ln>
-          </p:spPr>
-          <p:txBody>
-            <a:bodyPr spcFirstLastPara="1" wrap="square" lIns="0" tIns="0" rIns="0" bIns="0" anchor="ctr" anchorCtr="0">
-              <a:noAutofit/>
-            </a:bodyPr>
-            <a:lstStyle/>
-            <a:p>
-              <a:pPr marL="0" lvl="0" indent="0" algn="ctr" rtl="0">
-                <a:spcBef>
-                  <a:spcPts val="0"/>
-                </a:spcBef>
-                <a:spcAft>
-                  <a:spcPts val="0"/>
-                </a:spcAft>
-                <a:buNone/>
-              </a:pPr>
-              <a:endParaRPr sz="600" dirty="0">
-                <a:solidFill>
-                  <a:schemeClr val="dk2"/>
-                </a:solidFill>
-                <a:latin typeface="PT Serif"/>
-                <a:ea typeface="PT Serif"/>
-                <a:cs typeface="PT Serif"/>
-                <a:sym typeface="PT Serif"/>
-              </a:endParaRPr>
-            </a:p>
-          </p:txBody>
-        </p:sp>
-      </p:grpSp>
       <p:sp>
         <p:nvSpPr>
           <p:cNvPr id="12" name="Google Shape;562;p39">
@@ -15394,6 +15178,36 @@
           </a:p>
         </p:txBody>
       </p:sp>
+      <p:pic>
+        <p:nvPicPr>
+          <p:cNvPr id="2" name="Picture 1" descr="A red sports car on a black background&#10;&#10;Description automatically generated with medium confidence">
+            <a:extLst>
+              <a:ext uri="{FF2B5EF4-FFF2-40B4-BE49-F238E27FC236}">
+                <a16:creationId xmlns:a16="http://schemas.microsoft.com/office/drawing/2014/main" id="{974251D0-2BD5-5FDB-3468-12CDFA2C2E62}"/>
+              </a:ext>
+            </a:extLst>
+          </p:cNvPr>
+          <p:cNvPicPr>
+            <a:picLocks noChangeAspect="1"/>
+          </p:cNvPicPr>
+          <p:nvPr/>
+        </p:nvPicPr>
+        <p:blipFill>
+          <a:blip r:embed="rId3"/>
+          <a:stretch>
+            <a:fillRect/>
+          </a:stretch>
+        </p:blipFill>
+        <p:spPr>
+          <a:xfrm>
+            <a:off x="1486718" y="90072"/>
+            <a:ext cx="1011043" cy="1011043"/>
+          </a:xfrm>
+          <a:prstGeom prst="rect">
+            <a:avLst/>
+          </a:prstGeom>
+        </p:spPr>
+      </p:pic>
     </p:spTree>
     <p:extLst>
       <p:ext uri="{BB962C8B-B14F-4D97-AF65-F5344CB8AC3E}">
@@ -16307,129 +16121,6 @@
           </a:p>
         </p:txBody>
       </p:sp>
-      <p:grpSp>
-        <p:nvGrpSpPr>
-          <p:cNvPr id="7" name="Google Shape;547;p39">
-            <a:extLst>
-              <a:ext uri="{FF2B5EF4-FFF2-40B4-BE49-F238E27FC236}">
-                <a16:creationId xmlns:a16="http://schemas.microsoft.com/office/drawing/2014/main" id="{C42FFF36-611D-7BFD-C65F-3FAC14D8F57A}"/>
-              </a:ext>
-            </a:extLst>
-          </p:cNvPr>
-          <p:cNvGrpSpPr/>
-          <p:nvPr/>
-        </p:nvGrpSpPr>
-        <p:grpSpPr>
-          <a:xfrm>
-            <a:off x="3670060" y="-52875"/>
-            <a:ext cx="762107" cy="789067"/>
-            <a:chOff x="3814414" y="1703401"/>
-            <a:chExt cx="473400" cy="473400"/>
-          </a:xfrm>
-        </p:grpSpPr>
-        <p:sp>
-          <p:nvSpPr>
-            <p:cNvPr id="8" name="Google Shape;548;p39">
-              <a:extLst>
-                <a:ext uri="{FF2B5EF4-FFF2-40B4-BE49-F238E27FC236}">
-                  <a16:creationId xmlns:a16="http://schemas.microsoft.com/office/drawing/2014/main" id="{89F1CF14-848E-2EA0-14E1-6BC91F20746A}"/>
-                </a:ext>
-              </a:extLst>
-            </p:cNvPr>
-            <p:cNvSpPr/>
-            <p:nvPr/>
-          </p:nvSpPr>
-          <p:spPr>
-            <a:xfrm rot="8100000">
-              <a:off x="3883742" y="1772729"/>
-              <a:ext cx="334744" cy="334744"/>
-            </a:xfrm>
-            <a:prstGeom prst="teardrop">
-              <a:avLst>
-                <a:gd name="adj" fmla="val 100000"/>
-              </a:avLst>
-            </a:prstGeom>
-            <a:solidFill>
-              <a:schemeClr val="accent3"/>
-            </a:solidFill>
-            <a:ln>
-              <a:noFill/>
-            </a:ln>
-          </p:spPr>
-          <p:txBody>
-            <a:bodyPr spcFirstLastPara="1" wrap="square" lIns="91425" tIns="91425" rIns="91425" bIns="91425" anchor="ctr" anchorCtr="0">
-              <a:noAutofit/>
-            </a:bodyPr>
-            <a:lstStyle/>
-            <a:p>
-              <a:pPr marL="0" lvl="0" indent="0" algn="l" rtl="0">
-                <a:spcBef>
-                  <a:spcPts val="0"/>
-                </a:spcBef>
-                <a:spcAft>
-                  <a:spcPts val="0"/>
-                </a:spcAft>
-                <a:buNone/>
-              </a:pPr>
-              <a:endParaRPr/>
-            </a:p>
-          </p:txBody>
-        </p:sp>
-        <p:sp>
-          <p:nvSpPr>
-            <p:cNvPr id="9" name="Google Shape;549;p39">
-              <a:extLst>
-                <a:ext uri="{FF2B5EF4-FFF2-40B4-BE49-F238E27FC236}">
-                  <a16:creationId xmlns:a16="http://schemas.microsoft.com/office/drawing/2014/main" id="{B1970CB3-3C9F-0A42-AF6A-2993DF320E2B}"/>
-                </a:ext>
-              </a:extLst>
-            </p:cNvPr>
-            <p:cNvSpPr/>
-            <p:nvPr/>
-          </p:nvSpPr>
-          <p:spPr>
-            <a:xfrm>
-              <a:off x="3984064" y="1866499"/>
-              <a:ext cx="134100" cy="134100"/>
-            </a:xfrm>
-            <a:prstGeom prst="ellipse">
-              <a:avLst/>
-            </a:prstGeom>
-            <a:solidFill>
-              <a:schemeClr val="lt1"/>
-            </a:solidFill>
-            <a:ln>
-              <a:noFill/>
-            </a:ln>
-          </p:spPr>
-          <p:txBody>
-            <a:bodyPr spcFirstLastPara="1" wrap="square" lIns="0" tIns="0" rIns="0" bIns="0" anchor="ctr" anchorCtr="0">
-              <a:noAutofit/>
-            </a:bodyPr>
-            <a:lstStyle/>
-            <a:p>
-              <a:pPr marL="0" lvl="0" indent="0" algn="ctr" rtl="0">
-                <a:spcBef>
-                  <a:spcPts val="0"/>
-                </a:spcBef>
-                <a:spcAft>
-                  <a:spcPts val="0"/>
-                </a:spcAft>
-                <a:buNone/>
-              </a:pPr>
-              <a:endParaRPr sz="600" dirty="0">
-                <a:solidFill>
-                  <a:schemeClr val="dk2"/>
-                </a:solidFill>
-                <a:latin typeface="PT Serif"/>
-                <a:ea typeface="PT Serif"/>
-                <a:cs typeface="PT Serif"/>
-                <a:sym typeface="PT Serif"/>
-              </a:endParaRPr>
-            </a:p>
-          </p:txBody>
-        </p:sp>
-      </p:grpSp>
       <p:sp>
         <p:nvSpPr>
           <p:cNvPr id="10" name="Google Shape;562;p39">
@@ -16631,6 +16322,36 @@
           </a:p>
         </p:txBody>
       </p:sp>
+      <p:pic>
+        <p:nvPicPr>
+          <p:cNvPr id="2" name="Picture 1" descr="A red sports car on a black background&#10;&#10;Description automatically generated with medium confidence">
+            <a:extLst>
+              <a:ext uri="{FF2B5EF4-FFF2-40B4-BE49-F238E27FC236}">
+                <a16:creationId xmlns:a16="http://schemas.microsoft.com/office/drawing/2014/main" id="{64CC6DE3-388D-56A1-1516-1A189D477793}"/>
+              </a:ext>
+            </a:extLst>
+          </p:cNvPr>
+          <p:cNvPicPr>
+            <a:picLocks noChangeAspect="1"/>
+          </p:cNvPicPr>
+          <p:nvPr/>
+        </p:nvPicPr>
+        <p:blipFill>
+          <a:blip r:embed="rId3"/>
+          <a:stretch>
+            <a:fillRect/>
+          </a:stretch>
+        </p:blipFill>
+        <p:spPr>
+          <a:xfrm>
+            <a:off x="3536596" y="65869"/>
+            <a:ext cx="1011043" cy="1011043"/>
+          </a:xfrm>
+          <a:prstGeom prst="rect">
+            <a:avLst/>
+          </a:prstGeom>
+        </p:spPr>
+      </p:pic>
     </p:spTree>
     <p:extLst>
       <p:ext uri="{BB962C8B-B14F-4D97-AF65-F5344CB8AC3E}">
@@ -17357,129 +17078,6 @@
           </a:p>
         </p:txBody>
       </p:sp>
-      <p:grpSp>
-        <p:nvGrpSpPr>
-          <p:cNvPr id="7" name="Google Shape;547;p39">
-            <a:extLst>
-              <a:ext uri="{FF2B5EF4-FFF2-40B4-BE49-F238E27FC236}">
-                <a16:creationId xmlns:a16="http://schemas.microsoft.com/office/drawing/2014/main" id="{C42FFF36-611D-7BFD-C65F-3FAC14D8F57A}"/>
-              </a:ext>
-            </a:extLst>
-          </p:cNvPr>
-          <p:cNvGrpSpPr/>
-          <p:nvPr/>
-        </p:nvGrpSpPr>
-        <p:grpSpPr>
-          <a:xfrm>
-            <a:off x="3670060" y="-52875"/>
-            <a:ext cx="762107" cy="789067"/>
-            <a:chOff x="3814414" y="1703401"/>
-            <a:chExt cx="473400" cy="473400"/>
-          </a:xfrm>
-        </p:grpSpPr>
-        <p:sp>
-          <p:nvSpPr>
-            <p:cNvPr id="8" name="Google Shape;548;p39">
-              <a:extLst>
-                <a:ext uri="{FF2B5EF4-FFF2-40B4-BE49-F238E27FC236}">
-                  <a16:creationId xmlns:a16="http://schemas.microsoft.com/office/drawing/2014/main" id="{89F1CF14-848E-2EA0-14E1-6BC91F20746A}"/>
-                </a:ext>
-              </a:extLst>
-            </p:cNvPr>
-            <p:cNvSpPr/>
-            <p:nvPr/>
-          </p:nvSpPr>
-          <p:spPr>
-            <a:xfrm rot="8100000">
-              <a:off x="3883742" y="1772729"/>
-              <a:ext cx="334744" cy="334744"/>
-            </a:xfrm>
-            <a:prstGeom prst="teardrop">
-              <a:avLst>
-                <a:gd name="adj" fmla="val 100000"/>
-              </a:avLst>
-            </a:prstGeom>
-            <a:solidFill>
-              <a:schemeClr val="accent3"/>
-            </a:solidFill>
-            <a:ln>
-              <a:noFill/>
-            </a:ln>
-          </p:spPr>
-          <p:txBody>
-            <a:bodyPr spcFirstLastPara="1" wrap="square" lIns="91425" tIns="91425" rIns="91425" bIns="91425" anchor="ctr" anchorCtr="0">
-              <a:noAutofit/>
-            </a:bodyPr>
-            <a:lstStyle/>
-            <a:p>
-              <a:pPr marL="0" lvl="0" indent="0" algn="l" rtl="0">
-                <a:spcBef>
-                  <a:spcPts val="0"/>
-                </a:spcBef>
-                <a:spcAft>
-                  <a:spcPts val="0"/>
-                </a:spcAft>
-                <a:buNone/>
-              </a:pPr>
-              <a:endParaRPr/>
-            </a:p>
-          </p:txBody>
-        </p:sp>
-        <p:sp>
-          <p:nvSpPr>
-            <p:cNvPr id="9" name="Google Shape;549;p39">
-              <a:extLst>
-                <a:ext uri="{FF2B5EF4-FFF2-40B4-BE49-F238E27FC236}">
-                  <a16:creationId xmlns:a16="http://schemas.microsoft.com/office/drawing/2014/main" id="{B1970CB3-3C9F-0A42-AF6A-2993DF320E2B}"/>
-                </a:ext>
-              </a:extLst>
-            </p:cNvPr>
-            <p:cNvSpPr/>
-            <p:nvPr/>
-          </p:nvSpPr>
-          <p:spPr>
-            <a:xfrm>
-              <a:off x="3984064" y="1866499"/>
-              <a:ext cx="134100" cy="134100"/>
-            </a:xfrm>
-            <a:prstGeom prst="ellipse">
-              <a:avLst/>
-            </a:prstGeom>
-            <a:solidFill>
-              <a:schemeClr val="lt1"/>
-            </a:solidFill>
-            <a:ln>
-              <a:noFill/>
-            </a:ln>
-          </p:spPr>
-          <p:txBody>
-            <a:bodyPr spcFirstLastPara="1" wrap="square" lIns="0" tIns="0" rIns="0" bIns="0" anchor="ctr" anchorCtr="0">
-              <a:noAutofit/>
-            </a:bodyPr>
-            <a:lstStyle/>
-            <a:p>
-              <a:pPr marL="0" lvl="0" indent="0" algn="ctr" rtl="0">
-                <a:spcBef>
-                  <a:spcPts val="0"/>
-                </a:spcBef>
-                <a:spcAft>
-                  <a:spcPts val="0"/>
-                </a:spcAft>
-                <a:buNone/>
-              </a:pPr>
-              <a:endParaRPr sz="600" dirty="0">
-                <a:solidFill>
-                  <a:schemeClr val="dk2"/>
-                </a:solidFill>
-                <a:latin typeface="PT Serif"/>
-                <a:ea typeface="PT Serif"/>
-                <a:cs typeface="PT Serif"/>
-                <a:sym typeface="PT Serif"/>
-              </a:endParaRPr>
-            </a:p>
-          </p:txBody>
-        </p:sp>
-      </p:grpSp>
       <p:sp>
         <p:nvSpPr>
           <p:cNvPr id="10" name="Google Shape;562;p39">
@@ -17810,6 +17408,36 @@
           <a:xfrm>
             <a:off x="4645837" y="66675"/>
             <a:ext cx="4349750" cy="5010150"/>
+          </a:xfrm>
+          <a:prstGeom prst="rect">
+            <a:avLst/>
+          </a:prstGeom>
+        </p:spPr>
+      </p:pic>
+      <p:pic>
+        <p:nvPicPr>
+          <p:cNvPr id="2" name="Picture 1" descr="A red sports car on a black background&#10;&#10;Description automatically generated with medium confidence">
+            <a:extLst>
+              <a:ext uri="{FF2B5EF4-FFF2-40B4-BE49-F238E27FC236}">
+                <a16:creationId xmlns:a16="http://schemas.microsoft.com/office/drawing/2014/main" id="{73044A47-AC61-996B-545E-51F470B1E4ED}"/>
+              </a:ext>
+            </a:extLst>
+          </p:cNvPr>
+          <p:cNvPicPr>
+            <a:picLocks noChangeAspect="1"/>
+          </p:cNvPicPr>
+          <p:nvPr/>
+        </p:nvPicPr>
+        <p:blipFill>
+          <a:blip r:embed="rId4"/>
+          <a:stretch>
+            <a:fillRect/>
+          </a:stretch>
+        </p:blipFill>
+        <p:spPr>
+          <a:xfrm>
+            <a:off x="3521354" y="65869"/>
+            <a:ext cx="1011043" cy="1011043"/>
           </a:xfrm>
           <a:prstGeom prst="rect">
             <a:avLst/>
@@ -18542,129 +18170,6 @@
           </a:p>
         </p:txBody>
       </p:sp>
-      <p:grpSp>
-        <p:nvGrpSpPr>
-          <p:cNvPr id="7" name="Google Shape;547;p39">
-            <a:extLst>
-              <a:ext uri="{FF2B5EF4-FFF2-40B4-BE49-F238E27FC236}">
-                <a16:creationId xmlns:a16="http://schemas.microsoft.com/office/drawing/2014/main" id="{C42FFF36-611D-7BFD-C65F-3FAC14D8F57A}"/>
-              </a:ext>
-            </a:extLst>
-          </p:cNvPr>
-          <p:cNvGrpSpPr/>
-          <p:nvPr/>
-        </p:nvGrpSpPr>
-        <p:grpSpPr>
-          <a:xfrm>
-            <a:off x="3670060" y="-52875"/>
-            <a:ext cx="762107" cy="789067"/>
-            <a:chOff x="3814414" y="1703401"/>
-            <a:chExt cx="473400" cy="473400"/>
-          </a:xfrm>
-        </p:grpSpPr>
-        <p:sp>
-          <p:nvSpPr>
-            <p:cNvPr id="8" name="Google Shape;548;p39">
-              <a:extLst>
-                <a:ext uri="{FF2B5EF4-FFF2-40B4-BE49-F238E27FC236}">
-                  <a16:creationId xmlns:a16="http://schemas.microsoft.com/office/drawing/2014/main" id="{89F1CF14-848E-2EA0-14E1-6BC91F20746A}"/>
-                </a:ext>
-              </a:extLst>
-            </p:cNvPr>
-            <p:cNvSpPr/>
-            <p:nvPr/>
-          </p:nvSpPr>
-          <p:spPr>
-            <a:xfrm rot="8100000">
-              <a:off x="3883742" y="1772729"/>
-              <a:ext cx="334744" cy="334744"/>
-            </a:xfrm>
-            <a:prstGeom prst="teardrop">
-              <a:avLst>
-                <a:gd name="adj" fmla="val 100000"/>
-              </a:avLst>
-            </a:prstGeom>
-            <a:solidFill>
-              <a:schemeClr val="accent3"/>
-            </a:solidFill>
-            <a:ln>
-              <a:noFill/>
-            </a:ln>
-          </p:spPr>
-          <p:txBody>
-            <a:bodyPr spcFirstLastPara="1" wrap="square" lIns="91425" tIns="91425" rIns="91425" bIns="91425" anchor="ctr" anchorCtr="0">
-              <a:noAutofit/>
-            </a:bodyPr>
-            <a:lstStyle/>
-            <a:p>
-              <a:pPr marL="0" lvl="0" indent="0" algn="l" rtl="0">
-                <a:spcBef>
-                  <a:spcPts val="0"/>
-                </a:spcBef>
-                <a:spcAft>
-                  <a:spcPts val="0"/>
-                </a:spcAft>
-                <a:buNone/>
-              </a:pPr>
-              <a:endParaRPr/>
-            </a:p>
-          </p:txBody>
-        </p:sp>
-        <p:sp>
-          <p:nvSpPr>
-            <p:cNvPr id="9" name="Google Shape;549;p39">
-              <a:extLst>
-                <a:ext uri="{FF2B5EF4-FFF2-40B4-BE49-F238E27FC236}">
-                  <a16:creationId xmlns:a16="http://schemas.microsoft.com/office/drawing/2014/main" id="{B1970CB3-3C9F-0A42-AF6A-2993DF320E2B}"/>
-                </a:ext>
-              </a:extLst>
-            </p:cNvPr>
-            <p:cNvSpPr/>
-            <p:nvPr/>
-          </p:nvSpPr>
-          <p:spPr>
-            <a:xfrm>
-              <a:off x="3984064" y="1866499"/>
-              <a:ext cx="134100" cy="134100"/>
-            </a:xfrm>
-            <a:prstGeom prst="ellipse">
-              <a:avLst/>
-            </a:prstGeom>
-            <a:solidFill>
-              <a:schemeClr val="lt1"/>
-            </a:solidFill>
-            <a:ln>
-              <a:noFill/>
-            </a:ln>
-          </p:spPr>
-          <p:txBody>
-            <a:bodyPr spcFirstLastPara="1" wrap="square" lIns="0" tIns="0" rIns="0" bIns="0" anchor="ctr" anchorCtr="0">
-              <a:noAutofit/>
-            </a:bodyPr>
-            <a:lstStyle/>
-            <a:p>
-              <a:pPr marL="0" lvl="0" indent="0" algn="ctr" rtl="0">
-                <a:spcBef>
-                  <a:spcPts val="0"/>
-                </a:spcBef>
-                <a:spcAft>
-                  <a:spcPts val="0"/>
-                </a:spcAft>
-                <a:buNone/>
-              </a:pPr>
-              <a:endParaRPr sz="600" dirty="0">
-                <a:solidFill>
-                  <a:schemeClr val="dk2"/>
-                </a:solidFill>
-                <a:latin typeface="PT Serif"/>
-                <a:ea typeface="PT Serif"/>
-                <a:cs typeface="PT Serif"/>
-                <a:sym typeface="PT Serif"/>
-              </a:endParaRPr>
-            </a:p>
-          </p:txBody>
-        </p:sp>
-      </p:grpSp>
       <p:sp>
         <p:nvSpPr>
           <p:cNvPr id="10" name="Google Shape;562;p39">
@@ -19336,6 +18841,36 @@
           </a:prstGeom>
         </p:spPr>
       </p:pic>
+      <p:pic>
+        <p:nvPicPr>
+          <p:cNvPr id="2" name="Picture 1" descr="A red sports car on a black background&#10;&#10;Description automatically generated with medium confidence">
+            <a:extLst>
+              <a:ext uri="{FF2B5EF4-FFF2-40B4-BE49-F238E27FC236}">
+                <a16:creationId xmlns:a16="http://schemas.microsoft.com/office/drawing/2014/main" id="{8D8B3F18-7211-0BB4-773B-CB3EDCB974C7}"/>
+              </a:ext>
+            </a:extLst>
+          </p:cNvPr>
+          <p:cNvPicPr>
+            <a:picLocks noChangeAspect="1"/>
+          </p:cNvPicPr>
+          <p:nvPr/>
+        </p:nvPicPr>
+        <p:blipFill>
+          <a:blip r:embed="rId5"/>
+          <a:stretch>
+            <a:fillRect/>
+          </a:stretch>
+        </p:blipFill>
+        <p:spPr>
+          <a:xfrm>
+            <a:off x="3536596" y="77283"/>
+            <a:ext cx="1011043" cy="1011043"/>
+          </a:xfrm>
+          <a:prstGeom prst="rect">
+            <a:avLst/>
+          </a:prstGeom>
+        </p:spPr>
+      </p:pic>
     </p:spTree>
     <p:extLst>
       <p:ext uri="{BB962C8B-B14F-4D97-AF65-F5344CB8AC3E}">
@@ -20062,129 +19597,6 @@
           </a:p>
         </p:txBody>
       </p:sp>
-      <p:grpSp>
-        <p:nvGrpSpPr>
-          <p:cNvPr id="7" name="Google Shape;547;p39">
-            <a:extLst>
-              <a:ext uri="{FF2B5EF4-FFF2-40B4-BE49-F238E27FC236}">
-                <a16:creationId xmlns:a16="http://schemas.microsoft.com/office/drawing/2014/main" id="{C42FFF36-611D-7BFD-C65F-3FAC14D8F57A}"/>
-              </a:ext>
-            </a:extLst>
-          </p:cNvPr>
-          <p:cNvGrpSpPr/>
-          <p:nvPr/>
-        </p:nvGrpSpPr>
-        <p:grpSpPr>
-          <a:xfrm>
-            <a:off x="5735960" y="-31389"/>
-            <a:ext cx="762107" cy="789067"/>
-            <a:chOff x="3814414" y="1703401"/>
-            <a:chExt cx="473400" cy="473400"/>
-          </a:xfrm>
-        </p:grpSpPr>
-        <p:sp>
-          <p:nvSpPr>
-            <p:cNvPr id="8" name="Google Shape;548;p39">
-              <a:extLst>
-                <a:ext uri="{FF2B5EF4-FFF2-40B4-BE49-F238E27FC236}">
-                  <a16:creationId xmlns:a16="http://schemas.microsoft.com/office/drawing/2014/main" id="{89F1CF14-848E-2EA0-14E1-6BC91F20746A}"/>
-                </a:ext>
-              </a:extLst>
-            </p:cNvPr>
-            <p:cNvSpPr/>
-            <p:nvPr/>
-          </p:nvSpPr>
-          <p:spPr>
-            <a:xfrm rot="8100000">
-              <a:off x="3883742" y="1772729"/>
-              <a:ext cx="334744" cy="334744"/>
-            </a:xfrm>
-            <a:prstGeom prst="teardrop">
-              <a:avLst>
-                <a:gd name="adj" fmla="val 100000"/>
-              </a:avLst>
-            </a:prstGeom>
-            <a:solidFill>
-              <a:schemeClr val="accent3"/>
-            </a:solidFill>
-            <a:ln>
-              <a:noFill/>
-            </a:ln>
-          </p:spPr>
-          <p:txBody>
-            <a:bodyPr spcFirstLastPara="1" wrap="square" lIns="91425" tIns="91425" rIns="91425" bIns="91425" anchor="ctr" anchorCtr="0">
-              <a:noAutofit/>
-            </a:bodyPr>
-            <a:lstStyle/>
-            <a:p>
-              <a:pPr marL="0" lvl="0" indent="0" algn="l" rtl="0">
-                <a:spcBef>
-                  <a:spcPts val="0"/>
-                </a:spcBef>
-                <a:spcAft>
-                  <a:spcPts val="0"/>
-                </a:spcAft>
-                <a:buNone/>
-              </a:pPr>
-              <a:endParaRPr/>
-            </a:p>
-          </p:txBody>
-        </p:sp>
-        <p:sp>
-          <p:nvSpPr>
-            <p:cNvPr id="9" name="Google Shape;549;p39">
-              <a:extLst>
-                <a:ext uri="{FF2B5EF4-FFF2-40B4-BE49-F238E27FC236}">
-                  <a16:creationId xmlns:a16="http://schemas.microsoft.com/office/drawing/2014/main" id="{B1970CB3-3C9F-0A42-AF6A-2993DF320E2B}"/>
-                </a:ext>
-              </a:extLst>
-            </p:cNvPr>
-            <p:cNvSpPr/>
-            <p:nvPr/>
-          </p:nvSpPr>
-          <p:spPr>
-            <a:xfrm>
-              <a:off x="3984064" y="1866499"/>
-              <a:ext cx="134100" cy="134100"/>
-            </a:xfrm>
-            <a:prstGeom prst="ellipse">
-              <a:avLst/>
-            </a:prstGeom>
-            <a:solidFill>
-              <a:schemeClr val="lt1"/>
-            </a:solidFill>
-            <a:ln>
-              <a:noFill/>
-            </a:ln>
-          </p:spPr>
-          <p:txBody>
-            <a:bodyPr spcFirstLastPara="1" wrap="square" lIns="0" tIns="0" rIns="0" bIns="0" anchor="ctr" anchorCtr="0">
-              <a:noAutofit/>
-            </a:bodyPr>
-            <a:lstStyle/>
-            <a:p>
-              <a:pPr marL="0" lvl="0" indent="0" algn="ctr" rtl="0">
-                <a:spcBef>
-                  <a:spcPts val="0"/>
-                </a:spcBef>
-                <a:spcAft>
-                  <a:spcPts val="0"/>
-                </a:spcAft>
-                <a:buNone/>
-              </a:pPr>
-              <a:endParaRPr sz="600" dirty="0">
-                <a:solidFill>
-                  <a:schemeClr val="dk2"/>
-                </a:solidFill>
-                <a:latin typeface="PT Serif"/>
-                <a:ea typeface="PT Serif"/>
-                <a:cs typeface="PT Serif"/>
-                <a:sym typeface="PT Serif"/>
-              </a:endParaRPr>
-            </a:p>
-          </p:txBody>
-        </p:sp>
-      </p:grpSp>
       <p:sp>
         <p:nvSpPr>
           <p:cNvPr id="10" name="Google Shape;562;p39">
@@ -20847,6 +20259,36 @@
           </a:p>
         </p:txBody>
       </p:sp>
+      <p:pic>
+        <p:nvPicPr>
+          <p:cNvPr id="2" name="Picture 1" descr="A red sports car on a black background&#10;&#10;Description automatically generated with medium confidence">
+            <a:extLst>
+              <a:ext uri="{FF2B5EF4-FFF2-40B4-BE49-F238E27FC236}">
+                <a16:creationId xmlns:a16="http://schemas.microsoft.com/office/drawing/2014/main" id="{D23D999E-E00B-4140-8071-3EA9229CA32D}"/>
+              </a:ext>
+            </a:extLst>
+          </p:cNvPr>
+          <p:cNvPicPr>
+            <a:picLocks noChangeAspect="1"/>
+          </p:cNvPicPr>
+          <p:nvPr/>
+        </p:nvPicPr>
+        <p:blipFill>
+          <a:blip r:embed="rId5"/>
+          <a:stretch>
+            <a:fillRect/>
+          </a:stretch>
+        </p:blipFill>
+        <p:spPr>
+          <a:xfrm>
+            <a:off x="5549685" y="78992"/>
+            <a:ext cx="1011043" cy="1011043"/>
+          </a:xfrm>
+          <a:prstGeom prst="rect">
+            <a:avLst/>
+          </a:prstGeom>
+        </p:spPr>
+      </p:pic>
     </p:spTree>
     <p:extLst>
       <p:ext uri="{BB962C8B-B14F-4D97-AF65-F5344CB8AC3E}">
@@ -21573,129 +21015,6 @@
           </a:p>
         </p:txBody>
       </p:sp>
-      <p:grpSp>
-        <p:nvGrpSpPr>
-          <p:cNvPr id="7" name="Google Shape;547;p39">
-            <a:extLst>
-              <a:ext uri="{FF2B5EF4-FFF2-40B4-BE49-F238E27FC236}">
-                <a16:creationId xmlns:a16="http://schemas.microsoft.com/office/drawing/2014/main" id="{C42FFF36-611D-7BFD-C65F-3FAC14D8F57A}"/>
-              </a:ext>
-            </a:extLst>
-          </p:cNvPr>
-          <p:cNvGrpSpPr/>
-          <p:nvPr/>
-        </p:nvGrpSpPr>
-        <p:grpSpPr>
-          <a:xfrm>
-            <a:off x="5735960" y="-31389"/>
-            <a:ext cx="762107" cy="789067"/>
-            <a:chOff x="3814414" y="1703401"/>
-            <a:chExt cx="473400" cy="473400"/>
-          </a:xfrm>
-        </p:grpSpPr>
-        <p:sp>
-          <p:nvSpPr>
-            <p:cNvPr id="8" name="Google Shape;548;p39">
-              <a:extLst>
-                <a:ext uri="{FF2B5EF4-FFF2-40B4-BE49-F238E27FC236}">
-                  <a16:creationId xmlns:a16="http://schemas.microsoft.com/office/drawing/2014/main" id="{89F1CF14-848E-2EA0-14E1-6BC91F20746A}"/>
-                </a:ext>
-              </a:extLst>
-            </p:cNvPr>
-            <p:cNvSpPr/>
-            <p:nvPr/>
-          </p:nvSpPr>
-          <p:spPr>
-            <a:xfrm rot="8100000">
-              <a:off x="3883742" y="1772729"/>
-              <a:ext cx="334744" cy="334744"/>
-            </a:xfrm>
-            <a:prstGeom prst="teardrop">
-              <a:avLst>
-                <a:gd name="adj" fmla="val 100000"/>
-              </a:avLst>
-            </a:prstGeom>
-            <a:solidFill>
-              <a:schemeClr val="accent3"/>
-            </a:solidFill>
-            <a:ln>
-              <a:noFill/>
-            </a:ln>
-          </p:spPr>
-          <p:txBody>
-            <a:bodyPr spcFirstLastPara="1" wrap="square" lIns="91425" tIns="91425" rIns="91425" bIns="91425" anchor="ctr" anchorCtr="0">
-              <a:noAutofit/>
-            </a:bodyPr>
-            <a:lstStyle/>
-            <a:p>
-              <a:pPr marL="0" lvl="0" indent="0" algn="l" rtl="0">
-                <a:spcBef>
-                  <a:spcPts val="0"/>
-                </a:spcBef>
-                <a:spcAft>
-                  <a:spcPts val="0"/>
-                </a:spcAft>
-                <a:buNone/>
-              </a:pPr>
-              <a:endParaRPr/>
-            </a:p>
-          </p:txBody>
-        </p:sp>
-        <p:sp>
-          <p:nvSpPr>
-            <p:cNvPr id="9" name="Google Shape;549;p39">
-              <a:extLst>
-                <a:ext uri="{FF2B5EF4-FFF2-40B4-BE49-F238E27FC236}">
-                  <a16:creationId xmlns:a16="http://schemas.microsoft.com/office/drawing/2014/main" id="{B1970CB3-3C9F-0A42-AF6A-2993DF320E2B}"/>
-                </a:ext>
-              </a:extLst>
-            </p:cNvPr>
-            <p:cNvSpPr/>
-            <p:nvPr/>
-          </p:nvSpPr>
-          <p:spPr>
-            <a:xfrm>
-              <a:off x="3984064" y="1866499"/>
-              <a:ext cx="134100" cy="134100"/>
-            </a:xfrm>
-            <a:prstGeom prst="ellipse">
-              <a:avLst/>
-            </a:prstGeom>
-            <a:solidFill>
-              <a:schemeClr val="lt1"/>
-            </a:solidFill>
-            <a:ln>
-              <a:noFill/>
-            </a:ln>
-          </p:spPr>
-          <p:txBody>
-            <a:bodyPr spcFirstLastPara="1" wrap="square" lIns="0" tIns="0" rIns="0" bIns="0" anchor="ctr" anchorCtr="0">
-              <a:noAutofit/>
-            </a:bodyPr>
-            <a:lstStyle/>
-            <a:p>
-              <a:pPr marL="0" lvl="0" indent="0" algn="ctr" rtl="0">
-                <a:spcBef>
-                  <a:spcPts val="0"/>
-                </a:spcBef>
-                <a:spcAft>
-                  <a:spcPts val="0"/>
-                </a:spcAft>
-                <a:buNone/>
-              </a:pPr>
-              <a:endParaRPr sz="600" dirty="0">
-                <a:solidFill>
-                  <a:schemeClr val="dk2"/>
-                </a:solidFill>
-                <a:latin typeface="PT Serif"/>
-                <a:ea typeface="PT Serif"/>
-                <a:cs typeface="PT Serif"/>
-                <a:sym typeface="PT Serif"/>
-              </a:endParaRPr>
-            </a:p>
-          </p:txBody>
-        </p:sp>
-      </p:grpSp>
       <p:sp>
         <p:nvSpPr>
           <p:cNvPr id="10" name="Google Shape;562;p39">
@@ -22248,6 +21567,36 @@
           </a:prstGeom>
         </p:spPr>
       </p:pic>
+      <p:pic>
+        <p:nvPicPr>
+          <p:cNvPr id="2" name="Picture 1" descr="A red sports car on a black background&#10;&#10;Description automatically generated with medium confidence">
+            <a:extLst>
+              <a:ext uri="{FF2B5EF4-FFF2-40B4-BE49-F238E27FC236}">
+                <a16:creationId xmlns:a16="http://schemas.microsoft.com/office/drawing/2014/main" id="{C5B1E0D2-8F54-52A8-8388-02E38372F52D}"/>
+              </a:ext>
+            </a:extLst>
+          </p:cNvPr>
+          <p:cNvPicPr>
+            <a:picLocks noChangeAspect="1"/>
+          </p:cNvPicPr>
+          <p:nvPr/>
+        </p:nvPicPr>
+        <p:blipFill>
+          <a:blip r:embed="rId5"/>
+          <a:stretch>
+            <a:fillRect/>
+          </a:stretch>
+        </p:blipFill>
+        <p:spPr>
+          <a:xfrm>
+            <a:off x="5549685" y="65869"/>
+            <a:ext cx="1011043" cy="1011043"/>
+          </a:xfrm>
+          <a:prstGeom prst="rect">
+            <a:avLst/>
+          </a:prstGeom>
+        </p:spPr>
+      </p:pic>
     </p:spTree>
     <p:extLst>
       <p:ext uri="{BB962C8B-B14F-4D97-AF65-F5344CB8AC3E}">
@@ -22974,129 +22323,6 @@
           </a:p>
         </p:txBody>
       </p:sp>
-      <p:grpSp>
-        <p:nvGrpSpPr>
-          <p:cNvPr id="7" name="Google Shape;547;p39">
-            <a:extLst>
-              <a:ext uri="{FF2B5EF4-FFF2-40B4-BE49-F238E27FC236}">
-                <a16:creationId xmlns:a16="http://schemas.microsoft.com/office/drawing/2014/main" id="{C42FFF36-611D-7BFD-C65F-3FAC14D8F57A}"/>
-              </a:ext>
-            </a:extLst>
-          </p:cNvPr>
-          <p:cNvGrpSpPr/>
-          <p:nvPr/>
-        </p:nvGrpSpPr>
-        <p:grpSpPr>
-          <a:xfrm>
-            <a:off x="5735960" y="-31389"/>
-            <a:ext cx="762107" cy="789067"/>
-            <a:chOff x="3814414" y="1703401"/>
-            <a:chExt cx="473400" cy="473400"/>
-          </a:xfrm>
-        </p:grpSpPr>
-        <p:sp>
-          <p:nvSpPr>
-            <p:cNvPr id="8" name="Google Shape;548;p39">
-              <a:extLst>
-                <a:ext uri="{FF2B5EF4-FFF2-40B4-BE49-F238E27FC236}">
-                  <a16:creationId xmlns:a16="http://schemas.microsoft.com/office/drawing/2014/main" id="{89F1CF14-848E-2EA0-14E1-6BC91F20746A}"/>
-                </a:ext>
-              </a:extLst>
-            </p:cNvPr>
-            <p:cNvSpPr/>
-            <p:nvPr/>
-          </p:nvSpPr>
-          <p:spPr>
-            <a:xfrm rot="8100000">
-              <a:off x="3883742" y="1772729"/>
-              <a:ext cx="334744" cy="334744"/>
-            </a:xfrm>
-            <a:prstGeom prst="teardrop">
-              <a:avLst>
-                <a:gd name="adj" fmla="val 100000"/>
-              </a:avLst>
-            </a:prstGeom>
-            <a:solidFill>
-              <a:schemeClr val="accent3"/>
-            </a:solidFill>
-            <a:ln>
-              <a:noFill/>
-            </a:ln>
-          </p:spPr>
-          <p:txBody>
-            <a:bodyPr spcFirstLastPara="1" wrap="square" lIns="91425" tIns="91425" rIns="91425" bIns="91425" anchor="ctr" anchorCtr="0">
-              <a:noAutofit/>
-            </a:bodyPr>
-            <a:lstStyle/>
-            <a:p>
-              <a:pPr marL="0" lvl="0" indent="0" algn="l" rtl="0">
-                <a:spcBef>
-                  <a:spcPts val="0"/>
-                </a:spcBef>
-                <a:spcAft>
-                  <a:spcPts val="0"/>
-                </a:spcAft>
-                <a:buNone/>
-              </a:pPr>
-              <a:endParaRPr/>
-            </a:p>
-          </p:txBody>
-        </p:sp>
-        <p:sp>
-          <p:nvSpPr>
-            <p:cNvPr id="9" name="Google Shape;549;p39">
-              <a:extLst>
-                <a:ext uri="{FF2B5EF4-FFF2-40B4-BE49-F238E27FC236}">
-                  <a16:creationId xmlns:a16="http://schemas.microsoft.com/office/drawing/2014/main" id="{B1970CB3-3C9F-0A42-AF6A-2993DF320E2B}"/>
-                </a:ext>
-              </a:extLst>
-            </p:cNvPr>
-            <p:cNvSpPr/>
-            <p:nvPr/>
-          </p:nvSpPr>
-          <p:spPr>
-            <a:xfrm>
-              <a:off x="3984064" y="1866499"/>
-              <a:ext cx="134100" cy="134100"/>
-            </a:xfrm>
-            <a:prstGeom prst="ellipse">
-              <a:avLst/>
-            </a:prstGeom>
-            <a:solidFill>
-              <a:schemeClr val="lt1"/>
-            </a:solidFill>
-            <a:ln>
-              <a:noFill/>
-            </a:ln>
-          </p:spPr>
-          <p:txBody>
-            <a:bodyPr spcFirstLastPara="1" wrap="square" lIns="0" tIns="0" rIns="0" bIns="0" anchor="ctr" anchorCtr="0">
-              <a:noAutofit/>
-            </a:bodyPr>
-            <a:lstStyle/>
-            <a:p>
-              <a:pPr marL="0" lvl="0" indent="0" algn="ctr" rtl="0">
-                <a:spcBef>
-                  <a:spcPts val="0"/>
-                </a:spcBef>
-                <a:spcAft>
-                  <a:spcPts val="0"/>
-                </a:spcAft>
-                <a:buNone/>
-              </a:pPr>
-              <a:endParaRPr sz="600" dirty="0">
-                <a:solidFill>
-                  <a:schemeClr val="dk2"/>
-                </a:solidFill>
-                <a:latin typeface="PT Serif"/>
-                <a:ea typeface="PT Serif"/>
-                <a:cs typeface="PT Serif"/>
-                <a:sym typeface="PT Serif"/>
-              </a:endParaRPr>
-            </a:p>
-          </p:txBody>
-        </p:sp>
-      </p:grpSp>
       <p:sp>
         <p:nvSpPr>
           <p:cNvPr id="10" name="Google Shape;562;p39">
@@ -24061,6 +23287,36 @@
           </a:p>
         </p:txBody>
       </p:sp>
+      <p:pic>
+        <p:nvPicPr>
+          <p:cNvPr id="3" name="Picture 2" descr="A red sports car on a black background&#10;&#10;Description automatically generated with medium confidence">
+            <a:extLst>
+              <a:ext uri="{FF2B5EF4-FFF2-40B4-BE49-F238E27FC236}">
+                <a16:creationId xmlns:a16="http://schemas.microsoft.com/office/drawing/2014/main" id="{0DE62C11-028F-59C2-DC2F-485AD800C96D}"/>
+              </a:ext>
+            </a:extLst>
+          </p:cNvPr>
+          <p:cNvPicPr>
+            <a:picLocks noChangeAspect="1"/>
+          </p:cNvPicPr>
+          <p:nvPr/>
+        </p:nvPicPr>
+        <p:blipFill>
+          <a:blip r:embed="rId3"/>
+          <a:stretch>
+            <a:fillRect/>
+          </a:stretch>
+        </p:blipFill>
+        <p:spPr>
+          <a:xfrm>
+            <a:off x="5549685" y="74860"/>
+            <a:ext cx="1011043" cy="1011043"/>
+          </a:xfrm>
+          <a:prstGeom prst="rect">
+            <a:avLst/>
+          </a:prstGeom>
+        </p:spPr>
+      </p:pic>
     </p:spTree>
     <p:extLst>
       <p:ext uri="{BB962C8B-B14F-4D97-AF65-F5344CB8AC3E}">
@@ -24787,129 +24043,6 @@
           </a:p>
         </p:txBody>
       </p:sp>
-      <p:grpSp>
-        <p:nvGrpSpPr>
-          <p:cNvPr id="7" name="Google Shape;547;p39">
-            <a:extLst>
-              <a:ext uri="{FF2B5EF4-FFF2-40B4-BE49-F238E27FC236}">
-                <a16:creationId xmlns:a16="http://schemas.microsoft.com/office/drawing/2014/main" id="{C42FFF36-611D-7BFD-C65F-3FAC14D8F57A}"/>
-              </a:ext>
-            </a:extLst>
-          </p:cNvPr>
-          <p:cNvGrpSpPr/>
-          <p:nvPr/>
-        </p:nvGrpSpPr>
-        <p:grpSpPr>
-          <a:xfrm>
-            <a:off x="5735960" y="-31389"/>
-            <a:ext cx="762107" cy="789067"/>
-            <a:chOff x="3814414" y="1703401"/>
-            <a:chExt cx="473400" cy="473400"/>
-          </a:xfrm>
-        </p:grpSpPr>
-        <p:sp>
-          <p:nvSpPr>
-            <p:cNvPr id="8" name="Google Shape;548;p39">
-              <a:extLst>
-                <a:ext uri="{FF2B5EF4-FFF2-40B4-BE49-F238E27FC236}">
-                  <a16:creationId xmlns:a16="http://schemas.microsoft.com/office/drawing/2014/main" id="{89F1CF14-848E-2EA0-14E1-6BC91F20746A}"/>
-                </a:ext>
-              </a:extLst>
-            </p:cNvPr>
-            <p:cNvSpPr/>
-            <p:nvPr/>
-          </p:nvSpPr>
-          <p:spPr>
-            <a:xfrm rot="8100000">
-              <a:off x="3883742" y="1772729"/>
-              <a:ext cx="334744" cy="334744"/>
-            </a:xfrm>
-            <a:prstGeom prst="teardrop">
-              <a:avLst>
-                <a:gd name="adj" fmla="val 100000"/>
-              </a:avLst>
-            </a:prstGeom>
-            <a:solidFill>
-              <a:schemeClr val="accent3"/>
-            </a:solidFill>
-            <a:ln>
-              <a:noFill/>
-            </a:ln>
-          </p:spPr>
-          <p:txBody>
-            <a:bodyPr spcFirstLastPara="1" wrap="square" lIns="91425" tIns="91425" rIns="91425" bIns="91425" anchor="ctr" anchorCtr="0">
-              <a:noAutofit/>
-            </a:bodyPr>
-            <a:lstStyle/>
-            <a:p>
-              <a:pPr marL="0" lvl="0" indent="0" algn="l" rtl="0">
-                <a:spcBef>
-                  <a:spcPts val="0"/>
-                </a:spcBef>
-                <a:spcAft>
-                  <a:spcPts val="0"/>
-                </a:spcAft>
-                <a:buNone/>
-              </a:pPr>
-              <a:endParaRPr/>
-            </a:p>
-          </p:txBody>
-        </p:sp>
-        <p:sp>
-          <p:nvSpPr>
-            <p:cNvPr id="9" name="Google Shape;549;p39">
-              <a:extLst>
-                <a:ext uri="{FF2B5EF4-FFF2-40B4-BE49-F238E27FC236}">
-                  <a16:creationId xmlns:a16="http://schemas.microsoft.com/office/drawing/2014/main" id="{B1970CB3-3C9F-0A42-AF6A-2993DF320E2B}"/>
-                </a:ext>
-              </a:extLst>
-            </p:cNvPr>
-            <p:cNvSpPr/>
-            <p:nvPr/>
-          </p:nvSpPr>
-          <p:spPr>
-            <a:xfrm>
-              <a:off x="3984064" y="1866499"/>
-              <a:ext cx="134100" cy="134100"/>
-            </a:xfrm>
-            <a:prstGeom prst="ellipse">
-              <a:avLst/>
-            </a:prstGeom>
-            <a:solidFill>
-              <a:schemeClr val="lt1"/>
-            </a:solidFill>
-            <a:ln>
-              <a:noFill/>
-            </a:ln>
-          </p:spPr>
-          <p:txBody>
-            <a:bodyPr spcFirstLastPara="1" wrap="square" lIns="0" tIns="0" rIns="0" bIns="0" anchor="ctr" anchorCtr="0">
-              <a:noAutofit/>
-            </a:bodyPr>
-            <a:lstStyle/>
-            <a:p>
-              <a:pPr marL="0" lvl="0" indent="0" algn="ctr" rtl="0">
-                <a:spcBef>
-                  <a:spcPts val="0"/>
-                </a:spcBef>
-                <a:spcAft>
-                  <a:spcPts val="0"/>
-                </a:spcAft>
-                <a:buNone/>
-              </a:pPr>
-              <a:endParaRPr sz="600" dirty="0">
-                <a:solidFill>
-                  <a:schemeClr val="dk2"/>
-                </a:solidFill>
-                <a:latin typeface="PT Serif"/>
-                <a:ea typeface="PT Serif"/>
-                <a:cs typeface="PT Serif"/>
-                <a:sym typeface="PT Serif"/>
-              </a:endParaRPr>
-            </a:p>
-          </p:txBody>
-        </p:sp>
-      </p:grpSp>
       <p:sp>
         <p:nvSpPr>
           <p:cNvPr id="10" name="Google Shape;562;p39">
@@ -25862,6 +24995,36 @@
           </a:prstGeom>
         </p:spPr>
       </p:pic>
+      <p:pic>
+        <p:nvPicPr>
+          <p:cNvPr id="3" name="Picture 2" descr="A red sports car on a black background&#10;&#10;Description automatically generated with medium confidence">
+            <a:extLst>
+              <a:ext uri="{FF2B5EF4-FFF2-40B4-BE49-F238E27FC236}">
+                <a16:creationId xmlns:a16="http://schemas.microsoft.com/office/drawing/2014/main" id="{C2D96914-EB84-6DE0-E879-C064BE6BA43D}"/>
+              </a:ext>
+            </a:extLst>
+          </p:cNvPr>
+          <p:cNvPicPr>
+            <a:picLocks noChangeAspect="1"/>
+          </p:cNvPicPr>
+          <p:nvPr/>
+        </p:nvPicPr>
+        <p:blipFill>
+          <a:blip r:embed="rId4"/>
+          <a:stretch>
+            <a:fillRect/>
+          </a:stretch>
+        </p:blipFill>
+        <p:spPr>
+          <a:xfrm>
+            <a:off x="5549685" y="71507"/>
+            <a:ext cx="1011043" cy="1011043"/>
+          </a:xfrm>
+          <a:prstGeom prst="rect">
+            <a:avLst/>
+          </a:prstGeom>
+        </p:spPr>
+      </p:pic>
     </p:spTree>
     <p:extLst>
       <p:ext uri="{BB962C8B-B14F-4D97-AF65-F5344CB8AC3E}">
@@ -25892,6 +25055,378 @@
           <a:chExt cx="0" cy="0"/>
         </a:xfrm>
       </p:grpSpPr>
+      <p:sp>
+        <p:nvSpPr>
+          <p:cNvPr id="5" name="Google Shape;542;p39">
+            <a:extLst>
+              <a:ext uri="{FF2B5EF4-FFF2-40B4-BE49-F238E27FC236}">
+                <a16:creationId xmlns:a16="http://schemas.microsoft.com/office/drawing/2014/main" id="{78C1A89A-83D6-40D4-CA5D-FD831EFA1DC2}"/>
+              </a:ext>
+            </a:extLst>
+          </p:cNvPr>
+          <p:cNvSpPr/>
+          <p:nvPr/>
+        </p:nvSpPr>
+        <p:spPr>
+          <a:xfrm>
+            <a:off x="0" y="680774"/>
+            <a:ext cx="9144000" cy="1011043"/>
+          </a:xfrm>
+          <a:custGeom>
+            <a:avLst/>
+            <a:gdLst/>
+            <a:ahLst/>
+            <a:cxnLst/>
+            <a:rect l="l" t="t" r="r" b="b"/>
+            <a:pathLst>
+              <a:path w="12192000" h="1348058" extrusionOk="0">
+                <a:moveTo>
+                  <a:pt x="12192000" y="0"/>
+                </a:moveTo>
+                <a:lnTo>
+                  <a:pt x="10837333" y="0"/>
+                </a:lnTo>
+                <a:cubicBezTo>
+                  <a:pt x="10463295" y="0"/>
+                  <a:pt x="10160000" y="301773"/>
+                  <a:pt x="10160000" y="674029"/>
+                </a:cubicBezTo>
+                <a:lnTo>
+                  <a:pt x="10160000" y="674029"/>
+                </a:lnTo>
+                <a:cubicBezTo>
+                  <a:pt x="10160000" y="1046281"/>
+                  <a:pt x="9856705" y="1348059"/>
+                  <a:pt x="9482667" y="1348059"/>
+                </a:cubicBezTo>
+                <a:lnTo>
+                  <a:pt x="9482667" y="1348059"/>
+                </a:lnTo>
+                <a:cubicBezTo>
+                  <a:pt x="9108581" y="1348059"/>
+                  <a:pt x="8805333" y="1046281"/>
+                  <a:pt x="8805333" y="674029"/>
+                </a:cubicBezTo>
+                <a:lnTo>
+                  <a:pt x="8805333" y="674029"/>
+                </a:lnTo>
+                <a:cubicBezTo>
+                  <a:pt x="8805333" y="301773"/>
+                  <a:pt x="8502086" y="0"/>
+                  <a:pt x="8128000" y="0"/>
+                </a:cubicBezTo>
+                <a:lnTo>
+                  <a:pt x="8128000" y="0"/>
+                </a:lnTo>
+                <a:cubicBezTo>
+                  <a:pt x="7753915" y="0"/>
+                  <a:pt x="7450667" y="301773"/>
+                  <a:pt x="7450667" y="674029"/>
+                </a:cubicBezTo>
+                <a:lnTo>
+                  <a:pt x="7450667" y="674029"/>
+                </a:lnTo>
+                <a:cubicBezTo>
+                  <a:pt x="7450667" y="1046281"/>
+                  <a:pt x="7147419" y="1348059"/>
+                  <a:pt x="6773334" y="1348059"/>
+                </a:cubicBezTo>
+                <a:lnTo>
+                  <a:pt x="6773334" y="1348059"/>
+                </a:lnTo>
+                <a:cubicBezTo>
+                  <a:pt x="6399248" y="1348059"/>
+                  <a:pt x="6096000" y="1046281"/>
+                  <a:pt x="6096000" y="674029"/>
+                </a:cubicBezTo>
+                <a:lnTo>
+                  <a:pt x="6096000" y="674029"/>
+                </a:lnTo>
+                <a:cubicBezTo>
+                  <a:pt x="6096000" y="301773"/>
+                  <a:pt x="5792753" y="0"/>
+                  <a:pt x="5418667" y="0"/>
+                </a:cubicBezTo>
+                <a:lnTo>
+                  <a:pt x="5418667" y="0"/>
+                </a:lnTo>
+                <a:cubicBezTo>
+                  <a:pt x="5044581" y="0"/>
+                  <a:pt x="4741334" y="301773"/>
+                  <a:pt x="4741334" y="674029"/>
+                </a:cubicBezTo>
+                <a:lnTo>
+                  <a:pt x="4741334" y="674029"/>
+                </a:lnTo>
+                <a:cubicBezTo>
+                  <a:pt x="4741334" y="1046281"/>
+                  <a:pt x="4438076" y="1348059"/>
+                  <a:pt x="4064000" y="1348059"/>
+                </a:cubicBezTo>
+                <a:lnTo>
+                  <a:pt x="4064000" y="1348059"/>
+                </a:lnTo>
+                <a:cubicBezTo>
+                  <a:pt x="3689924" y="1348059"/>
+                  <a:pt x="3386667" y="1046281"/>
+                  <a:pt x="3386667" y="674029"/>
+                </a:cubicBezTo>
+                <a:lnTo>
+                  <a:pt x="3386667" y="674029"/>
+                </a:lnTo>
+                <a:cubicBezTo>
+                  <a:pt x="3386667" y="301773"/>
+                  <a:pt x="3083410" y="0"/>
+                  <a:pt x="2709333" y="0"/>
+                </a:cubicBezTo>
+                <a:lnTo>
+                  <a:pt x="2709333" y="0"/>
+                </a:lnTo>
+                <a:cubicBezTo>
+                  <a:pt x="2335257" y="0"/>
+                  <a:pt x="2032000" y="301773"/>
+                  <a:pt x="2032000" y="674029"/>
+                </a:cubicBezTo>
+                <a:lnTo>
+                  <a:pt x="2032000" y="674029"/>
+                </a:lnTo>
+                <a:cubicBezTo>
+                  <a:pt x="2032000" y="1046281"/>
+                  <a:pt x="1728743" y="1348059"/>
+                  <a:pt x="1354667" y="1348059"/>
+                </a:cubicBezTo>
+                <a:lnTo>
+                  <a:pt x="0" y="1348059"/>
+                </a:lnTo>
+              </a:path>
+            </a:pathLst>
+          </a:custGeom>
+          <a:noFill/>
+          <a:ln w="228600" cap="flat" cmpd="sng">
+            <a:solidFill>
+              <a:srgbClr val="FFFFFF">
+                <a:alpha val="10000"/>
+              </a:srgbClr>
+            </a:solidFill>
+            <a:prstDash val="solid"/>
+            <a:miter lim="8000"/>
+            <a:headEnd type="none" w="sm" len="sm"/>
+            <a:tailEnd type="none" w="sm" len="sm"/>
+          </a:ln>
+        </p:spPr>
+        <p:txBody>
+          <a:bodyPr spcFirstLastPara="1" wrap="square" lIns="91425" tIns="45700" rIns="91425" bIns="45700" anchor="ctr" anchorCtr="0">
+            <a:noAutofit/>
+          </a:bodyPr>
+          <a:lstStyle/>
+          <a:p>
+            <a:pPr marL="0" marR="0" lvl="0" indent="0" algn="l" rtl="0">
+              <a:spcBef>
+                <a:spcPts val="0"/>
+              </a:spcBef>
+              <a:spcAft>
+                <a:spcPts val="0"/>
+              </a:spcAft>
+              <a:buNone/>
+            </a:pPr>
+            <a:endParaRPr sz="1800">
+              <a:solidFill>
+                <a:srgbClr val="000000"/>
+              </a:solidFill>
+              <a:latin typeface="Calibri"/>
+              <a:ea typeface="Calibri"/>
+              <a:cs typeface="Calibri"/>
+              <a:sym typeface="Calibri"/>
+            </a:endParaRPr>
+          </a:p>
+        </p:txBody>
+      </p:sp>
+      <p:sp>
+        <p:nvSpPr>
+          <p:cNvPr id="6" name="Google Shape;543;p39">
+            <a:extLst>
+              <a:ext uri="{FF2B5EF4-FFF2-40B4-BE49-F238E27FC236}">
+                <a16:creationId xmlns:a16="http://schemas.microsoft.com/office/drawing/2014/main" id="{86C7847A-E75E-4C20-65C4-5B7B336633C7}"/>
+              </a:ext>
+            </a:extLst>
+          </p:cNvPr>
+          <p:cNvSpPr/>
+          <p:nvPr/>
+        </p:nvSpPr>
+        <p:spPr>
+          <a:xfrm>
+            <a:off x="0" y="680774"/>
+            <a:ext cx="9144000" cy="1011043"/>
+          </a:xfrm>
+          <a:custGeom>
+            <a:avLst/>
+            <a:gdLst/>
+            <a:ahLst/>
+            <a:cxnLst/>
+            <a:rect l="l" t="t" r="r" b="b"/>
+            <a:pathLst>
+              <a:path w="12192000" h="1348058" extrusionOk="0">
+                <a:moveTo>
+                  <a:pt x="12192000" y="0"/>
+                </a:moveTo>
+                <a:lnTo>
+                  <a:pt x="10837333" y="0"/>
+                </a:lnTo>
+                <a:cubicBezTo>
+                  <a:pt x="10463295" y="0"/>
+                  <a:pt x="10160000" y="301773"/>
+                  <a:pt x="10160000" y="674029"/>
+                </a:cubicBezTo>
+                <a:lnTo>
+                  <a:pt x="10160000" y="674029"/>
+                </a:lnTo>
+                <a:cubicBezTo>
+                  <a:pt x="10160000" y="1046281"/>
+                  <a:pt x="9856705" y="1348059"/>
+                  <a:pt x="9482667" y="1348059"/>
+                </a:cubicBezTo>
+                <a:lnTo>
+                  <a:pt x="9482667" y="1348059"/>
+                </a:lnTo>
+                <a:cubicBezTo>
+                  <a:pt x="9108581" y="1348059"/>
+                  <a:pt x="8805333" y="1046281"/>
+                  <a:pt x="8805333" y="674029"/>
+                </a:cubicBezTo>
+                <a:lnTo>
+                  <a:pt x="8805333" y="674029"/>
+                </a:lnTo>
+                <a:cubicBezTo>
+                  <a:pt x="8805333" y="301773"/>
+                  <a:pt x="8502086" y="0"/>
+                  <a:pt x="8128000" y="0"/>
+                </a:cubicBezTo>
+                <a:lnTo>
+                  <a:pt x="8128000" y="0"/>
+                </a:lnTo>
+                <a:cubicBezTo>
+                  <a:pt x="7753915" y="0"/>
+                  <a:pt x="7450667" y="301773"/>
+                  <a:pt x="7450667" y="674029"/>
+                </a:cubicBezTo>
+                <a:lnTo>
+                  <a:pt x="7450667" y="674029"/>
+                </a:lnTo>
+                <a:cubicBezTo>
+                  <a:pt x="7450667" y="1046281"/>
+                  <a:pt x="7147419" y="1348059"/>
+                  <a:pt x="6773334" y="1348059"/>
+                </a:cubicBezTo>
+                <a:lnTo>
+                  <a:pt x="6773334" y="1348059"/>
+                </a:lnTo>
+                <a:cubicBezTo>
+                  <a:pt x="6399248" y="1348059"/>
+                  <a:pt x="6096000" y="1046281"/>
+                  <a:pt x="6096000" y="674029"/>
+                </a:cubicBezTo>
+                <a:lnTo>
+                  <a:pt x="6096000" y="674029"/>
+                </a:lnTo>
+                <a:cubicBezTo>
+                  <a:pt x="6096000" y="301773"/>
+                  <a:pt x="5792753" y="0"/>
+                  <a:pt x="5418667" y="0"/>
+                </a:cubicBezTo>
+                <a:lnTo>
+                  <a:pt x="5418667" y="0"/>
+                </a:lnTo>
+                <a:cubicBezTo>
+                  <a:pt x="5044581" y="0"/>
+                  <a:pt x="4741334" y="301773"/>
+                  <a:pt x="4741334" y="674029"/>
+                </a:cubicBezTo>
+                <a:lnTo>
+                  <a:pt x="4741334" y="674029"/>
+                </a:lnTo>
+                <a:cubicBezTo>
+                  <a:pt x="4741334" y="1046281"/>
+                  <a:pt x="4438076" y="1348059"/>
+                  <a:pt x="4064000" y="1348059"/>
+                </a:cubicBezTo>
+                <a:lnTo>
+                  <a:pt x="4064000" y="1348059"/>
+                </a:lnTo>
+                <a:cubicBezTo>
+                  <a:pt x="3689924" y="1348059"/>
+                  <a:pt x="3386667" y="1046281"/>
+                  <a:pt x="3386667" y="674029"/>
+                </a:cubicBezTo>
+                <a:lnTo>
+                  <a:pt x="3386667" y="674029"/>
+                </a:lnTo>
+                <a:cubicBezTo>
+                  <a:pt x="3386667" y="301773"/>
+                  <a:pt x="3083410" y="0"/>
+                  <a:pt x="2709333" y="0"/>
+                </a:cubicBezTo>
+                <a:lnTo>
+                  <a:pt x="2709333" y="0"/>
+                </a:lnTo>
+                <a:cubicBezTo>
+                  <a:pt x="2335257" y="0"/>
+                  <a:pt x="2032000" y="301773"/>
+                  <a:pt x="2032000" y="674029"/>
+                </a:cubicBezTo>
+                <a:lnTo>
+                  <a:pt x="2032000" y="674029"/>
+                </a:lnTo>
+                <a:cubicBezTo>
+                  <a:pt x="2032000" y="1046281"/>
+                  <a:pt x="1728743" y="1348059"/>
+                  <a:pt x="1354667" y="1348059"/>
+                </a:cubicBezTo>
+                <a:lnTo>
+                  <a:pt x="0" y="1348059"/>
+                </a:lnTo>
+              </a:path>
+            </a:pathLst>
+          </a:custGeom>
+          <a:noFill/>
+          <a:ln w="19050" cap="flat" cmpd="sng">
+            <a:solidFill>
+              <a:srgbClr val="FFFFFF">
+                <a:alpha val="10000"/>
+              </a:srgbClr>
+            </a:solidFill>
+            <a:prstDash val="dash"/>
+            <a:miter lim="8000"/>
+            <a:headEnd type="none" w="sm" len="sm"/>
+            <a:tailEnd type="none" w="sm" len="sm"/>
+          </a:ln>
+        </p:spPr>
+        <p:txBody>
+          <a:bodyPr spcFirstLastPara="1" wrap="square" lIns="91425" tIns="45700" rIns="91425" bIns="45700" anchor="ctr" anchorCtr="0">
+            <a:noAutofit/>
+          </a:bodyPr>
+          <a:lstStyle/>
+          <a:p>
+            <a:pPr marL="0" marR="0" lvl="0" indent="0" algn="l" rtl="0">
+              <a:spcBef>
+                <a:spcPts val="0"/>
+              </a:spcBef>
+              <a:spcAft>
+                <a:spcPts val="0"/>
+              </a:spcAft>
+              <a:buNone/>
+            </a:pPr>
+            <a:endParaRPr sz="1800">
+              <a:solidFill>
+                <a:schemeClr val="lt1"/>
+              </a:solidFill>
+              <a:latin typeface="Calibri"/>
+              <a:ea typeface="Calibri"/>
+              <a:cs typeface="Calibri"/>
+              <a:sym typeface="Calibri"/>
+            </a:endParaRPr>
+          </a:p>
+        </p:txBody>
+      </p:sp>
       <p:sp>
         <p:nvSpPr>
           <p:cNvPr id="292" name="Google Shape;292;p17"/>
@@ -27303,8 +26838,8 @@
         </p:nvSpPr>
         <p:spPr>
           <a:xfrm>
-            <a:off x="138007" y="-101553"/>
-            <a:ext cx="5917200" cy="697500"/>
+            <a:off x="242455" y="-101553"/>
+            <a:ext cx="5812752" cy="697500"/>
           </a:xfrm>
           <a:prstGeom prst="rect">
             <a:avLst/>
@@ -27567,8 +27102,12 @@
           </a:lstStyle>
           <a:p>
             <a:r>
-              <a:rPr lang="en-US" dirty="0"/>
-              <a:t>Model Roadmap</a:t>
+              <a:rPr lang="en-US" dirty="0">
+                <a:solidFill>
+                  <a:schemeClr val="tx1"/>
+                </a:solidFill>
+              </a:rPr>
+              <a:t>Conclusion</a:t>
             </a:r>
           </a:p>
         </p:txBody>
@@ -28119,7 +27658,7 @@
               <a:buNone/>
             </a:pPr>
             <a:r>
-              <a:rPr lang="en" sz="4800" b="1" dirty="0">
+              <a:rPr lang="en" sz="4800" dirty="0">
                 <a:solidFill>
                   <a:schemeClr val="tx1"/>
                 </a:solidFill>
@@ -28130,7 +27669,7 @@
               </a:rPr>
               <a:t>3</a:t>
             </a:r>
-            <a:endParaRPr sz="4800" b="1" dirty="0">
+            <a:endParaRPr sz="4800" dirty="0">
               <a:solidFill>
                 <a:schemeClr val="tx1"/>
               </a:solidFill>
@@ -28174,18 +27713,6 @@
           <a:lstStyle/>
           <a:p>
             <a:pPr marL="76200" indent="0"/>
-            <a:r>
-              <a:rPr lang="en-US" b="1" dirty="0">
-                <a:solidFill>
-                  <a:schemeClr val="tx1"/>
-                </a:solidFill>
-                <a:effectLst/>
-                <a:latin typeface="Calibri" panose="020F0502020204030204" pitchFamily="34" charset="0"/>
-                <a:ea typeface="Calibri" panose="020F0502020204030204" pitchFamily="34" charset="0"/>
-                <a:cs typeface="Calibri" panose="020F0502020204030204" pitchFamily="34" charset="0"/>
-              </a:rPr>
-              <a:t>Conclusion</a:t>
-            </a:r>
             <a:endParaRPr lang="en-US" sz="1600" dirty="0">
               <a:solidFill>
                 <a:schemeClr val="tx1"/>
@@ -28517,7 +28044,7 @@
         </p:nvSpPr>
         <p:spPr>
           <a:xfrm>
-            <a:off x="138007" y="2361924"/>
+            <a:off x="350550" y="2107857"/>
             <a:ext cx="7054754" cy="2354869"/>
           </a:xfrm>
           <a:prstGeom prst="rect">
@@ -29183,835 +28710,36 @@
           </a:p>
         </p:txBody>
       </p:sp>
-      <p:sp>
-        <p:nvSpPr>
-          <p:cNvPr id="3" name="Google Shape;894;p47">
+      <p:pic>
+        <p:nvPicPr>
+          <p:cNvPr id="7" name="Picture 6" descr="A red sports car on a black background&#10;&#10;Description automatically generated with medium confidence">
             <a:extLst>
               <a:ext uri="{FF2B5EF4-FFF2-40B4-BE49-F238E27FC236}">
-                <a16:creationId xmlns:a16="http://schemas.microsoft.com/office/drawing/2014/main" id="{38FD32F8-A6C4-D552-D7B5-68093C7CC190}"/>
+                <a16:creationId xmlns:a16="http://schemas.microsoft.com/office/drawing/2014/main" id="{5EE73578-4FFB-3583-9CDC-C2967CE1B61C}"/>
               </a:ext>
             </a:extLst>
           </p:cNvPr>
-          <p:cNvSpPr/>
+          <p:cNvPicPr>
+            <a:picLocks noChangeAspect="1"/>
+          </p:cNvPicPr>
           <p:nvPr/>
-        </p:nvSpPr>
+        </p:nvPicPr>
+        <p:blipFill>
+          <a:blip r:embed="rId3"/>
+          <a:stretch>
+            <a:fillRect/>
+          </a:stretch>
+        </p:blipFill>
         <p:spPr>
           <a:xfrm>
-            <a:off x="8545491" y="165266"/>
-            <a:ext cx="460502" cy="469317"/>
+            <a:off x="8056757" y="-5932"/>
+            <a:ext cx="1011043" cy="1011043"/>
           </a:xfrm>
-          <a:custGeom>
+          <a:prstGeom prst="rect">
             <a:avLst/>
-            <a:gdLst/>
-            <a:ahLst/>
-            <a:cxnLst/>
-            <a:rect l="l" t="t" r="r" b="b"/>
-            <a:pathLst>
-              <a:path w="15290" h="15290" extrusionOk="0">
-                <a:moveTo>
-                  <a:pt x="4519" y="6815"/>
-                </a:moveTo>
-                <a:lnTo>
-                  <a:pt x="4690" y="6839"/>
-                </a:lnTo>
-                <a:lnTo>
-                  <a:pt x="4861" y="6888"/>
-                </a:lnTo>
-                <a:lnTo>
-                  <a:pt x="5007" y="6986"/>
-                </a:lnTo>
-                <a:lnTo>
-                  <a:pt x="5154" y="7084"/>
-                </a:lnTo>
-                <a:lnTo>
-                  <a:pt x="5251" y="7230"/>
-                </a:lnTo>
-                <a:lnTo>
-                  <a:pt x="5325" y="7401"/>
-                </a:lnTo>
-                <a:lnTo>
-                  <a:pt x="5374" y="7572"/>
-                </a:lnTo>
-                <a:lnTo>
-                  <a:pt x="5398" y="7767"/>
-                </a:lnTo>
-                <a:lnTo>
-                  <a:pt x="5374" y="7963"/>
-                </a:lnTo>
-                <a:lnTo>
-                  <a:pt x="5325" y="8134"/>
-                </a:lnTo>
-                <a:lnTo>
-                  <a:pt x="5251" y="8305"/>
-                </a:lnTo>
-                <a:lnTo>
-                  <a:pt x="5154" y="8451"/>
-                </a:lnTo>
-                <a:lnTo>
-                  <a:pt x="5007" y="8549"/>
-                </a:lnTo>
-                <a:lnTo>
-                  <a:pt x="4861" y="8647"/>
-                </a:lnTo>
-                <a:lnTo>
-                  <a:pt x="4690" y="8696"/>
-                </a:lnTo>
-                <a:lnTo>
-                  <a:pt x="4519" y="8720"/>
-                </a:lnTo>
-                <a:lnTo>
-                  <a:pt x="4348" y="8696"/>
-                </a:lnTo>
-                <a:lnTo>
-                  <a:pt x="4177" y="8647"/>
-                </a:lnTo>
-                <a:lnTo>
-                  <a:pt x="4030" y="8549"/>
-                </a:lnTo>
-                <a:lnTo>
-                  <a:pt x="3884" y="8451"/>
-                </a:lnTo>
-                <a:lnTo>
-                  <a:pt x="3786" y="8305"/>
-                </a:lnTo>
-                <a:lnTo>
-                  <a:pt x="3713" y="8134"/>
-                </a:lnTo>
-                <a:lnTo>
-                  <a:pt x="3664" y="7963"/>
-                </a:lnTo>
-                <a:lnTo>
-                  <a:pt x="3640" y="7767"/>
-                </a:lnTo>
-                <a:lnTo>
-                  <a:pt x="3664" y="7572"/>
-                </a:lnTo>
-                <a:lnTo>
-                  <a:pt x="3713" y="7401"/>
-                </a:lnTo>
-                <a:lnTo>
-                  <a:pt x="3786" y="7230"/>
-                </a:lnTo>
-                <a:lnTo>
-                  <a:pt x="3884" y="7084"/>
-                </a:lnTo>
-                <a:lnTo>
-                  <a:pt x="4030" y="6986"/>
-                </a:lnTo>
-                <a:lnTo>
-                  <a:pt x="4177" y="6888"/>
-                </a:lnTo>
-                <a:lnTo>
-                  <a:pt x="4348" y="6839"/>
-                </a:lnTo>
-                <a:lnTo>
-                  <a:pt x="4519" y="6815"/>
-                </a:lnTo>
-                <a:close/>
-                <a:moveTo>
-                  <a:pt x="10771" y="6815"/>
-                </a:moveTo>
-                <a:lnTo>
-                  <a:pt x="10942" y="6839"/>
-                </a:lnTo>
-                <a:lnTo>
-                  <a:pt x="11113" y="6888"/>
-                </a:lnTo>
-                <a:lnTo>
-                  <a:pt x="11260" y="6986"/>
-                </a:lnTo>
-                <a:lnTo>
-                  <a:pt x="11406" y="7084"/>
-                </a:lnTo>
-                <a:lnTo>
-                  <a:pt x="11504" y="7230"/>
-                </a:lnTo>
-                <a:lnTo>
-                  <a:pt x="11577" y="7401"/>
-                </a:lnTo>
-                <a:lnTo>
-                  <a:pt x="11626" y="7572"/>
-                </a:lnTo>
-                <a:lnTo>
-                  <a:pt x="11650" y="7767"/>
-                </a:lnTo>
-                <a:lnTo>
-                  <a:pt x="11626" y="7963"/>
-                </a:lnTo>
-                <a:lnTo>
-                  <a:pt x="11577" y="8134"/>
-                </a:lnTo>
-                <a:lnTo>
-                  <a:pt x="11504" y="8305"/>
-                </a:lnTo>
-                <a:lnTo>
-                  <a:pt x="11406" y="8451"/>
-                </a:lnTo>
-                <a:lnTo>
-                  <a:pt x="11260" y="8549"/>
-                </a:lnTo>
-                <a:lnTo>
-                  <a:pt x="11113" y="8647"/>
-                </a:lnTo>
-                <a:lnTo>
-                  <a:pt x="10942" y="8696"/>
-                </a:lnTo>
-                <a:lnTo>
-                  <a:pt x="10771" y="8720"/>
-                </a:lnTo>
-                <a:lnTo>
-                  <a:pt x="10600" y="8696"/>
-                </a:lnTo>
-                <a:lnTo>
-                  <a:pt x="10429" y="8647"/>
-                </a:lnTo>
-                <a:lnTo>
-                  <a:pt x="10283" y="8549"/>
-                </a:lnTo>
-                <a:lnTo>
-                  <a:pt x="10136" y="8451"/>
-                </a:lnTo>
-                <a:lnTo>
-                  <a:pt x="10038" y="8305"/>
-                </a:lnTo>
-                <a:lnTo>
-                  <a:pt x="9965" y="8134"/>
-                </a:lnTo>
-                <a:lnTo>
-                  <a:pt x="9916" y="7963"/>
-                </a:lnTo>
-                <a:lnTo>
-                  <a:pt x="9892" y="7767"/>
-                </a:lnTo>
-                <a:lnTo>
-                  <a:pt x="9916" y="7572"/>
-                </a:lnTo>
-                <a:lnTo>
-                  <a:pt x="9965" y="7401"/>
-                </a:lnTo>
-                <a:lnTo>
-                  <a:pt x="10038" y="7230"/>
-                </a:lnTo>
-                <a:lnTo>
-                  <a:pt x="10136" y="7084"/>
-                </a:lnTo>
-                <a:lnTo>
-                  <a:pt x="10283" y="6986"/>
-                </a:lnTo>
-                <a:lnTo>
-                  <a:pt x="10429" y="6888"/>
-                </a:lnTo>
-                <a:lnTo>
-                  <a:pt x="10600" y="6839"/>
-                </a:lnTo>
-                <a:lnTo>
-                  <a:pt x="10771" y="6815"/>
-                </a:lnTo>
-                <a:close/>
-                <a:moveTo>
-                  <a:pt x="11308" y="10210"/>
-                </a:moveTo>
-                <a:lnTo>
-                  <a:pt x="11406" y="10234"/>
-                </a:lnTo>
-                <a:lnTo>
-                  <a:pt x="11479" y="10259"/>
-                </a:lnTo>
-                <a:lnTo>
-                  <a:pt x="11577" y="10307"/>
-                </a:lnTo>
-                <a:lnTo>
-                  <a:pt x="11650" y="10356"/>
-                </a:lnTo>
-                <a:lnTo>
-                  <a:pt x="11699" y="10430"/>
-                </a:lnTo>
-                <a:lnTo>
-                  <a:pt x="11748" y="10527"/>
-                </a:lnTo>
-                <a:lnTo>
-                  <a:pt x="11772" y="10625"/>
-                </a:lnTo>
-                <a:lnTo>
-                  <a:pt x="11797" y="10698"/>
-                </a:lnTo>
-                <a:lnTo>
-                  <a:pt x="11772" y="10796"/>
-                </a:lnTo>
-                <a:lnTo>
-                  <a:pt x="11748" y="10894"/>
-                </a:lnTo>
-                <a:lnTo>
-                  <a:pt x="11699" y="10967"/>
-                </a:lnTo>
-                <a:lnTo>
-                  <a:pt x="11650" y="11065"/>
-                </a:lnTo>
-                <a:lnTo>
-                  <a:pt x="11235" y="11431"/>
-                </a:lnTo>
-                <a:lnTo>
-                  <a:pt x="10795" y="11773"/>
-                </a:lnTo>
-                <a:lnTo>
-                  <a:pt x="10307" y="12041"/>
-                </a:lnTo>
-                <a:lnTo>
-                  <a:pt x="9819" y="12286"/>
-                </a:lnTo>
-                <a:lnTo>
-                  <a:pt x="9281" y="12457"/>
-                </a:lnTo>
-                <a:lnTo>
-                  <a:pt x="8768" y="12603"/>
-                </a:lnTo>
-                <a:lnTo>
-                  <a:pt x="8207" y="12676"/>
-                </a:lnTo>
-                <a:lnTo>
-                  <a:pt x="7645" y="12701"/>
-                </a:lnTo>
-                <a:lnTo>
-                  <a:pt x="7083" y="12676"/>
-                </a:lnTo>
-                <a:lnTo>
-                  <a:pt x="6521" y="12603"/>
-                </a:lnTo>
-                <a:lnTo>
-                  <a:pt x="6009" y="12457"/>
-                </a:lnTo>
-                <a:lnTo>
-                  <a:pt x="5471" y="12286"/>
-                </a:lnTo>
-                <a:lnTo>
-                  <a:pt x="4983" y="12041"/>
-                </a:lnTo>
-                <a:lnTo>
-                  <a:pt x="4494" y="11773"/>
-                </a:lnTo>
-                <a:lnTo>
-                  <a:pt x="4055" y="11431"/>
-                </a:lnTo>
-                <a:lnTo>
-                  <a:pt x="3640" y="11065"/>
-                </a:lnTo>
-                <a:lnTo>
-                  <a:pt x="3591" y="10967"/>
-                </a:lnTo>
-                <a:lnTo>
-                  <a:pt x="3542" y="10894"/>
-                </a:lnTo>
-                <a:lnTo>
-                  <a:pt x="3517" y="10796"/>
-                </a:lnTo>
-                <a:lnTo>
-                  <a:pt x="3493" y="10698"/>
-                </a:lnTo>
-                <a:lnTo>
-                  <a:pt x="3517" y="10625"/>
-                </a:lnTo>
-                <a:lnTo>
-                  <a:pt x="3542" y="10527"/>
-                </a:lnTo>
-                <a:lnTo>
-                  <a:pt x="3591" y="10430"/>
-                </a:lnTo>
-                <a:lnTo>
-                  <a:pt x="3640" y="10356"/>
-                </a:lnTo>
-                <a:lnTo>
-                  <a:pt x="3713" y="10307"/>
-                </a:lnTo>
-                <a:lnTo>
-                  <a:pt x="3811" y="10259"/>
-                </a:lnTo>
-                <a:lnTo>
-                  <a:pt x="3884" y="10234"/>
-                </a:lnTo>
-                <a:lnTo>
-                  <a:pt x="3981" y="10210"/>
-                </a:lnTo>
-                <a:lnTo>
-                  <a:pt x="4079" y="10234"/>
-                </a:lnTo>
-                <a:lnTo>
-                  <a:pt x="4177" y="10259"/>
-                </a:lnTo>
-                <a:lnTo>
-                  <a:pt x="4250" y="10307"/>
-                </a:lnTo>
-                <a:lnTo>
-                  <a:pt x="4323" y="10356"/>
-                </a:lnTo>
-                <a:lnTo>
-                  <a:pt x="4690" y="10674"/>
-                </a:lnTo>
-                <a:lnTo>
-                  <a:pt x="5056" y="10942"/>
-                </a:lnTo>
-                <a:lnTo>
-                  <a:pt x="5447" y="11187"/>
-                </a:lnTo>
-                <a:lnTo>
-                  <a:pt x="5862" y="11382"/>
-                </a:lnTo>
-                <a:lnTo>
-                  <a:pt x="6277" y="11529"/>
-                </a:lnTo>
-                <a:lnTo>
-                  <a:pt x="6717" y="11651"/>
-                </a:lnTo>
-                <a:lnTo>
-                  <a:pt x="7181" y="11700"/>
-                </a:lnTo>
-                <a:lnTo>
-                  <a:pt x="7645" y="11724"/>
-                </a:lnTo>
-                <a:lnTo>
-                  <a:pt x="8109" y="11700"/>
-                </a:lnTo>
-                <a:lnTo>
-                  <a:pt x="8573" y="11651"/>
-                </a:lnTo>
-                <a:lnTo>
-                  <a:pt x="9013" y="11529"/>
-                </a:lnTo>
-                <a:lnTo>
-                  <a:pt x="9428" y="11382"/>
-                </a:lnTo>
-                <a:lnTo>
-                  <a:pt x="9843" y="11187"/>
-                </a:lnTo>
-                <a:lnTo>
-                  <a:pt x="10234" y="10942"/>
-                </a:lnTo>
-                <a:lnTo>
-                  <a:pt x="10600" y="10674"/>
-                </a:lnTo>
-                <a:lnTo>
-                  <a:pt x="10966" y="10356"/>
-                </a:lnTo>
-                <a:lnTo>
-                  <a:pt x="11040" y="10307"/>
-                </a:lnTo>
-                <a:lnTo>
-                  <a:pt x="11113" y="10259"/>
-                </a:lnTo>
-                <a:lnTo>
-                  <a:pt x="11211" y="10234"/>
-                </a:lnTo>
-                <a:lnTo>
-                  <a:pt x="11308" y="10210"/>
-                </a:lnTo>
-                <a:close/>
-                <a:moveTo>
-                  <a:pt x="7254" y="1"/>
-                </a:moveTo>
-                <a:lnTo>
-                  <a:pt x="6863" y="50"/>
-                </a:lnTo>
-                <a:lnTo>
-                  <a:pt x="6473" y="99"/>
-                </a:lnTo>
-                <a:lnTo>
-                  <a:pt x="6106" y="147"/>
-                </a:lnTo>
-                <a:lnTo>
-                  <a:pt x="5740" y="245"/>
-                </a:lnTo>
-                <a:lnTo>
-                  <a:pt x="5374" y="343"/>
-                </a:lnTo>
-                <a:lnTo>
-                  <a:pt x="5007" y="465"/>
-                </a:lnTo>
-                <a:lnTo>
-                  <a:pt x="4665" y="611"/>
-                </a:lnTo>
-                <a:lnTo>
-                  <a:pt x="4323" y="758"/>
-                </a:lnTo>
-                <a:lnTo>
-                  <a:pt x="4006" y="929"/>
-                </a:lnTo>
-                <a:lnTo>
-                  <a:pt x="3688" y="1100"/>
-                </a:lnTo>
-                <a:lnTo>
-                  <a:pt x="3371" y="1295"/>
-                </a:lnTo>
-                <a:lnTo>
-                  <a:pt x="3078" y="1515"/>
-                </a:lnTo>
-                <a:lnTo>
-                  <a:pt x="2785" y="1735"/>
-                </a:lnTo>
-                <a:lnTo>
-                  <a:pt x="2516" y="1979"/>
-                </a:lnTo>
-                <a:lnTo>
-                  <a:pt x="2247" y="2248"/>
-                </a:lnTo>
-                <a:lnTo>
-                  <a:pt x="1979" y="2516"/>
-                </a:lnTo>
-                <a:lnTo>
-                  <a:pt x="1735" y="2785"/>
-                </a:lnTo>
-                <a:lnTo>
-                  <a:pt x="1515" y="3078"/>
-                </a:lnTo>
-                <a:lnTo>
-                  <a:pt x="1295" y="3371"/>
-                </a:lnTo>
-                <a:lnTo>
-                  <a:pt x="1100" y="3689"/>
-                </a:lnTo>
-                <a:lnTo>
-                  <a:pt x="929" y="4006"/>
-                </a:lnTo>
-                <a:lnTo>
-                  <a:pt x="758" y="4324"/>
-                </a:lnTo>
-                <a:lnTo>
-                  <a:pt x="611" y="4666"/>
-                </a:lnTo>
-                <a:lnTo>
-                  <a:pt x="465" y="5008"/>
-                </a:lnTo>
-                <a:lnTo>
-                  <a:pt x="342" y="5374"/>
-                </a:lnTo>
-                <a:lnTo>
-                  <a:pt x="245" y="5740"/>
-                </a:lnTo>
-                <a:lnTo>
-                  <a:pt x="147" y="6107"/>
-                </a:lnTo>
-                <a:lnTo>
-                  <a:pt x="98" y="6473"/>
-                </a:lnTo>
-                <a:lnTo>
-                  <a:pt x="49" y="6864"/>
-                </a:lnTo>
-                <a:lnTo>
-                  <a:pt x="1" y="7255"/>
-                </a:lnTo>
-                <a:lnTo>
-                  <a:pt x="1" y="7645"/>
-                </a:lnTo>
-                <a:lnTo>
-                  <a:pt x="1" y="8036"/>
-                </a:lnTo>
-                <a:lnTo>
-                  <a:pt x="49" y="8427"/>
-                </a:lnTo>
-                <a:lnTo>
-                  <a:pt x="98" y="8818"/>
-                </a:lnTo>
-                <a:lnTo>
-                  <a:pt x="147" y="9184"/>
-                </a:lnTo>
-                <a:lnTo>
-                  <a:pt x="245" y="9550"/>
-                </a:lnTo>
-                <a:lnTo>
-                  <a:pt x="342" y="9917"/>
-                </a:lnTo>
-                <a:lnTo>
-                  <a:pt x="465" y="10283"/>
-                </a:lnTo>
-                <a:lnTo>
-                  <a:pt x="611" y="10625"/>
-                </a:lnTo>
-                <a:lnTo>
-                  <a:pt x="758" y="10967"/>
-                </a:lnTo>
-                <a:lnTo>
-                  <a:pt x="929" y="11284"/>
-                </a:lnTo>
-                <a:lnTo>
-                  <a:pt x="1100" y="11602"/>
-                </a:lnTo>
-                <a:lnTo>
-                  <a:pt x="1295" y="11919"/>
-                </a:lnTo>
-                <a:lnTo>
-                  <a:pt x="1515" y="12212"/>
-                </a:lnTo>
-                <a:lnTo>
-                  <a:pt x="1735" y="12506"/>
-                </a:lnTo>
-                <a:lnTo>
-                  <a:pt x="1979" y="12774"/>
-                </a:lnTo>
-                <a:lnTo>
-                  <a:pt x="2247" y="13043"/>
-                </a:lnTo>
-                <a:lnTo>
-                  <a:pt x="2516" y="13311"/>
-                </a:lnTo>
-                <a:lnTo>
-                  <a:pt x="2785" y="13556"/>
-                </a:lnTo>
-                <a:lnTo>
-                  <a:pt x="3078" y="13776"/>
-                </a:lnTo>
-                <a:lnTo>
-                  <a:pt x="3371" y="13995"/>
-                </a:lnTo>
-                <a:lnTo>
-                  <a:pt x="3688" y="14191"/>
-                </a:lnTo>
-                <a:lnTo>
-                  <a:pt x="4006" y="14362"/>
-                </a:lnTo>
-                <a:lnTo>
-                  <a:pt x="4323" y="14533"/>
-                </a:lnTo>
-                <a:lnTo>
-                  <a:pt x="4665" y="14679"/>
-                </a:lnTo>
-                <a:lnTo>
-                  <a:pt x="5007" y="14826"/>
-                </a:lnTo>
-                <a:lnTo>
-                  <a:pt x="5374" y="14948"/>
-                </a:lnTo>
-                <a:lnTo>
-                  <a:pt x="5740" y="15046"/>
-                </a:lnTo>
-                <a:lnTo>
-                  <a:pt x="6106" y="15143"/>
-                </a:lnTo>
-                <a:lnTo>
-                  <a:pt x="6473" y="15192"/>
-                </a:lnTo>
-                <a:lnTo>
-                  <a:pt x="6863" y="15241"/>
-                </a:lnTo>
-                <a:lnTo>
-                  <a:pt x="7254" y="15290"/>
-                </a:lnTo>
-                <a:lnTo>
-                  <a:pt x="8036" y="15290"/>
-                </a:lnTo>
-                <a:lnTo>
-                  <a:pt x="8426" y="15241"/>
-                </a:lnTo>
-                <a:lnTo>
-                  <a:pt x="8817" y="15192"/>
-                </a:lnTo>
-                <a:lnTo>
-                  <a:pt x="9184" y="15143"/>
-                </a:lnTo>
-                <a:lnTo>
-                  <a:pt x="9550" y="15046"/>
-                </a:lnTo>
-                <a:lnTo>
-                  <a:pt x="9916" y="14948"/>
-                </a:lnTo>
-                <a:lnTo>
-                  <a:pt x="10283" y="14826"/>
-                </a:lnTo>
-                <a:lnTo>
-                  <a:pt x="10625" y="14679"/>
-                </a:lnTo>
-                <a:lnTo>
-                  <a:pt x="10966" y="14533"/>
-                </a:lnTo>
-                <a:lnTo>
-                  <a:pt x="11284" y="14362"/>
-                </a:lnTo>
-                <a:lnTo>
-                  <a:pt x="11601" y="14191"/>
-                </a:lnTo>
-                <a:lnTo>
-                  <a:pt x="11919" y="13995"/>
-                </a:lnTo>
-                <a:lnTo>
-                  <a:pt x="12212" y="13776"/>
-                </a:lnTo>
-                <a:lnTo>
-                  <a:pt x="12505" y="13556"/>
-                </a:lnTo>
-                <a:lnTo>
-                  <a:pt x="12774" y="13311"/>
-                </a:lnTo>
-                <a:lnTo>
-                  <a:pt x="13042" y="13043"/>
-                </a:lnTo>
-                <a:lnTo>
-                  <a:pt x="13311" y="12774"/>
-                </a:lnTo>
-                <a:lnTo>
-                  <a:pt x="13555" y="12506"/>
-                </a:lnTo>
-                <a:lnTo>
-                  <a:pt x="13775" y="12212"/>
-                </a:lnTo>
-                <a:lnTo>
-                  <a:pt x="13995" y="11919"/>
-                </a:lnTo>
-                <a:lnTo>
-                  <a:pt x="14190" y="11602"/>
-                </a:lnTo>
-                <a:lnTo>
-                  <a:pt x="14361" y="11284"/>
-                </a:lnTo>
-                <a:lnTo>
-                  <a:pt x="14532" y="10967"/>
-                </a:lnTo>
-                <a:lnTo>
-                  <a:pt x="14679" y="10625"/>
-                </a:lnTo>
-                <a:lnTo>
-                  <a:pt x="14825" y="10283"/>
-                </a:lnTo>
-                <a:lnTo>
-                  <a:pt x="14947" y="9917"/>
-                </a:lnTo>
-                <a:lnTo>
-                  <a:pt x="15045" y="9550"/>
-                </a:lnTo>
-                <a:lnTo>
-                  <a:pt x="15143" y="9184"/>
-                </a:lnTo>
-                <a:lnTo>
-                  <a:pt x="15192" y="8818"/>
-                </a:lnTo>
-                <a:lnTo>
-                  <a:pt x="15240" y="8427"/>
-                </a:lnTo>
-                <a:lnTo>
-                  <a:pt x="15289" y="8036"/>
-                </a:lnTo>
-                <a:lnTo>
-                  <a:pt x="15289" y="7645"/>
-                </a:lnTo>
-                <a:lnTo>
-                  <a:pt x="15289" y="7255"/>
-                </a:lnTo>
-                <a:lnTo>
-                  <a:pt x="15240" y="6864"/>
-                </a:lnTo>
-                <a:lnTo>
-                  <a:pt x="15192" y="6473"/>
-                </a:lnTo>
-                <a:lnTo>
-                  <a:pt x="15143" y="6107"/>
-                </a:lnTo>
-                <a:lnTo>
-                  <a:pt x="15045" y="5740"/>
-                </a:lnTo>
-                <a:lnTo>
-                  <a:pt x="14947" y="5374"/>
-                </a:lnTo>
-                <a:lnTo>
-                  <a:pt x="14825" y="5008"/>
-                </a:lnTo>
-                <a:lnTo>
-                  <a:pt x="14679" y="4666"/>
-                </a:lnTo>
-                <a:lnTo>
-                  <a:pt x="14532" y="4324"/>
-                </a:lnTo>
-                <a:lnTo>
-                  <a:pt x="14361" y="4006"/>
-                </a:lnTo>
-                <a:lnTo>
-                  <a:pt x="14190" y="3689"/>
-                </a:lnTo>
-                <a:lnTo>
-                  <a:pt x="13995" y="3371"/>
-                </a:lnTo>
-                <a:lnTo>
-                  <a:pt x="13775" y="3078"/>
-                </a:lnTo>
-                <a:lnTo>
-                  <a:pt x="13555" y="2785"/>
-                </a:lnTo>
-                <a:lnTo>
-                  <a:pt x="13311" y="2516"/>
-                </a:lnTo>
-                <a:lnTo>
-                  <a:pt x="13042" y="2248"/>
-                </a:lnTo>
-                <a:lnTo>
-                  <a:pt x="12774" y="1979"/>
-                </a:lnTo>
-                <a:lnTo>
-                  <a:pt x="12505" y="1735"/>
-                </a:lnTo>
-                <a:lnTo>
-                  <a:pt x="12212" y="1515"/>
-                </a:lnTo>
-                <a:lnTo>
-                  <a:pt x="11919" y="1295"/>
-                </a:lnTo>
-                <a:lnTo>
-                  <a:pt x="11601" y="1100"/>
-                </a:lnTo>
-                <a:lnTo>
-                  <a:pt x="11284" y="929"/>
-                </a:lnTo>
-                <a:lnTo>
-                  <a:pt x="10966" y="758"/>
-                </a:lnTo>
-                <a:lnTo>
-                  <a:pt x="10625" y="611"/>
-                </a:lnTo>
-                <a:lnTo>
-                  <a:pt x="10283" y="465"/>
-                </a:lnTo>
-                <a:lnTo>
-                  <a:pt x="9916" y="343"/>
-                </a:lnTo>
-                <a:lnTo>
-                  <a:pt x="9550" y="245"/>
-                </a:lnTo>
-                <a:lnTo>
-                  <a:pt x="9184" y="147"/>
-                </a:lnTo>
-                <a:lnTo>
-                  <a:pt x="8817" y="99"/>
-                </a:lnTo>
-                <a:lnTo>
-                  <a:pt x="8426" y="50"/>
-                </a:lnTo>
-                <a:lnTo>
-                  <a:pt x="8036" y="1"/>
-                </a:lnTo>
-                <a:close/>
-              </a:path>
-            </a:pathLst>
-          </a:custGeom>
-          <a:solidFill>
-            <a:srgbClr val="FFFFFF"/>
-          </a:solidFill>
-          <a:ln>
-            <a:noFill/>
-          </a:ln>
+          </a:prstGeom>
         </p:spPr>
-        <p:txBody>
-          <a:bodyPr spcFirstLastPara="1" wrap="square" lIns="91425" tIns="91425" rIns="91425" bIns="91425" anchor="ctr" anchorCtr="0">
-            <a:noAutofit/>
-          </a:bodyPr>
-          <a:lstStyle/>
-          <a:p>
-            <a:pPr marL="0" lvl="0" indent="0" algn="l" rtl="0">
-              <a:spcBef>
-                <a:spcPts val="0"/>
-              </a:spcBef>
-              <a:spcAft>
-                <a:spcPts val="0"/>
-              </a:spcAft>
-              <a:buNone/>
-            </a:pPr>
-            <a:endParaRPr/>
-          </a:p>
-        </p:txBody>
-      </p:sp>
+      </p:pic>
     </p:spTree>
     <p:extLst>
       <p:ext uri="{BB962C8B-B14F-4D97-AF65-F5344CB8AC3E}">
@@ -31917,10 +30645,767 @@
       </p:grpSpPr>
       <p:sp>
         <p:nvSpPr>
-          <p:cNvPr id="13" name="Google Shape;1521;p50">
+          <p:cNvPr id="281" name="Google Shape;281;p15"/>
+          <p:cNvSpPr txBox="1">
+            <a:spLocks noGrp="1"/>
+          </p:cNvSpPr>
+          <p:nvPr>
+            <p:ph type="sldNum" idx="4294967295"/>
+          </p:nvPr>
+        </p:nvSpPr>
+        <p:spPr>
+          <a:xfrm>
+            <a:off x="76200" y="39925"/>
+            <a:ext cx="548700" cy="360000"/>
+          </a:xfrm>
+          <a:prstGeom prst="rect">
+            <a:avLst/>
+          </a:prstGeom>
+        </p:spPr>
+        <p:txBody>
+          <a:bodyPr spcFirstLastPara="1" wrap="square" lIns="91425" tIns="91425" rIns="91425" bIns="91425" anchor="t" anchorCtr="0">
+            <a:noAutofit/>
+          </a:bodyPr>
+          <a:lstStyle/>
+          <a:p>
+            <a:pPr marL="0" lvl="0" indent="0" algn="l" rtl="0">
+              <a:spcBef>
+                <a:spcPts val="0"/>
+              </a:spcBef>
+              <a:spcAft>
+                <a:spcPts val="0"/>
+              </a:spcAft>
+              <a:buNone/>
+            </a:pPr>
+            <a:fld id="{00000000-1234-1234-1234-123412341234}" type="slidenum">
+              <a:rPr lang="en" smtClean="0"/>
+              <a:t>22</a:t>
+            </a:fld>
+            <a:endParaRPr lang="en" dirty="0"/>
+          </a:p>
+        </p:txBody>
+      </p:sp>
+      <p:sp>
+        <p:nvSpPr>
+          <p:cNvPr id="5" name="Google Shape;542;p39">
             <a:extLst>
               <a:ext uri="{FF2B5EF4-FFF2-40B4-BE49-F238E27FC236}">
-                <a16:creationId xmlns:a16="http://schemas.microsoft.com/office/drawing/2014/main" id="{C27D3C93-52F0-9EFF-2085-B0C0A5958DF0}"/>
+                <a16:creationId xmlns:a16="http://schemas.microsoft.com/office/drawing/2014/main" id="{77E03226-DC26-3D1F-8F06-1496B28C8532}"/>
+              </a:ext>
+            </a:extLst>
+          </p:cNvPr>
+          <p:cNvSpPr/>
+          <p:nvPr/>
+        </p:nvSpPr>
+        <p:spPr>
+          <a:xfrm>
+            <a:off x="0" y="680774"/>
+            <a:ext cx="9144000" cy="1011043"/>
+          </a:xfrm>
+          <a:custGeom>
+            <a:avLst/>
+            <a:gdLst/>
+            <a:ahLst/>
+            <a:cxnLst/>
+            <a:rect l="l" t="t" r="r" b="b"/>
+            <a:pathLst>
+              <a:path w="12192000" h="1348058" extrusionOk="0">
+                <a:moveTo>
+                  <a:pt x="12192000" y="0"/>
+                </a:moveTo>
+                <a:lnTo>
+                  <a:pt x="10837333" y="0"/>
+                </a:lnTo>
+                <a:cubicBezTo>
+                  <a:pt x="10463295" y="0"/>
+                  <a:pt x="10160000" y="301773"/>
+                  <a:pt x="10160000" y="674029"/>
+                </a:cubicBezTo>
+                <a:lnTo>
+                  <a:pt x="10160000" y="674029"/>
+                </a:lnTo>
+                <a:cubicBezTo>
+                  <a:pt x="10160000" y="1046281"/>
+                  <a:pt x="9856705" y="1348059"/>
+                  <a:pt x="9482667" y="1348059"/>
+                </a:cubicBezTo>
+                <a:lnTo>
+                  <a:pt x="9482667" y="1348059"/>
+                </a:lnTo>
+                <a:cubicBezTo>
+                  <a:pt x="9108581" y="1348059"/>
+                  <a:pt x="8805333" y="1046281"/>
+                  <a:pt x="8805333" y="674029"/>
+                </a:cubicBezTo>
+                <a:lnTo>
+                  <a:pt x="8805333" y="674029"/>
+                </a:lnTo>
+                <a:cubicBezTo>
+                  <a:pt x="8805333" y="301773"/>
+                  <a:pt x="8502086" y="0"/>
+                  <a:pt x="8128000" y="0"/>
+                </a:cubicBezTo>
+                <a:lnTo>
+                  <a:pt x="8128000" y="0"/>
+                </a:lnTo>
+                <a:cubicBezTo>
+                  <a:pt x="7753915" y="0"/>
+                  <a:pt x="7450667" y="301773"/>
+                  <a:pt x="7450667" y="674029"/>
+                </a:cubicBezTo>
+                <a:lnTo>
+                  <a:pt x="7450667" y="674029"/>
+                </a:lnTo>
+                <a:cubicBezTo>
+                  <a:pt x="7450667" y="1046281"/>
+                  <a:pt x="7147419" y="1348059"/>
+                  <a:pt x="6773334" y="1348059"/>
+                </a:cubicBezTo>
+                <a:lnTo>
+                  <a:pt x="6773334" y="1348059"/>
+                </a:lnTo>
+                <a:cubicBezTo>
+                  <a:pt x="6399248" y="1348059"/>
+                  <a:pt x="6096000" y="1046281"/>
+                  <a:pt x="6096000" y="674029"/>
+                </a:cubicBezTo>
+                <a:lnTo>
+                  <a:pt x="6096000" y="674029"/>
+                </a:lnTo>
+                <a:cubicBezTo>
+                  <a:pt x="6096000" y="301773"/>
+                  <a:pt x="5792753" y="0"/>
+                  <a:pt x="5418667" y="0"/>
+                </a:cubicBezTo>
+                <a:lnTo>
+                  <a:pt x="5418667" y="0"/>
+                </a:lnTo>
+                <a:cubicBezTo>
+                  <a:pt x="5044581" y="0"/>
+                  <a:pt x="4741334" y="301773"/>
+                  <a:pt x="4741334" y="674029"/>
+                </a:cubicBezTo>
+                <a:lnTo>
+                  <a:pt x="4741334" y="674029"/>
+                </a:lnTo>
+                <a:cubicBezTo>
+                  <a:pt x="4741334" y="1046281"/>
+                  <a:pt x="4438076" y="1348059"/>
+                  <a:pt x="4064000" y="1348059"/>
+                </a:cubicBezTo>
+                <a:lnTo>
+                  <a:pt x="4064000" y="1348059"/>
+                </a:lnTo>
+                <a:cubicBezTo>
+                  <a:pt x="3689924" y="1348059"/>
+                  <a:pt x="3386667" y="1046281"/>
+                  <a:pt x="3386667" y="674029"/>
+                </a:cubicBezTo>
+                <a:lnTo>
+                  <a:pt x="3386667" y="674029"/>
+                </a:lnTo>
+                <a:cubicBezTo>
+                  <a:pt x="3386667" y="301773"/>
+                  <a:pt x="3083410" y="0"/>
+                  <a:pt x="2709333" y="0"/>
+                </a:cubicBezTo>
+                <a:lnTo>
+                  <a:pt x="2709333" y="0"/>
+                </a:lnTo>
+                <a:cubicBezTo>
+                  <a:pt x="2335257" y="0"/>
+                  <a:pt x="2032000" y="301773"/>
+                  <a:pt x="2032000" y="674029"/>
+                </a:cubicBezTo>
+                <a:lnTo>
+                  <a:pt x="2032000" y="674029"/>
+                </a:lnTo>
+                <a:cubicBezTo>
+                  <a:pt x="2032000" y="1046281"/>
+                  <a:pt x="1728743" y="1348059"/>
+                  <a:pt x="1354667" y="1348059"/>
+                </a:cubicBezTo>
+                <a:lnTo>
+                  <a:pt x="0" y="1348059"/>
+                </a:lnTo>
+              </a:path>
+            </a:pathLst>
+          </a:custGeom>
+          <a:noFill/>
+          <a:ln w="228600" cap="flat" cmpd="sng">
+            <a:solidFill>
+              <a:srgbClr val="B7B7B7"/>
+            </a:solidFill>
+            <a:prstDash val="solid"/>
+            <a:miter lim="8000"/>
+            <a:headEnd type="none" w="sm" len="sm"/>
+            <a:tailEnd type="none" w="sm" len="sm"/>
+          </a:ln>
+        </p:spPr>
+        <p:txBody>
+          <a:bodyPr spcFirstLastPara="1" wrap="square" lIns="91425" tIns="45700" rIns="91425" bIns="45700" anchor="ctr" anchorCtr="0">
+            <a:noAutofit/>
+          </a:bodyPr>
+          <a:lstStyle/>
+          <a:p>
+            <a:pPr marL="0" marR="0" lvl="0" indent="0" algn="l" rtl="0">
+              <a:spcBef>
+                <a:spcPts val="0"/>
+              </a:spcBef>
+              <a:spcAft>
+                <a:spcPts val="0"/>
+              </a:spcAft>
+              <a:buNone/>
+            </a:pPr>
+            <a:endParaRPr sz="1800">
+              <a:solidFill>
+                <a:srgbClr val="000000"/>
+              </a:solidFill>
+              <a:latin typeface="Calibri"/>
+              <a:ea typeface="Calibri"/>
+              <a:cs typeface="Calibri"/>
+              <a:sym typeface="Calibri"/>
+            </a:endParaRPr>
+          </a:p>
+        </p:txBody>
+      </p:sp>
+      <p:sp>
+        <p:nvSpPr>
+          <p:cNvPr id="6" name="Google Shape;543;p39">
+            <a:extLst>
+              <a:ext uri="{FF2B5EF4-FFF2-40B4-BE49-F238E27FC236}">
+                <a16:creationId xmlns:a16="http://schemas.microsoft.com/office/drawing/2014/main" id="{E14944C6-20C5-F06A-17DC-7BF06BBD88AB}"/>
+              </a:ext>
+            </a:extLst>
+          </p:cNvPr>
+          <p:cNvSpPr/>
+          <p:nvPr/>
+        </p:nvSpPr>
+        <p:spPr>
+          <a:xfrm>
+            <a:off x="0" y="680774"/>
+            <a:ext cx="9144000" cy="1011043"/>
+          </a:xfrm>
+          <a:custGeom>
+            <a:avLst/>
+            <a:gdLst/>
+            <a:ahLst/>
+            <a:cxnLst/>
+            <a:rect l="l" t="t" r="r" b="b"/>
+            <a:pathLst>
+              <a:path w="12192000" h="1348058" extrusionOk="0">
+                <a:moveTo>
+                  <a:pt x="12192000" y="0"/>
+                </a:moveTo>
+                <a:lnTo>
+                  <a:pt x="10837333" y="0"/>
+                </a:lnTo>
+                <a:cubicBezTo>
+                  <a:pt x="10463295" y="0"/>
+                  <a:pt x="10160000" y="301773"/>
+                  <a:pt x="10160000" y="674029"/>
+                </a:cubicBezTo>
+                <a:lnTo>
+                  <a:pt x="10160000" y="674029"/>
+                </a:lnTo>
+                <a:cubicBezTo>
+                  <a:pt x="10160000" y="1046281"/>
+                  <a:pt x="9856705" y="1348059"/>
+                  <a:pt x="9482667" y="1348059"/>
+                </a:cubicBezTo>
+                <a:lnTo>
+                  <a:pt x="9482667" y="1348059"/>
+                </a:lnTo>
+                <a:cubicBezTo>
+                  <a:pt x="9108581" y="1348059"/>
+                  <a:pt x="8805333" y="1046281"/>
+                  <a:pt x="8805333" y="674029"/>
+                </a:cubicBezTo>
+                <a:lnTo>
+                  <a:pt x="8805333" y="674029"/>
+                </a:lnTo>
+                <a:cubicBezTo>
+                  <a:pt x="8805333" y="301773"/>
+                  <a:pt x="8502086" y="0"/>
+                  <a:pt x="8128000" y="0"/>
+                </a:cubicBezTo>
+                <a:lnTo>
+                  <a:pt x="8128000" y="0"/>
+                </a:lnTo>
+                <a:cubicBezTo>
+                  <a:pt x="7753915" y="0"/>
+                  <a:pt x="7450667" y="301773"/>
+                  <a:pt x="7450667" y="674029"/>
+                </a:cubicBezTo>
+                <a:lnTo>
+                  <a:pt x="7450667" y="674029"/>
+                </a:lnTo>
+                <a:cubicBezTo>
+                  <a:pt x="7450667" y="1046281"/>
+                  <a:pt x="7147419" y="1348059"/>
+                  <a:pt x="6773334" y="1348059"/>
+                </a:cubicBezTo>
+                <a:lnTo>
+                  <a:pt x="6773334" y="1348059"/>
+                </a:lnTo>
+                <a:cubicBezTo>
+                  <a:pt x="6399248" y="1348059"/>
+                  <a:pt x="6096000" y="1046281"/>
+                  <a:pt x="6096000" y="674029"/>
+                </a:cubicBezTo>
+                <a:lnTo>
+                  <a:pt x="6096000" y="674029"/>
+                </a:lnTo>
+                <a:cubicBezTo>
+                  <a:pt x="6096000" y="301773"/>
+                  <a:pt x="5792753" y="0"/>
+                  <a:pt x="5418667" y="0"/>
+                </a:cubicBezTo>
+                <a:lnTo>
+                  <a:pt x="5418667" y="0"/>
+                </a:lnTo>
+                <a:cubicBezTo>
+                  <a:pt x="5044581" y="0"/>
+                  <a:pt x="4741334" y="301773"/>
+                  <a:pt x="4741334" y="674029"/>
+                </a:cubicBezTo>
+                <a:lnTo>
+                  <a:pt x="4741334" y="674029"/>
+                </a:lnTo>
+                <a:cubicBezTo>
+                  <a:pt x="4741334" y="1046281"/>
+                  <a:pt x="4438076" y="1348059"/>
+                  <a:pt x="4064000" y="1348059"/>
+                </a:cubicBezTo>
+                <a:lnTo>
+                  <a:pt x="4064000" y="1348059"/>
+                </a:lnTo>
+                <a:cubicBezTo>
+                  <a:pt x="3689924" y="1348059"/>
+                  <a:pt x="3386667" y="1046281"/>
+                  <a:pt x="3386667" y="674029"/>
+                </a:cubicBezTo>
+                <a:lnTo>
+                  <a:pt x="3386667" y="674029"/>
+                </a:lnTo>
+                <a:cubicBezTo>
+                  <a:pt x="3386667" y="301773"/>
+                  <a:pt x="3083410" y="0"/>
+                  <a:pt x="2709333" y="0"/>
+                </a:cubicBezTo>
+                <a:lnTo>
+                  <a:pt x="2709333" y="0"/>
+                </a:lnTo>
+                <a:cubicBezTo>
+                  <a:pt x="2335257" y="0"/>
+                  <a:pt x="2032000" y="301773"/>
+                  <a:pt x="2032000" y="674029"/>
+                </a:cubicBezTo>
+                <a:lnTo>
+                  <a:pt x="2032000" y="674029"/>
+                </a:lnTo>
+                <a:cubicBezTo>
+                  <a:pt x="2032000" y="1046281"/>
+                  <a:pt x="1728743" y="1348059"/>
+                  <a:pt x="1354667" y="1348059"/>
+                </a:cubicBezTo>
+                <a:lnTo>
+                  <a:pt x="0" y="1348059"/>
+                </a:lnTo>
+              </a:path>
+            </a:pathLst>
+          </a:custGeom>
+          <a:noFill/>
+          <a:ln w="19050" cap="flat" cmpd="sng">
+            <a:solidFill>
+              <a:srgbClr val="FFFFFF"/>
+            </a:solidFill>
+            <a:prstDash val="dash"/>
+            <a:miter lim="8000"/>
+            <a:headEnd type="none" w="sm" len="sm"/>
+            <a:tailEnd type="none" w="sm" len="sm"/>
+          </a:ln>
+        </p:spPr>
+        <p:txBody>
+          <a:bodyPr spcFirstLastPara="1" wrap="square" lIns="91425" tIns="45700" rIns="91425" bIns="45700" anchor="ctr" anchorCtr="0">
+            <a:noAutofit/>
+          </a:bodyPr>
+          <a:lstStyle/>
+          <a:p>
+            <a:pPr marL="0" marR="0" lvl="0" indent="0" algn="l" rtl="0">
+              <a:spcBef>
+                <a:spcPts val="0"/>
+              </a:spcBef>
+              <a:spcAft>
+                <a:spcPts val="0"/>
+              </a:spcAft>
+              <a:buNone/>
+            </a:pPr>
+            <a:endParaRPr sz="1800">
+              <a:solidFill>
+                <a:schemeClr val="lt1"/>
+              </a:solidFill>
+              <a:latin typeface="Calibri"/>
+              <a:ea typeface="Calibri"/>
+              <a:cs typeface="Calibri"/>
+              <a:sym typeface="Calibri"/>
+            </a:endParaRPr>
+          </a:p>
+        </p:txBody>
+      </p:sp>
+      <p:sp>
+        <p:nvSpPr>
+          <p:cNvPr id="14" name="Google Shape;280;p15">
+            <a:extLst>
+              <a:ext uri="{FF2B5EF4-FFF2-40B4-BE49-F238E27FC236}">
+                <a16:creationId xmlns:a16="http://schemas.microsoft.com/office/drawing/2014/main" id="{2F2089F2-7FF6-60CE-EA27-6D9E4DC6B50B}"/>
+              </a:ext>
+            </a:extLst>
+          </p:cNvPr>
+          <p:cNvSpPr txBox="1">
+            <a:spLocks noGrp="1"/>
+          </p:cNvSpPr>
+          <p:nvPr>
+            <p:ph type="subTitle" idx="1"/>
+          </p:nvPr>
+        </p:nvSpPr>
+        <p:spPr>
+          <a:xfrm>
+            <a:off x="350550" y="1873001"/>
+            <a:ext cx="7356666" cy="1205345"/>
+          </a:xfrm>
+          <a:prstGeom prst="rect">
+            <a:avLst/>
+          </a:prstGeom>
+        </p:spPr>
+        <p:txBody>
+          <a:bodyPr spcFirstLastPara="1" wrap="square" lIns="91425" tIns="91425" rIns="91425" bIns="91425" anchor="t" anchorCtr="0">
+            <a:noAutofit/>
+          </a:bodyPr>
+          <a:lstStyle/>
+          <a:p>
+            <a:pPr marL="76200" indent="0"/>
+            <a:endParaRPr lang="en-US" sz="1600" dirty="0">
+              <a:solidFill>
+                <a:schemeClr val="tx1"/>
+              </a:solidFill>
+              <a:effectLst/>
+              <a:latin typeface="Calibri" panose="020F0502020204030204" pitchFamily="34" charset="0"/>
+              <a:ea typeface="Calibri" panose="020F0502020204030204" pitchFamily="34" charset="0"/>
+              <a:cs typeface="Calibri" panose="020F0502020204030204" pitchFamily="34" charset="0"/>
+            </a:endParaRPr>
+          </a:p>
+          <a:p>
+            <a:pPr marL="76200" indent="0"/>
+            <a:endParaRPr lang="en-US" b="0" dirty="0">
+              <a:solidFill>
+                <a:schemeClr val="tx1"/>
+              </a:solidFill>
+              <a:effectLst/>
+              <a:latin typeface="Calibri" panose="020F0502020204030204" pitchFamily="34" charset="0"/>
+              <a:ea typeface="Calibri" panose="020F0502020204030204" pitchFamily="34" charset="0"/>
+              <a:cs typeface="Calibri" panose="020F0502020204030204" pitchFamily="34" charset="0"/>
+            </a:endParaRPr>
+          </a:p>
+        </p:txBody>
+      </p:sp>
+      <p:sp>
+        <p:nvSpPr>
+          <p:cNvPr id="19" name="Google Shape;280;p15">
+            <a:extLst>
+              <a:ext uri="{FF2B5EF4-FFF2-40B4-BE49-F238E27FC236}">
+                <a16:creationId xmlns:a16="http://schemas.microsoft.com/office/drawing/2014/main" id="{82B98897-B353-DA9A-B08C-7A40504ED15F}"/>
+              </a:ext>
+            </a:extLst>
+          </p:cNvPr>
+          <p:cNvSpPr txBox="1">
+            <a:spLocks/>
+          </p:cNvSpPr>
+          <p:nvPr/>
+        </p:nvSpPr>
+        <p:spPr>
+          <a:xfrm>
+            <a:off x="480721" y="4464877"/>
+            <a:ext cx="7356666" cy="503833"/>
+          </a:xfrm>
+          <a:prstGeom prst="rect">
+            <a:avLst/>
+          </a:prstGeom>
+          <a:noFill/>
+          <a:ln>
+            <a:noFill/>
+          </a:ln>
+        </p:spPr>
+        <p:txBody>
+          <a:bodyPr spcFirstLastPara="1" wrap="square" lIns="91425" tIns="91425" rIns="91425" bIns="91425" anchor="t" anchorCtr="0">
+            <a:noAutofit/>
+          </a:bodyPr>
+          <a:lstStyle>
+            <a:defPPr marR="0" lvl="0" algn="l" rtl="0">
+              <a:lnSpc>
+                <a:spcPct val="100000"/>
+              </a:lnSpc>
+              <a:spcBef>
+                <a:spcPts val="0"/>
+              </a:spcBef>
+              <a:spcAft>
+                <a:spcPts val="0"/>
+              </a:spcAft>
+            </a:defPPr>
+            <a:lvl1pPr marL="457200" marR="0" lvl="0" indent="-381000" algn="l" rtl="0">
+              <a:lnSpc>
+                <a:spcPct val="100000"/>
+              </a:lnSpc>
+              <a:spcBef>
+                <a:spcPts val="0"/>
+              </a:spcBef>
+              <a:spcAft>
+                <a:spcPts val="0"/>
+              </a:spcAft>
+              <a:buClr>
+                <a:schemeClr val="dk2"/>
+              </a:buClr>
+              <a:buSzPts val="1800"/>
+              <a:buFont typeface="PT Serif"/>
+              <a:buNone/>
+              <a:defRPr sz="1800" b="0" i="0" u="none" strike="noStrike" cap="none">
+                <a:solidFill>
+                  <a:schemeClr val="dk2"/>
+                </a:solidFill>
+                <a:latin typeface="PT Serif"/>
+                <a:ea typeface="PT Serif"/>
+                <a:cs typeface="PT Serif"/>
+                <a:sym typeface="PT Serif"/>
+              </a:defRPr>
+            </a:lvl1pPr>
+            <a:lvl2pPr marL="914400" marR="0" lvl="1" indent="-381000" algn="l" rtl="0">
+              <a:lnSpc>
+                <a:spcPct val="100000"/>
+              </a:lnSpc>
+              <a:spcBef>
+                <a:spcPts val="0"/>
+              </a:spcBef>
+              <a:spcAft>
+                <a:spcPts val="0"/>
+              </a:spcAft>
+              <a:buClr>
+                <a:schemeClr val="dk2"/>
+              </a:buClr>
+              <a:buSzPts val="1800"/>
+              <a:buFont typeface="PT Serif"/>
+              <a:buNone/>
+              <a:defRPr sz="1800" b="0" i="0" u="none" strike="noStrike" cap="none">
+                <a:solidFill>
+                  <a:schemeClr val="dk2"/>
+                </a:solidFill>
+                <a:latin typeface="PT Serif"/>
+                <a:ea typeface="PT Serif"/>
+                <a:cs typeface="PT Serif"/>
+                <a:sym typeface="PT Serif"/>
+              </a:defRPr>
+            </a:lvl2pPr>
+            <a:lvl3pPr marL="1371600" marR="0" lvl="2" indent="-381000" algn="l" rtl="0">
+              <a:lnSpc>
+                <a:spcPct val="100000"/>
+              </a:lnSpc>
+              <a:spcBef>
+                <a:spcPts val="0"/>
+              </a:spcBef>
+              <a:spcAft>
+                <a:spcPts val="0"/>
+              </a:spcAft>
+              <a:buClr>
+                <a:schemeClr val="dk2"/>
+              </a:buClr>
+              <a:buSzPts val="1800"/>
+              <a:buFont typeface="PT Serif"/>
+              <a:buNone/>
+              <a:defRPr sz="1800" b="0" i="0" u="none" strike="noStrike" cap="none">
+                <a:solidFill>
+                  <a:schemeClr val="dk2"/>
+                </a:solidFill>
+                <a:latin typeface="PT Serif"/>
+                <a:ea typeface="PT Serif"/>
+                <a:cs typeface="PT Serif"/>
+                <a:sym typeface="PT Serif"/>
+              </a:defRPr>
+            </a:lvl3pPr>
+            <a:lvl4pPr marL="1828800" marR="0" lvl="3" indent="-381000" algn="l" rtl="0">
+              <a:lnSpc>
+                <a:spcPct val="100000"/>
+              </a:lnSpc>
+              <a:spcBef>
+                <a:spcPts val="0"/>
+              </a:spcBef>
+              <a:spcAft>
+                <a:spcPts val="0"/>
+              </a:spcAft>
+              <a:buClr>
+                <a:schemeClr val="dk2"/>
+              </a:buClr>
+              <a:buSzPts val="1800"/>
+              <a:buFont typeface="PT Serif"/>
+              <a:buNone/>
+              <a:defRPr sz="1800" b="0" i="0" u="none" strike="noStrike" cap="none">
+                <a:solidFill>
+                  <a:schemeClr val="dk2"/>
+                </a:solidFill>
+                <a:latin typeface="PT Serif"/>
+                <a:ea typeface="PT Serif"/>
+                <a:cs typeface="PT Serif"/>
+                <a:sym typeface="PT Serif"/>
+              </a:defRPr>
+            </a:lvl4pPr>
+            <a:lvl5pPr marL="2286000" marR="0" lvl="4" indent="-381000" algn="l" rtl="0">
+              <a:lnSpc>
+                <a:spcPct val="100000"/>
+              </a:lnSpc>
+              <a:spcBef>
+                <a:spcPts val="0"/>
+              </a:spcBef>
+              <a:spcAft>
+                <a:spcPts val="0"/>
+              </a:spcAft>
+              <a:buClr>
+                <a:schemeClr val="dk2"/>
+              </a:buClr>
+              <a:buSzPts val="1800"/>
+              <a:buFont typeface="PT Serif"/>
+              <a:buNone/>
+              <a:defRPr sz="1800" b="0" i="0" u="none" strike="noStrike" cap="none">
+                <a:solidFill>
+                  <a:schemeClr val="dk2"/>
+                </a:solidFill>
+                <a:latin typeface="PT Serif"/>
+                <a:ea typeface="PT Serif"/>
+                <a:cs typeface="PT Serif"/>
+                <a:sym typeface="PT Serif"/>
+              </a:defRPr>
+            </a:lvl5pPr>
+            <a:lvl6pPr marL="2743200" marR="0" lvl="5" indent="-381000" algn="l" rtl="0">
+              <a:lnSpc>
+                <a:spcPct val="100000"/>
+              </a:lnSpc>
+              <a:spcBef>
+                <a:spcPts val="0"/>
+              </a:spcBef>
+              <a:spcAft>
+                <a:spcPts val="0"/>
+              </a:spcAft>
+              <a:buClr>
+                <a:schemeClr val="dk2"/>
+              </a:buClr>
+              <a:buSzPts val="1800"/>
+              <a:buFont typeface="PT Serif"/>
+              <a:buNone/>
+              <a:defRPr sz="1800" b="0" i="0" u="none" strike="noStrike" cap="none">
+                <a:solidFill>
+                  <a:schemeClr val="dk2"/>
+                </a:solidFill>
+                <a:latin typeface="PT Serif"/>
+                <a:ea typeface="PT Serif"/>
+                <a:cs typeface="PT Serif"/>
+                <a:sym typeface="PT Serif"/>
+              </a:defRPr>
+            </a:lvl6pPr>
+            <a:lvl7pPr marL="3200400" marR="0" lvl="6" indent="-381000" algn="l" rtl="0">
+              <a:lnSpc>
+                <a:spcPct val="100000"/>
+              </a:lnSpc>
+              <a:spcBef>
+                <a:spcPts val="0"/>
+              </a:spcBef>
+              <a:spcAft>
+                <a:spcPts val="0"/>
+              </a:spcAft>
+              <a:buClr>
+                <a:schemeClr val="dk2"/>
+              </a:buClr>
+              <a:buSzPts val="1800"/>
+              <a:buFont typeface="PT Serif"/>
+              <a:buNone/>
+              <a:defRPr sz="1800" b="0" i="0" u="none" strike="noStrike" cap="none">
+                <a:solidFill>
+                  <a:schemeClr val="dk2"/>
+                </a:solidFill>
+                <a:latin typeface="PT Serif"/>
+                <a:ea typeface="PT Serif"/>
+                <a:cs typeface="PT Serif"/>
+                <a:sym typeface="PT Serif"/>
+              </a:defRPr>
+            </a:lvl7pPr>
+            <a:lvl8pPr marL="3657600" marR="0" lvl="7" indent="-381000" algn="l" rtl="0">
+              <a:lnSpc>
+                <a:spcPct val="100000"/>
+              </a:lnSpc>
+              <a:spcBef>
+                <a:spcPts val="0"/>
+              </a:spcBef>
+              <a:spcAft>
+                <a:spcPts val="0"/>
+              </a:spcAft>
+              <a:buClr>
+                <a:schemeClr val="dk2"/>
+              </a:buClr>
+              <a:buSzPts val="1800"/>
+              <a:buFont typeface="PT Serif"/>
+              <a:buNone/>
+              <a:defRPr sz="1800" b="0" i="0" u="none" strike="noStrike" cap="none">
+                <a:solidFill>
+                  <a:schemeClr val="dk2"/>
+                </a:solidFill>
+                <a:latin typeface="PT Serif"/>
+                <a:ea typeface="PT Serif"/>
+                <a:cs typeface="PT Serif"/>
+                <a:sym typeface="PT Serif"/>
+              </a:defRPr>
+            </a:lvl8pPr>
+            <a:lvl9pPr marL="4114800" marR="0" lvl="8" indent="-381000" algn="l" rtl="0">
+              <a:lnSpc>
+                <a:spcPct val="100000"/>
+              </a:lnSpc>
+              <a:spcBef>
+                <a:spcPts val="0"/>
+              </a:spcBef>
+              <a:spcAft>
+                <a:spcPts val="0"/>
+              </a:spcAft>
+              <a:buClr>
+                <a:schemeClr val="dk2"/>
+              </a:buClr>
+              <a:buSzPts val="1800"/>
+              <a:buFont typeface="PT Serif"/>
+              <a:buNone/>
+              <a:defRPr sz="1800" b="0" i="0" u="none" strike="noStrike" cap="none">
+                <a:solidFill>
+                  <a:schemeClr val="dk2"/>
+                </a:solidFill>
+                <a:latin typeface="PT Serif"/>
+                <a:ea typeface="PT Serif"/>
+                <a:cs typeface="PT Serif"/>
+                <a:sym typeface="PT Serif"/>
+              </a:defRPr>
+            </a:lvl9pPr>
+          </a:lstStyle>
+          <a:p>
+            <a:pPr marL="76200" indent="0"/>
+            <a:endParaRPr lang="en-US" sz="1600" dirty="0">
+              <a:solidFill>
+                <a:schemeClr val="tx1"/>
+              </a:solidFill>
+              <a:latin typeface="Calibri" panose="020F0502020204030204" pitchFamily="34" charset="0"/>
+              <a:ea typeface="Calibri" panose="020F0502020204030204" pitchFamily="34" charset="0"/>
+              <a:cs typeface="Calibri" panose="020F0502020204030204" pitchFamily="34" charset="0"/>
+            </a:endParaRPr>
+          </a:p>
+        </p:txBody>
+      </p:sp>
+      <p:sp>
+        <p:nvSpPr>
+          <p:cNvPr id="3" name="Google Shape;1521;p50">
+            <a:extLst>
+              <a:ext uri="{FF2B5EF4-FFF2-40B4-BE49-F238E27FC236}">
+                <a16:creationId xmlns:a16="http://schemas.microsoft.com/office/drawing/2014/main" id="{5E59D012-DBD8-B448-5591-8721F448F98B}"/>
               </a:ext>
             </a:extLst>
           </p:cNvPr>
@@ -31929,8 +31414,8 @@
         </p:nvSpPr>
         <p:spPr>
           <a:xfrm>
-            <a:off x="1022971" y="2001681"/>
-            <a:ext cx="6391724" cy="267300"/>
+            <a:off x="1036826" y="2364646"/>
+            <a:ext cx="6391724" cy="1039392"/>
           </a:xfrm>
           <a:prstGeom prst="rect">
             <a:avLst/>
@@ -31979,10 +31464,40 @@
           </a:p>
         </p:txBody>
       </p:sp>
+      <p:pic>
+        <p:nvPicPr>
+          <p:cNvPr id="7" name="Picture 6" descr="A red sports car on a black background&#10;&#10;Description automatically generated with medium confidence">
+            <a:extLst>
+              <a:ext uri="{FF2B5EF4-FFF2-40B4-BE49-F238E27FC236}">
+                <a16:creationId xmlns:a16="http://schemas.microsoft.com/office/drawing/2014/main" id="{5EE73578-4FFB-3583-9CDC-C2967CE1B61C}"/>
+              </a:ext>
+            </a:extLst>
+          </p:cNvPr>
+          <p:cNvPicPr>
+            <a:picLocks noChangeAspect="1"/>
+          </p:cNvPicPr>
+          <p:nvPr/>
+        </p:nvPicPr>
+        <p:blipFill>
+          <a:blip r:embed="rId3"/>
+          <a:stretch>
+            <a:fillRect/>
+          </a:stretch>
+        </p:blipFill>
+        <p:spPr>
+          <a:xfrm>
+            <a:off x="8638478" y="34828"/>
+            <a:ext cx="1011043" cy="1011043"/>
+          </a:xfrm>
+          <a:prstGeom prst="rect">
+            <a:avLst/>
+          </a:prstGeom>
+        </p:spPr>
+      </p:pic>
     </p:spTree>
     <p:extLst>
       <p:ext uri="{BB962C8B-B14F-4D97-AF65-F5344CB8AC3E}">
-        <p14:creationId xmlns:p14="http://schemas.microsoft.com/office/powerpoint/2010/main" val="1330066408"/>
+        <p14:creationId xmlns:p14="http://schemas.microsoft.com/office/powerpoint/2010/main" val="3971412373"/>
       </p:ext>
     </p:extLst>
   </p:cSld>
@@ -33512,129 +33027,6 @@
           </a:p>
         </p:txBody>
       </p:sp>
-      <p:grpSp>
-        <p:nvGrpSpPr>
-          <p:cNvPr id="8" name="Google Shape;547;p39">
-            <a:extLst>
-              <a:ext uri="{FF2B5EF4-FFF2-40B4-BE49-F238E27FC236}">
-                <a16:creationId xmlns:a16="http://schemas.microsoft.com/office/drawing/2014/main" id="{B2B1E982-0D96-E248-30C2-492B09EFC876}"/>
-              </a:ext>
-            </a:extLst>
-          </p:cNvPr>
-          <p:cNvGrpSpPr/>
-          <p:nvPr/>
-        </p:nvGrpSpPr>
-        <p:grpSpPr>
-          <a:xfrm>
-            <a:off x="0" y="2334702"/>
-            <a:ext cx="762107" cy="789067"/>
-            <a:chOff x="3814414" y="1703401"/>
-            <a:chExt cx="473400" cy="473400"/>
-          </a:xfrm>
-        </p:grpSpPr>
-        <p:sp>
-          <p:nvSpPr>
-            <p:cNvPr id="9" name="Google Shape;548;p39">
-              <a:extLst>
-                <a:ext uri="{FF2B5EF4-FFF2-40B4-BE49-F238E27FC236}">
-                  <a16:creationId xmlns:a16="http://schemas.microsoft.com/office/drawing/2014/main" id="{45455B1D-8CF4-5F69-255A-0FD3839AB035}"/>
-                </a:ext>
-              </a:extLst>
-            </p:cNvPr>
-            <p:cNvSpPr/>
-            <p:nvPr/>
-          </p:nvSpPr>
-          <p:spPr>
-            <a:xfrm rot="8100000">
-              <a:off x="3883742" y="1772729"/>
-              <a:ext cx="334744" cy="334744"/>
-            </a:xfrm>
-            <a:prstGeom prst="teardrop">
-              <a:avLst>
-                <a:gd name="adj" fmla="val 100000"/>
-              </a:avLst>
-            </a:prstGeom>
-            <a:solidFill>
-              <a:schemeClr val="accent3"/>
-            </a:solidFill>
-            <a:ln>
-              <a:noFill/>
-            </a:ln>
-          </p:spPr>
-          <p:txBody>
-            <a:bodyPr spcFirstLastPara="1" wrap="square" lIns="91425" tIns="91425" rIns="91425" bIns="91425" anchor="ctr" anchorCtr="0">
-              <a:noAutofit/>
-            </a:bodyPr>
-            <a:lstStyle/>
-            <a:p>
-              <a:pPr marL="0" lvl="0" indent="0" algn="l" rtl="0">
-                <a:spcBef>
-                  <a:spcPts val="0"/>
-                </a:spcBef>
-                <a:spcAft>
-                  <a:spcPts val="0"/>
-                </a:spcAft>
-                <a:buNone/>
-              </a:pPr>
-              <a:endParaRPr/>
-            </a:p>
-          </p:txBody>
-        </p:sp>
-        <p:sp>
-          <p:nvSpPr>
-            <p:cNvPr id="10" name="Google Shape;549;p39">
-              <a:extLst>
-                <a:ext uri="{FF2B5EF4-FFF2-40B4-BE49-F238E27FC236}">
-                  <a16:creationId xmlns:a16="http://schemas.microsoft.com/office/drawing/2014/main" id="{DF081D3A-06E9-DD2C-E15D-EEAA229DA96E}"/>
-                </a:ext>
-              </a:extLst>
-            </p:cNvPr>
-            <p:cNvSpPr/>
-            <p:nvPr/>
-          </p:nvSpPr>
-          <p:spPr>
-            <a:xfrm>
-              <a:off x="3984064" y="1866499"/>
-              <a:ext cx="134100" cy="134100"/>
-            </a:xfrm>
-            <a:prstGeom prst="ellipse">
-              <a:avLst/>
-            </a:prstGeom>
-            <a:solidFill>
-              <a:schemeClr val="lt1"/>
-            </a:solidFill>
-            <a:ln>
-              <a:noFill/>
-            </a:ln>
-          </p:spPr>
-          <p:txBody>
-            <a:bodyPr spcFirstLastPara="1" wrap="square" lIns="0" tIns="0" rIns="0" bIns="0" anchor="ctr" anchorCtr="0">
-              <a:noAutofit/>
-            </a:bodyPr>
-            <a:lstStyle/>
-            <a:p>
-              <a:pPr marL="0" lvl="0" indent="0" algn="ctr" rtl="0">
-                <a:spcBef>
-                  <a:spcPts val="0"/>
-                </a:spcBef>
-                <a:spcAft>
-                  <a:spcPts val="0"/>
-                </a:spcAft>
-                <a:buNone/>
-              </a:pPr>
-              <a:endParaRPr sz="600" dirty="0">
-                <a:solidFill>
-                  <a:schemeClr val="dk2"/>
-                </a:solidFill>
-                <a:latin typeface="PT Serif"/>
-                <a:ea typeface="PT Serif"/>
-                <a:cs typeface="PT Serif"/>
-                <a:sym typeface="PT Serif"/>
-              </a:endParaRPr>
-            </a:p>
-          </p:txBody>
-        </p:sp>
-      </p:grpSp>
       <p:sp>
         <p:nvSpPr>
           <p:cNvPr id="11" name="Google Shape;562;p39">
@@ -34802,6 +34194,36 @@
           </a:p>
         </p:txBody>
       </p:sp>
+      <p:pic>
+        <p:nvPicPr>
+          <p:cNvPr id="17" name="Picture 16" descr="A red sports car on a black background&#10;&#10;Description automatically generated with medium confidence">
+            <a:extLst>
+              <a:ext uri="{FF2B5EF4-FFF2-40B4-BE49-F238E27FC236}">
+                <a16:creationId xmlns:a16="http://schemas.microsoft.com/office/drawing/2014/main" id="{7B85D317-0DE0-A075-924E-4EC07D1FDD5F}"/>
+              </a:ext>
+            </a:extLst>
+          </p:cNvPr>
+          <p:cNvPicPr>
+            <a:picLocks noChangeAspect="1"/>
+          </p:cNvPicPr>
+          <p:nvPr/>
+        </p:nvPicPr>
+        <p:blipFill>
+          <a:blip r:embed="rId3"/>
+          <a:stretch>
+            <a:fillRect/>
+          </a:stretch>
+        </p:blipFill>
+        <p:spPr>
+          <a:xfrm>
+            <a:off x="80775" y="2435141"/>
+            <a:ext cx="1011043" cy="1011043"/>
+          </a:xfrm>
+          <a:prstGeom prst="rect">
+            <a:avLst/>
+          </a:prstGeom>
+        </p:spPr>
+      </p:pic>
     </p:spTree>
   </p:cSld>
   <p:clrMapOvr>
@@ -35668,129 +35090,6 @@
           </a:p>
         </p:txBody>
       </p:sp>
-      <p:grpSp>
-        <p:nvGrpSpPr>
-          <p:cNvPr id="8" name="Google Shape;547;p39">
-            <a:extLst>
-              <a:ext uri="{FF2B5EF4-FFF2-40B4-BE49-F238E27FC236}">
-                <a16:creationId xmlns:a16="http://schemas.microsoft.com/office/drawing/2014/main" id="{B2B1E982-0D96-E248-30C2-492B09EFC876}"/>
-              </a:ext>
-            </a:extLst>
-          </p:cNvPr>
-          <p:cNvGrpSpPr/>
-          <p:nvPr/>
-        </p:nvGrpSpPr>
-        <p:grpSpPr>
-          <a:xfrm>
-            <a:off x="1665967" y="-58379"/>
-            <a:ext cx="762107" cy="789067"/>
-            <a:chOff x="3814414" y="1703401"/>
-            <a:chExt cx="473400" cy="473400"/>
-          </a:xfrm>
-        </p:grpSpPr>
-        <p:sp>
-          <p:nvSpPr>
-            <p:cNvPr id="9" name="Google Shape;548;p39">
-              <a:extLst>
-                <a:ext uri="{FF2B5EF4-FFF2-40B4-BE49-F238E27FC236}">
-                  <a16:creationId xmlns:a16="http://schemas.microsoft.com/office/drawing/2014/main" id="{45455B1D-8CF4-5F69-255A-0FD3839AB035}"/>
-                </a:ext>
-              </a:extLst>
-            </p:cNvPr>
-            <p:cNvSpPr/>
-            <p:nvPr/>
-          </p:nvSpPr>
-          <p:spPr>
-            <a:xfrm rot="8100000">
-              <a:off x="3883742" y="1772729"/>
-              <a:ext cx="334744" cy="334744"/>
-            </a:xfrm>
-            <a:prstGeom prst="teardrop">
-              <a:avLst>
-                <a:gd name="adj" fmla="val 100000"/>
-              </a:avLst>
-            </a:prstGeom>
-            <a:solidFill>
-              <a:schemeClr val="accent3"/>
-            </a:solidFill>
-            <a:ln>
-              <a:noFill/>
-            </a:ln>
-          </p:spPr>
-          <p:txBody>
-            <a:bodyPr spcFirstLastPara="1" wrap="square" lIns="91425" tIns="91425" rIns="91425" bIns="91425" anchor="ctr" anchorCtr="0">
-              <a:noAutofit/>
-            </a:bodyPr>
-            <a:lstStyle/>
-            <a:p>
-              <a:pPr marL="0" lvl="0" indent="0" algn="l" rtl="0">
-                <a:spcBef>
-                  <a:spcPts val="0"/>
-                </a:spcBef>
-                <a:spcAft>
-                  <a:spcPts val="0"/>
-                </a:spcAft>
-                <a:buNone/>
-              </a:pPr>
-              <a:endParaRPr/>
-            </a:p>
-          </p:txBody>
-        </p:sp>
-        <p:sp>
-          <p:nvSpPr>
-            <p:cNvPr id="10" name="Google Shape;549;p39">
-              <a:extLst>
-                <a:ext uri="{FF2B5EF4-FFF2-40B4-BE49-F238E27FC236}">
-                  <a16:creationId xmlns:a16="http://schemas.microsoft.com/office/drawing/2014/main" id="{DF081D3A-06E9-DD2C-E15D-EEAA229DA96E}"/>
-                </a:ext>
-              </a:extLst>
-            </p:cNvPr>
-            <p:cNvSpPr/>
-            <p:nvPr/>
-          </p:nvSpPr>
-          <p:spPr>
-            <a:xfrm>
-              <a:off x="3984064" y="1866499"/>
-              <a:ext cx="134100" cy="134100"/>
-            </a:xfrm>
-            <a:prstGeom prst="ellipse">
-              <a:avLst/>
-            </a:prstGeom>
-            <a:solidFill>
-              <a:schemeClr val="lt1"/>
-            </a:solidFill>
-            <a:ln>
-              <a:noFill/>
-            </a:ln>
-          </p:spPr>
-          <p:txBody>
-            <a:bodyPr spcFirstLastPara="1" wrap="square" lIns="0" tIns="0" rIns="0" bIns="0" anchor="ctr" anchorCtr="0">
-              <a:noAutofit/>
-            </a:bodyPr>
-            <a:lstStyle/>
-            <a:p>
-              <a:pPr marL="0" lvl="0" indent="0" algn="ctr" rtl="0">
-                <a:spcBef>
-                  <a:spcPts val="0"/>
-                </a:spcBef>
-                <a:spcAft>
-                  <a:spcPts val="0"/>
-                </a:spcAft>
-                <a:buNone/>
-              </a:pPr>
-              <a:endParaRPr sz="600" dirty="0">
-                <a:solidFill>
-                  <a:schemeClr val="dk2"/>
-                </a:solidFill>
-                <a:latin typeface="PT Serif"/>
-                <a:ea typeface="PT Serif"/>
-                <a:cs typeface="PT Serif"/>
-                <a:sym typeface="PT Serif"/>
-              </a:endParaRPr>
-            </a:p>
-          </p:txBody>
-        </p:sp>
-      </p:grpSp>
       <p:sp>
         <p:nvSpPr>
           <p:cNvPr id="11" name="Google Shape;562;p39">
@@ -35992,6 +35291,36 @@
           </a:p>
         </p:txBody>
       </p:sp>
+      <p:pic>
+        <p:nvPicPr>
+          <p:cNvPr id="2" name="Picture 1" descr="A red sports car on a black background&#10;&#10;Description automatically generated with medium confidence">
+            <a:extLst>
+              <a:ext uri="{FF2B5EF4-FFF2-40B4-BE49-F238E27FC236}">
+                <a16:creationId xmlns:a16="http://schemas.microsoft.com/office/drawing/2014/main" id="{4C2882F8-6A19-F295-5456-5DCF77B091E3}"/>
+              </a:ext>
+            </a:extLst>
+          </p:cNvPr>
+          <p:cNvPicPr>
+            <a:picLocks noChangeAspect="1"/>
+          </p:cNvPicPr>
+          <p:nvPr/>
+        </p:nvPicPr>
+        <p:blipFill>
+          <a:blip r:embed="rId3"/>
+          <a:stretch>
+            <a:fillRect/>
+          </a:stretch>
+        </p:blipFill>
+        <p:spPr>
+          <a:xfrm>
+            <a:off x="1486718" y="97578"/>
+            <a:ext cx="1011043" cy="1011043"/>
+          </a:xfrm>
+          <a:prstGeom prst="rect">
+            <a:avLst/>
+          </a:prstGeom>
+        </p:spPr>
+      </p:pic>
     </p:spTree>
     <p:extLst>
       <p:ext uri="{BB962C8B-B14F-4D97-AF65-F5344CB8AC3E}">
@@ -37367,129 +36696,6 @@
           </a:p>
         </p:txBody>
       </p:sp>
-      <p:grpSp>
-        <p:nvGrpSpPr>
-          <p:cNvPr id="16" name="Google Shape;547;p39">
-            <a:extLst>
-              <a:ext uri="{FF2B5EF4-FFF2-40B4-BE49-F238E27FC236}">
-                <a16:creationId xmlns:a16="http://schemas.microsoft.com/office/drawing/2014/main" id="{6723DDAB-0B7C-5E94-CD81-9D29B6BE8153}"/>
-              </a:ext>
-            </a:extLst>
-          </p:cNvPr>
-          <p:cNvGrpSpPr/>
-          <p:nvPr/>
-        </p:nvGrpSpPr>
-        <p:grpSpPr>
-          <a:xfrm>
-            <a:off x="1665967" y="-52002"/>
-            <a:ext cx="762107" cy="789067"/>
-            <a:chOff x="3814414" y="1703401"/>
-            <a:chExt cx="473400" cy="473400"/>
-          </a:xfrm>
-        </p:grpSpPr>
-        <p:sp>
-          <p:nvSpPr>
-            <p:cNvPr id="17" name="Google Shape;548;p39">
-              <a:extLst>
-                <a:ext uri="{FF2B5EF4-FFF2-40B4-BE49-F238E27FC236}">
-                  <a16:creationId xmlns:a16="http://schemas.microsoft.com/office/drawing/2014/main" id="{0837CF1F-AD70-3CAD-397D-C6C47BCCCE54}"/>
-                </a:ext>
-              </a:extLst>
-            </p:cNvPr>
-            <p:cNvSpPr/>
-            <p:nvPr/>
-          </p:nvSpPr>
-          <p:spPr>
-            <a:xfrm rot="8100000">
-              <a:off x="3883742" y="1772729"/>
-              <a:ext cx="334744" cy="334744"/>
-            </a:xfrm>
-            <a:prstGeom prst="teardrop">
-              <a:avLst>
-                <a:gd name="adj" fmla="val 100000"/>
-              </a:avLst>
-            </a:prstGeom>
-            <a:solidFill>
-              <a:schemeClr val="accent3"/>
-            </a:solidFill>
-            <a:ln>
-              <a:noFill/>
-            </a:ln>
-          </p:spPr>
-          <p:txBody>
-            <a:bodyPr spcFirstLastPara="1" wrap="square" lIns="91425" tIns="91425" rIns="91425" bIns="91425" anchor="ctr" anchorCtr="0">
-              <a:noAutofit/>
-            </a:bodyPr>
-            <a:lstStyle/>
-            <a:p>
-              <a:pPr marL="0" lvl="0" indent="0" algn="l" rtl="0">
-                <a:spcBef>
-                  <a:spcPts val="0"/>
-                </a:spcBef>
-                <a:spcAft>
-                  <a:spcPts val="0"/>
-                </a:spcAft>
-                <a:buNone/>
-              </a:pPr>
-              <a:endParaRPr/>
-            </a:p>
-          </p:txBody>
-        </p:sp>
-        <p:sp>
-          <p:nvSpPr>
-            <p:cNvPr id="18" name="Google Shape;549;p39">
-              <a:extLst>
-                <a:ext uri="{FF2B5EF4-FFF2-40B4-BE49-F238E27FC236}">
-                  <a16:creationId xmlns:a16="http://schemas.microsoft.com/office/drawing/2014/main" id="{4D84CD1A-81ED-412C-810B-A01C83D1C226}"/>
-                </a:ext>
-              </a:extLst>
-            </p:cNvPr>
-            <p:cNvSpPr/>
-            <p:nvPr/>
-          </p:nvSpPr>
-          <p:spPr>
-            <a:xfrm>
-              <a:off x="3984064" y="1866499"/>
-              <a:ext cx="134100" cy="134100"/>
-            </a:xfrm>
-            <a:prstGeom prst="ellipse">
-              <a:avLst/>
-            </a:prstGeom>
-            <a:solidFill>
-              <a:schemeClr val="lt1"/>
-            </a:solidFill>
-            <a:ln>
-              <a:noFill/>
-            </a:ln>
-          </p:spPr>
-          <p:txBody>
-            <a:bodyPr spcFirstLastPara="1" wrap="square" lIns="0" tIns="0" rIns="0" bIns="0" anchor="ctr" anchorCtr="0">
-              <a:noAutofit/>
-            </a:bodyPr>
-            <a:lstStyle/>
-            <a:p>
-              <a:pPr marL="0" lvl="0" indent="0" algn="ctr" rtl="0">
-                <a:spcBef>
-                  <a:spcPts val="0"/>
-                </a:spcBef>
-                <a:spcAft>
-                  <a:spcPts val="0"/>
-                </a:spcAft>
-                <a:buNone/>
-              </a:pPr>
-              <a:endParaRPr sz="600" dirty="0">
-                <a:solidFill>
-                  <a:schemeClr val="dk2"/>
-                </a:solidFill>
-                <a:latin typeface="PT Serif"/>
-                <a:ea typeface="PT Serif"/>
-                <a:cs typeface="PT Serif"/>
-                <a:sym typeface="PT Serif"/>
-              </a:endParaRPr>
-            </a:p>
-          </p:txBody>
-        </p:sp>
-      </p:grpSp>
       <p:sp>
         <p:nvSpPr>
           <p:cNvPr id="19" name="Google Shape;562;p39">
@@ -38008,6 +37214,36 @@
           </a:p>
         </p:txBody>
       </p:sp>
+      <p:pic>
+        <p:nvPicPr>
+          <p:cNvPr id="3" name="Picture 2" descr="A red sports car on a black background&#10;&#10;Description automatically generated with medium confidence">
+            <a:extLst>
+              <a:ext uri="{FF2B5EF4-FFF2-40B4-BE49-F238E27FC236}">
+                <a16:creationId xmlns:a16="http://schemas.microsoft.com/office/drawing/2014/main" id="{9E37293A-FAF8-233D-6859-AD28EDF0F66C}"/>
+              </a:ext>
+            </a:extLst>
+          </p:cNvPr>
+          <p:cNvPicPr>
+            <a:picLocks noChangeAspect="1"/>
+          </p:cNvPicPr>
+          <p:nvPr/>
+        </p:nvPicPr>
+        <p:blipFill>
+          <a:blip r:embed="rId3"/>
+          <a:stretch>
+            <a:fillRect/>
+          </a:stretch>
+        </p:blipFill>
+        <p:spPr>
+          <a:xfrm>
+            <a:off x="1486718" y="81582"/>
+            <a:ext cx="1011043" cy="1011043"/>
+          </a:xfrm>
+          <a:prstGeom prst="rect">
+            <a:avLst/>
+          </a:prstGeom>
+        </p:spPr>
+      </p:pic>
     </p:spTree>
   </p:cSld>
   <p:clrMapOvr>
@@ -38888,129 +38124,6 @@
           </a:p>
         </p:txBody>
       </p:sp>
-      <p:grpSp>
-        <p:nvGrpSpPr>
-          <p:cNvPr id="9" name="Google Shape;547;p39">
-            <a:extLst>
-              <a:ext uri="{FF2B5EF4-FFF2-40B4-BE49-F238E27FC236}">
-                <a16:creationId xmlns:a16="http://schemas.microsoft.com/office/drawing/2014/main" id="{AA3A30E6-5A92-DB4D-8126-AE75FB24548B}"/>
-              </a:ext>
-            </a:extLst>
-          </p:cNvPr>
-          <p:cNvGrpSpPr/>
-          <p:nvPr/>
-        </p:nvGrpSpPr>
-        <p:grpSpPr>
-          <a:xfrm>
-            <a:off x="1665967" y="-36493"/>
-            <a:ext cx="762107" cy="789067"/>
-            <a:chOff x="3814414" y="1703401"/>
-            <a:chExt cx="473400" cy="473400"/>
-          </a:xfrm>
-        </p:grpSpPr>
-        <p:sp>
-          <p:nvSpPr>
-            <p:cNvPr id="10" name="Google Shape;548;p39">
-              <a:extLst>
-                <a:ext uri="{FF2B5EF4-FFF2-40B4-BE49-F238E27FC236}">
-                  <a16:creationId xmlns:a16="http://schemas.microsoft.com/office/drawing/2014/main" id="{CB945F5B-D80B-1100-3A99-B0ECF6384F82}"/>
-                </a:ext>
-              </a:extLst>
-            </p:cNvPr>
-            <p:cNvSpPr/>
-            <p:nvPr/>
-          </p:nvSpPr>
-          <p:spPr>
-            <a:xfrm rot="8100000">
-              <a:off x="3883742" y="1772729"/>
-              <a:ext cx="334744" cy="334744"/>
-            </a:xfrm>
-            <a:prstGeom prst="teardrop">
-              <a:avLst>
-                <a:gd name="adj" fmla="val 100000"/>
-              </a:avLst>
-            </a:prstGeom>
-            <a:solidFill>
-              <a:schemeClr val="accent3"/>
-            </a:solidFill>
-            <a:ln>
-              <a:noFill/>
-            </a:ln>
-          </p:spPr>
-          <p:txBody>
-            <a:bodyPr spcFirstLastPara="1" wrap="square" lIns="91425" tIns="91425" rIns="91425" bIns="91425" anchor="ctr" anchorCtr="0">
-              <a:noAutofit/>
-            </a:bodyPr>
-            <a:lstStyle/>
-            <a:p>
-              <a:pPr marL="0" lvl="0" indent="0" algn="l" rtl="0">
-                <a:spcBef>
-                  <a:spcPts val="0"/>
-                </a:spcBef>
-                <a:spcAft>
-                  <a:spcPts val="0"/>
-                </a:spcAft>
-                <a:buNone/>
-              </a:pPr>
-              <a:endParaRPr/>
-            </a:p>
-          </p:txBody>
-        </p:sp>
-        <p:sp>
-          <p:nvSpPr>
-            <p:cNvPr id="11" name="Google Shape;549;p39">
-              <a:extLst>
-                <a:ext uri="{FF2B5EF4-FFF2-40B4-BE49-F238E27FC236}">
-                  <a16:creationId xmlns:a16="http://schemas.microsoft.com/office/drawing/2014/main" id="{3C836099-17A3-8CA2-35BC-2F7DAEEF96B5}"/>
-                </a:ext>
-              </a:extLst>
-            </p:cNvPr>
-            <p:cNvSpPr/>
-            <p:nvPr/>
-          </p:nvSpPr>
-          <p:spPr>
-            <a:xfrm>
-              <a:off x="3984064" y="1866499"/>
-              <a:ext cx="134100" cy="134100"/>
-            </a:xfrm>
-            <a:prstGeom prst="ellipse">
-              <a:avLst/>
-            </a:prstGeom>
-            <a:solidFill>
-              <a:schemeClr val="lt1"/>
-            </a:solidFill>
-            <a:ln>
-              <a:noFill/>
-            </a:ln>
-          </p:spPr>
-          <p:txBody>
-            <a:bodyPr spcFirstLastPara="1" wrap="square" lIns="0" tIns="0" rIns="0" bIns="0" anchor="ctr" anchorCtr="0">
-              <a:noAutofit/>
-            </a:bodyPr>
-            <a:lstStyle/>
-            <a:p>
-              <a:pPr marL="0" lvl="0" indent="0" algn="ctr" rtl="0">
-                <a:spcBef>
-                  <a:spcPts val="0"/>
-                </a:spcBef>
-                <a:spcAft>
-                  <a:spcPts val="0"/>
-                </a:spcAft>
-                <a:buNone/>
-              </a:pPr>
-              <a:endParaRPr sz="600" dirty="0">
-                <a:solidFill>
-                  <a:schemeClr val="dk2"/>
-                </a:solidFill>
-                <a:latin typeface="PT Serif"/>
-                <a:ea typeface="PT Serif"/>
-                <a:cs typeface="PT Serif"/>
-                <a:sym typeface="PT Serif"/>
-              </a:endParaRPr>
-            </a:p>
-          </p:txBody>
-        </p:sp>
-      </p:grpSp>
       <p:sp>
         <p:nvSpPr>
           <p:cNvPr id="12" name="Google Shape;562;p39">
@@ -39212,6 +38325,36 @@
           </a:p>
         </p:txBody>
       </p:sp>
+      <p:pic>
+        <p:nvPicPr>
+          <p:cNvPr id="2" name="Picture 1" descr="A red sports car on a black background&#10;&#10;Description automatically generated with medium confidence">
+            <a:extLst>
+              <a:ext uri="{FF2B5EF4-FFF2-40B4-BE49-F238E27FC236}">
+                <a16:creationId xmlns:a16="http://schemas.microsoft.com/office/drawing/2014/main" id="{C9B0FCDD-13C7-4F8F-F685-959B3F368BEA}"/>
+              </a:ext>
+            </a:extLst>
+          </p:cNvPr>
+          <p:cNvPicPr>
+            <a:picLocks noChangeAspect="1"/>
+          </p:cNvPicPr>
+          <p:nvPr/>
+        </p:nvPicPr>
+        <p:blipFill>
+          <a:blip r:embed="rId3"/>
+          <a:stretch>
+            <a:fillRect/>
+          </a:stretch>
+        </p:blipFill>
+        <p:spPr>
+          <a:xfrm>
+            <a:off x="1486718" y="90072"/>
+            <a:ext cx="1011043" cy="1011043"/>
+          </a:xfrm>
+          <a:prstGeom prst="rect">
+            <a:avLst/>
+          </a:prstGeom>
+        </p:spPr>
+      </p:pic>
     </p:spTree>
     <p:extLst>
       <p:ext uri="{BB962C8B-B14F-4D97-AF65-F5344CB8AC3E}">

--- a/Presentation/Stock Market Predictor.pptx
+++ b/Presentation/Stock Market Predictor.pptx
@@ -5,7 +5,7 @@
     <p:sldMasterId id="2147483658" r:id="rId1"/>
   </p:sldMasterIdLst>
   <p:notesMasterIdLst>
-    <p:notesMasterId r:id="rId24"/>
+    <p:notesMasterId r:id="rId25"/>
   </p:notesMasterIdLst>
   <p:sldIdLst>
     <p:sldId id="256" r:id="rId2"/>
@@ -30,48 +30,49 @@
     <p:sldId id="308" r:id="rId21"/>
     <p:sldId id="309" r:id="rId22"/>
     <p:sldId id="314" r:id="rId23"/>
+    <p:sldId id="315" r:id="rId24"/>
   </p:sldIdLst>
   <p:sldSz cx="9144000" cy="5143500" type="screen16x9"/>
   <p:notesSz cx="6858000" cy="9144000"/>
   <p:embeddedFontLst>
     <p:embeddedFont>
       <p:font typeface="Abril Fatface" panose="02000503000000020003" pitchFamily="2" charset="0"/>
-      <p:regular r:id="rId25"/>
+      <p:regular r:id="rId26"/>
     </p:embeddedFont>
     <p:embeddedFont>
       <p:font typeface="Calibri" panose="020F0502020204030204" pitchFamily="34" charset="0"/>
-      <p:regular r:id="rId26"/>
-      <p:bold r:id="rId27"/>
-      <p:italic r:id="rId28"/>
-      <p:boldItalic r:id="rId29"/>
+      <p:regular r:id="rId27"/>
+      <p:bold r:id="rId28"/>
+      <p:italic r:id="rId29"/>
+      <p:boldItalic r:id="rId30"/>
     </p:embeddedFont>
     <p:embeddedFont>
       <p:font typeface="Consolas" panose="020B0609020204030204" pitchFamily="49" charset="0"/>
-      <p:regular r:id="rId30"/>
-      <p:bold r:id="rId31"/>
-      <p:italic r:id="rId32"/>
-      <p:boldItalic r:id="rId33"/>
+      <p:regular r:id="rId31"/>
+      <p:bold r:id="rId32"/>
+      <p:italic r:id="rId33"/>
+      <p:boldItalic r:id="rId34"/>
     </p:embeddedFont>
     <p:embeddedFont>
       <p:font typeface="Helvetica" panose="020B0604020202020204" pitchFamily="34" charset="0"/>
-      <p:regular r:id="rId34"/>
-      <p:bold r:id="rId35"/>
-      <p:italic r:id="rId36"/>
-      <p:boldItalic r:id="rId37"/>
+      <p:regular r:id="rId35"/>
+      <p:bold r:id="rId36"/>
+      <p:italic r:id="rId37"/>
+      <p:boldItalic r:id="rId38"/>
     </p:embeddedFont>
     <p:embeddedFont>
       <p:font typeface="Montserrat" panose="00000500000000000000" pitchFamily="2" charset="0"/>
-      <p:regular r:id="rId38"/>
-      <p:bold r:id="rId39"/>
-      <p:italic r:id="rId40"/>
-      <p:boldItalic r:id="rId41"/>
+      <p:regular r:id="rId39"/>
+      <p:bold r:id="rId40"/>
+      <p:italic r:id="rId41"/>
+      <p:boldItalic r:id="rId42"/>
     </p:embeddedFont>
     <p:embeddedFont>
       <p:font typeface="PT Serif" panose="020A0603040505020204" pitchFamily="18" charset="0"/>
-      <p:regular r:id="rId42"/>
-      <p:bold r:id="rId43"/>
-      <p:italic r:id="rId44"/>
-      <p:boldItalic r:id="rId45"/>
+      <p:regular r:id="rId43"/>
+      <p:bold r:id="rId44"/>
+      <p:italic r:id="rId45"/>
+      <p:boldItalic r:id="rId46"/>
     </p:embeddedFont>
   </p:embeddedFontLst>
   <p:defaultTextStyle>
@@ -2368,6 +2369,115 @@
     <p:extLst>
       <p:ext uri="{BB962C8B-B14F-4D97-AF65-F5344CB8AC3E}">
         <p14:creationId xmlns:p14="http://schemas.microsoft.com/office/powerpoint/2010/main" val="2881327793"/>
+      </p:ext>
+    </p:extLst>
+  </p:cSld>
+  <p:clrMapOvr>
+    <a:masterClrMapping/>
+  </p:clrMapOvr>
+</p:notes>
+</file>
+
+<file path=ppt/notesSlides/notesSlide23.xml><?xml version="1.0" encoding="utf-8"?>
+<p:notes xmlns:a="http://schemas.openxmlformats.org/drawingml/2006/main" xmlns:r="http://schemas.openxmlformats.org/officeDocument/2006/relationships" xmlns:p="http://schemas.openxmlformats.org/presentationml/2006/main" showMasterSp="0" showMasterPhAnim="0">
+  <p:cSld>
+    <p:spTree>
+      <p:nvGrpSpPr>
+        <p:cNvPr id="1" name="Shape 275"/>
+        <p:cNvGrpSpPr/>
+        <p:nvPr/>
+      </p:nvGrpSpPr>
+      <p:grpSpPr>
+        <a:xfrm>
+          <a:off x="0" y="0"/>
+          <a:ext cx="0" cy="0"/>
+          <a:chOff x="0" y="0"/>
+          <a:chExt cx="0" cy="0"/>
+        </a:xfrm>
+      </p:grpSpPr>
+      <p:sp>
+        <p:nvSpPr>
+          <p:cNvPr id="276" name="Google Shape;276;g35f391192_029:notes"/>
+          <p:cNvSpPr>
+            <a:spLocks noGrp="1" noRot="1" noChangeAspect="1"/>
+          </p:cNvSpPr>
+          <p:nvPr>
+            <p:ph type="sldImg" idx="2"/>
+          </p:nvPr>
+        </p:nvSpPr>
+        <p:spPr>
+          <a:xfrm>
+            <a:off x="381000" y="685800"/>
+            <a:ext cx="6096000" cy="3429000"/>
+          </a:xfrm>
+          <a:custGeom>
+            <a:avLst/>
+            <a:gdLst/>
+            <a:ahLst/>
+            <a:cxnLst/>
+            <a:rect l="l" t="t" r="r" b="b"/>
+            <a:pathLst>
+              <a:path w="120000" h="120000" extrusionOk="0">
+                <a:moveTo>
+                  <a:pt x="0" y="0"/>
+                </a:moveTo>
+                <a:lnTo>
+                  <a:pt x="120000" y="0"/>
+                </a:lnTo>
+                <a:lnTo>
+                  <a:pt x="120000" y="120000"/>
+                </a:lnTo>
+                <a:lnTo>
+                  <a:pt x="0" y="120000"/>
+                </a:lnTo>
+                <a:close/>
+              </a:path>
+            </a:pathLst>
+          </a:custGeom>
+        </p:spPr>
+      </p:sp>
+      <p:sp>
+        <p:nvSpPr>
+          <p:cNvPr id="277" name="Google Shape;277;g35f391192_029:notes"/>
+          <p:cNvSpPr txBox="1">
+            <a:spLocks noGrp="1"/>
+          </p:cNvSpPr>
+          <p:nvPr>
+            <p:ph type="body" idx="1"/>
+          </p:nvPr>
+        </p:nvSpPr>
+        <p:spPr>
+          <a:xfrm>
+            <a:off x="685800" y="4343400"/>
+            <a:ext cx="5486400" cy="4114800"/>
+          </a:xfrm>
+          <a:prstGeom prst="rect">
+            <a:avLst/>
+          </a:prstGeom>
+        </p:spPr>
+        <p:txBody>
+          <a:bodyPr spcFirstLastPara="1" wrap="square" lIns="91425" tIns="91425" rIns="91425" bIns="91425" anchor="t" anchorCtr="0">
+            <a:noAutofit/>
+          </a:bodyPr>
+          <a:lstStyle/>
+          <a:p>
+            <a:pPr marL="0" lvl="0" indent="0" algn="l" rtl="0">
+              <a:spcBef>
+                <a:spcPts val="0"/>
+              </a:spcBef>
+              <a:spcAft>
+                <a:spcPts val="0"/>
+              </a:spcAft>
+              <a:buNone/>
+            </a:pPr>
+            <a:endParaRPr dirty="0"/>
+          </a:p>
+        </p:txBody>
+      </p:sp>
+    </p:spTree>
+    <p:extLst>
+      <p:ext uri="{BB962C8B-B14F-4D97-AF65-F5344CB8AC3E}">
+        <p14:creationId xmlns:p14="http://schemas.microsoft.com/office/powerpoint/2010/main" val="783502984"/>
       </p:ext>
     </p:extLst>
   </p:cSld>
@@ -31450,7 +31560,7 @@
                 <a:cs typeface="Montserrat"/>
                 <a:sym typeface="Montserrat"/>
               </a:rPr>
-              <a:t>Thank you!</a:t>
+              <a:t>Demo Time</a:t>
             </a:r>
             <a:endParaRPr sz="4800" b="1" dirty="0">
               <a:solidFill>
@@ -31498,6 +31608,887 @@
     <p:extLst>
       <p:ext uri="{BB962C8B-B14F-4D97-AF65-F5344CB8AC3E}">
         <p14:creationId xmlns:p14="http://schemas.microsoft.com/office/powerpoint/2010/main" val="3971412373"/>
+      </p:ext>
+    </p:extLst>
+  </p:cSld>
+  <p:clrMapOvr>
+    <a:masterClrMapping/>
+  </p:clrMapOvr>
+</p:sld>
+</file>
+
+<file path=ppt/slides/slide23.xml><?xml version="1.0" encoding="utf-8"?>
+<p:sld xmlns:a="http://schemas.openxmlformats.org/drawingml/2006/main" xmlns:r="http://schemas.openxmlformats.org/officeDocument/2006/relationships" xmlns:p="http://schemas.openxmlformats.org/presentationml/2006/main">
+  <p:cSld>
+    <p:spTree>
+      <p:nvGrpSpPr>
+        <p:cNvPr id="1" name="Shape 278"/>
+        <p:cNvGrpSpPr/>
+        <p:nvPr/>
+      </p:nvGrpSpPr>
+      <p:grpSpPr>
+        <a:xfrm>
+          <a:off x="0" y="0"/>
+          <a:ext cx="0" cy="0"/>
+          <a:chOff x="0" y="0"/>
+          <a:chExt cx="0" cy="0"/>
+        </a:xfrm>
+      </p:grpSpPr>
+      <p:sp>
+        <p:nvSpPr>
+          <p:cNvPr id="281" name="Google Shape;281;p15"/>
+          <p:cNvSpPr txBox="1">
+            <a:spLocks noGrp="1"/>
+          </p:cNvSpPr>
+          <p:nvPr>
+            <p:ph type="sldNum" idx="4294967295"/>
+          </p:nvPr>
+        </p:nvSpPr>
+        <p:spPr>
+          <a:xfrm>
+            <a:off x="76200" y="39925"/>
+            <a:ext cx="548700" cy="360000"/>
+          </a:xfrm>
+          <a:prstGeom prst="rect">
+            <a:avLst/>
+          </a:prstGeom>
+        </p:spPr>
+        <p:txBody>
+          <a:bodyPr spcFirstLastPara="1" wrap="square" lIns="91425" tIns="91425" rIns="91425" bIns="91425" anchor="t" anchorCtr="0">
+            <a:noAutofit/>
+          </a:bodyPr>
+          <a:lstStyle/>
+          <a:p>
+            <a:pPr marL="0" lvl="0" indent="0" algn="l" rtl="0">
+              <a:spcBef>
+                <a:spcPts val="0"/>
+              </a:spcBef>
+              <a:spcAft>
+                <a:spcPts val="0"/>
+              </a:spcAft>
+              <a:buNone/>
+            </a:pPr>
+            <a:fld id="{00000000-1234-1234-1234-123412341234}" type="slidenum">
+              <a:rPr lang="en" smtClean="0"/>
+              <a:t>23</a:t>
+            </a:fld>
+            <a:endParaRPr lang="en" dirty="0"/>
+          </a:p>
+        </p:txBody>
+      </p:sp>
+      <p:sp>
+        <p:nvSpPr>
+          <p:cNvPr id="5" name="Google Shape;542;p39">
+            <a:extLst>
+              <a:ext uri="{FF2B5EF4-FFF2-40B4-BE49-F238E27FC236}">
+                <a16:creationId xmlns:a16="http://schemas.microsoft.com/office/drawing/2014/main" id="{77E03226-DC26-3D1F-8F06-1496B28C8532}"/>
+              </a:ext>
+            </a:extLst>
+          </p:cNvPr>
+          <p:cNvSpPr/>
+          <p:nvPr/>
+        </p:nvSpPr>
+        <p:spPr>
+          <a:xfrm>
+            <a:off x="0" y="680774"/>
+            <a:ext cx="9144000" cy="1011043"/>
+          </a:xfrm>
+          <a:custGeom>
+            <a:avLst/>
+            <a:gdLst/>
+            <a:ahLst/>
+            <a:cxnLst/>
+            <a:rect l="l" t="t" r="r" b="b"/>
+            <a:pathLst>
+              <a:path w="12192000" h="1348058" extrusionOk="0">
+                <a:moveTo>
+                  <a:pt x="12192000" y="0"/>
+                </a:moveTo>
+                <a:lnTo>
+                  <a:pt x="10837333" y="0"/>
+                </a:lnTo>
+                <a:cubicBezTo>
+                  <a:pt x="10463295" y="0"/>
+                  <a:pt x="10160000" y="301773"/>
+                  <a:pt x="10160000" y="674029"/>
+                </a:cubicBezTo>
+                <a:lnTo>
+                  <a:pt x="10160000" y="674029"/>
+                </a:lnTo>
+                <a:cubicBezTo>
+                  <a:pt x="10160000" y="1046281"/>
+                  <a:pt x="9856705" y="1348059"/>
+                  <a:pt x="9482667" y="1348059"/>
+                </a:cubicBezTo>
+                <a:lnTo>
+                  <a:pt x="9482667" y="1348059"/>
+                </a:lnTo>
+                <a:cubicBezTo>
+                  <a:pt x="9108581" y="1348059"/>
+                  <a:pt x="8805333" y="1046281"/>
+                  <a:pt x="8805333" y="674029"/>
+                </a:cubicBezTo>
+                <a:lnTo>
+                  <a:pt x="8805333" y="674029"/>
+                </a:lnTo>
+                <a:cubicBezTo>
+                  <a:pt x="8805333" y="301773"/>
+                  <a:pt x="8502086" y="0"/>
+                  <a:pt x="8128000" y="0"/>
+                </a:cubicBezTo>
+                <a:lnTo>
+                  <a:pt x="8128000" y="0"/>
+                </a:lnTo>
+                <a:cubicBezTo>
+                  <a:pt x="7753915" y="0"/>
+                  <a:pt x="7450667" y="301773"/>
+                  <a:pt x="7450667" y="674029"/>
+                </a:cubicBezTo>
+                <a:lnTo>
+                  <a:pt x="7450667" y="674029"/>
+                </a:lnTo>
+                <a:cubicBezTo>
+                  <a:pt x="7450667" y="1046281"/>
+                  <a:pt x="7147419" y="1348059"/>
+                  <a:pt x="6773334" y="1348059"/>
+                </a:cubicBezTo>
+                <a:lnTo>
+                  <a:pt x="6773334" y="1348059"/>
+                </a:lnTo>
+                <a:cubicBezTo>
+                  <a:pt x="6399248" y="1348059"/>
+                  <a:pt x="6096000" y="1046281"/>
+                  <a:pt x="6096000" y="674029"/>
+                </a:cubicBezTo>
+                <a:lnTo>
+                  <a:pt x="6096000" y="674029"/>
+                </a:lnTo>
+                <a:cubicBezTo>
+                  <a:pt x="6096000" y="301773"/>
+                  <a:pt x="5792753" y="0"/>
+                  <a:pt x="5418667" y="0"/>
+                </a:cubicBezTo>
+                <a:lnTo>
+                  <a:pt x="5418667" y="0"/>
+                </a:lnTo>
+                <a:cubicBezTo>
+                  <a:pt x="5044581" y="0"/>
+                  <a:pt x="4741334" y="301773"/>
+                  <a:pt x="4741334" y="674029"/>
+                </a:cubicBezTo>
+                <a:lnTo>
+                  <a:pt x="4741334" y="674029"/>
+                </a:lnTo>
+                <a:cubicBezTo>
+                  <a:pt x="4741334" y="1046281"/>
+                  <a:pt x="4438076" y="1348059"/>
+                  <a:pt x="4064000" y="1348059"/>
+                </a:cubicBezTo>
+                <a:lnTo>
+                  <a:pt x="4064000" y="1348059"/>
+                </a:lnTo>
+                <a:cubicBezTo>
+                  <a:pt x="3689924" y="1348059"/>
+                  <a:pt x="3386667" y="1046281"/>
+                  <a:pt x="3386667" y="674029"/>
+                </a:cubicBezTo>
+                <a:lnTo>
+                  <a:pt x="3386667" y="674029"/>
+                </a:lnTo>
+                <a:cubicBezTo>
+                  <a:pt x="3386667" y="301773"/>
+                  <a:pt x="3083410" y="0"/>
+                  <a:pt x="2709333" y="0"/>
+                </a:cubicBezTo>
+                <a:lnTo>
+                  <a:pt x="2709333" y="0"/>
+                </a:lnTo>
+                <a:cubicBezTo>
+                  <a:pt x="2335257" y="0"/>
+                  <a:pt x="2032000" y="301773"/>
+                  <a:pt x="2032000" y="674029"/>
+                </a:cubicBezTo>
+                <a:lnTo>
+                  <a:pt x="2032000" y="674029"/>
+                </a:lnTo>
+                <a:cubicBezTo>
+                  <a:pt x="2032000" y="1046281"/>
+                  <a:pt x="1728743" y="1348059"/>
+                  <a:pt x="1354667" y="1348059"/>
+                </a:cubicBezTo>
+                <a:lnTo>
+                  <a:pt x="0" y="1348059"/>
+                </a:lnTo>
+              </a:path>
+            </a:pathLst>
+          </a:custGeom>
+          <a:noFill/>
+          <a:ln w="228600" cap="flat" cmpd="sng">
+            <a:solidFill>
+              <a:srgbClr val="B7B7B7"/>
+            </a:solidFill>
+            <a:prstDash val="solid"/>
+            <a:miter lim="8000"/>
+            <a:headEnd type="none" w="sm" len="sm"/>
+            <a:tailEnd type="none" w="sm" len="sm"/>
+          </a:ln>
+        </p:spPr>
+        <p:txBody>
+          <a:bodyPr spcFirstLastPara="1" wrap="square" lIns="91425" tIns="45700" rIns="91425" bIns="45700" anchor="ctr" anchorCtr="0">
+            <a:noAutofit/>
+          </a:bodyPr>
+          <a:lstStyle/>
+          <a:p>
+            <a:pPr marL="0" marR="0" lvl="0" indent="0" algn="l" rtl="0">
+              <a:spcBef>
+                <a:spcPts val="0"/>
+              </a:spcBef>
+              <a:spcAft>
+                <a:spcPts val="0"/>
+              </a:spcAft>
+              <a:buNone/>
+            </a:pPr>
+            <a:endParaRPr sz="1800">
+              <a:solidFill>
+                <a:srgbClr val="000000"/>
+              </a:solidFill>
+              <a:latin typeface="Calibri"/>
+              <a:ea typeface="Calibri"/>
+              <a:cs typeface="Calibri"/>
+              <a:sym typeface="Calibri"/>
+            </a:endParaRPr>
+          </a:p>
+        </p:txBody>
+      </p:sp>
+      <p:sp>
+        <p:nvSpPr>
+          <p:cNvPr id="6" name="Google Shape;543;p39">
+            <a:extLst>
+              <a:ext uri="{FF2B5EF4-FFF2-40B4-BE49-F238E27FC236}">
+                <a16:creationId xmlns:a16="http://schemas.microsoft.com/office/drawing/2014/main" id="{E14944C6-20C5-F06A-17DC-7BF06BBD88AB}"/>
+              </a:ext>
+            </a:extLst>
+          </p:cNvPr>
+          <p:cNvSpPr/>
+          <p:nvPr/>
+        </p:nvSpPr>
+        <p:spPr>
+          <a:xfrm>
+            <a:off x="0" y="680774"/>
+            <a:ext cx="9144000" cy="1011043"/>
+          </a:xfrm>
+          <a:custGeom>
+            <a:avLst/>
+            <a:gdLst/>
+            <a:ahLst/>
+            <a:cxnLst/>
+            <a:rect l="l" t="t" r="r" b="b"/>
+            <a:pathLst>
+              <a:path w="12192000" h="1348058" extrusionOk="0">
+                <a:moveTo>
+                  <a:pt x="12192000" y="0"/>
+                </a:moveTo>
+                <a:lnTo>
+                  <a:pt x="10837333" y="0"/>
+                </a:lnTo>
+                <a:cubicBezTo>
+                  <a:pt x="10463295" y="0"/>
+                  <a:pt x="10160000" y="301773"/>
+                  <a:pt x="10160000" y="674029"/>
+                </a:cubicBezTo>
+                <a:lnTo>
+                  <a:pt x="10160000" y="674029"/>
+                </a:lnTo>
+                <a:cubicBezTo>
+                  <a:pt x="10160000" y="1046281"/>
+                  <a:pt x="9856705" y="1348059"/>
+                  <a:pt x="9482667" y="1348059"/>
+                </a:cubicBezTo>
+                <a:lnTo>
+                  <a:pt x="9482667" y="1348059"/>
+                </a:lnTo>
+                <a:cubicBezTo>
+                  <a:pt x="9108581" y="1348059"/>
+                  <a:pt x="8805333" y="1046281"/>
+                  <a:pt x="8805333" y="674029"/>
+                </a:cubicBezTo>
+                <a:lnTo>
+                  <a:pt x="8805333" y="674029"/>
+                </a:lnTo>
+                <a:cubicBezTo>
+                  <a:pt x="8805333" y="301773"/>
+                  <a:pt x="8502086" y="0"/>
+                  <a:pt x="8128000" y="0"/>
+                </a:cubicBezTo>
+                <a:lnTo>
+                  <a:pt x="8128000" y="0"/>
+                </a:lnTo>
+                <a:cubicBezTo>
+                  <a:pt x="7753915" y="0"/>
+                  <a:pt x="7450667" y="301773"/>
+                  <a:pt x="7450667" y="674029"/>
+                </a:cubicBezTo>
+                <a:lnTo>
+                  <a:pt x="7450667" y="674029"/>
+                </a:lnTo>
+                <a:cubicBezTo>
+                  <a:pt x="7450667" y="1046281"/>
+                  <a:pt x="7147419" y="1348059"/>
+                  <a:pt x="6773334" y="1348059"/>
+                </a:cubicBezTo>
+                <a:lnTo>
+                  <a:pt x="6773334" y="1348059"/>
+                </a:lnTo>
+                <a:cubicBezTo>
+                  <a:pt x="6399248" y="1348059"/>
+                  <a:pt x="6096000" y="1046281"/>
+                  <a:pt x="6096000" y="674029"/>
+                </a:cubicBezTo>
+                <a:lnTo>
+                  <a:pt x="6096000" y="674029"/>
+                </a:lnTo>
+                <a:cubicBezTo>
+                  <a:pt x="6096000" y="301773"/>
+                  <a:pt x="5792753" y="0"/>
+                  <a:pt x="5418667" y="0"/>
+                </a:cubicBezTo>
+                <a:lnTo>
+                  <a:pt x="5418667" y="0"/>
+                </a:lnTo>
+                <a:cubicBezTo>
+                  <a:pt x="5044581" y="0"/>
+                  <a:pt x="4741334" y="301773"/>
+                  <a:pt x="4741334" y="674029"/>
+                </a:cubicBezTo>
+                <a:lnTo>
+                  <a:pt x="4741334" y="674029"/>
+                </a:lnTo>
+                <a:cubicBezTo>
+                  <a:pt x="4741334" y="1046281"/>
+                  <a:pt x="4438076" y="1348059"/>
+                  <a:pt x="4064000" y="1348059"/>
+                </a:cubicBezTo>
+                <a:lnTo>
+                  <a:pt x="4064000" y="1348059"/>
+                </a:lnTo>
+                <a:cubicBezTo>
+                  <a:pt x="3689924" y="1348059"/>
+                  <a:pt x="3386667" y="1046281"/>
+                  <a:pt x="3386667" y="674029"/>
+                </a:cubicBezTo>
+                <a:lnTo>
+                  <a:pt x="3386667" y="674029"/>
+                </a:lnTo>
+                <a:cubicBezTo>
+                  <a:pt x="3386667" y="301773"/>
+                  <a:pt x="3083410" y="0"/>
+                  <a:pt x="2709333" y="0"/>
+                </a:cubicBezTo>
+                <a:lnTo>
+                  <a:pt x="2709333" y="0"/>
+                </a:lnTo>
+                <a:cubicBezTo>
+                  <a:pt x="2335257" y="0"/>
+                  <a:pt x="2032000" y="301773"/>
+                  <a:pt x="2032000" y="674029"/>
+                </a:cubicBezTo>
+                <a:lnTo>
+                  <a:pt x="2032000" y="674029"/>
+                </a:lnTo>
+                <a:cubicBezTo>
+                  <a:pt x="2032000" y="1046281"/>
+                  <a:pt x="1728743" y="1348059"/>
+                  <a:pt x="1354667" y="1348059"/>
+                </a:cubicBezTo>
+                <a:lnTo>
+                  <a:pt x="0" y="1348059"/>
+                </a:lnTo>
+              </a:path>
+            </a:pathLst>
+          </a:custGeom>
+          <a:noFill/>
+          <a:ln w="19050" cap="flat" cmpd="sng">
+            <a:solidFill>
+              <a:srgbClr val="FFFFFF"/>
+            </a:solidFill>
+            <a:prstDash val="dash"/>
+            <a:miter lim="8000"/>
+            <a:headEnd type="none" w="sm" len="sm"/>
+            <a:tailEnd type="none" w="sm" len="sm"/>
+          </a:ln>
+        </p:spPr>
+        <p:txBody>
+          <a:bodyPr spcFirstLastPara="1" wrap="square" lIns="91425" tIns="45700" rIns="91425" bIns="45700" anchor="ctr" anchorCtr="0">
+            <a:noAutofit/>
+          </a:bodyPr>
+          <a:lstStyle/>
+          <a:p>
+            <a:pPr marL="0" marR="0" lvl="0" indent="0" algn="l" rtl="0">
+              <a:spcBef>
+                <a:spcPts val="0"/>
+              </a:spcBef>
+              <a:spcAft>
+                <a:spcPts val="0"/>
+              </a:spcAft>
+              <a:buNone/>
+            </a:pPr>
+            <a:endParaRPr sz="1800">
+              <a:solidFill>
+                <a:schemeClr val="lt1"/>
+              </a:solidFill>
+              <a:latin typeface="Calibri"/>
+              <a:ea typeface="Calibri"/>
+              <a:cs typeface="Calibri"/>
+              <a:sym typeface="Calibri"/>
+            </a:endParaRPr>
+          </a:p>
+        </p:txBody>
+      </p:sp>
+      <p:sp>
+        <p:nvSpPr>
+          <p:cNvPr id="14" name="Google Shape;280;p15">
+            <a:extLst>
+              <a:ext uri="{FF2B5EF4-FFF2-40B4-BE49-F238E27FC236}">
+                <a16:creationId xmlns:a16="http://schemas.microsoft.com/office/drawing/2014/main" id="{2F2089F2-7FF6-60CE-EA27-6D9E4DC6B50B}"/>
+              </a:ext>
+            </a:extLst>
+          </p:cNvPr>
+          <p:cNvSpPr txBox="1">
+            <a:spLocks noGrp="1"/>
+          </p:cNvSpPr>
+          <p:nvPr>
+            <p:ph type="subTitle" idx="1"/>
+          </p:nvPr>
+        </p:nvSpPr>
+        <p:spPr>
+          <a:xfrm>
+            <a:off x="350550" y="1873001"/>
+            <a:ext cx="7356666" cy="1205345"/>
+          </a:xfrm>
+          <a:prstGeom prst="rect">
+            <a:avLst/>
+          </a:prstGeom>
+        </p:spPr>
+        <p:txBody>
+          <a:bodyPr spcFirstLastPara="1" wrap="square" lIns="91425" tIns="91425" rIns="91425" bIns="91425" anchor="t" anchorCtr="0">
+            <a:noAutofit/>
+          </a:bodyPr>
+          <a:lstStyle/>
+          <a:p>
+            <a:pPr marL="76200" indent="0"/>
+            <a:endParaRPr lang="en-US" sz="1600" dirty="0">
+              <a:solidFill>
+                <a:schemeClr val="tx1"/>
+              </a:solidFill>
+              <a:effectLst/>
+              <a:latin typeface="Calibri" panose="020F0502020204030204" pitchFamily="34" charset="0"/>
+              <a:ea typeface="Calibri" panose="020F0502020204030204" pitchFamily="34" charset="0"/>
+              <a:cs typeface="Calibri" panose="020F0502020204030204" pitchFamily="34" charset="0"/>
+            </a:endParaRPr>
+          </a:p>
+          <a:p>
+            <a:pPr marL="76200" indent="0"/>
+            <a:endParaRPr lang="en-US" b="0" dirty="0">
+              <a:solidFill>
+                <a:schemeClr val="tx1"/>
+              </a:solidFill>
+              <a:effectLst/>
+              <a:latin typeface="Calibri" panose="020F0502020204030204" pitchFamily="34" charset="0"/>
+              <a:ea typeface="Calibri" panose="020F0502020204030204" pitchFamily="34" charset="0"/>
+              <a:cs typeface="Calibri" panose="020F0502020204030204" pitchFamily="34" charset="0"/>
+            </a:endParaRPr>
+          </a:p>
+        </p:txBody>
+      </p:sp>
+      <p:sp>
+        <p:nvSpPr>
+          <p:cNvPr id="19" name="Google Shape;280;p15">
+            <a:extLst>
+              <a:ext uri="{FF2B5EF4-FFF2-40B4-BE49-F238E27FC236}">
+                <a16:creationId xmlns:a16="http://schemas.microsoft.com/office/drawing/2014/main" id="{82B98897-B353-DA9A-B08C-7A40504ED15F}"/>
+              </a:ext>
+            </a:extLst>
+          </p:cNvPr>
+          <p:cNvSpPr txBox="1">
+            <a:spLocks/>
+          </p:cNvSpPr>
+          <p:nvPr/>
+        </p:nvSpPr>
+        <p:spPr>
+          <a:xfrm>
+            <a:off x="480721" y="4464877"/>
+            <a:ext cx="7356666" cy="503833"/>
+          </a:xfrm>
+          <a:prstGeom prst="rect">
+            <a:avLst/>
+          </a:prstGeom>
+          <a:noFill/>
+          <a:ln>
+            <a:noFill/>
+          </a:ln>
+        </p:spPr>
+        <p:txBody>
+          <a:bodyPr spcFirstLastPara="1" wrap="square" lIns="91425" tIns="91425" rIns="91425" bIns="91425" anchor="t" anchorCtr="0">
+            <a:noAutofit/>
+          </a:bodyPr>
+          <a:lstStyle>
+            <a:defPPr marR="0" lvl="0" algn="l" rtl="0">
+              <a:lnSpc>
+                <a:spcPct val="100000"/>
+              </a:lnSpc>
+              <a:spcBef>
+                <a:spcPts val="0"/>
+              </a:spcBef>
+              <a:spcAft>
+                <a:spcPts val="0"/>
+              </a:spcAft>
+            </a:defPPr>
+            <a:lvl1pPr marL="457200" marR="0" lvl="0" indent="-381000" algn="l" rtl="0">
+              <a:lnSpc>
+                <a:spcPct val="100000"/>
+              </a:lnSpc>
+              <a:spcBef>
+                <a:spcPts val="0"/>
+              </a:spcBef>
+              <a:spcAft>
+                <a:spcPts val="0"/>
+              </a:spcAft>
+              <a:buClr>
+                <a:schemeClr val="dk2"/>
+              </a:buClr>
+              <a:buSzPts val="1800"/>
+              <a:buFont typeface="PT Serif"/>
+              <a:buNone/>
+              <a:defRPr sz="1800" b="0" i="0" u="none" strike="noStrike" cap="none">
+                <a:solidFill>
+                  <a:schemeClr val="dk2"/>
+                </a:solidFill>
+                <a:latin typeface="PT Serif"/>
+                <a:ea typeface="PT Serif"/>
+                <a:cs typeface="PT Serif"/>
+                <a:sym typeface="PT Serif"/>
+              </a:defRPr>
+            </a:lvl1pPr>
+            <a:lvl2pPr marL="914400" marR="0" lvl="1" indent="-381000" algn="l" rtl="0">
+              <a:lnSpc>
+                <a:spcPct val="100000"/>
+              </a:lnSpc>
+              <a:spcBef>
+                <a:spcPts val="0"/>
+              </a:spcBef>
+              <a:spcAft>
+                <a:spcPts val="0"/>
+              </a:spcAft>
+              <a:buClr>
+                <a:schemeClr val="dk2"/>
+              </a:buClr>
+              <a:buSzPts val="1800"/>
+              <a:buFont typeface="PT Serif"/>
+              <a:buNone/>
+              <a:defRPr sz="1800" b="0" i="0" u="none" strike="noStrike" cap="none">
+                <a:solidFill>
+                  <a:schemeClr val="dk2"/>
+                </a:solidFill>
+                <a:latin typeface="PT Serif"/>
+                <a:ea typeface="PT Serif"/>
+                <a:cs typeface="PT Serif"/>
+                <a:sym typeface="PT Serif"/>
+              </a:defRPr>
+            </a:lvl2pPr>
+            <a:lvl3pPr marL="1371600" marR="0" lvl="2" indent="-381000" algn="l" rtl="0">
+              <a:lnSpc>
+                <a:spcPct val="100000"/>
+              </a:lnSpc>
+              <a:spcBef>
+                <a:spcPts val="0"/>
+              </a:spcBef>
+              <a:spcAft>
+                <a:spcPts val="0"/>
+              </a:spcAft>
+              <a:buClr>
+                <a:schemeClr val="dk2"/>
+              </a:buClr>
+              <a:buSzPts val="1800"/>
+              <a:buFont typeface="PT Serif"/>
+              <a:buNone/>
+              <a:defRPr sz="1800" b="0" i="0" u="none" strike="noStrike" cap="none">
+                <a:solidFill>
+                  <a:schemeClr val="dk2"/>
+                </a:solidFill>
+                <a:latin typeface="PT Serif"/>
+                <a:ea typeface="PT Serif"/>
+                <a:cs typeface="PT Serif"/>
+                <a:sym typeface="PT Serif"/>
+              </a:defRPr>
+            </a:lvl3pPr>
+            <a:lvl4pPr marL="1828800" marR="0" lvl="3" indent="-381000" algn="l" rtl="0">
+              <a:lnSpc>
+                <a:spcPct val="100000"/>
+              </a:lnSpc>
+              <a:spcBef>
+                <a:spcPts val="0"/>
+              </a:spcBef>
+              <a:spcAft>
+                <a:spcPts val="0"/>
+              </a:spcAft>
+              <a:buClr>
+                <a:schemeClr val="dk2"/>
+              </a:buClr>
+              <a:buSzPts val="1800"/>
+              <a:buFont typeface="PT Serif"/>
+              <a:buNone/>
+              <a:defRPr sz="1800" b="0" i="0" u="none" strike="noStrike" cap="none">
+                <a:solidFill>
+                  <a:schemeClr val="dk2"/>
+                </a:solidFill>
+                <a:latin typeface="PT Serif"/>
+                <a:ea typeface="PT Serif"/>
+                <a:cs typeface="PT Serif"/>
+                <a:sym typeface="PT Serif"/>
+              </a:defRPr>
+            </a:lvl4pPr>
+            <a:lvl5pPr marL="2286000" marR="0" lvl="4" indent="-381000" algn="l" rtl="0">
+              <a:lnSpc>
+                <a:spcPct val="100000"/>
+              </a:lnSpc>
+              <a:spcBef>
+                <a:spcPts val="0"/>
+              </a:spcBef>
+              <a:spcAft>
+                <a:spcPts val="0"/>
+              </a:spcAft>
+              <a:buClr>
+                <a:schemeClr val="dk2"/>
+              </a:buClr>
+              <a:buSzPts val="1800"/>
+              <a:buFont typeface="PT Serif"/>
+              <a:buNone/>
+              <a:defRPr sz="1800" b="0" i="0" u="none" strike="noStrike" cap="none">
+                <a:solidFill>
+                  <a:schemeClr val="dk2"/>
+                </a:solidFill>
+                <a:latin typeface="PT Serif"/>
+                <a:ea typeface="PT Serif"/>
+                <a:cs typeface="PT Serif"/>
+                <a:sym typeface="PT Serif"/>
+              </a:defRPr>
+            </a:lvl5pPr>
+            <a:lvl6pPr marL="2743200" marR="0" lvl="5" indent="-381000" algn="l" rtl="0">
+              <a:lnSpc>
+                <a:spcPct val="100000"/>
+              </a:lnSpc>
+              <a:spcBef>
+                <a:spcPts val="0"/>
+              </a:spcBef>
+              <a:spcAft>
+                <a:spcPts val="0"/>
+              </a:spcAft>
+              <a:buClr>
+                <a:schemeClr val="dk2"/>
+              </a:buClr>
+              <a:buSzPts val="1800"/>
+              <a:buFont typeface="PT Serif"/>
+              <a:buNone/>
+              <a:defRPr sz="1800" b="0" i="0" u="none" strike="noStrike" cap="none">
+                <a:solidFill>
+                  <a:schemeClr val="dk2"/>
+                </a:solidFill>
+                <a:latin typeface="PT Serif"/>
+                <a:ea typeface="PT Serif"/>
+                <a:cs typeface="PT Serif"/>
+                <a:sym typeface="PT Serif"/>
+              </a:defRPr>
+            </a:lvl6pPr>
+            <a:lvl7pPr marL="3200400" marR="0" lvl="6" indent="-381000" algn="l" rtl="0">
+              <a:lnSpc>
+                <a:spcPct val="100000"/>
+              </a:lnSpc>
+              <a:spcBef>
+                <a:spcPts val="0"/>
+              </a:spcBef>
+              <a:spcAft>
+                <a:spcPts val="0"/>
+              </a:spcAft>
+              <a:buClr>
+                <a:schemeClr val="dk2"/>
+              </a:buClr>
+              <a:buSzPts val="1800"/>
+              <a:buFont typeface="PT Serif"/>
+              <a:buNone/>
+              <a:defRPr sz="1800" b="0" i="0" u="none" strike="noStrike" cap="none">
+                <a:solidFill>
+                  <a:schemeClr val="dk2"/>
+                </a:solidFill>
+                <a:latin typeface="PT Serif"/>
+                <a:ea typeface="PT Serif"/>
+                <a:cs typeface="PT Serif"/>
+                <a:sym typeface="PT Serif"/>
+              </a:defRPr>
+            </a:lvl7pPr>
+            <a:lvl8pPr marL="3657600" marR="0" lvl="7" indent="-381000" algn="l" rtl="0">
+              <a:lnSpc>
+                <a:spcPct val="100000"/>
+              </a:lnSpc>
+              <a:spcBef>
+                <a:spcPts val="0"/>
+              </a:spcBef>
+              <a:spcAft>
+                <a:spcPts val="0"/>
+              </a:spcAft>
+              <a:buClr>
+                <a:schemeClr val="dk2"/>
+              </a:buClr>
+              <a:buSzPts val="1800"/>
+              <a:buFont typeface="PT Serif"/>
+              <a:buNone/>
+              <a:defRPr sz="1800" b="0" i="0" u="none" strike="noStrike" cap="none">
+                <a:solidFill>
+                  <a:schemeClr val="dk2"/>
+                </a:solidFill>
+                <a:latin typeface="PT Serif"/>
+                <a:ea typeface="PT Serif"/>
+                <a:cs typeface="PT Serif"/>
+                <a:sym typeface="PT Serif"/>
+              </a:defRPr>
+            </a:lvl8pPr>
+            <a:lvl9pPr marL="4114800" marR="0" lvl="8" indent="-381000" algn="l" rtl="0">
+              <a:lnSpc>
+                <a:spcPct val="100000"/>
+              </a:lnSpc>
+              <a:spcBef>
+                <a:spcPts val="0"/>
+              </a:spcBef>
+              <a:spcAft>
+                <a:spcPts val="0"/>
+              </a:spcAft>
+              <a:buClr>
+                <a:schemeClr val="dk2"/>
+              </a:buClr>
+              <a:buSzPts val="1800"/>
+              <a:buFont typeface="PT Serif"/>
+              <a:buNone/>
+              <a:defRPr sz="1800" b="0" i="0" u="none" strike="noStrike" cap="none">
+                <a:solidFill>
+                  <a:schemeClr val="dk2"/>
+                </a:solidFill>
+                <a:latin typeface="PT Serif"/>
+                <a:ea typeface="PT Serif"/>
+                <a:cs typeface="PT Serif"/>
+                <a:sym typeface="PT Serif"/>
+              </a:defRPr>
+            </a:lvl9pPr>
+          </a:lstStyle>
+          <a:p>
+            <a:pPr marL="76200" indent="0"/>
+            <a:endParaRPr lang="en-US" sz="1600" dirty="0">
+              <a:solidFill>
+                <a:schemeClr val="tx1"/>
+              </a:solidFill>
+              <a:latin typeface="Calibri" panose="020F0502020204030204" pitchFamily="34" charset="0"/>
+              <a:ea typeface="Calibri" panose="020F0502020204030204" pitchFamily="34" charset="0"/>
+              <a:cs typeface="Calibri" panose="020F0502020204030204" pitchFamily="34" charset="0"/>
+            </a:endParaRPr>
+          </a:p>
+        </p:txBody>
+      </p:sp>
+      <p:sp>
+        <p:nvSpPr>
+          <p:cNvPr id="3" name="Google Shape;1521;p50">
+            <a:extLst>
+              <a:ext uri="{FF2B5EF4-FFF2-40B4-BE49-F238E27FC236}">
+                <a16:creationId xmlns:a16="http://schemas.microsoft.com/office/drawing/2014/main" id="{5E59D012-DBD8-B448-5591-8721F448F98B}"/>
+              </a:ext>
+            </a:extLst>
+          </p:cNvPr>
+          <p:cNvSpPr txBox="1"/>
+          <p:nvPr/>
+        </p:nvSpPr>
+        <p:spPr>
+          <a:xfrm>
+            <a:off x="1036826" y="2364646"/>
+            <a:ext cx="6391724" cy="1039392"/>
+          </a:xfrm>
+          <a:prstGeom prst="rect">
+            <a:avLst/>
+          </a:prstGeom>
+          <a:noFill/>
+          <a:ln>
+            <a:noFill/>
+          </a:ln>
+        </p:spPr>
+        <p:txBody>
+          <a:bodyPr spcFirstLastPara="1" wrap="square" lIns="0" tIns="0" rIns="0" bIns="0" anchor="t" anchorCtr="0">
+            <a:noAutofit/>
+          </a:bodyPr>
+          <a:lstStyle/>
+          <a:p>
+            <a:pPr marL="0" lvl="0" indent="0" algn="ctr" rtl="0">
+              <a:spcBef>
+                <a:spcPts val="0"/>
+              </a:spcBef>
+              <a:spcAft>
+                <a:spcPts val="0"/>
+              </a:spcAft>
+              <a:buNone/>
+            </a:pPr>
+            <a:r>
+              <a:rPr lang="en" sz="4800" b="1" dirty="0">
+                <a:solidFill>
+                  <a:schemeClr val="tx1"/>
+                </a:solidFill>
+                <a:latin typeface="Montserrat"/>
+                <a:ea typeface="Montserrat"/>
+                <a:cs typeface="Montserrat"/>
+                <a:sym typeface="Montserrat"/>
+              </a:rPr>
+              <a:t>Thank you!</a:t>
+            </a:r>
+            <a:endParaRPr sz="4800" b="1" dirty="0">
+              <a:solidFill>
+                <a:schemeClr val="tx1"/>
+              </a:solidFill>
+              <a:latin typeface="Montserrat"/>
+              <a:ea typeface="Montserrat"/>
+              <a:cs typeface="Montserrat"/>
+              <a:sym typeface="Montserrat"/>
+            </a:endParaRPr>
+          </a:p>
+        </p:txBody>
+      </p:sp>
+      <p:pic>
+        <p:nvPicPr>
+          <p:cNvPr id="7" name="Picture 6" descr="A red sports car on a black background&#10;&#10;Description automatically generated with medium confidence">
+            <a:extLst>
+              <a:ext uri="{FF2B5EF4-FFF2-40B4-BE49-F238E27FC236}">
+                <a16:creationId xmlns:a16="http://schemas.microsoft.com/office/drawing/2014/main" id="{5EE73578-4FFB-3583-9CDC-C2967CE1B61C}"/>
+              </a:ext>
+            </a:extLst>
+          </p:cNvPr>
+          <p:cNvPicPr>
+            <a:picLocks noChangeAspect="1"/>
+          </p:cNvPicPr>
+          <p:nvPr/>
+        </p:nvPicPr>
+        <p:blipFill>
+          <a:blip r:embed="rId3"/>
+          <a:stretch>
+            <a:fillRect/>
+          </a:stretch>
+        </p:blipFill>
+        <p:spPr>
+          <a:xfrm>
+            <a:off x="8638478" y="34828"/>
+            <a:ext cx="1011043" cy="1011043"/>
+          </a:xfrm>
+          <a:prstGeom prst="rect">
+            <a:avLst/>
+          </a:prstGeom>
+        </p:spPr>
+      </p:pic>
+    </p:spTree>
+    <p:extLst>
+      <p:ext uri="{BB962C8B-B14F-4D97-AF65-F5344CB8AC3E}">
+        <p14:creationId xmlns:p14="http://schemas.microsoft.com/office/powerpoint/2010/main" val="1039551572"/>
       </p:ext>
     </p:extLst>
   </p:cSld>
